--- a/docs/images/All Images.pptx
+++ b/docs/images/All Images.pptx
@@ -262,7 +262,7 @@
           <a:p>
             <a:fld id="{7C7C8CC2-4E43-407C-8230-EFF88652EA00}" type="datetimeFigureOut">
               <a:rPr lang="en-NZ" smtClean="0"/>
-              <a:t>27/09/2023</a:t>
+              <a:t>1/10/2023</a:t>
             </a:fld>
             <a:endParaRPr lang="en-NZ"/>
           </a:p>
@@ -462,7 +462,7 @@
           <a:p>
             <a:fld id="{7C7C8CC2-4E43-407C-8230-EFF88652EA00}" type="datetimeFigureOut">
               <a:rPr lang="en-NZ" smtClean="0"/>
-              <a:t>27/09/2023</a:t>
+              <a:t>1/10/2023</a:t>
             </a:fld>
             <a:endParaRPr lang="en-NZ"/>
           </a:p>
@@ -672,7 +672,7 @@
           <a:p>
             <a:fld id="{7C7C8CC2-4E43-407C-8230-EFF88652EA00}" type="datetimeFigureOut">
               <a:rPr lang="en-NZ" smtClean="0"/>
-              <a:t>27/09/2023</a:t>
+              <a:t>1/10/2023</a:t>
             </a:fld>
             <a:endParaRPr lang="en-NZ"/>
           </a:p>
@@ -872,7 +872,7 @@
           <a:p>
             <a:fld id="{7C7C8CC2-4E43-407C-8230-EFF88652EA00}" type="datetimeFigureOut">
               <a:rPr lang="en-NZ" smtClean="0"/>
-              <a:t>27/09/2023</a:t>
+              <a:t>1/10/2023</a:t>
             </a:fld>
             <a:endParaRPr lang="en-NZ"/>
           </a:p>
@@ -1148,7 +1148,7 @@
           <a:p>
             <a:fld id="{7C7C8CC2-4E43-407C-8230-EFF88652EA00}" type="datetimeFigureOut">
               <a:rPr lang="en-NZ" smtClean="0"/>
-              <a:t>27/09/2023</a:t>
+              <a:t>1/10/2023</a:t>
             </a:fld>
             <a:endParaRPr lang="en-NZ"/>
           </a:p>
@@ -1416,7 +1416,7 @@
           <a:p>
             <a:fld id="{7C7C8CC2-4E43-407C-8230-EFF88652EA00}" type="datetimeFigureOut">
               <a:rPr lang="en-NZ" smtClean="0"/>
-              <a:t>27/09/2023</a:t>
+              <a:t>1/10/2023</a:t>
             </a:fld>
             <a:endParaRPr lang="en-NZ"/>
           </a:p>
@@ -1831,7 +1831,7 @@
           <a:p>
             <a:fld id="{7C7C8CC2-4E43-407C-8230-EFF88652EA00}" type="datetimeFigureOut">
               <a:rPr lang="en-NZ" smtClean="0"/>
-              <a:t>27/09/2023</a:t>
+              <a:t>1/10/2023</a:t>
             </a:fld>
             <a:endParaRPr lang="en-NZ"/>
           </a:p>
@@ -1973,7 +1973,7 @@
           <a:p>
             <a:fld id="{7C7C8CC2-4E43-407C-8230-EFF88652EA00}" type="datetimeFigureOut">
               <a:rPr lang="en-NZ" smtClean="0"/>
-              <a:t>27/09/2023</a:t>
+              <a:t>1/10/2023</a:t>
             </a:fld>
             <a:endParaRPr lang="en-NZ"/>
           </a:p>
@@ -2086,7 +2086,7 @@
           <a:p>
             <a:fld id="{7C7C8CC2-4E43-407C-8230-EFF88652EA00}" type="datetimeFigureOut">
               <a:rPr lang="en-NZ" smtClean="0"/>
-              <a:t>27/09/2023</a:t>
+              <a:t>1/10/2023</a:t>
             </a:fld>
             <a:endParaRPr lang="en-NZ"/>
           </a:p>
@@ -2399,7 +2399,7 @@
           <a:p>
             <a:fld id="{7C7C8CC2-4E43-407C-8230-EFF88652EA00}" type="datetimeFigureOut">
               <a:rPr lang="en-NZ" smtClean="0"/>
-              <a:t>27/09/2023</a:t>
+              <a:t>1/10/2023</a:t>
             </a:fld>
             <a:endParaRPr lang="en-NZ"/>
           </a:p>
@@ -2688,7 +2688,7 @@
           <a:p>
             <a:fld id="{7C7C8CC2-4E43-407C-8230-EFF88652EA00}" type="datetimeFigureOut">
               <a:rPr lang="en-NZ" smtClean="0"/>
-              <a:t>27/09/2023</a:t>
+              <a:t>1/10/2023</a:t>
             </a:fld>
             <a:endParaRPr lang="en-NZ"/>
           </a:p>
@@ -2931,7 +2931,7 @@
           <a:p>
             <a:fld id="{7C7C8CC2-4E43-407C-8230-EFF88652EA00}" type="datetimeFigureOut">
               <a:rPr lang="en-NZ" smtClean="0"/>
-              <a:t>27/09/2023</a:t>
+              <a:t>1/10/2023</a:t>
             </a:fld>
             <a:endParaRPr lang="en-NZ"/>
           </a:p>
@@ -3350,10 +3350,10 @@
       </p:grpSpPr>
       <p:grpSp>
         <p:nvGrpSpPr>
-          <p:cNvPr id="1098" name="Group 1097">
-            <a:extLst>
-              <a:ext uri="{FF2B5EF4-FFF2-40B4-BE49-F238E27FC236}">
-                <a16:creationId xmlns:a16="http://schemas.microsoft.com/office/drawing/2014/main" id="{790EADDC-DEFA-7D19-1098-89DF5A418F65}"/>
+          <p:cNvPr id="1088" name="Group 1087">
+            <a:extLst>
+              <a:ext uri="{FF2B5EF4-FFF2-40B4-BE49-F238E27FC236}">
+                <a16:creationId xmlns:a16="http://schemas.microsoft.com/office/drawing/2014/main" id="{1361DF1D-890C-22D8-8061-0E808138303F}"/>
               </a:ext>
             </a:extLst>
           </p:cNvPr>
@@ -3362,10 +3362,10 @@
         </p:nvGrpSpPr>
         <p:grpSpPr>
           <a:xfrm>
-            <a:off x="1496896" y="4962433"/>
-            <a:ext cx="9550362" cy="1781254"/>
-            <a:chOff x="1496896" y="4962433"/>
-            <a:chExt cx="9550362" cy="1781254"/>
+            <a:off x="1496896" y="4935101"/>
+            <a:ext cx="9200446" cy="1792852"/>
+            <a:chOff x="1496896" y="4935101"/>
+            <a:chExt cx="9200446" cy="1792852"/>
           </a:xfrm>
         </p:grpSpPr>
         <p:sp>
@@ -3382,8 +3382,8 @@
           </p:nvSpPr>
           <p:spPr>
             <a:xfrm>
-              <a:off x="9510454" y="4962433"/>
-              <a:ext cx="1536804" cy="1781254"/>
+              <a:off x="7271031" y="4946699"/>
+              <a:ext cx="1111013" cy="1781254"/>
             </a:xfrm>
             <a:prstGeom prst="rect">
               <a:avLst/>
@@ -3418,12 +3418,12 @@
             </a:fontRef>
           </p:style>
           <p:txBody>
-            <a:bodyPr rtlCol="0" anchor="b"/>
+            <a:bodyPr lIns="0" rIns="0" rtlCol="0" anchor="b"/>
             <a:lstStyle/>
             <a:p>
-              <a:pPr algn="r"/>
+              <a:pPr algn="ctr"/>
               <a:r>
-                <a:rPr lang="en-NZ" dirty="0">
+                <a:rPr lang="en-NZ" sz="1600" dirty="0">
                   <a:solidFill>
                     <a:schemeClr val="bg2">
                       <a:lumMod val="75000"/>
@@ -3432,7 +3432,7 @@
                 </a:rPr>
                 <a:t>Avatars</a:t>
               </a:r>
-              <a:endParaRPr lang="en-NZ" sz="700" dirty="0">
+              <a:endParaRPr lang="en-NZ" sz="600" dirty="0">
                 <a:solidFill>
                   <a:schemeClr val="bg2">
                     <a:lumMod val="75000"/>
@@ -3456,8 +3456,8 @@
           </p:nvSpPr>
           <p:spPr>
             <a:xfrm>
-              <a:off x="7907744" y="4962433"/>
-              <a:ext cx="1536804" cy="1781254"/>
+              <a:off x="6116204" y="4946699"/>
+              <a:ext cx="1111013" cy="1781254"/>
             </a:xfrm>
             <a:prstGeom prst="rect">
               <a:avLst/>
@@ -3492,12 +3492,12 @@
             </a:fontRef>
           </p:style>
           <p:txBody>
-            <a:bodyPr rtlCol="0" anchor="b"/>
+            <a:bodyPr lIns="0" rIns="0" rtlCol="0" anchor="b"/>
             <a:lstStyle/>
             <a:p>
-              <a:pPr algn="r"/>
+              <a:pPr algn="ctr"/>
               <a:r>
-                <a:rPr lang="en-NZ" dirty="0">
+                <a:rPr lang="en-NZ" sz="1600" dirty="0">
                   <a:solidFill>
                     <a:schemeClr val="bg2">
                       <a:lumMod val="75000"/>
@@ -3506,7 +3506,7 @@
                 </a:rPr>
                 <a:t>Emails</a:t>
               </a:r>
-              <a:endParaRPr lang="en-NZ" sz="700" dirty="0">
+              <a:endParaRPr lang="en-NZ" sz="600" dirty="0">
                 <a:solidFill>
                   <a:schemeClr val="bg2">
                     <a:lumMod val="75000"/>
@@ -3530,8 +3530,8 @@
           </p:nvSpPr>
           <p:spPr>
             <a:xfrm>
-              <a:off x="6305032" y="4962433"/>
-              <a:ext cx="1536804" cy="1781254"/>
+              <a:off x="4961377" y="4939656"/>
+              <a:ext cx="1111013" cy="1781254"/>
             </a:xfrm>
             <a:prstGeom prst="rect">
               <a:avLst/>
@@ -3566,12 +3566,12 @@
             </a:fontRef>
           </p:style>
           <p:txBody>
-            <a:bodyPr rtlCol="0" anchor="b"/>
+            <a:bodyPr lIns="0" rIns="0" rtlCol="0" anchor="b"/>
             <a:lstStyle/>
             <a:p>
-              <a:pPr algn="r"/>
+              <a:pPr algn="ctr"/>
               <a:r>
-                <a:rPr lang="en-NZ" dirty="0">
+                <a:rPr lang="en-NZ" sz="1400" dirty="0">
                   <a:solidFill>
                     <a:schemeClr val="bg2">
                       <a:lumMod val="75000"/>
@@ -3580,7 +3580,7 @@
                 </a:rPr>
                 <a:t>Feature Flags</a:t>
               </a:r>
-              <a:endParaRPr lang="en-NZ" sz="700" dirty="0">
+              <a:endParaRPr lang="en-NZ" sz="500" dirty="0">
                 <a:solidFill>
                   <a:schemeClr val="bg2">
                     <a:lumMod val="75000"/>
@@ -3604,8 +3604,8 @@
           </p:nvSpPr>
           <p:spPr>
             <a:xfrm>
-              <a:off x="4702320" y="4962433"/>
-              <a:ext cx="1536804" cy="1781254"/>
+              <a:off x="3806550" y="4946699"/>
+              <a:ext cx="1111013" cy="1781254"/>
             </a:xfrm>
             <a:prstGeom prst="rect">
               <a:avLst/>
@@ -3640,21 +3640,21 @@
             </a:fontRef>
           </p:style>
           <p:txBody>
-            <a:bodyPr rtlCol="0" anchor="b"/>
+            <a:bodyPr lIns="0" rIns="0" rtlCol="0" anchor="b"/>
             <a:lstStyle/>
             <a:p>
-              <a:pPr algn="r"/>
+              <a:pPr algn="ctr"/>
               <a:r>
-                <a:rPr lang="en-NZ" dirty="0">
+                <a:rPr lang="en-NZ" sz="1200" dirty="0">
                   <a:solidFill>
                     <a:schemeClr val="bg2">
                       <a:lumMod val="75000"/>
                     </a:schemeClr>
                   </a:solidFill>
                 </a:rPr>
-                <a:t>Usage Metrics</a:t>
+                <a:t>Product Metrics</a:t>
               </a:r>
-              <a:endParaRPr lang="en-NZ" sz="700" dirty="0">
+              <a:endParaRPr lang="en-NZ" sz="400" dirty="0">
                 <a:solidFill>
                   <a:schemeClr val="bg2">
                     <a:lumMod val="75000"/>
@@ -3678,8 +3678,8 @@
           </p:nvSpPr>
           <p:spPr>
             <a:xfrm>
-              <a:off x="3099608" y="4962433"/>
-              <a:ext cx="1536804" cy="1781254"/>
+              <a:off x="2651723" y="4946699"/>
+              <a:ext cx="1111013" cy="1781254"/>
             </a:xfrm>
             <a:prstGeom prst="rect">
               <a:avLst/>
@@ -3714,12 +3714,12 @@
             </a:fontRef>
           </p:style>
           <p:txBody>
-            <a:bodyPr rtlCol="0" anchor="b"/>
+            <a:bodyPr lIns="0" rIns="0" rtlCol="0" anchor="b"/>
             <a:lstStyle/>
             <a:p>
-              <a:pPr algn="r"/>
+              <a:pPr algn="ctr"/>
               <a:r>
-                <a:rPr lang="en-NZ" dirty="0">
+                <a:rPr lang="en-NZ" sz="1400" dirty="0">
                   <a:solidFill>
                     <a:schemeClr val="bg2">
                       <a:lumMod val="75000"/>
@@ -3728,7 +3728,7 @@
                 </a:rPr>
                 <a:t>Subscriptions</a:t>
               </a:r>
-              <a:endParaRPr lang="en-NZ" sz="700" dirty="0">
+              <a:endParaRPr lang="en-NZ" sz="600" dirty="0">
                 <a:solidFill>
                   <a:schemeClr val="bg2">
                     <a:lumMod val="75000"/>
@@ -3752,8 +3752,8 @@
           </p:nvSpPr>
           <p:spPr>
             <a:xfrm>
-              <a:off x="1496896" y="4962433"/>
-              <a:ext cx="1536804" cy="1781254"/>
+              <a:off x="1496896" y="4946699"/>
+              <a:ext cx="1111013" cy="1781254"/>
             </a:xfrm>
             <a:prstGeom prst="rect">
               <a:avLst/>
@@ -3788,12 +3788,12 @@
             </a:fontRef>
           </p:style>
           <p:txBody>
-            <a:bodyPr rtlCol="0" anchor="b"/>
+            <a:bodyPr lIns="0" rIns="0" rtlCol="0" anchor="b"/>
             <a:lstStyle/>
             <a:p>
-              <a:pPr algn="r"/>
+              <a:pPr algn="ctr"/>
               <a:r>
-                <a:rPr lang="en-NZ" dirty="0">
+                <a:rPr lang="en-NZ" sz="1600" dirty="0">
                   <a:solidFill>
                     <a:schemeClr val="bg2">
                       <a:lumMod val="75000"/>
@@ -3802,7 +3802,155 @@
                 </a:rPr>
                 <a:t>Payments</a:t>
               </a:r>
-              <a:endParaRPr lang="en-NZ" sz="700" dirty="0">
+              <a:endParaRPr lang="en-NZ" sz="600" dirty="0">
+                <a:solidFill>
+                  <a:schemeClr val="bg2">
+                    <a:lumMod val="75000"/>
+                  </a:schemeClr>
+                </a:solidFill>
+              </a:endParaRPr>
+            </a:p>
+          </p:txBody>
+        </p:sp>
+        <p:sp>
+          <p:nvSpPr>
+            <p:cNvPr id="1044" name="Rectangle 1043">
+              <a:extLst>
+                <a:ext uri="{FF2B5EF4-FFF2-40B4-BE49-F238E27FC236}">
+                  <a16:creationId xmlns:a16="http://schemas.microsoft.com/office/drawing/2014/main" id="{C841B7AF-09E9-E9A9-8240-9D4C6EC006E8}"/>
+                </a:ext>
+              </a:extLst>
+            </p:cNvPr>
+            <p:cNvSpPr/>
+            <p:nvPr/>
+          </p:nvSpPr>
+          <p:spPr>
+            <a:xfrm>
+              <a:off x="8425859" y="4939656"/>
+              <a:ext cx="1111013" cy="1781254"/>
+            </a:xfrm>
+            <a:prstGeom prst="rect">
+              <a:avLst/>
+            </a:prstGeom>
+            <a:solidFill>
+              <a:schemeClr val="bg1">
+                <a:lumMod val="85000"/>
+              </a:schemeClr>
+            </a:solidFill>
+            <a:ln>
+              <a:solidFill>
+                <a:schemeClr val="bg1">
+                  <a:lumMod val="65000"/>
+                </a:schemeClr>
+              </a:solidFill>
+            </a:ln>
+          </p:spPr>
+          <p:style>
+            <a:lnRef idx="2">
+              <a:schemeClr val="accent1">
+                <a:shade val="15000"/>
+              </a:schemeClr>
+            </a:lnRef>
+            <a:fillRef idx="1">
+              <a:schemeClr val="accent1"/>
+            </a:fillRef>
+            <a:effectRef idx="0">
+              <a:schemeClr val="accent1"/>
+            </a:effectRef>
+            <a:fontRef idx="minor">
+              <a:schemeClr val="lt1"/>
+            </a:fontRef>
+          </p:style>
+          <p:txBody>
+            <a:bodyPr lIns="0" rIns="0" rtlCol="0" anchor="b"/>
+            <a:lstStyle/>
+            <a:p>
+              <a:pPr algn="ctr"/>
+              <a:r>
+                <a:rPr lang="en-NZ" sz="1400" dirty="0">
+                  <a:solidFill>
+                    <a:schemeClr val="bg2">
+                      <a:lumMod val="75000"/>
+                    </a:schemeClr>
+                  </a:solidFill>
+                </a:rPr>
+                <a:t>Single Sign On</a:t>
+              </a:r>
+              <a:endParaRPr lang="en-NZ" sz="500" dirty="0">
+                <a:solidFill>
+                  <a:schemeClr val="bg2">
+                    <a:lumMod val="75000"/>
+                  </a:schemeClr>
+                </a:solidFill>
+              </a:endParaRPr>
+            </a:p>
+          </p:txBody>
+        </p:sp>
+        <p:sp>
+          <p:nvSpPr>
+            <p:cNvPr id="1087" name="Rectangle 1086">
+              <a:extLst>
+                <a:ext uri="{FF2B5EF4-FFF2-40B4-BE49-F238E27FC236}">
+                  <a16:creationId xmlns:a16="http://schemas.microsoft.com/office/drawing/2014/main" id="{ACA2F58A-21F7-B0E8-14CC-600404437345}"/>
+                </a:ext>
+              </a:extLst>
+            </p:cNvPr>
+            <p:cNvSpPr/>
+            <p:nvPr/>
+          </p:nvSpPr>
+          <p:spPr>
+            <a:xfrm>
+              <a:off x="9586329" y="4935101"/>
+              <a:ext cx="1111013" cy="1781254"/>
+            </a:xfrm>
+            <a:prstGeom prst="rect">
+              <a:avLst/>
+            </a:prstGeom>
+            <a:solidFill>
+              <a:schemeClr val="bg1">
+                <a:lumMod val="85000"/>
+              </a:schemeClr>
+            </a:solidFill>
+            <a:ln>
+              <a:solidFill>
+                <a:schemeClr val="bg1">
+                  <a:lumMod val="65000"/>
+                </a:schemeClr>
+              </a:solidFill>
+            </a:ln>
+          </p:spPr>
+          <p:style>
+            <a:lnRef idx="2">
+              <a:schemeClr val="accent1">
+                <a:shade val="15000"/>
+              </a:schemeClr>
+            </a:lnRef>
+            <a:fillRef idx="1">
+              <a:schemeClr val="accent1"/>
+            </a:fillRef>
+            <a:effectRef idx="0">
+              <a:schemeClr val="accent1"/>
+            </a:effectRef>
+            <a:fontRef idx="minor">
+              <a:schemeClr val="lt1"/>
+            </a:fontRef>
+          </p:style>
+          <p:txBody>
+            <a:bodyPr lIns="0" rIns="0" rtlCol="0" anchor="b"/>
+            <a:lstStyle/>
+            <a:p>
+              <a:pPr algn="ctr"/>
+              <a:r>
+                <a:rPr lang="en-NZ" sz="1400" dirty="0">
+                  <a:solidFill>
+                    <a:schemeClr val="bg2">
+                      <a:lumMod val="75000"/>
+                    </a:schemeClr>
+                  </a:solidFill>
+                </a:rPr>
+                <a:t>Auth Provider</a:t>
+              </a:r>
+              <a:endParaRPr lang="en-NZ" sz="500" dirty="0">
                 <a:solidFill>
                   <a:schemeClr val="bg2">
                     <a:lumMod val="75000"/>
@@ -3827,8 +3975,8 @@
         </p:nvSpPr>
         <p:spPr>
           <a:xfrm>
-            <a:off x="239557" y="4922260"/>
-            <a:ext cx="10863826" cy="1877996"/>
+            <a:off x="239557" y="4878562"/>
+            <a:ext cx="10863826" cy="1921694"/>
           </a:xfrm>
           <a:prstGeom prst="rect">
             <a:avLst/>
@@ -3859,7 +4007,7 @@
           <a:lstStyle/>
           <a:p>
             <a:r>
-              <a:rPr lang="en-NZ" sz="1600" dirty="0">
+              <a:rPr lang="en-NZ" sz="1200" dirty="0">
                 <a:solidFill>
                   <a:schemeClr val="tx1"/>
                 </a:solidFill>
@@ -3867,7 +4015,7 @@
               <a:t>3</a:t>
             </a:r>
             <a:r>
-              <a:rPr lang="en-NZ" sz="1600" baseline="30000" dirty="0">
+              <a:rPr lang="en-NZ" sz="1200" baseline="30000" dirty="0">
                 <a:solidFill>
                   <a:schemeClr val="tx1"/>
                 </a:solidFill>
@@ -3875,7 +4023,7 @@
               <a:t>rd</a:t>
             </a:r>
             <a:r>
-              <a:rPr lang="en-NZ" sz="1600" dirty="0">
+              <a:rPr lang="en-NZ" sz="1200" dirty="0">
                 <a:solidFill>
                   <a:schemeClr val="tx1"/>
                 </a:solidFill>
@@ -3885,7 +4033,7 @@
           </a:p>
           <a:p>
             <a:r>
-              <a:rPr lang="en-NZ" sz="1600" dirty="0">
+              <a:rPr lang="en-NZ" sz="1200" dirty="0">
                 <a:solidFill>
                   <a:schemeClr val="tx1"/>
                 </a:solidFill>
@@ -3895,7 +4043,7 @@
           </a:p>
           <a:p>
             <a:r>
-              <a:rPr lang="en-NZ" sz="1600" dirty="0">
+              <a:rPr lang="en-NZ" sz="1200" dirty="0">
                 <a:solidFill>
                   <a:schemeClr val="tx1"/>
                 </a:solidFill>
@@ -4749,247 +4897,91 @@
           </a:p>
         </p:txBody>
       </p:sp>
-      <p:grpSp>
-        <p:nvGrpSpPr>
-          <p:cNvPr id="44" name="Group 43">
-            <a:extLst>
-              <a:ext uri="{FF2B5EF4-FFF2-40B4-BE49-F238E27FC236}">
-                <a16:creationId xmlns:a16="http://schemas.microsoft.com/office/drawing/2014/main" id="{A699972C-F276-0380-AB79-909674F4AE2E}"/>
-              </a:ext>
-            </a:extLst>
-          </p:cNvPr>
-          <p:cNvGrpSpPr/>
+      <p:pic>
+        <p:nvPicPr>
+          <p:cNvPr id="45" name="Picture 44">
+            <a:extLst>
+              <a:ext uri="{FF2B5EF4-FFF2-40B4-BE49-F238E27FC236}">
+                <a16:creationId xmlns:a16="http://schemas.microsoft.com/office/drawing/2014/main" id="{5C282802-69F6-CA49-3830-6AB9BD64D4CF}"/>
+              </a:ext>
+            </a:extLst>
+          </p:cNvPr>
+          <p:cNvPicPr>
+            <a:picLocks noChangeAspect="1"/>
+          </p:cNvPicPr>
           <p:nvPr/>
-        </p:nvGrpSpPr>
-        <p:grpSpPr>
-          <a:xfrm rot="20668511">
-            <a:off x="7939388" y="5679462"/>
-            <a:ext cx="1402913" cy="601390"/>
-            <a:chOff x="10296347" y="239215"/>
-            <a:chExt cx="1402913" cy="601390"/>
+        </p:nvPicPr>
+        <p:blipFill>
+          <a:blip r:embed="rId3"/>
+          <a:stretch>
+            <a:fillRect/>
+          </a:stretch>
+        </p:blipFill>
+        <p:spPr>
+          <a:xfrm rot="20400000">
+            <a:off x="6232482" y="5575358"/>
+            <a:ext cx="918256" cy="249886"/>
           </a:xfrm>
-        </p:grpSpPr>
-        <p:sp>
-          <p:nvSpPr>
-            <p:cNvPr id="37" name="Rectangle: Rounded Corners 36">
-              <a:extLst>
-                <a:ext uri="{FF2B5EF4-FFF2-40B4-BE49-F238E27FC236}">
-                  <a16:creationId xmlns:a16="http://schemas.microsoft.com/office/drawing/2014/main" id="{E368B1CC-AA48-4AFC-9A0E-55C99CEBA2CA}"/>
-                </a:ext>
-              </a:extLst>
-            </p:cNvPr>
-            <p:cNvSpPr/>
-            <p:nvPr/>
-          </p:nvSpPr>
-          <p:spPr>
-            <a:xfrm>
-              <a:off x="10296347" y="340052"/>
-              <a:ext cx="1402913" cy="500553"/>
-            </a:xfrm>
-            <a:prstGeom prst="roundRect">
-              <a:avLst/>
-            </a:prstGeom>
+          <a:prstGeom prst="rect">
+            <a:avLst/>
+          </a:prstGeom>
+          <a:ln>
             <a:solidFill>
-              <a:srgbClr val="386CA7"/>
+              <a:schemeClr val="tx1"/>
             </a:solidFill>
-          </p:spPr>
-          <p:style>
-            <a:lnRef idx="2">
-              <a:schemeClr val="accent1">
-                <a:shade val="50000"/>
-              </a:schemeClr>
-            </a:lnRef>
-            <a:fillRef idx="1">
-              <a:schemeClr val="accent1"/>
-            </a:fillRef>
-            <a:effectRef idx="0">
-              <a:schemeClr val="accent1"/>
-            </a:effectRef>
-            <a:fontRef idx="minor">
-              <a:schemeClr val="lt1"/>
-            </a:fontRef>
-          </p:style>
-          <p:txBody>
-            <a:bodyPr rtlCol="0" anchor="ctr"/>
-            <a:lstStyle/>
-            <a:p>
-              <a:pPr algn="ctr"/>
-              <a:r>
-                <a:rPr lang="en-US" b="1" dirty="0">
-                  <a:solidFill>
-                    <a:schemeClr val="bg1"/>
-                  </a:solidFill>
-                </a:rPr>
-                <a:t>SendGrid</a:t>
-              </a:r>
-              <a:endParaRPr lang="en-NZ" dirty="0">
+          </a:ln>
+        </p:spPr>
+      </p:pic>
+      <p:pic>
+        <p:nvPicPr>
+          <p:cNvPr id="1026" name="Picture 2" descr="Mixpanel | Attribution Platform - Ematic Solutions">
+            <a:extLst>
+              <a:ext uri="{FF2B5EF4-FFF2-40B4-BE49-F238E27FC236}">
+                <a16:creationId xmlns:a16="http://schemas.microsoft.com/office/drawing/2014/main" id="{0A4C32E7-D188-E734-8CC8-3C2588204EB4}"/>
+              </a:ext>
+            </a:extLst>
+          </p:cNvPr>
+          <p:cNvPicPr>
+            <a:picLocks noChangeAspect="1" noChangeArrowheads="1"/>
+          </p:cNvPicPr>
+          <p:nvPr/>
+        </p:nvPicPr>
+        <p:blipFill rotWithShape="1">
+          <a:blip r:embed="rId4">
+            <a:extLst>
+              <a:ext uri="{28A0092B-C50C-407E-A947-70E740481C1C}">
+                <a14:useLocalDpi xmlns:a14="http://schemas.microsoft.com/office/drawing/2010/main" val="0"/>
+              </a:ext>
+            </a:extLst>
+          </a:blip>
+          <a:srcRect l="11500" t="13488" r="11168" b="11401"/>
+          <a:stretch/>
+        </p:blipFill>
+        <p:spPr bwMode="auto">
+          <a:xfrm rot="20400000">
+            <a:off x="3958478" y="5567484"/>
+            <a:ext cx="732631" cy="265635"/>
+          </a:xfrm>
+          <a:prstGeom prst="rect">
+            <a:avLst/>
+          </a:prstGeom>
+          <a:noFill/>
+          <a:ln>
+            <a:solidFill>
+              <a:schemeClr val="tx1"/>
+            </a:solidFill>
+          </a:ln>
+          <a:extLst>
+            <a:ext uri="{909E8E84-426E-40DD-AFC4-6F175D3DCCD1}">
+              <a14:hiddenFill xmlns:a14="http://schemas.microsoft.com/office/drawing/2010/main">
                 <a:solidFill>
-                  <a:schemeClr val="bg1"/>
+                  <a:srgbClr val="FFFFFF"/>
                 </a:solidFill>
-              </a:endParaRPr>
-            </a:p>
-          </p:txBody>
-        </p:sp>
-        <p:pic>
-          <p:nvPicPr>
-            <p:cNvPr id="45" name="Picture 44">
-              <a:extLst>
-                <a:ext uri="{FF2B5EF4-FFF2-40B4-BE49-F238E27FC236}">
-                  <a16:creationId xmlns:a16="http://schemas.microsoft.com/office/drawing/2014/main" id="{5C282802-69F6-CA49-3830-6AB9BD64D4CF}"/>
-                </a:ext>
-              </a:extLst>
-            </p:cNvPr>
-            <p:cNvPicPr>
-              <a:picLocks noChangeAspect="1"/>
-            </p:cNvPicPr>
-            <p:nvPr/>
-          </p:nvPicPr>
-          <p:blipFill>
-            <a:blip r:embed="rId3"/>
-            <a:stretch>
-              <a:fillRect/>
-            </a:stretch>
-          </p:blipFill>
-          <p:spPr>
-            <a:xfrm>
-              <a:off x="10360264" y="239215"/>
-              <a:ext cx="741095" cy="201675"/>
-            </a:xfrm>
-            <a:prstGeom prst="rect">
-              <a:avLst/>
-            </a:prstGeom>
-            <a:ln>
-              <a:solidFill>
-                <a:schemeClr val="tx1"/>
-              </a:solidFill>
-            </a:ln>
-          </p:spPr>
-        </p:pic>
-      </p:grpSp>
-      <p:grpSp>
-        <p:nvGrpSpPr>
-          <p:cNvPr id="24" name="Group 23">
-            <a:extLst>
-              <a:ext uri="{FF2B5EF4-FFF2-40B4-BE49-F238E27FC236}">
-                <a16:creationId xmlns:a16="http://schemas.microsoft.com/office/drawing/2014/main" id="{A4AB8CDF-C8BE-DD0A-EC88-F048BEABA8BF}"/>
-              </a:ext>
-            </a:extLst>
-          </p:cNvPr>
-          <p:cNvGrpSpPr/>
-          <p:nvPr/>
-        </p:nvGrpSpPr>
-        <p:grpSpPr>
-          <a:xfrm rot="20668511">
-            <a:off x="4732321" y="5683109"/>
-            <a:ext cx="1402913" cy="604900"/>
-            <a:chOff x="10291677" y="3493283"/>
-            <a:chExt cx="1402913" cy="604900"/>
-          </a:xfrm>
-        </p:grpSpPr>
-        <p:sp>
-          <p:nvSpPr>
-            <p:cNvPr id="22" name="Rectangle: Rounded Corners 21">
-              <a:extLst>
-                <a:ext uri="{FF2B5EF4-FFF2-40B4-BE49-F238E27FC236}">
-                  <a16:creationId xmlns:a16="http://schemas.microsoft.com/office/drawing/2014/main" id="{AD821A0E-C9F4-5E47-D492-1B7F3BD73A1F}"/>
-                </a:ext>
-              </a:extLst>
-            </p:cNvPr>
-            <p:cNvSpPr/>
-            <p:nvPr/>
-          </p:nvSpPr>
-          <p:spPr>
-            <a:xfrm>
-              <a:off x="10291677" y="3590271"/>
-              <a:ext cx="1402913" cy="507912"/>
-            </a:xfrm>
-            <a:prstGeom prst="roundRect">
-              <a:avLst/>
-            </a:prstGeom>
-            <a:solidFill>
-              <a:srgbClr val="6551F6"/>
-            </a:solidFill>
-          </p:spPr>
-          <p:style>
-            <a:lnRef idx="2">
-              <a:schemeClr val="accent1">
-                <a:shade val="50000"/>
-              </a:schemeClr>
-            </a:lnRef>
-            <a:fillRef idx="1">
-              <a:schemeClr val="accent1"/>
-            </a:fillRef>
-            <a:effectRef idx="0">
-              <a:schemeClr val="accent1"/>
-            </a:effectRef>
-            <a:fontRef idx="minor">
-              <a:schemeClr val="lt1"/>
-            </a:fontRef>
-          </p:style>
-          <p:txBody>
-            <a:bodyPr rtlCol="0" anchor="ctr"/>
-            <a:lstStyle/>
-            <a:p>
-              <a:pPr algn="ctr"/>
-              <a:r>
-                <a:rPr lang="en-US" b="1" dirty="0" err="1"/>
-                <a:t>mixpanel</a:t>
-              </a:r>
-              <a:endParaRPr lang="en-NZ" sz="1400" dirty="0"/>
-            </a:p>
-          </p:txBody>
-        </p:sp>
-        <p:pic>
-          <p:nvPicPr>
-            <p:cNvPr id="1026" name="Picture 2" descr="Mixpanel | Attribution Platform - Ematic Solutions">
-              <a:extLst>
-                <a:ext uri="{FF2B5EF4-FFF2-40B4-BE49-F238E27FC236}">
-                  <a16:creationId xmlns:a16="http://schemas.microsoft.com/office/drawing/2014/main" id="{0A4C32E7-D188-E734-8CC8-3C2588204EB4}"/>
-                </a:ext>
-              </a:extLst>
-            </p:cNvPr>
-            <p:cNvPicPr>
-              <a:picLocks noChangeAspect="1" noChangeArrowheads="1"/>
-            </p:cNvPicPr>
-            <p:nvPr/>
-          </p:nvPicPr>
-          <p:blipFill rotWithShape="1">
-            <a:blip r:embed="rId4">
-              <a:extLst>
-                <a:ext uri="{28A0092B-C50C-407E-A947-70E740481C1C}">
-                  <a14:useLocalDpi xmlns:a14="http://schemas.microsoft.com/office/drawing/2010/main" val="0"/>
-                </a:ext>
-              </a:extLst>
-            </a:blip>
-            <a:srcRect l="11500" t="13488" r="11168" b="11401"/>
-            <a:stretch/>
-          </p:blipFill>
-          <p:spPr bwMode="auto">
-            <a:xfrm>
-              <a:off x="10354288" y="3493283"/>
-              <a:ext cx="591284" cy="214386"/>
-            </a:xfrm>
-            <a:prstGeom prst="rect">
-              <a:avLst/>
-            </a:prstGeom>
-            <a:noFill/>
-            <a:ln>
-              <a:solidFill>
-                <a:schemeClr val="tx1"/>
-              </a:solidFill>
-            </a:ln>
-            <a:extLst>
-              <a:ext uri="{909E8E84-426E-40DD-AFC4-6F175D3DCCD1}">
-                <a14:hiddenFill xmlns:a14="http://schemas.microsoft.com/office/drawing/2010/main">
-                  <a:solidFill>
-                    <a:srgbClr val="FFFFFF"/>
-                  </a:solidFill>
-                </a14:hiddenFill>
-              </a:ext>
-            </a:extLst>
-          </p:spPr>
-        </p:pic>
-      </p:grpSp>
+              </a14:hiddenFill>
+            </a:ext>
+          </a:extLst>
+        </p:spPr>
+      </p:pic>
       <p:grpSp>
         <p:nvGrpSpPr>
           <p:cNvPr id="65" name="Group 64">
@@ -5680,246 +5672,99 @@
           </a:fontRef>
         </p:style>
       </p:cxnSp>
-      <p:grpSp>
-        <p:nvGrpSpPr>
-          <p:cNvPr id="1031" name="Group 1030">
-            <a:extLst>
-              <a:ext uri="{FF2B5EF4-FFF2-40B4-BE49-F238E27FC236}">
-                <a16:creationId xmlns:a16="http://schemas.microsoft.com/office/drawing/2014/main" id="{8979838E-F522-C30A-DAA3-E5AB8AA6AAF2}"/>
-              </a:ext>
-            </a:extLst>
-          </p:cNvPr>
-          <p:cNvGrpSpPr/>
+      <p:pic>
+        <p:nvPicPr>
+          <p:cNvPr id="1024" name="Picture 2" descr="Chargebee Generates 280+ Leads in One Year With G2 Buyer Intent Data">
+            <a:extLst>
+              <a:ext uri="{FF2B5EF4-FFF2-40B4-BE49-F238E27FC236}">
+                <a16:creationId xmlns:a16="http://schemas.microsoft.com/office/drawing/2014/main" id="{6B0DC23E-1762-FCFD-61B8-563A0118C9D7}"/>
+              </a:ext>
+            </a:extLst>
+          </p:cNvPr>
+          <p:cNvPicPr>
+            <a:picLocks noChangeAspect="1" noChangeArrowheads="1"/>
+          </p:cNvPicPr>
           <p:nvPr/>
-        </p:nvGrpSpPr>
-        <p:grpSpPr>
-          <a:xfrm rot="20668511">
-            <a:off x="3128070" y="5650333"/>
-            <a:ext cx="1402913" cy="636630"/>
-            <a:chOff x="10298041" y="3972924"/>
-            <a:chExt cx="1402913" cy="636630"/>
+        </p:nvPicPr>
+        <p:blipFill rotWithShape="1">
+          <a:blip r:embed="rId7">
+            <a:extLst>
+              <a:ext uri="{28A0092B-C50C-407E-A947-70E740481C1C}">
+                <a14:useLocalDpi xmlns:a14="http://schemas.microsoft.com/office/drawing/2010/main" val="0"/>
+              </a:ext>
+            </a:extLst>
+          </a:blip>
+          <a:srcRect t="16171" b="17292"/>
+          <a:stretch/>
+        </p:blipFill>
+        <p:spPr bwMode="auto">
+          <a:xfrm rot="20400000">
+            <a:off x="2756254" y="5532449"/>
+            <a:ext cx="933466" cy="335705"/>
           </a:xfrm>
+          <a:prstGeom prst="rect">
+            <a:avLst/>
+          </a:prstGeom>
           <a:solidFill>
             <a:srgbClr val="5746B2"/>
           </a:solidFill>
-        </p:grpSpPr>
-        <p:sp>
-          <p:nvSpPr>
-            <p:cNvPr id="49" name="Rectangle: Rounded Corners 48">
-              <a:extLst>
-                <a:ext uri="{FF2B5EF4-FFF2-40B4-BE49-F238E27FC236}">
-                  <a16:creationId xmlns:a16="http://schemas.microsoft.com/office/drawing/2014/main" id="{8C690B8B-455E-39CF-DD1E-7EAEA0AF3E23}"/>
-                </a:ext>
-              </a:extLst>
-            </p:cNvPr>
-            <p:cNvSpPr/>
-            <p:nvPr/>
-          </p:nvSpPr>
-          <p:spPr>
-            <a:xfrm>
-              <a:off x="10298041" y="4103327"/>
-              <a:ext cx="1402913" cy="506227"/>
-            </a:xfrm>
-            <a:prstGeom prst="roundRect">
-              <a:avLst/>
-            </a:prstGeom>
-            <a:grpFill/>
-          </p:spPr>
-          <p:style>
-            <a:lnRef idx="2">
-              <a:schemeClr val="accent1">
-                <a:shade val="50000"/>
-              </a:schemeClr>
-            </a:lnRef>
-            <a:fillRef idx="1">
-              <a:schemeClr val="accent1"/>
-            </a:fillRef>
-            <a:effectRef idx="0">
-              <a:schemeClr val="accent1"/>
-            </a:effectRef>
-            <a:fontRef idx="minor">
-              <a:schemeClr val="lt1"/>
-            </a:fontRef>
-          </p:style>
-          <p:txBody>
-            <a:bodyPr rtlCol="0" anchor="ctr"/>
-            <a:lstStyle/>
-            <a:p>
-              <a:pPr algn="ctr"/>
-              <a:r>
-                <a:rPr lang="en-US" b="1" dirty="0" err="1"/>
-                <a:t>Chargebee</a:t>
-              </a:r>
-              <a:endParaRPr lang="en-NZ" sz="1400" dirty="0"/>
-            </a:p>
-          </p:txBody>
-        </p:sp>
-        <p:pic>
-          <p:nvPicPr>
-            <p:cNvPr id="1024" name="Picture 2" descr="Chargebee Generates 280+ Leads in One Year With G2 Buyer Intent Data">
-              <a:extLst>
-                <a:ext uri="{FF2B5EF4-FFF2-40B4-BE49-F238E27FC236}">
-                  <a16:creationId xmlns:a16="http://schemas.microsoft.com/office/drawing/2014/main" id="{6B0DC23E-1762-FCFD-61B8-563A0118C9D7}"/>
-                </a:ext>
-              </a:extLst>
-            </p:cNvPr>
-            <p:cNvPicPr>
-              <a:picLocks noChangeAspect="1" noChangeArrowheads="1"/>
-            </p:cNvPicPr>
-            <p:nvPr/>
-          </p:nvPicPr>
-          <p:blipFill rotWithShape="1">
-            <a:blip r:embed="rId7">
-              <a:extLst>
-                <a:ext uri="{28A0092B-C50C-407E-A947-70E740481C1C}">
-                  <a14:useLocalDpi xmlns:a14="http://schemas.microsoft.com/office/drawing/2010/main" val="0"/>
-                </a:ext>
-              </a:extLst>
-            </a:blip>
-            <a:srcRect t="16171" b="17292"/>
-            <a:stretch/>
-          </p:blipFill>
-          <p:spPr bwMode="auto">
-            <a:xfrm>
-              <a:off x="10360652" y="3972924"/>
-              <a:ext cx="753374" cy="270938"/>
-            </a:xfrm>
-            <a:prstGeom prst="rect">
-              <a:avLst/>
-            </a:prstGeom>
-            <a:grpFill/>
-            <a:ln>
-              <a:solidFill>
-                <a:schemeClr val="bg1"/>
-              </a:solidFill>
-            </a:ln>
-          </p:spPr>
-        </p:pic>
-      </p:grpSp>
-      <p:grpSp>
-        <p:nvGrpSpPr>
-          <p:cNvPr id="1029" name="Group 1028">
-            <a:extLst>
-              <a:ext uri="{FF2B5EF4-FFF2-40B4-BE49-F238E27FC236}">
-                <a16:creationId xmlns:a16="http://schemas.microsoft.com/office/drawing/2014/main" id="{FA812DEF-7C97-0553-B940-45336039A0FB}"/>
-              </a:ext>
-            </a:extLst>
-          </p:cNvPr>
-          <p:cNvGrpSpPr/>
+          <a:ln w="9525">
+            <a:solidFill>
+              <a:schemeClr val="tx1"/>
+            </a:solidFill>
+          </a:ln>
+        </p:spPr>
+      </p:pic>
+      <p:pic>
+        <p:nvPicPr>
+          <p:cNvPr id="1025" name="Picture 4">
+            <a:extLst>
+              <a:ext uri="{FF2B5EF4-FFF2-40B4-BE49-F238E27FC236}">
+                <a16:creationId xmlns:a16="http://schemas.microsoft.com/office/drawing/2014/main" id="{7AC3CE2E-3F46-F1F1-FE35-B98D9CBD693D}"/>
+              </a:ext>
+            </a:extLst>
+          </p:cNvPr>
+          <p:cNvPicPr>
+            <a:picLocks noChangeAspect="1" noChangeArrowheads="1"/>
+          </p:cNvPicPr>
           <p:nvPr/>
-        </p:nvGrpSpPr>
-        <p:grpSpPr>
-          <a:xfrm rot="20668511">
-            <a:off x="1523562" y="5656140"/>
-            <a:ext cx="1402913" cy="627186"/>
-            <a:chOff x="10323713" y="4857355"/>
-            <a:chExt cx="1402913" cy="627186"/>
+        </p:nvPicPr>
+        <p:blipFill rotWithShape="1">
+          <a:blip r:embed="rId8">
+            <a:extLst>
+              <a:ext uri="{28A0092B-C50C-407E-A947-70E740481C1C}">
+                <a14:useLocalDpi xmlns:a14="http://schemas.microsoft.com/office/drawing/2010/main" val="0"/>
+              </a:ext>
+            </a:extLst>
+          </a:blip>
+          <a:srcRect t="8416" b="8972"/>
+          <a:stretch/>
+        </p:blipFill>
+        <p:spPr bwMode="auto">
+          <a:xfrm rot="20400000">
+            <a:off x="1671178" y="5553547"/>
+            <a:ext cx="747260" cy="293509"/>
           </a:xfrm>
-        </p:grpSpPr>
-        <p:sp>
-          <p:nvSpPr>
-            <p:cNvPr id="1027" name="Rectangle: Rounded Corners 1026">
-              <a:extLst>
-                <a:ext uri="{FF2B5EF4-FFF2-40B4-BE49-F238E27FC236}">
-                  <a16:creationId xmlns:a16="http://schemas.microsoft.com/office/drawing/2014/main" id="{079F5CA4-C586-639A-C12D-26310DA78FD7}"/>
-                </a:ext>
-              </a:extLst>
-            </p:cNvPr>
-            <p:cNvSpPr/>
-            <p:nvPr/>
-          </p:nvSpPr>
-          <p:spPr>
-            <a:xfrm>
-              <a:off x="10323713" y="4981911"/>
-              <a:ext cx="1402913" cy="502630"/>
-            </a:xfrm>
-            <a:prstGeom prst="roundRect">
-              <a:avLst/>
-            </a:prstGeom>
+          <a:prstGeom prst="rect">
+            <a:avLst/>
+          </a:prstGeom>
+          <a:noFill/>
+          <a:ln>
             <a:solidFill>
-              <a:srgbClr val="635BFF"/>
+              <a:schemeClr val="tx1"/>
             </a:solidFill>
-          </p:spPr>
-          <p:style>
-            <a:lnRef idx="2">
-              <a:schemeClr val="accent1">
-                <a:shade val="50000"/>
-              </a:schemeClr>
-            </a:lnRef>
-            <a:fillRef idx="1">
-              <a:schemeClr val="accent1"/>
-            </a:fillRef>
-            <a:effectRef idx="0">
-              <a:schemeClr val="accent1"/>
-            </a:effectRef>
-            <a:fontRef idx="minor">
-              <a:schemeClr val="lt1"/>
-            </a:fontRef>
-          </p:style>
-          <p:txBody>
-            <a:bodyPr rtlCol="0" anchor="ctr"/>
-            <a:lstStyle/>
-            <a:p>
-              <a:pPr algn="ctr"/>
-              <a:r>
-                <a:rPr lang="en-US" b="1" dirty="0"/>
-                <a:t>stripe</a:t>
-              </a:r>
-              <a:endParaRPr lang="en-NZ" sz="1400" dirty="0"/>
-            </a:p>
-          </p:txBody>
-        </p:sp>
-        <p:pic>
-          <p:nvPicPr>
-            <p:cNvPr id="1025" name="Picture 4">
-              <a:extLst>
-                <a:ext uri="{FF2B5EF4-FFF2-40B4-BE49-F238E27FC236}">
-                  <a16:creationId xmlns:a16="http://schemas.microsoft.com/office/drawing/2014/main" id="{7AC3CE2E-3F46-F1F1-FE35-B98D9CBD693D}"/>
-                </a:ext>
-              </a:extLst>
-            </p:cNvPr>
-            <p:cNvPicPr>
-              <a:picLocks noChangeAspect="1" noChangeArrowheads="1"/>
-            </p:cNvPicPr>
-            <p:nvPr/>
-          </p:nvPicPr>
-          <p:blipFill rotWithShape="1">
-            <a:blip r:embed="rId8">
-              <a:extLst>
-                <a:ext uri="{28A0092B-C50C-407E-A947-70E740481C1C}">
-                  <a14:useLocalDpi xmlns:a14="http://schemas.microsoft.com/office/drawing/2010/main" val="0"/>
-                </a:ext>
-              </a:extLst>
-            </a:blip>
-            <a:srcRect t="8416" b="8972"/>
-            <a:stretch/>
-          </p:blipFill>
-          <p:spPr bwMode="auto">
-            <a:xfrm>
-              <a:off x="10387316" y="4857355"/>
-              <a:ext cx="603090" cy="236882"/>
-            </a:xfrm>
-            <a:prstGeom prst="rect">
-              <a:avLst/>
-            </a:prstGeom>
-            <a:noFill/>
-            <a:ln>
-              <a:solidFill>
-                <a:schemeClr val="tx1"/>
-              </a:solidFill>
-            </a:ln>
-            <a:extLst>
-              <a:ext uri="{909E8E84-426E-40DD-AFC4-6F175D3DCCD1}">
-                <a14:hiddenFill xmlns:a14="http://schemas.microsoft.com/office/drawing/2010/main">
-                  <a:solidFill>
-                    <a:srgbClr val="FFFFFF"/>
-                  </a:solidFill>
-                </a14:hiddenFill>
-              </a:ext>
-            </a:extLst>
-          </p:spPr>
-        </p:pic>
-      </p:grpSp>
+          </a:ln>
+          <a:extLst>
+            <a:ext uri="{909E8E84-426E-40DD-AFC4-6F175D3DCCD1}">
+              <a14:hiddenFill xmlns:a14="http://schemas.microsoft.com/office/drawing/2010/main">
+                <a:solidFill>
+                  <a:srgbClr val="FFFFFF"/>
+                </a:solidFill>
+              </a14:hiddenFill>
+            </a:ext>
+          </a:extLst>
+        </p:spPr>
+      </p:pic>
       <p:cxnSp>
         <p:nvCxnSpPr>
           <p:cNvPr id="1033" name="Straight Arrow Connector 29">
@@ -5931,19 +5776,19 @@
           </p:cNvPr>
           <p:cNvCxnSpPr>
             <a:cxnSpLocks/>
-            <a:stCxn id="1027" idx="2"/>
-            <a:endCxn id="49" idx="2"/>
+            <a:stCxn id="1025" idx="3"/>
+            <a:endCxn id="1024" idx="1"/>
           </p:cNvCxnSpPr>
           <p:nvPr/>
         </p:nvCxnSpPr>
         <p:spPr>
-          <a:xfrm rot="16200000" flipH="1">
-            <a:off x="3110108" y="5470731"/>
-            <a:ext cx="3464" cy="1605772"/>
+          <a:xfrm>
+            <a:off x="2395906" y="5572513"/>
+            <a:ext cx="388496" cy="287421"/>
           </a:xfrm>
           <a:prstGeom prst="bentConnector3">
             <a:avLst>
-              <a:gd name="adj1" fmla="val 5646045"/>
+              <a:gd name="adj1" fmla="val 50000"/>
             </a:avLst>
           </a:prstGeom>
           <a:ln w="19050" cap="flat" cmpd="sng" algn="ctr">
@@ -5989,8 +5834,8 @@
         </p:nvCxnSpPr>
         <p:spPr>
           <a:xfrm rot="10800000" flipV="1">
-            <a:off x="1817046" y="1009179"/>
-            <a:ext cx="1347244" cy="4748417"/>
+            <a:off x="1994616" y="1009179"/>
+            <a:ext cx="1169675" cy="4553217"/>
           </a:xfrm>
           <a:prstGeom prst="bentConnector2">
             <a:avLst/>
@@ -6020,123 +5865,41 @@
           </a:fontRef>
         </p:style>
       </p:cxnSp>
-      <p:grpSp>
-        <p:nvGrpSpPr>
-          <p:cNvPr id="88" name="Group 87">
-            <a:extLst>
-              <a:ext uri="{FF2B5EF4-FFF2-40B4-BE49-F238E27FC236}">
-                <a16:creationId xmlns:a16="http://schemas.microsoft.com/office/drawing/2014/main" id="{F0D63AAE-F186-8298-CB3E-4083A93D09D0}"/>
-              </a:ext>
-            </a:extLst>
-          </p:cNvPr>
-          <p:cNvGrpSpPr/>
+      <p:pic>
+        <p:nvPicPr>
+          <p:cNvPr id="103" name="Picture 102">
+            <a:extLst>
+              <a:ext uri="{FF2B5EF4-FFF2-40B4-BE49-F238E27FC236}">
+                <a16:creationId xmlns:a16="http://schemas.microsoft.com/office/drawing/2014/main" id="{9A758DAF-5EE4-460C-BB67-4E01A6911ED1}"/>
+              </a:ext>
+            </a:extLst>
+          </p:cNvPr>
+          <p:cNvPicPr>
+            <a:picLocks noChangeAspect="1"/>
+          </p:cNvPicPr>
           <p:nvPr/>
-        </p:nvGrpSpPr>
-        <p:grpSpPr>
-          <a:xfrm rot="20668511">
-            <a:off x="9544870" y="5658068"/>
-            <a:ext cx="1402913" cy="633851"/>
-            <a:chOff x="10305194" y="1481949"/>
-            <a:chExt cx="1402913" cy="633851"/>
+        </p:nvPicPr>
+        <p:blipFill>
+          <a:blip r:embed="rId9"/>
+          <a:stretch>
+            <a:fillRect/>
+          </a:stretch>
+        </p:blipFill>
+        <p:spPr>
+          <a:xfrm rot="20400000">
+            <a:off x="7386688" y="5564439"/>
+            <a:ext cx="922731" cy="271724"/>
           </a:xfrm>
-        </p:grpSpPr>
-        <p:sp>
-          <p:nvSpPr>
-            <p:cNvPr id="47" name="Rectangle: Rounded Corners 46">
-              <a:extLst>
-                <a:ext uri="{FF2B5EF4-FFF2-40B4-BE49-F238E27FC236}">
-                  <a16:creationId xmlns:a16="http://schemas.microsoft.com/office/drawing/2014/main" id="{9F89CA76-2510-FF88-B8EF-74CF9AF86F81}"/>
-                </a:ext>
-              </a:extLst>
-            </p:cNvPr>
-            <p:cNvSpPr/>
-            <p:nvPr/>
-          </p:nvSpPr>
-          <p:spPr>
-            <a:xfrm>
-              <a:off x="10305194" y="1604377"/>
-              <a:ext cx="1402913" cy="511423"/>
-            </a:xfrm>
-            <a:prstGeom prst="roundRect">
-              <a:avLst/>
-            </a:prstGeom>
+          <a:prstGeom prst="rect">
+            <a:avLst/>
+          </a:prstGeom>
+          <a:ln>
             <a:solidFill>
-              <a:srgbClr val="4B75ED"/>
+              <a:schemeClr val="tx1"/>
             </a:solidFill>
-          </p:spPr>
-          <p:style>
-            <a:lnRef idx="2">
-              <a:schemeClr val="accent1">
-                <a:shade val="50000"/>
-              </a:schemeClr>
-            </a:lnRef>
-            <a:fillRef idx="1">
-              <a:schemeClr val="accent1"/>
-            </a:fillRef>
-            <a:effectRef idx="0">
-              <a:schemeClr val="accent1"/>
-            </a:effectRef>
-            <a:fontRef idx="minor">
-              <a:schemeClr val="lt1"/>
-            </a:fontRef>
-          </p:style>
-          <p:txBody>
-            <a:bodyPr rtlCol="0" anchor="ctr"/>
-            <a:lstStyle/>
-            <a:p>
-              <a:pPr algn="ctr"/>
-              <a:r>
-                <a:rPr lang="en-US" b="1" dirty="0">
-                  <a:solidFill>
-                    <a:schemeClr val="bg1"/>
-                  </a:solidFill>
-                </a:rPr>
-                <a:t>Gravatar</a:t>
-              </a:r>
-              <a:endParaRPr lang="en-NZ" dirty="0">
-                <a:solidFill>
-                  <a:schemeClr val="bg1"/>
-                </a:solidFill>
-              </a:endParaRPr>
-            </a:p>
-          </p:txBody>
-        </p:sp>
-        <p:pic>
-          <p:nvPicPr>
-            <p:cNvPr id="103" name="Picture 102">
-              <a:extLst>
-                <a:ext uri="{FF2B5EF4-FFF2-40B4-BE49-F238E27FC236}">
-                  <a16:creationId xmlns:a16="http://schemas.microsoft.com/office/drawing/2014/main" id="{9A758DAF-5EE4-460C-BB67-4E01A6911ED1}"/>
-                </a:ext>
-              </a:extLst>
-            </p:cNvPr>
-            <p:cNvPicPr>
-              <a:picLocks noChangeAspect="1"/>
-            </p:cNvPicPr>
-            <p:nvPr/>
-          </p:nvPicPr>
-          <p:blipFill>
-            <a:blip r:embed="rId9"/>
-            <a:stretch>
-              <a:fillRect/>
-            </a:stretch>
-          </p:blipFill>
-          <p:spPr>
-            <a:xfrm>
-              <a:off x="10372872" y="1481949"/>
-              <a:ext cx="840034" cy="247372"/>
-            </a:xfrm>
-            <a:prstGeom prst="rect">
-              <a:avLst/>
-            </a:prstGeom>
-            <a:ln>
-              <a:solidFill>
-                <a:schemeClr val="tx1"/>
-              </a:solidFill>
-            </a:ln>
-          </p:spPr>
-        </p:pic>
-      </p:grpSp>
+          </a:ln>
+        </p:spPr>
+      </p:pic>
       <p:sp>
         <p:nvSpPr>
           <p:cNvPr id="1055" name="TextBox 1054">
@@ -7428,7 +7191,7 @@
               <a:avLst/>
             </a:prstGeom>
             <a:solidFill>
-              <a:srgbClr val="4472C4"/>
+              <a:srgbClr val="0078D7"/>
             </a:solidFill>
           </p:spPr>
           <p:style>
@@ -7460,7 +7223,7 @@
                     </a:schemeClr>
                   </a:solidFill>
                 </a:rPr>
-                <a:t>Identity Provider API</a:t>
+                <a:t>AuthN API</a:t>
               </a:r>
               <a:endParaRPr lang="en-NZ" sz="1200" dirty="0">
                 <a:solidFill>
@@ -7976,12 +7739,12 @@
         </p:nvCxnSpPr>
         <p:spPr>
           <a:xfrm rot="5400000" flipH="1" flipV="1">
-            <a:off x="6583312" y="4224355"/>
-            <a:ext cx="1671711" cy="1284412"/>
+            <a:off x="5995431" y="3505118"/>
+            <a:ext cx="1540354" cy="2591529"/>
           </a:xfrm>
           <a:prstGeom prst="bentConnector3">
             <a:avLst>
-              <a:gd name="adj1" fmla="val 28121"/>
+              <a:gd name="adj1" fmla="val 23119"/>
             </a:avLst>
           </a:prstGeom>
           <a:ln w="19050" cap="flat" cmpd="sng" algn="ctr">
@@ -8028,13 +7791,13 @@
           <p:nvPr/>
         </p:nvCxnSpPr>
         <p:spPr>
-          <a:xfrm rot="16200000" flipV="1">
-            <a:off x="7316647" y="4775431"/>
-            <a:ext cx="1731190" cy="241738"/>
+          <a:xfrm rot="5400000" flipH="1" flipV="1">
+            <a:off x="6579031" y="4100551"/>
+            <a:ext cx="1552188" cy="1412496"/>
           </a:xfrm>
           <a:prstGeom prst="bentConnector3">
             <a:avLst>
-              <a:gd name="adj1" fmla="val 13026"/>
+              <a:gd name="adj1" fmla="val 29993"/>
             </a:avLst>
           </a:prstGeom>
           <a:ln w="19050" cap="flat" cmpd="sng" algn="ctr">
@@ -8082,12 +7845,12 @@
         </p:nvCxnSpPr>
         <p:spPr>
           <a:xfrm rot="5400000" flipH="1" flipV="1">
-            <a:off x="5664109" y="3388740"/>
-            <a:ext cx="1755299" cy="3039230"/>
+            <a:off x="5397976" y="2912098"/>
+            <a:ext cx="1544789" cy="3782005"/>
           </a:xfrm>
           <a:prstGeom prst="bentConnector3">
             <a:avLst>
-              <a:gd name="adj1" fmla="val 37411"/>
+              <a:gd name="adj1" fmla="val 16495"/>
             </a:avLst>
           </a:prstGeom>
           <a:ln w="19050" cap="flat" cmpd="sng" algn="ctr">
@@ -8135,12 +7898,12 @@
         </p:nvCxnSpPr>
         <p:spPr>
           <a:xfrm rot="5400000" flipH="1" flipV="1">
-            <a:off x="4042691" y="3480993"/>
-            <a:ext cx="1700166" cy="2802078"/>
+            <a:off x="3974384" y="3223144"/>
+            <a:ext cx="1510623" cy="3128235"/>
           </a:xfrm>
           <a:prstGeom prst="bentConnector3">
             <a:avLst>
-              <a:gd name="adj1" fmla="val 41933"/>
+              <a:gd name="adj1" fmla="val 28300"/>
             </a:avLst>
           </a:prstGeom>
           <a:ln w="19050" cap="flat" cmpd="sng" algn="ctr">
@@ -8188,12 +7951,12 @@
         </p:nvCxnSpPr>
         <p:spPr>
           <a:xfrm rot="16200000" flipV="1">
-            <a:off x="7427511" y="3198819"/>
-            <a:ext cx="1694897" cy="3361157"/>
+            <a:off x="6427642" y="4198688"/>
+            <a:ext cx="1540683" cy="1207206"/>
           </a:xfrm>
           <a:prstGeom prst="bentConnector3">
             <a:avLst>
-              <a:gd name="adj1" fmla="val 42357"/>
+              <a:gd name="adj1" fmla="val 33763"/>
             </a:avLst>
           </a:prstGeom>
           <a:ln w="19050" cap="flat" cmpd="sng" algn="ctr">
@@ -8235,19 +7998,19 @@
           <p:cNvCxnSpPr>
             <a:cxnSpLocks/>
             <a:stCxn id="13" idx="1"/>
-            <a:endCxn id="49" idx="1"/>
+            <a:endCxn id="1024" idx="1"/>
           </p:cNvCxnSpPr>
           <p:nvPr/>
         </p:nvCxnSpPr>
         <p:spPr>
           <a:xfrm rot="16200000" flipH="1" flipV="1">
-            <a:off x="3019942" y="2945349"/>
-            <a:ext cx="3425043" cy="3122698"/>
+            <a:off x="3006229" y="2572349"/>
+            <a:ext cx="3065757" cy="3509411"/>
           </a:xfrm>
           <a:prstGeom prst="bentConnector4">
             <a:avLst>
-              <a:gd name="adj1" fmla="val 7062"/>
-              <a:gd name="adj2" fmla="val 108140"/>
+              <a:gd name="adj1" fmla="val -11526"/>
+              <a:gd name="adj2" fmla="val 101662"/>
             </a:avLst>
           </a:prstGeom>
           <a:ln w="19050" cap="flat" cmpd="sng" algn="ctr">
@@ -8289,7 +8052,7 @@
         </p:nvSpPr>
         <p:spPr>
           <a:xfrm rot="16200000">
-            <a:off x="2321378" y="5148382"/>
+            <a:off x="2484865" y="5138845"/>
             <a:ext cx="633507" cy="261610"/>
           </a:xfrm>
           <a:prstGeom prst="rect">
@@ -8345,115 +8108,41 @@
           </a:p>
         </p:txBody>
       </p:sp>
-      <p:grpSp>
-        <p:nvGrpSpPr>
-          <p:cNvPr id="1222" name="Group 1221">
-            <a:extLst>
-              <a:ext uri="{FF2B5EF4-FFF2-40B4-BE49-F238E27FC236}">
-                <a16:creationId xmlns:a16="http://schemas.microsoft.com/office/drawing/2014/main" id="{8DF5C404-F9E0-B4B0-A128-9AC0B99703FE}"/>
-              </a:ext>
-            </a:extLst>
-          </p:cNvPr>
-          <p:cNvGrpSpPr/>
+      <p:pic>
+        <p:nvPicPr>
+          <p:cNvPr id="1221" name="Picture 1220">
+            <a:extLst>
+              <a:ext uri="{FF2B5EF4-FFF2-40B4-BE49-F238E27FC236}">
+                <a16:creationId xmlns:a16="http://schemas.microsoft.com/office/drawing/2014/main" id="{D70A1E97-4BBD-498F-88E4-E35F3C89843D}"/>
+              </a:ext>
+            </a:extLst>
+          </p:cNvPr>
+          <p:cNvPicPr>
+            <a:picLocks noChangeAspect="1"/>
+          </p:cNvPicPr>
           <p:nvPr/>
-        </p:nvGrpSpPr>
-        <p:grpSpPr>
-          <a:xfrm rot="20668511">
-            <a:off x="6336647" y="5642157"/>
-            <a:ext cx="1402913" cy="648819"/>
-            <a:chOff x="10293744" y="2644829"/>
-            <a:chExt cx="1402913" cy="648819"/>
+        </p:nvPicPr>
+        <p:blipFill>
+          <a:blip r:embed="rId11"/>
+          <a:stretch>
+            <a:fillRect/>
+          </a:stretch>
+        </p:blipFill>
+        <p:spPr>
+          <a:xfrm rot="20400000">
+            <a:off x="5028851" y="5562765"/>
+            <a:ext cx="976065" cy="275073"/>
           </a:xfrm>
-        </p:grpSpPr>
-        <p:sp>
-          <p:nvSpPr>
-            <p:cNvPr id="38" name="Rectangle: Rounded Corners 37">
-              <a:extLst>
-                <a:ext uri="{FF2B5EF4-FFF2-40B4-BE49-F238E27FC236}">
-                  <a16:creationId xmlns:a16="http://schemas.microsoft.com/office/drawing/2014/main" id="{5B72840B-E14A-4236-B222-3FD32D16D8C2}"/>
-                </a:ext>
-              </a:extLst>
-            </p:cNvPr>
-            <p:cNvSpPr/>
-            <p:nvPr/>
-          </p:nvSpPr>
-          <p:spPr>
-            <a:xfrm>
-              <a:off x="10293744" y="2783488"/>
-              <a:ext cx="1402913" cy="510160"/>
-            </a:xfrm>
-            <a:prstGeom prst="roundRect">
-              <a:avLst/>
-            </a:prstGeom>
+          <a:prstGeom prst="rect">
+            <a:avLst/>
+          </a:prstGeom>
+          <a:ln>
             <a:solidFill>
-              <a:srgbClr val="1A4049"/>
+              <a:schemeClr val="tx1"/>
             </a:solidFill>
-          </p:spPr>
-          <p:style>
-            <a:lnRef idx="2">
-              <a:schemeClr val="accent1">
-                <a:shade val="50000"/>
-              </a:schemeClr>
-            </a:lnRef>
-            <a:fillRef idx="1">
-              <a:schemeClr val="accent1"/>
-            </a:fillRef>
-            <a:effectRef idx="0">
-              <a:schemeClr val="accent1"/>
-            </a:effectRef>
-            <a:fontRef idx="minor">
-              <a:schemeClr val="lt1"/>
-            </a:fontRef>
-          </p:style>
-          <p:txBody>
-            <a:bodyPr rtlCol="0" anchor="ctr"/>
-            <a:lstStyle/>
-            <a:p>
-              <a:pPr algn="ctr"/>
-              <a:r>
-                <a:rPr lang="en-US" b="1" dirty="0"/>
-                <a:t>Unleash</a:t>
-              </a:r>
-              <a:endParaRPr lang="en-NZ" sz="1400" dirty="0"/>
-            </a:p>
-          </p:txBody>
-        </p:sp>
-        <p:pic>
-          <p:nvPicPr>
-            <p:cNvPr id="1221" name="Picture 1220">
-              <a:extLst>
-                <a:ext uri="{FF2B5EF4-FFF2-40B4-BE49-F238E27FC236}">
-                  <a16:creationId xmlns:a16="http://schemas.microsoft.com/office/drawing/2014/main" id="{D70A1E97-4BBD-498F-88E4-E35F3C89843D}"/>
-                </a:ext>
-              </a:extLst>
-            </p:cNvPr>
-            <p:cNvPicPr>
-              <a:picLocks noChangeAspect="1"/>
-            </p:cNvPicPr>
-            <p:nvPr/>
-          </p:nvPicPr>
-          <p:blipFill>
-            <a:blip r:embed="rId11"/>
-            <a:stretch>
-              <a:fillRect/>
-            </a:stretch>
-          </p:blipFill>
-          <p:spPr>
-            <a:xfrm>
-              <a:off x="10362740" y="2644829"/>
-              <a:ext cx="903093" cy="254508"/>
-            </a:xfrm>
-            <a:prstGeom prst="rect">
-              <a:avLst/>
-            </a:prstGeom>
-            <a:ln>
-              <a:solidFill>
-                <a:schemeClr val="tx1"/>
-              </a:solidFill>
-            </a:ln>
-          </p:spPr>
-        </p:pic>
-      </p:grpSp>
+          </a:ln>
+        </p:spPr>
+      </p:pic>
       <p:grpSp>
         <p:nvGrpSpPr>
           <p:cNvPr id="1132" name="Group 1131">
@@ -8538,54 +8227,6 @@
                 </a:solidFill>
               </a:endParaRPr>
             </a:p>
-            <a:p>
-              <a:pPr algn="r"/>
-              <a:r>
-                <a:rPr lang="en-US" sz="500" dirty="0">
-                  <a:solidFill>
-                    <a:schemeClr val="bg2">
-                      <a:lumMod val="50000"/>
-                    </a:schemeClr>
-                  </a:solidFill>
-                  <a:latin typeface="Simplified Arabic Fixed" panose="020B0604020202020204" pitchFamily="49" charset="-78"/>
-                  <a:cs typeface="Simplified Arabic Fixed" panose="020B0604020202020204" pitchFamily="49" charset="-78"/>
-                </a:rPr>
-                <a:t>(</a:t>
-              </a:r>
-              <a:r>
-                <a:rPr lang="en-US" sz="500" dirty="0" err="1">
-                  <a:solidFill>
-                    <a:schemeClr val="bg2">
-                      <a:lumMod val="50000"/>
-                    </a:schemeClr>
-                  </a:solidFill>
-                  <a:latin typeface="Simplified Arabic Fixed" panose="020B0604020202020204" pitchFamily="49" charset="-78"/>
-                  <a:cs typeface="Simplified Arabic Fixed" panose="020B0604020202020204" pitchFamily="49" charset="-78"/>
-                </a:rPr>
-                <a:t>FunctionsHost</a:t>
-              </a:r>
-              <a:r>
-                <a:rPr lang="en-US" sz="500" dirty="0">
-                  <a:solidFill>
-                    <a:schemeClr val="bg2">
-                      <a:lumMod val="50000"/>
-                    </a:schemeClr>
-                  </a:solidFill>
-                  <a:latin typeface="Simplified Arabic Fixed" panose="020B0604020202020204" pitchFamily="49" charset="-78"/>
-                  <a:cs typeface="Simplified Arabic Fixed" panose="020B0604020202020204" pitchFamily="49" charset="-78"/>
-                </a:rPr>
-                <a:t>)</a:t>
-              </a:r>
-              <a:endParaRPr lang="en-NZ" sz="500" dirty="0">
-                <a:solidFill>
-                  <a:schemeClr val="bg2">
-                    <a:lumMod val="50000"/>
-                  </a:schemeClr>
-                </a:solidFill>
-                <a:latin typeface="Simplified Arabic Fixed" panose="020B0604020202020204" pitchFamily="49" charset="-78"/>
-                <a:cs typeface="Simplified Arabic Fixed" panose="020B0604020202020204" pitchFamily="49" charset="-78"/>
-              </a:endParaRPr>
-            </a:p>
           </p:txBody>
         </p:sp>
         <p:pic>
@@ -8791,8 +8432,8 @@
         </p:nvSpPr>
         <p:spPr>
           <a:xfrm rot="16200000">
-            <a:off x="1209404" y="5228945"/>
-            <a:ext cx="955711" cy="261610"/>
+            <a:off x="1381788" y="1407453"/>
+            <a:ext cx="1042273" cy="261610"/>
           </a:xfrm>
           <a:prstGeom prst="rect">
             <a:avLst/>
@@ -8807,7 +8448,7 @@
           <a:p>
             <a:r>
               <a:rPr lang="en-NZ" sz="1100" dirty="0"/>
-              <a:t>+Credit Cards</a:t>
+              <a:t>+ Card Capture</a:t>
             </a:r>
           </a:p>
         </p:txBody>
@@ -10254,7 +9895,7 @@
         <p:spPr>
           <a:xfrm>
             <a:off x="8482881" y="1009179"/>
-            <a:ext cx="2567754" cy="3756471"/>
+            <a:ext cx="2567754" cy="3782062"/>
           </a:xfrm>
           <a:prstGeom prst="rect">
             <a:avLst/>
@@ -10286,7 +9927,7 @@
           <a:p>
             <a:pPr algn="ctr"/>
             <a:r>
-              <a:rPr lang="en-NZ" sz="1600" dirty="0">
+              <a:rPr lang="en-NZ" sz="1200" dirty="0">
                 <a:solidFill>
                   <a:schemeClr val="tx1"/>
                 </a:solidFill>
@@ -10294,7 +9935,7 @@
               <a:t>3</a:t>
             </a:r>
             <a:r>
-              <a:rPr lang="en-NZ" sz="1600" baseline="30000" dirty="0">
+              <a:rPr lang="en-NZ" sz="1200" baseline="30000" dirty="0">
                 <a:solidFill>
                   <a:schemeClr val="tx1"/>
                 </a:solidFill>
@@ -10302,7 +9943,7 @@
               <a:t>rd</a:t>
             </a:r>
             <a:r>
-              <a:rPr lang="en-NZ" sz="1600" dirty="0">
+              <a:rPr lang="en-NZ" sz="1200" dirty="0">
                 <a:solidFill>
                   <a:schemeClr val="tx1"/>
                 </a:solidFill>
@@ -10313,7 +9954,7 @@
           <a:p>
             <a:pPr algn="ctr"/>
             <a:r>
-              <a:rPr lang="en-NZ" sz="1600" dirty="0">
+              <a:rPr lang="en-NZ" sz="1200" dirty="0">
                 <a:solidFill>
                   <a:schemeClr val="tx1"/>
                 </a:solidFill>
@@ -10324,13 +9965,847 @@
           <a:p>
             <a:pPr algn="ctr"/>
             <a:r>
-              <a:rPr lang="en-NZ" sz="1600" dirty="0">
+              <a:rPr lang="en-NZ" sz="1200" dirty="0">
                 <a:solidFill>
                   <a:schemeClr val="tx1"/>
                 </a:solidFill>
               </a:rPr>
               <a:t>Plugins</a:t>
             </a:r>
+          </a:p>
+        </p:txBody>
+      </p:sp>
+      <p:pic>
+        <p:nvPicPr>
+          <p:cNvPr id="1083" name="Picture 2" descr="google - Wikipedia">
+            <a:extLst>
+              <a:ext uri="{FF2B5EF4-FFF2-40B4-BE49-F238E27FC236}">
+                <a16:creationId xmlns:a16="http://schemas.microsoft.com/office/drawing/2014/main" id="{C1490A4B-2729-F71B-D2B2-3A65A9CB9EB9}"/>
+              </a:ext>
+            </a:extLst>
+          </p:cNvPr>
+          <p:cNvPicPr>
+            <a:picLocks noChangeAspect="1" noChangeArrowheads="1"/>
+          </p:cNvPicPr>
+          <p:nvPr/>
+        </p:nvPicPr>
+        <p:blipFill>
+          <a:blip r:embed="rId18">
+            <a:extLst>
+              <a:ext uri="{28A0092B-C50C-407E-A947-70E740481C1C}">
+                <a14:useLocalDpi xmlns:a14="http://schemas.microsoft.com/office/drawing/2010/main" val="0"/>
+              </a:ext>
+            </a:extLst>
+          </a:blip>
+          <a:srcRect/>
+          <a:stretch>
+            <a:fillRect/>
+          </a:stretch>
+        </p:blipFill>
+        <p:spPr bwMode="auto">
+          <a:xfrm rot="20400000">
+            <a:off x="8632789" y="5565763"/>
+            <a:ext cx="785486" cy="264542"/>
+          </a:xfrm>
+          <a:prstGeom prst="rect">
+            <a:avLst/>
+          </a:prstGeom>
+          <a:noFill/>
+          <a:ln w="9525">
+            <a:solidFill>
+              <a:schemeClr val="tx1"/>
+            </a:solidFill>
+          </a:ln>
+          <a:extLst>
+            <a:ext uri="{909E8E84-426E-40DD-AFC4-6F175D3DCCD1}">
+              <a14:hiddenFill xmlns:a14="http://schemas.microsoft.com/office/drawing/2010/main">
+                <a:solidFill>
+                  <a:srgbClr val="FFFFFF"/>
+                </a:solidFill>
+              </a14:hiddenFill>
+            </a:ext>
+          </a:extLst>
+        </p:spPr>
+      </p:pic>
+      <p:pic>
+        <p:nvPicPr>
+          <p:cNvPr id="1084" name="Picture 4">
+            <a:extLst>
+              <a:ext uri="{FF2B5EF4-FFF2-40B4-BE49-F238E27FC236}">
+                <a16:creationId xmlns:a16="http://schemas.microsoft.com/office/drawing/2014/main" id="{8C14C4A7-87FB-5F5B-B9BC-2F74E9F87202}"/>
+              </a:ext>
+            </a:extLst>
+          </p:cNvPr>
+          <p:cNvPicPr>
+            <a:picLocks noChangeAspect="1" noChangeArrowheads="1"/>
+          </p:cNvPicPr>
+          <p:nvPr/>
+        </p:nvPicPr>
+        <p:blipFill>
+          <a:blip r:embed="rId19">
+            <a:extLst>
+              <a:ext uri="{28A0092B-C50C-407E-A947-70E740481C1C}">
+                <a14:useLocalDpi xmlns:a14="http://schemas.microsoft.com/office/drawing/2010/main" val="0"/>
+              </a:ext>
+            </a:extLst>
+          </a:blip>
+          <a:srcRect/>
+          <a:stretch>
+            <a:fillRect/>
+          </a:stretch>
+        </p:blipFill>
+        <p:spPr bwMode="auto">
+          <a:xfrm rot="20400000">
+            <a:off x="8506934" y="5203191"/>
+            <a:ext cx="990648" cy="209521"/>
+          </a:xfrm>
+          <a:prstGeom prst="rect">
+            <a:avLst/>
+          </a:prstGeom>
+          <a:noFill/>
+          <a:ln w="9525">
+            <a:solidFill>
+              <a:schemeClr val="tx1"/>
+            </a:solidFill>
+          </a:ln>
+          <a:extLst>
+            <a:ext uri="{909E8E84-426E-40DD-AFC4-6F175D3DCCD1}">
+              <a14:hiddenFill xmlns:a14="http://schemas.microsoft.com/office/drawing/2010/main">
+                <a:solidFill>
+                  <a:srgbClr val="FFFFFF"/>
+                </a:solidFill>
+              </a14:hiddenFill>
+            </a:ext>
+          </a:extLst>
+        </p:spPr>
+      </p:pic>
+      <p:cxnSp>
+        <p:nvCxnSpPr>
+          <p:cNvPr id="1111" name="Straight Arrow Connector 29">
+            <a:extLst>
+              <a:ext uri="{FF2B5EF4-FFF2-40B4-BE49-F238E27FC236}">
+                <a16:creationId xmlns:a16="http://schemas.microsoft.com/office/drawing/2014/main" id="{481F741E-1570-B87F-695E-BC8C99D2BE3A}"/>
+              </a:ext>
+            </a:extLst>
+          </p:cNvPr>
+          <p:cNvCxnSpPr>
+            <a:cxnSpLocks/>
+            <a:stCxn id="1084" idx="0"/>
+            <a:endCxn id="23" idx="3"/>
+          </p:cNvCxnSpPr>
+          <p:nvPr/>
+        </p:nvCxnSpPr>
+        <p:spPr>
+          <a:xfrm rot="16200000" flipV="1">
+            <a:off x="6885363" y="3128444"/>
+            <a:ext cx="1177653" cy="2984478"/>
+          </a:xfrm>
+          <a:prstGeom prst="bentConnector3">
+            <a:avLst>
+              <a:gd name="adj1" fmla="val 18502"/>
+            </a:avLst>
+          </a:prstGeom>
+          <a:ln w="19050" cap="flat" cmpd="sng" algn="ctr">
+            <a:solidFill>
+              <a:schemeClr val="bg2">
+                <a:lumMod val="50000"/>
+              </a:schemeClr>
+            </a:solidFill>
+            <a:prstDash val="solid"/>
+            <a:round/>
+            <a:headEnd type="arrow" w="med" len="med"/>
+            <a:tailEnd type="none" w="med" len="med"/>
+          </a:ln>
+        </p:spPr>
+        <p:style>
+          <a:lnRef idx="0">
+            <a:scrgbClr r="0" g="0" b="0"/>
+          </a:lnRef>
+          <a:fillRef idx="0">
+            <a:scrgbClr r="0" g="0" b="0"/>
+          </a:fillRef>
+          <a:effectRef idx="0">
+            <a:scrgbClr r="0" g="0" b="0"/>
+          </a:effectRef>
+          <a:fontRef idx="minor">
+            <a:schemeClr val="tx1"/>
+          </a:fontRef>
+        </p:style>
+      </p:cxnSp>
+      <p:sp>
+        <p:nvSpPr>
+          <p:cNvPr id="1124" name="Rectangle 1123">
+            <a:extLst>
+              <a:ext uri="{FF2B5EF4-FFF2-40B4-BE49-F238E27FC236}">
+                <a16:creationId xmlns:a16="http://schemas.microsoft.com/office/drawing/2014/main" id="{ED35A757-8F32-C59F-713E-BC68B3866761}"/>
+              </a:ext>
+            </a:extLst>
+          </p:cNvPr>
+          <p:cNvSpPr/>
+          <p:nvPr/>
+        </p:nvSpPr>
+        <p:spPr>
+          <a:xfrm rot="20400000">
+            <a:off x="9680970" y="5586117"/>
+            <a:ext cx="926590" cy="228794"/>
+          </a:xfrm>
+          <a:prstGeom prst="rect">
+            <a:avLst/>
+          </a:prstGeom>
+          <a:solidFill>
+            <a:srgbClr val="4472C4"/>
+          </a:solidFill>
+        </p:spPr>
+        <p:style>
+          <a:lnRef idx="2">
+            <a:schemeClr val="accent1">
+              <a:shade val="50000"/>
+            </a:schemeClr>
+          </a:lnRef>
+          <a:fillRef idx="1">
+            <a:schemeClr val="accent1"/>
+          </a:fillRef>
+          <a:effectRef idx="0">
+            <a:schemeClr val="accent1"/>
+          </a:effectRef>
+          <a:fontRef idx="minor">
+            <a:schemeClr val="lt1"/>
+          </a:fontRef>
+        </p:style>
+        <p:txBody>
+          <a:bodyPr rtlCol="0" anchor="ctr"/>
+          <a:lstStyle/>
+          <a:p>
+            <a:pPr algn="ctr"/>
+            <a:r>
+              <a:rPr lang="en-US" sz="1200" dirty="0">
+                <a:solidFill>
+                  <a:schemeClr val="bg1"/>
+                </a:solidFill>
+              </a:rPr>
+              <a:t>AuthN API</a:t>
+            </a:r>
+            <a:endParaRPr lang="en-NZ" sz="1200" dirty="0">
+              <a:solidFill>
+                <a:schemeClr val="bg1"/>
+              </a:solidFill>
+            </a:endParaRPr>
+          </a:p>
+        </p:txBody>
+      </p:sp>
+      <p:sp>
+        <p:nvSpPr>
+          <p:cNvPr id="1126" name="Rectangle 1125">
+            <a:extLst>
+              <a:ext uri="{FF2B5EF4-FFF2-40B4-BE49-F238E27FC236}">
+                <a16:creationId xmlns:a16="http://schemas.microsoft.com/office/drawing/2014/main" id="{9BD93A82-2A39-DB90-1195-67F1CB7B5EC7}"/>
+              </a:ext>
+            </a:extLst>
+          </p:cNvPr>
+          <p:cNvSpPr/>
+          <p:nvPr/>
+        </p:nvSpPr>
+        <p:spPr>
+          <a:xfrm rot="20400000">
+            <a:off x="9706728" y="5973441"/>
+            <a:ext cx="926590" cy="196725"/>
+          </a:xfrm>
+          <a:prstGeom prst="rect">
+            <a:avLst/>
+          </a:prstGeom>
+          <a:solidFill>
+            <a:schemeClr val="bg2">
+              <a:lumMod val="75000"/>
+            </a:schemeClr>
+          </a:solidFill>
+          <a:ln>
+            <a:solidFill>
+              <a:schemeClr val="tx1">
+                <a:lumMod val="50000"/>
+                <a:lumOff val="50000"/>
+              </a:schemeClr>
+            </a:solidFill>
+          </a:ln>
+        </p:spPr>
+        <p:style>
+          <a:lnRef idx="2">
+            <a:schemeClr val="accent1">
+              <a:shade val="50000"/>
+            </a:schemeClr>
+          </a:lnRef>
+          <a:fillRef idx="1">
+            <a:schemeClr val="accent1"/>
+          </a:fillRef>
+          <a:effectRef idx="0">
+            <a:schemeClr val="accent1"/>
+          </a:effectRef>
+          <a:fontRef idx="minor">
+            <a:schemeClr val="lt1"/>
+          </a:fontRef>
+        </p:style>
+        <p:txBody>
+          <a:bodyPr rtlCol="0" anchor="ctr"/>
+          <a:lstStyle/>
+          <a:p>
+            <a:pPr algn="ctr"/>
+            <a:r>
+              <a:rPr lang="en-US" sz="1200" dirty="0">
+                <a:solidFill>
+                  <a:schemeClr val="tx1">
+                    <a:lumMod val="50000"/>
+                    <a:lumOff val="50000"/>
+                  </a:schemeClr>
+                </a:solidFill>
+              </a:rPr>
+              <a:t>Other?</a:t>
+            </a:r>
+            <a:endParaRPr lang="en-NZ" sz="1200" dirty="0">
+              <a:solidFill>
+                <a:schemeClr val="tx1">
+                  <a:lumMod val="50000"/>
+                  <a:lumOff val="50000"/>
+                </a:schemeClr>
+              </a:solidFill>
+            </a:endParaRPr>
+          </a:p>
+        </p:txBody>
+      </p:sp>
+      <p:sp>
+        <p:nvSpPr>
+          <p:cNvPr id="1127" name="Rectangle 1126">
+            <a:extLst>
+              <a:ext uri="{FF2B5EF4-FFF2-40B4-BE49-F238E27FC236}">
+                <a16:creationId xmlns:a16="http://schemas.microsoft.com/office/drawing/2014/main" id="{943F0BCD-640B-AABA-6E6F-24224F09D2EE}"/>
+              </a:ext>
+            </a:extLst>
+          </p:cNvPr>
+          <p:cNvSpPr/>
+          <p:nvPr/>
+        </p:nvSpPr>
+        <p:spPr>
+          <a:xfrm rot="20400000">
+            <a:off x="7395772" y="5973441"/>
+            <a:ext cx="926590" cy="196725"/>
+          </a:xfrm>
+          <a:prstGeom prst="rect">
+            <a:avLst/>
+          </a:prstGeom>
+          <a:solidFill>
+            <a:schemeClr val="bg2">
+              <a:lumMod val="75000"/>
+            </a:schemeClr>
+          </a:solidFill>
+          <a:ln>
+            <a:solidFill>
+              <a:schemeClr val="tx1">
+                <a:lumMod val="50000"/>
+                <a:lumOff val="50000"/>
+              </a:schemeClr>
+            </a:solidFill>
+          </a:ln>
+        </p:spPr>
+        <p:style>
+          <a:lnRef idx="2">
+            <a:schemeClr val="accent1">
+              <a:shade val="50000"/>
+            </a:schemeClr>
+          </a:lnRef>
+          <a:fillRef idx="1">
+            <a:schemeClr val="accent1"/>
+          </a:fillRef>
+          <a:effectRef idx="0">
+            <a:schemeClr val="accent1"/>
+          </a:effectRef>
+          <a:fontRef idx="minor">
+            <a:schemeClr val="lt1"/>
+          </a:fontRef>
+        </p:style>
+        <p:txBody>
+          <a:bodyPr rtlCol="0" anchor="ctr"/>
+          <a:lstStyle/>
+          <a:p>
+            <a:pPr algn="ctr"/>
+            <a:r>
+              <a:rPr lang="en-US" sz="1200" dirty="0">
+                <a:solidFill>
+                  <a:schemeClr val="tx1">
+                    <a:lumMod val="50000"/>
+                    <a:lumOff val="50000"/>
+                  </a:schemeClr>
+                </a:solidFill>
+              </a:rPr>
+              <a:t>Other?</a:t>
+            </a:r>
+            <a:endParaRPr lang="en-NZ" sz="1200" dirty="0">
+              <a:solidFill>
+                <a:schemeClr val="tx1">
+                  <a:lumMod val="50000"/>
+                  <a:lumOff val="50000"/>
+                </a:schemeClr>
+              </a:solidFill>
+            </a:endParaRPr>
+          </a:p>
+        </p:txBody>
+      </p:sp>
+      <p:sp>
+        <p:nvSpPr>
+          <p:cNvPr id="1128" name="Rectangle 1127">
+            <a:extLst>
+              <a:ext uri="{FF2B5EF4-FFF2-40B4-BE49-F238E27FC236}">
+                <a16:creationId xmlns:a16="http://schemas.microsoft.com/office/drawing/2014/main" id="{D595ED4D-ED95-E379-D5A4-D07BF6C75DB4}"/>
+              </a:ext>
+            </a:extLst>
+          </p:cNvPr>
+          <p:cNvSpPr/>
+          <p:nvPr/>
+        </p:nvSpPr>
+        <p:spPr>
+          <a:xfrm rot="20400000">
+            <a:off x="6246051" y="5973441"/>
+            <a:ext cx="926590" cy="196725"/>
+          </a:xfrm>
+          <a:prstGeom prst="rect">
+            <a:avLst/>
+          </a:prstGeom>
+          <a:solidFill>
+            <a:schemeClr val="bg2">
+              <a:lumMod val="75000"/>
+            </a:schemeClr>
+          </a:solidFill>
+          <a:ln>
+            <a:solidFill>
+              <a:schemeClr val="tx1">
+                <a:lumMod val="50000"/>
+                <a:lumOff val="50000"/>
+              </a:schemeClr>
+            </a:solidFill>
+          </a:ln>
+        </p:spPr>
+        <p:style>
+          <a:lnRef idx="2">
+            <a:schemeClr val="accent1">
+              <a:shade val="50000"/>
+            </a:schemeClr>
+          </a:lnRef>
+          <a:fillRef idx="1">
+            <a:schemeClr val="accent1"/>
+          </a:fillRef>
+          <a:effectRef idx="0">
+            <a:schemeClr val="accent1"/>
+          </a:effectRef>
+          <a:fontRef idx="minor">
+            <a:schemeClr val="lt1"/>
+          </a:fontRef>
+        </p:style>
+        <p:txBody>
+          <a:bodyPr rtlCol="0" anchor="ctr"/>
+          <a:lstStyle/>
+          <a:p>
+            <a:pPr algn="ctr"/>
+            <a:r>
+              <a:rPr lang="en-US" sz="1200" dirty="0">
+                <a:solidFill>
+                  <a:schemeClr val="tx1">
+                    <a:lumMod val="50000"/>
+                    <a:lumOff val="50000"/>
+                  </a:schemeClr>
+                </a:solidFill>
+              </a:rPr>
+              <a:t>Other?</a:t>
+            </a:r>
+            <a:endParaRPr lang="en-NZ" sz="1200" dirty="0">
+              <a:solidFill>
+                <a:schemeClr val="tx1">
+                  <a:lumMod val="50000"/>
+                  <a:lumOff val="50000"/>
+                </a:schemeClr>
+              </a:solidFill>
+            </a:endParaRPr>
+          </a:p>
+        </p:txBody>
+      </p:sp>
+      <p:sp>
+        <p:nvSpPr>
+          <p:cNvPr id="1129" name="Rectangle 1128">
+            <a:extLst>
+              <a:ext uri="{FF2B5EF4-FFF2-40B4-BE49-F238E27FC236}">
+                <a16:creationId xmlns:a16="http://schemas.microsoft.com/office/drawing/2014/main" id="{11FB7093-8D74-25B3-C378-8E2BC40CF11F}"/>
+              </a:ext>
+            </a:extLst>
+          </p:cNvPr>
+          <p:cNvSpPr/>
+          <p:nvPr/>
+        </p:nvSpPr>
+        <p:spPr>
+          <a:xfrm rot="20400000">
+            <a:off x="5061318" y="5973441"/>
+            <a:ext cx="926590" cy="196725"/>
+          </a:xfrm>
+          <a:prstGeom prst="rect">
+            <a:avLst/>
+          </a:prstGeom>
+          <a:solidFill>
+            <a:schemeClr val="bg2">
+              <a:lumMod val="75000"/>
+            </a:schemeClr>
+          </a:solidFill>
+          <a:ln>
+            <a:solidFill>
+              <a:schemeClr val="tx1">
+                <a:lumMod val="50000"/>
+                <a:lumOff val="50000"/>
+              </a:schemeClr>
+            </a:solidFill>
+          </a:ln>
+        </p:spPr>
+        <p:style>
+          <a:lnRef idx="2">
+            <a:schemeClr val="accent1">
+              <a:shade val="50000"/>
+            </a:schemeClr>
+          </a:lnRef>
+          <a:fillRef idx="1">
+            <a:schemeClr val="accent1"/>
+          </a:fillRef>
+          <a:effectRef idx="0">
+            <a:schemeClr val="accent1"/>
+          </a:effectRef>
+          <a:fontRef idx="minor">
+            <a:schemeClr val="lt1"/>
+          </a:fontRef>
+        </p:style>
+        <p:txBody>
+          <a:bodyPr rtlCol="0" anchor="ctr"/>
+          <a:lstStyle/>
+          <a:p>
+            <a:pPr algn="ctr"/>
+            <a:r>
+              <a:rPr lang="en-US" sz="1200" dirty="0">
+                <a:solidFill>
+                  <a:schemeClr val="tx1">
+                    <a:lumMod val="50000"/>
+                    <a:lumOff val="50000"/>
+                  </a:schemeClr>
+                </a:solidFill>
+              </a:rPr>
+              <a:t>Other?</a:t>
+            </a:r>
+            <a:endParaRPr lang="en-NZ" sz="1200" dirty="0">
+              <a:solidFill>
+                <a:schemeClr val="tx1">
+                  <a:lumMod val="50000"/>
+                  <a:lumOff val="50000"/>
+                </a:schemeClr>
+              </a:solidFill>
+            </a:endParaRPr>
+          </a:p>
+        </p:txBody>
+      </p:sp>
+      <p:sp>
+        <p:nvSpPr>
+          <p:cNvPr id="1131" name="Rectangle 1130">
+            <a:extLst>
+              <a:ext uri="{FF2B5EF4-FFF2-40B4-BE49-F238E27FC236}">
+                <a16:creationId xmlns:a16="http://schemas.microsoft.com/office/drawing/2014/main" id="{783D8BAF-AD1E-EE11-898A-7648CAC00E14}"/>
+              </a:ext>
+            </a:extLst>
+          </p:cNvPr>
+          <p:cNvSpPr/>
+          <p:nvPr/>
+        </p:nvSpPr>
+        <p:spPr>
+          <a:xfrm rot="20400000">
+            <a:off x="3901584" y="5973441"/>
+            <a:ext cx="926590" cy="196725"/>
+          </a:xfrm>
+          <a:prstGeom prst="rect">
+            <a:avLst/>
+          </a:prstGeom>
+          <a:solidFill>
+            <a:schemeClr val="bg2">
+              <a:lumMod val="75000"/>
+            </a:schemeClr>
+          </a:solidFill>
+          <a:ln>
+            <a:solidFill>
+              <a:schemeClr val="tx1">
+                <a:lumMod val="50000"/>
+                <a:lumOff val="50000"/>
+              </a:schemeClr>
+            </a:solidFill>
+          </a:ln>
+        </p:spPr>
+        <p:style>
+          <a:lnRef idx="2">
+            <a:schemeClr val="accent1">
+              <a:shade val="50000"/>
+            </a:schemeClr>
+          </a:lnRef>
+          <a:fillRef idx="1">
+            <a:schemeClr val="accent1"/>
+          </a:fillRef>
+          <a:effectRef idx="0">
+            <a:schemeClr val="accent1"/>
+          </a:effectRef>
+          <a:fontRef idx="minor">
+            <a:schemeClr val="lt1"/>
+          </a:fontRef>
+        </p:style>
+        <p:txBody>
+          <a:bodyPr rtlCol="0" anchor="ctr"/>
+          <a:lstStyle/>
+          <a:p>
+            <a:pPr algn="ctr"/>
+            <a:r>
+              <a:rPr lang="en-US" sz="1200" dirty="0">
+                <a:solidFill>
+                  <a:schemeClr val="tx1">
+                    <a:lumMod val="50000"/>
+                    <a:lumOff val="50000"/>
+                  </a:schemeClr>
+                </a:solidFill>
+              </a:rPr>
+              <a:t>Other?</a:t>
+            </a:r>
+            <a:endParaRPr lang="en-NZ" sz="1200" dirty="0">
+              <a:solidFill>
+                <a:schemeClr val="tx1">
+                  <a:lumMod val="50000"/>
+                  <a:lumOff val="50000"/>
+                </a:schemeClr>
+              </a:solidFill>
+            </a:endParaRPr>
+          </a:p>
+        </p:txBody>
+      </p:sp>
+      <p:sp>
+        <p:nvSpPr>
+          <p:cNvPr id="1133" name="Rectangle 1132">
+            <a:extLst>
+              <a:ext uri="{FF2B5EF4-FFF2-40B4-BE49-F238E27FC236}">
+                <a16:creationId xmlns:a16="http://schemas.microsoft.com/office/drawing/2014/main" id="{67F1C157-B016-40B3-00EE-AE8E6315BE13}"/>
+              </a:ext>
+            </a:extLst>
+          </p:cNvPr>
+          <p:cNvSpPr/>
+          <p:nvPr/>
+        </p:nvSpPr>
+        <p:spPr>
+          <a:xfrm rot="20400000">
+            <a:off x="2801148" y="5973441"/>
+            <a:ext cx="926590" cy="196725"/>
+          </a:xfrm>
+          <a:prstGeom prst="rect">
+            <a:avLst/>
+          </a:prstGeom>
+          <a:solidFill>
+            <a:schemeClr val="bg2">
+              <a:lumMod val="75000"/>
+            </a:schemeClr>
+          </a:solidFill>
+          <a:ln>
+            <a:solidFill>
+              <a:schemeClr val="tx1">
+                <a:lumMod val="50000"/>
+                <a:lumOff val="50000"/>
+              </a:schemeClr>
+            </a:solidFill>
+          </a:ln>
+        </p:spPr>
+        <p:style>
+          <a:lnRef idx="2">
+            <a:schemeClr val="accent1">
+              <a:shade val="50000"/>
+            </a:schemeClr>
+          </a:lnRef>
+          <a:fillRef idx="1">
+            <a:schemeClr val="accent1"/>
+          </a:fillRef>
+          <a:effectRef idx="0">
+            <a:schemeClr val="accent1"/>
+          </a:effectRef>
+          <a:fontRef idx="minor">
+            <a:schemeClr val="lt1"/>
+          </a:fontRef>
+        </p:style>
+        <p:txBody>
+          <a:bodyPr rtlCol="0" anchor="ctr"/>
+          <a:lstStyle/>
+          <a:p>
+            <a:pPr algn="ctr"/>
+            <a:r>
+              <a:rPr lang="en-US" sz="1200" dirty="0">
+                <a:solidFill>
+                  <a:schemeClr val="tx1">
+                    <a:lumMod val="50000"/>
+                    <a:lumOff val="50000"/>
+                  </a:schemeClr>
+                </a:solidFill>
+              </a:rPr>
+              <a:t>Other?</a:t>
+            </a:r>
+            <a:endParaRPr lang="en-NZ" sz="1200" dirty="0">
+              <a:solidFill>
+                <a:schemeClr val="tx1">
+                  <a:lumMod val="50000"/>
+                  <a:lumOff val="50000"/>
+                </a:schemeClr>
+              </a:solidFill>
+            </a:endParaRPr>
+          </a:p>
+        </p:txBody>
+      </p:sp>
+      <p:sp>
+        <p:nvSpPr>
+          <p:cNvPr id="1134" name="Rectangle 1133">
+            <a:extLst>
+              <a:ext uri="{FF2B5EF4-FFF2-40B4-BE49-F238E27FC236}">
+                <a16:creationId xmlns:a16="http://schemas.microsoft.com/office/drawing/2014/main" id="{1755E447-C8BC-9AA3-7E0F-517DB79B732D}"/>
+              </a:ext>
+            </a:extLst>
+          </p:cNvPr>
+          <p:cNvSpPr/>
+          <p:nvPr/>
+        </p:nvSpPr>
+        <p:spPr>
+          <a:xfrm rot="20400000">
+            <a:off x="1591581" y="5973441"/>
+            <a:ext cx="926590" cy="196725"/>
+          </a:xfrm>
+          <a:prstGeom prst="rect">
+            <a:avLst/>
+          </a:prstGeom>
+          <a:solidFill>
+            <a:schemeClr val="bg2">
+              <a:lumMod val="75000"/>
+            </a:schemeClr>
+          </a:solidFill>
+          <a:ln>
+            <a:solidFill>
+              <a:schemeClr val="tx1">
+                <a:lumMod val="50000"/>
+                <a:lumOff val="50000"/>
+              </a:schemeClr>
+            </a:solidFill>
+          </a:ln>
+        </p:spPr>
+        <p:style>
+          <a:lnRef idx="2">
+            <a:schemeClr val="accent1">
+              <a:shade val="50000"/>
+            </a:schemeClr>
+          </a:lnRef>
+          <a:fillRef idx="1">
+            <a:schemeClr val="accent1"/>
+          </a:fillRef>
+          <a:effectRef idx="0">
+            <a:schemeClr val="accent1"/>
+          </a:effectRef>
+          <a:fontRef idx="minor">
+            <a:schemeClr val="lt1"/>
+          </a:fontRef>
+        </p:style>
+        <p:txBody>
+          <a:bodyPr rtlCol="0" anchor="ctr"/>
+          <a:lstStyle/>
+          <a:p>
+            <a:pPr algn="ctr"/>
+            <a:r>
+              <a:rPr lang="en-US" sz="1200" dirty="0">
+                <a:solidFill>
+                  <a:schemeClr val="tx1">
+                    <a:lumMod val="50000"/>
+                    <a:lumOff val="50000"/>
+                  </a:schemeClr>
+                </a:solidFill>
+              </a:rPr>
+              <a:t>Other?</a:t>
+            </a:r>
+            <a:endParaRPr lang="en-NZ" sz="1200" dirty="0">
+              <a:solidFill>
+                <a:schemeClr val="tx1">
+                  <a:lumMod val="50000"/>
+                  <a:lumOff val="50000"/>
+                </a:schemeClr>
+              </a:solidFill>
+            </a:endParaRPr>
+          </a:p>
+        </p:txBody>
+      </p:sp>
+      <p:sp>
+        <p:nvSpPr>
+          <p:cNvPr id="1140" name="Rectangle 1139">
+            <a:extLst>
+              <a:ext uri="{FF2B5EF4-FFF2-40B4-BE49-F238E27FC236}">
+                <a16:creationId xmlns:a16="http://schemas.microsoft.com/office/drawing/2014/main" id="{5DBD2DC8-487B-7BA3-A1DA-BA58460DE3E3}"/>
+              </a:ext>
+            </a:extLst>
+          </p:cNvPr>
+          <p:cNvSpPr/>
+          <p:nvPr/>
+        </p:nvSpPr>
+        <p:spPr>
+          <a:xfrm rot="20400000">
+            <a:off x="8538650" y="5978252"/>
+            <a:ext cx="926590" cy="196725"/>
+          </a:xfrm>
+          <a:prstGeom prst="rect">
+            <a:avLst/>
+          </a:prstGeom>
+          <a:solidFill>
+            <a:schemeClr val="bg2">
+              <a:lumMod val="75000"/>
+            </a:schemeClr>
+          </a:solidFill>
+          <a:ln>
+            <a:solidFill>
+              <a:schemeClr val="tx1">
+                <a:lumMod val="50000"/>
+                <a:lumOff val="50000"/>
+              </a:schemeClr>
+            </a:solidFill>
+          </a:ln>
+        </p:spPr>
+        <p:style>
+          <a:lnRef idx="2">
+            <a:schemeClr val="accent1">
+              <a:shade val="50000"/>
+            </a:schemeClr>
+          </a:lnRef>
+          <a:fillRef idx="1">
+            <a:schemeClr val="accent1"/>
+          </a:fillRef>
+          <a:effectRef idx="0">
+            <a:schemeClr val="accent1"/>
+          </a:effectRef>
+          <a:fontRef idx="minor">
+            <a:schemeClr val="lt1"/>
+          </a:fontRef>
+        </p:style>
+        <p:txBody>
+          <a:bodyPr rtlCol="0" anchor="ctr"/>
+          <a:lstStyle/>
+          <a:p>
+            <a:pPr algn="ctr"/>
+            <a:r>
+              <a:rPr lang="en-US" sz="1200" dirty="0">
+                <a:solidFill>
+                  <a:schemeClr val="tx1">
+                    <a:lumMod val="50000"/>
+                    <a:lumOff val="50000"/>
+                  </a:schemeClr>
+                </a:solidFill>
+              </a:rPr>
+              <a:t>Other?</a:t>
+            </a:r>
+            <a:endParaRPr lang="en-NZ" sz="1200" dirty="0">
+              <a:solidFill>
+                <a:schemeClr val="tx1">
+                  <a:lumMod val="50000"/>
+                  <a:lumOff val="50000"/>
+                </a:schemeClr>
+              </a:solidFill>
+            </a:endParaRPr>
           </a:p>
         </p:txBody>
       </p:sp>
@@ -10366,10 +10841,10 @@
       </p:grpSpPr>
       <p:grpSp>
         <p:nvGrpSpPr>
-          <p:cNvPr id="1133" name="Group 1132">
-            <a:extLst>
-              <a:ext uri="{FF2B5EF4-FFF2-40B4-BE49-F238E27FC236}">
-                <a16:creationId xmlns:a16="http://schemas.microsoft.com/office/drawing/2014/main" id="{0375C939-B098-1406-416A-5A964D855646}"/>
+          <p:cNvPr id="19" name="Group 18">
+            <a:extLst>
+              <a:ext uri="{FF2B5EF4-FFF2-40B4-BE49-F238E27FC236}">
+                <a16:creationId xmlns:a16="http://schemas.microsoft.com/office/drawing/2014/main" id="{21102186-940F-7C29-8E4B-A97659F3DC5D}"/>
               </a:ext>
             </a:extLst>
           </p:cNvPr>
@@ -10378,18 +10853,18 @@
         </p:nvGrpSpPr>
         <p:grpSpPr>
           <a:xfrm>
-            <a:off x="1496896" y="4962433"/>
-            <a:ext cx="9550362" cy="1781254"/>
-            <a:chOff x="1496896" y="4962433"/>
-            <a:chExt cx="9550362" cy="1781254"/>
+            <a:off x="1496896" y="4935101"/>
+            <a:ext cx="9200446" cy="1792852"/>
+            <a:chOff x="1496896" y="4935101"/>
+            <a:chExt cx="9200446" cy="1792852"/>
           </a:xfrm>
         </p:grpSpPr>
         <p:sp>
           <p:nvSpPr>
-            <p:cNvPr id="1126" name="Rectangle 1125">
+            <p:cNvPr id="20" name="Rectangle 19">
               <a:extLst>
                 <a:ext uri="{FF2B5EF4-FFF2-40B4-BE49-F238E27FC236}">
-                  <a16:creationId xmlns:a16="http://schemas.microsoft.com/office/drawing/2014/main" id="{CACF8015-F5C5-EE2A-0C46-FB556AF831CA}"/>
+                  <a16:creationId xmlns:a16="http://schemas.microsoft.com/office/drawing/2014/main" id="{FE041AF5-5B65-08FA-15FE-85035E04AFB8}"/>
                 </a:ext>
               </a:extLst>
             </p:cNvPr>
@@ -10398,8 +10873,8 @@
           </p:nvSpPr>
           <p:spPr>
             <a:xfrm>
-              <a:off x="9510454" y="4962433"/>
-              <a:ext cx="1536804" cy="1781254"/>
+              <a:off x="7271031" y="4946699"/>
+              <a:ext cx="1111013" cy="1781254"/>
             </a:xfrm>
             <a:prstGeom prst="rect">
               <a:avLst/>
@@ -10434,12 +10909,12 @@
             </a:fontRef>
           </p:style>
           <p:txBody>
-            <a:bodyPr rtlCol="0" anchor="b"/>
+            <a:bodyPr lIns="0" rIns="0" rtlCol="0" anchor="b"/>
             <a:lstStyle/>
             <a:p>
-              <a:pPr algn="r"/>
+              <a:pPr algn="ctr"/>
               <a:r>
-                <a:rPr lang="en-NZ" dirty="0">
+                <a:rPr lang="en-NZ" sz="1600" dirty="0">
                   <a:solidFill>
                     <a:schemeClr val="bg2">
                       <a:lumMod val="75000"/>
@@ -10448,7 +10923,7 @@
                 </a:rPr>
                 <a:t>Avatars</a:t>
               </a:r>
-              <a:endParaRPr lang="en-NZ" sz="700" dirty="0">
+              <a:endParaRPr lang="en-NZ" sz="600" dirty="0">
                 <a:solidFill>
                   <a:schemeClr val="bg2">
                     <a:lumMod val="75000"/>
@@ -10460,10 +10935,10 @@
         </p:sp>
         <p:sp>
           <p:nvSpPr>
-            <p:cNvPr id="1127" name="Rectangle 1126">
+            <p:cNvPr id="35" name="Rectangle 34">
               <a:extLst>
                 <a:ext uri="{FF2B5EF4-FFF2-40B4-BE49-F238E27FC236}">
-                  <a16:creationId xmlns:a16="http://schemas.microsoft.com/office/drawing/2014/main" id="{4F0F7907-B711-616A-3EFC-E902BC3790A3}"/>
+                  <a16:creationId xmlns:a16="http://schemas.microsoft.com/office/drawing/2014/main" id="{91DC9BFF-0D1D-EE77-AFD9-72DD16F01EB9}"/>
                 </a:ext>
               </a:extLst>
             </p:cNvPr>
@@ -10472,8 +10947,8 @@
           </p:nvSpPr>
           <p:spPr>
             <a:xfrm>
-              <a:off x="7907744" y="4962433"/>
-              <a:ext cx="1536804" cy="1781254"/>
+              <a:off x="6116204" y="4946699"/>
+              <a:ext cx="1111013" cy="1781254"/>
             </a:xfrm>
             <a:prstGeom prst="rect">
               <a:avLst/>
@@ -10508,12 +10983,12 @@
             </a:fontRef>
           </p:style>
           <p:txBody>
-            <a:bodyPr rtlCol="0" anchor="b"/>
+            <a:bodyPr lIns="0" rIns="0" rtlCol="0" anchor="b"/>
             <a:lstStyle/>
             <a:p>
-              <a:pPr algn="r"/>
+              <a:pPr algn="ctr"/>
               <a:r>
-                <a:rPr lang="en-NZ" dirty="0">
+                <a:rPr lang="en-NZ" sz="1600" dirty="0">
                   <a:solidFill>
                     <a:schemeClr val="bg2">
                       <a:lumMod val="75000"/>
@@ -10522,7 +10997,7 @@
                 </a:rPr>
                 <a:t>Emails</a:t>
               </a:r>
-              <a:endParaRPr lang="en-NZ" sz="700" dirty="0">
+              <a:endParaRPr lang="en-NZ" sz="600" dirty="0">
                 <a:solidFill>
                   <a:schemeClr val="bg2">
                     <a:lumMod val="75000"/>
@@ -10534,10 +11009,10 @@
         </p:sp>
         <p:sp>
           <p:nvSpPr>
-            <p:cNvPr id="1128" name="Rectangle 1127">
+            <p:cNvPr id="37" name="Rectangle 36">
               <a:extLst>
                 <a:ext uri="{FF2B5EF4-FFF2-40B4-BE49-F238E27FC236}">
-                  <a16:creationId xmlns:a16="http://schemas.microsoft.com/office/drawing/2014/main" id="{B1EF757B-76F3-6668-8AF6-826351EB4736}"/>
+                  <a16:creationId xmlns:a16="http://schemas.microsoft.com/office/drawing/2014/main" id="{5C665257-970E-89D6-262B-63B55EE9F034}"/>
                 </a:ext>
               </a:extLst>
             </p:cNvPr>
@@ -10546,8 +11021,8 @@
           </p:nvSpPr>
           <p:spPr>
             <a:xfrm>
-              <a:off x="6305032" y="4962433"/>
-              <a:ext cx="1536804" cy="1781254"/>
+              <a:off x="4961377" y="4939656"/>
+              <a:ext cx="1111013" cy="1781254"/>
             </a:xfrm>
             <a:prstGeom prst="rect">
               <a:avLst/>
@@ -10582,12 +11057,12 @@
             </a:fontRef>
           </p:style>
           <p:txBody>
-            <a:bodyPr rtlCol="0" anchor="b"/>
+            <a:bodyPr lIns="0" rIns="0" rtlCol="0" anchor="b"/>
             <a:lstStyle/>
             <a:p>
-              <a:pPr algn="r"/>
+              <a:pPr algn="ctr"/>
               <a:r>
-                <a:rPr lang="en-NZ" dirty="0">
+                <a:rPr lang="en-NZ" sz="1400" dirty="0">
                   <a:solidFill>
                     <a:schemeClr val="bg2">
                       <a:lumMod val="75000"/>
@@ -10596,7 +11071,7 @@
                 </a:rPr>
                 <a:t>Feature Flags</a:t>
               </a:r>
-              <a:endParaRPr lang="en-NZ" sz="700" dirty="0">
+              <a:endParaRPr lang="en-NZ" sz="500" dirty="0">
                 <a:solidFill>
                   <a:schemeClr val="bg2">
                     <a:lumMod val="75000"/>
@@ -10608,10 +11083,10 @@
         </p:sp>
         <p:sp>
           <p:nvSpPr>
-            <p:cNvPr id="1129" name="Rectangle 1128">
+            <p:cNvPr id="38" name="Rectangle 37">
               <a:extLst>
                 <a:ext uri="{FF2B5EF4-FFF2-40B4-BE49-F238E27FC236}">
-                  <a16:creationId xmlns:a16="http://schemas.microsoft.com/office/drawing/2014/main" id="{CADE4121-E8C9-8BCF-6B10-736FED02CB61}"/>
+                  <a16:creationId xmlns:a16="http://schemas.microsoft.com/office/drawing/2014/main" id="{9478EEFA-22F1-8F7B-534B-D4A3D361946C}"/>
                 </a:ext>
               </a:extLst>
             </p:cNvPr>
@@ -10620,8 +11095,8 @@
           </p:nvSpPr>
           <p:spPr>
             <a:xfrm>
-              <a:off x="4702320" y="4962433"/>
-              <a:ext cx="1536804" cy="1781254"/>
+              <a:off x="3806550" y="4946699"/>
+              <a:ext cx="1111013" cy="1781254"/>
             </a:xfrm>
             <a:prstGeom prst="rect">
               <a:avLst/>
@@ -10656,21 +11131,21 @@
             </a:fontRef>
           </p:style>
           <p:txBody>
-            <a:bodyPr rtlCol="0" anchor="b"/>
+            <a:bodyPr lIns="0" rIns="0" rtlCol="0" anchor="b"/>
             <a:lstStyle/>
             <a:p>
-              <a:pPr algn="r"/>
+              <a:pPr algn="ctr"/>
               <a:r>
-                <a:rPr lang="en-NZ" dirty="0">
+                <a:rPr lang="en-NZ" sz="1200" dirty="0">
                   <a:solidFill>
                     <a:schemeClr val="bg2">
                       <a:lumMod val="75000"/>
                     </a:schemeClr>
                   </a:solidFill>
                 </a:rPr>
-                <a:t>Usage Metrics</a:t>
+                <a:t>Product Metrics</a:t>
               </a:r>
-              <a:endParaRPr lang="en-NZ" sz="700" dirty="0">
+              <a:endParaRPr lang="en-NZ" sz="400" dirty="0">
                 <a:solidFill>
                   <a:schemeClr val="bg2">
                     <a:lumMod val="75000"/>
@@ -10682,10 +11157,10 @@
         </p:sp>
         <p:sp>
           <p:nvSpPr>
-            <p:cNvPr id="1130" name="Rectangle 1129">
+            <p:cNvPr id="42" name="Rectangle 41">
               <a:extLst>
                 <a:ext uri="{FF2B5EF4-FFF2-40B4-BE49-F238E27FC236}">
-                  <a16:creationId xmlns:a16="http://schemas.microsoft.com/office/drawing/2014/main" id="{3729C271-CCA4-6F63-B06A-66F56A68AD99}"/>
+                  <a16:creationId xmlns:a16="http://schemas.microsoft.com/office/drawing/2014/main" id="{F301A9DD-581D-21C7-FB5C-D0AF74A9A94D}"/>
                 </a:ext>
               </a:extLst>
             </p:cNvPr>
@@ -10694,8 +11169,8 @@
           </p:nvSpPr>
           <p:spPr>
             <a:xfrm>
-              <a:off x="3099608" y="4962433"/>
-              <a:ext cx="1536804" cy="1781254"/>
+              <a:off x="2651723" y="4946699"/>
+              <a:ext cx="1111013" cy="1781254"/>
             </a:xfrm>
             <a:prstGeom prst="rect">
               <a:avLst/>
@@ -10730,12 +11205,12 @@
             </a:fontRef>
           </p:style>
           <p:txBody>
-            <a:bodyPr rtlCol="0" anchor="b"/>
+            <a:bodyPr lIns="0" rIns="0" rtlCol="0" anchor="b"/>
             <a:lstStyle/>
             <a:p>
-              <a:pPr algn="r"/>
+              <a:pPr algn="ctr"/>
               <a:r>
-                <a:rPr lang="en-NZ" dirty="0">
+                <a:rPr lang="en-NZ" sz="1400" dirty="0">
                   <a:solidFill>
                     <a:schemeClr val="bg2">
                       <a:lumMod val="75000"/>
@@ -10744,7 +11219,7 @@
                 </a:rPr>
                 <a:t>Subscriptions</a:t>
               </a:r>
-              <a:endParaRPr lang="en-NZ" sz="700" dirty="0">
+              <a:endParaRPr lang="en-NZ" sz="600" dirty="0">
                 <a:solidFill>
                   <a:schemeClr val="bg2">
                     <a:lumMod val="75000"/>
@@ -10756,10 +11231,10 @@
         </p:sp>
         <p:sp>
           <p:nvSpPr>
-            <p:cNvPr id="1131" name="Rectangle 1130">
+            <p:cNvPr id="44" name="Rectangle 43">
               <a:extLst>
                 <a:ext uri="{FF2B5EF4-FFF2-40B4-BE49-F238E27FC236}">
-                  <a16:creationId xmlns:a16="http://schemas.microsoft.com/office/drawing/2014/main" id="{58478843-A6C3-1D20-0FE4-98FA5443C4EE}"/>
+                  <a16:creationId xmlns:a16="http://schemas.microsoft.com/office/drawing/2014/main" id="{26AB813B-DCCB-8629-8843-89C4A1036361}"/>
                 </a:ext>
               </a:extLst>
             </p:cNvPr>
@@ -10768,8 +11243,8 @@
           </p:nvSpPr>
           <p:spPr>
             <a:xfrm>
-              <a:off x="1496896" y="4962433"/>
-              <a:ext cx="1536804" cy="1781254"/>
+              <a:off x="1496896" y="4946699"/>
+              <a:ext cx="1111013" cy="1781254"/>
             </a:xfrm>
             <a:prstGeom prst="rect">
               <a:avLst/>
@@ -10804,12 +11279,12 @@
             </a:fontRef>
           </p:style>
           <p:txBody>
-            <a:bodyPr rtlCol="0" anchor="b"/>
+            <a:bodyPr lIns="0" rIns="0" rtlCol="0" anchor="b"/>
             <a:lstStyle/>
             <a:p>
-              <a:pPr algn="r"/>
+              <a:pPr algn="ctr"/>
               <a:r>
-                <a:rPr lang="en-NZ" dirty="0">
+                <a:rPr lang="en-NZ" sz="1600" dirty="0">
                   <a:solidFill>
                     <a:schemeClr val="bg2">
                       <a:lumMod val="75000"/>
@@ -10818,7 +11293,155 @@
                 </a:rPr>
                 <a:t>Payments</a:t>
               </a:r>
-              <a:endParaRPr lang="en-NZ" sz="700" dirty="0">
+              <a:endParaRPr lang="en-NZ" sz="600" dirty="0">
+                <a:solidFill>
+                  <a:schemeClr val="bg2">
+                    <a:lumMod val="75000"/>
+                  </a:schemeClr>
+                </a:solidFill>
+              </a:endParaRPr>
+            </a:p>
+          </p:txBody>
+        </p:sp>
+        <p:sp>
+          <p:nvSpPr>
+            <p:cNvPr id="45" name="Rectangle 44">
+              <a:extLst>
+                <a:ext uri="{FF2B5EF4-FFF2-40B4-BE49-F238E27FC236}">
+                  <a16:creationId xmlns:a16="http://schemas.microsoft.com/office/drawing/2014/main" id="{0196BBE3-9E5F-F3EB-8274-EC47C26F8295}"/>
+                </a:ext>
+              </a:extLst>
+            </p:cNvPr>
+            <p:cNvSpPr/>
+            <p:nvPr/>
+          </p:nvSpPr>
+          <p:spPr>
+            <a:xfrm>
+              <a:off x="8425859" y="4939656"/>
+              <a:ext cx="1111013" cy="1781254"/>
+            </a:xfrm>
+            <a:prstGeom prst="rect">
+              <a:avLst/>
+            </a:prstGeom>
+            <a:solidFill>
+              <a:schemeClr val="bg1">
+                <a:lumMod val="85000"/>
+              </a:schemeClr>
+            </a:solidFill>
+            <a:ln>
+              <a:solidFill>
+                <a:schemeClr val="bg1">
+                  <a:lumMod val="65000"/>
+                </a:schemeClr>
+              </a:solidFill>
+            </a:ln>
+          </p:spPr>
+          <p:style>
+            <a:lnRef idx="2">
+              <a:schemeClr val="accent1">
+                <a:shade val="15000"/>
+              </a:schemeClr>
+            </a:lnRef>
+            <a:fillRef idx="1">
+              <a:schemeClr val="accent1"/>
+            </a:fillRef>
+            <a:effectRef idx="0">
+              <a:schemeClr val="accent1"/>
+            </a:effectRef>
+            <a:fontRef idx="minor">
+              <a:schemeClr val="lt1"/>
+            </a:fontRef>
+          </p:style>
+          <p:txBody>
+            <a:bodyPr lIns="0" rIns="0" rtlCol="0" anchor="b"/>
+            <a:lstStyle/>
+            <a:p>
+              <a:pPr algn="ctr"/>
+              <a:r>
+                <a:rPr lang="en-NZ" sz="1400" dirty="0">
+                  <a:solidFill>
+                    <a:schemeClr val="bg2">
+                      <a:lumMod val="75000"/>
+                    </a:schemeClr>
+                  </a:solidFill>
+                </a:rPr>
+                <a:t>Single Sign On</a:t>
+              </a:r>
+              <a:endParaRPr lang="en-NZ" sz="500" dirty="0">
+                <a:solidFill>
+                  <a:schemeClr val="bg2">
+                    <a:lumMod val="75000"/>
+                  </a:schemeClr>
+                </a:solidFill>
+              </a:endParaRPr>
+            </a:p>
+          </p:txBody>
+        </p:sp>
+        <p:sp>
+          <p:nvSpPr>
+            <p:cNvPr id="46" name="Rectangle 45">
+              <a:extLst>
+                <a:ext uri="{FF2B5EF4-FFF2-40B4-BE49-F238E27FC236}">
+                  <a16:creationId xmlns:a16="http://schemas.microsoft.com/office/drawing/2014/main" id="{04C381D6-4868-FB96-7932-EBFA0C274E2D}"/>
+                </a:ext>
+              </a:extLst>
+            </p:cNvPr>
+            <p:cNvSpPr/>
+            <p:nvPr/>
+          </p:nvSpPr>
+          <p:spPr>
+            <a:xfrm>
+              <a:off x="9586329" y="4935101"/>
+              <a:ext cx="1111013" cy="1781254"/>
+            </a:xfrm>
+            <a:prstGeom prst="rect">
+              <a:avLst/>
+            </a:prstGeom>
+            <a:solidFill>
+              <a:schemeClr val="bg1">
+                <a:lumMod val="85000"/>
+              </a:schemeClr>
+            </a:solidFill>
+            <a:ln>
+              <a:solidFill>
+                <a:schemeClr val="bg1">
+                  <a:lumMod val="65000"/>
+                </a:schemeClr>
+              </a:solidFill>
+            </a:ln>
+          </p:spPr>
+          <p:style>
+            <a:lnRef idx="2">
+              <a:schemeClr val="accent1">
+                <a:shade val="15000"/>
+              </a:schemeClr>
+            </a:lnRef>
+            <a:fillRef idx="1">
+              <a:schemeClr val="accent1"/>
+            </a:fillRef>
+            <a:effectRef idx="0">
+              <a:schemeClr val="accent1"/>
+            </a:effectRef>
+            <a:fontRef idx="minor">
+              <a:schemeClr val="lt1"/>
+            </a:fontRef>
+          </p:style>
+          <p:txBody>
+            <a:bodyPr lIns="0" rIns="0" rtlCol="0" anchor="b"/>
+            <a:lstStyle/>
+            <a:p>
+              <a:pPr algn="ctr"/>
+              <a:r>
+                <a:rPr lang="en-NZ" sz="1400" dirty="0">
+                  <a:solidFill>
+                    <a:schemeClr val="bg2">
+                      <a:lumMod val="75000"/>
+                    </a:schemeClr>
+                  </a:solidFill>
+                </a:rPr>
+                <a:t>Auth Provider</a:t>
+              </a:r>
+              <a:endParaRPr lang="en-NZ" sz="500" dirty="0">
                 <a:solidFill>
                   <a:schemeClr val="bg2">
                     <a:lumMod val="75000"/>
@@ -10831,10 +11454,10 @@
       </p:grpSp>
       <p:sp>
         <p:nvSpPr>
-          <p:cNvPr id="52" name="Rectangle 51">
-            <a:extLst>
-              <a:ext uri="{FF2B5EF4-FFF2-40B4-BE49-F238E27FC236}">
-                <a16:creationId xmlns:a16="http://schemas.microsoft.com/office/drawing/2014/main" id="{13690F5B-E678-3BC8-CC41-B397994A384F}"/>
+          <p:cNvPr id="47" name="Rectangle 46">
+            <a:extLst>
+              <a:ext uri="{FF2B5EF4-FFF2-40B4-BE49-F238E27FC236}">
+                <a16:creationId xmlns:a16="http://schemas.microsoft.com/office/drawing/2014/main" id="{A1449531-3408-C704-6BCA-45CF85AD2350}"/>
               </a:ext>
             </a:extLst>
           </p:cNvPr>
@@ -10843,8 +11466,8 @@
         </p:nvSpPr>
         <p:spPr>
           <a:xfrm>
-            <a:off x="239556" y="4922260"/>
-            <a:ext cx="10863827" cy="1877996"/>
+            <a:off x="239557" y="4878562"/>
+            <a:ext cx="10863826" cy="1921694"/>
           </a:xfrm>
           <a:prstGeom prst="rect">
             <a:avLst/>
@@ -10875,7 +11498,7 @@
           <a:lstStyle/>
           <a:p>
             <a:r>
-              <a:rPr lang="en-NZ" sz="1600" dirty="0">
+              <a:rPr lang="en-NZ" sz="1200" dirty="0">
                 <a:solidFill>
                   <a:schemeClr val="tx1"/>
                 </a:solidFill>
@@ -10883,7 +11506,7 @@
               <a:t>3</a:t>
             </a:r>
             <a:r>
-              <a:rPr lang="en-NZ" sz="1600" baseline="30000" dirty="0">
+              <a:rPr lang="en-NZ" sz="1200" baseline="30000" dirty="0">
                 <a:solidFill>
                   <a:schemeClr val="tx1"/>
                 </a:solidFill>
@@ -10891,7 +11514,7 @@
               <a:t>rd</a:t>
             </a:r>
             <a:r>
-              <a:rPr lang="en-NZ" sz="1600" dirty="0">
+              <a:rPr lang="en-NZ" sz="1200" dirty="0">
                 <a:solidFill>
                   <a:schemeClr val="tx1"/>
                 </a:solidFill>
@@ -10901,7 +11524,7 @@
           </a:p>
           <a:p>
             <a:r>
-              <a:rPr lang="en-NZ" sz="1600" dirty="0">
+              <a:rPr lang="en-NZ" sz="1200" dirty="0">
                 <a:solidFill>
                   <a:schemeClr val="tx1"/>
                 </a:solidFill>
@@ -10911,7 +11534,7 @@
           </a:p>
           <a:p>
             <a:r>
-              <a:rPr lang="en-NZ" sz="1600" dirty="0">
+              <a:rPr lang="en-NZ" sz="1200" dirty="0">
                 <a:solidFill>
                   <a:schemeClr val="tx1"/>
                 </a:solidFill>
@@ -10921,6 +11544,1121 @@
           </a:p>
         </p:txBody>
       </p:sp>
+      <p:pic>
+        <p:nvPicPr>
+          <p:cNvPr id="48" name="Picture 47">
+            <a:extLst>
+              <a:ext uri="{FF2B5EF4-FFF2-40B4-BE49-F238E27FC236}">
+                <a16:creationId xmlns:a16="http://schemas.microsoft.com/office/drawing/2014/main" id="{E425C29F-E303-B7B7-1309-731EF037DBAD}"/>
+              </a:ext>
+            </a:extLst>
+          </p:cNvPr>
+          <p:cNvPicPr>
+            <a:picLocks noChangeAspect="1"/>
+          </p:cNvPicPr>
+          <p:nvPr/>
+        </p:nvPicPr>
+        <p:blipFill>
+          <a:blip r:embed="rId2"/>
+          <a:stretch>
+            <a:fillRect/>
+          </a:stretch>
+        </p:blipFill>
+        <p:spPr>
+          <a:xfrm rot="20400000">
+            <a:off x="6232482" y="5575358"/>
+            <a:ext cx="918256" cy="249886"/>
+          </a:xfrm>
+          <a:prstGeom prst="rect">
+            <a:avLst/>
+          </a:prstGeom>
+          <a:ln>
+            <a:solidFill>
+              <a:schemeClr val="tx1"/>
+            </a:solidFill>
+          </a:ln>
+        </p:spPr>
+      </p:pic>
+      <p:pic>
+        <p:nvPicPr>
+          <p:cNvPr id="50" name="Picture 2" descr="Mixpanel | Attribution Platform - Ematic Solutions">
+            <a:extLst>
+              <a:ext uri="{FF2B5EF4-FFF2-40B4-BE49-F238E27FC236}">
+                <a16:creationId xmlns:a16="http://schemas.microsoft.com/office/drawing/2014/main" id="{BE3D877F-FC2E-BE34-A883-04F936E5E2FD}"/>
+              </a:ext>
+            </a:extLst>
+          </p:cNvPr>
+          <p:cNvPicPr>
+            <a:picLocks noChangeAspect="1" noChangeArrowheads="1"/>
+          </p:cNvPicPr>
+          <p:nvPr/>
+        </p:nvPicPr>
+        <p:blipFill rotWithShape="1">
+          <a:blip r:embed="rId3">
+            <a:extLst>
+              <a:ext uri="{28A0092B-C50C-407E-A947-70E740481C1C}">
+                <a14:useLocalDpi xmlns:a14="http://schemas.microsoft.com/office/drawing/2010/main" val="0"/>
+              </a:ext>
+            </a:extLst>
+          </a:blip>
+          <a:srcRect l="11500" t="13488" r="11168" b="11401"/>
+          <a:stretch/>
+        </p:blipFill>
+        <p:spPr bwMode="auto">
+          <a:xfrm rot="20400000">
+            <a:off x="3958478" y="5567484"/>
+            <a:ext cx="732631" cy="265635"/>
+          </a:xfrm>
+          <a:prstGeom prst="rect">
+            <a:avLst/>
+          </a:prstGeom>
+          <a:noFill/>
+          <a:ln>
+            <a:solidFill>
+              <a:schemeClr val="tx1"/>
+            </a:solidFill>
+          </a:ln>
+          <a:extLst>
+            <a:ext uri="{909E8E84-426E-40DD-AFC4-6F175D3DCCD1}">
+              <a14:hiddenFill xmlns:a14="http://schemas.microsoft.com/office/drawing/2010/main">
+                <a:solidFill>
+                  <a:srgbClr val="FFFFFF"/>
+                </a:solidFill>
+              </a14:hiddenFill>
+            </a:ext>
+          </a:extLst>
+        </p:spPr>
+      </p:pic>
+      <p:pic>
+        <p:nvPicPr>
+          <p:cNvPr id="51" name="Picture 2" descr="Chargebee Generates 280+ Leads in One Year With G2 Buyer Intent Data">
+            <a:extLst>
+              <a:ext uri="{FF2B5EF4-FFF2-40B4-BE49-F238E27FC236}">
+                <a16:creationId xmlns:a16="http://schemas.microsoft.com/office/drawing/2014/main" id="{9748C1B6-9FFD-DBEC-8278-4D3E10247E58}"/>
+              </a:ext>
+            </a:extLst>
+          </p:cNvPr>
+          <p:cNvPicPr>
+            <a:picLocks noChangeAspect="1" noChangeArrowheads="1"/>
+          </p:cNvPicPr>
+          <p:nvPr/>
+        </p:nvPicPr>
+        <p:blipFill rotWithShape="1">
+          <a:blip r:embed="rId4">
+            <a:extLst>
+              <a:ext uri="{28A0092B-C50C-407E-A947-70E740481C1C}">
+                <a14:useLocalDpi xmlns:a14="http://schemas.microsoft.com/office/drawing/2010/main" val="0"/>
+              </a:ext>
+            </a:extLst>
+          </a:blip>
+          <a:srcRect t="16171" b="17292"/>
+          <a:stretch/>
+        </p:blipFill>
+        <p:spPr bwMode="auto">
+          <a:xfrm rot="20400000">
+            <a:off x="2756254" y="5532449"/>
+            <a:ext cx="933466" cy="335705"/>
+          </a:xfrm>
+          <a:prstGeom prst="rect">
+            <a:avLst/>
+          </a:prstGeom>
+          <a:solidFill>
+            <a:srgbClr val="5746B2"/>
+          </a:solidFill>
+          <a:ln w="9525">
+            <a:solidFill>
+              <a:schemeClr val="tx1"/>
+            </a:solidFill>
+          </a:ln>
+        </p:spPr>
+      </p:pic>
+      <p:pic>
+        <p:nvPicPr>
+          <p:cNvPr id="57" name="Picture 4">
+            <a:extLst>
+              <a:ext uri="{FF2B5EF4-FFF2-40B4-BE49-F238E27FC236}">
+                <a16:creationId xmlns:a16="http://schemas.microsoft.com/office/drawing/2014/main" id="{E5D155DD-7376-864B-1457-D72645B5E499}"/>
+              </a:ext>
+            </a:extLst>
+          </p:cNvPr>
+          <p:cNvPicPr>
+            <a:picLocks noChangeAspect="1" noChangeArrowheads="1"/>
+          </p:cNvPicPr>
+          <p:nvPr/>
+        </p:nvPicPr>
+        <p:blipFill rotWithShape="1">
+          <a:blip r:embed="rId5">
+            <a:extLst>
+              <a:ext uri="{28A0092B-C50C-407E-A947-70E740481C1C}">
+                <a14:useLocalDpi xmlns:a14="http://schemas.microsoft.com/office/drawing/2010/main" val="0"/>
+              </a:ext>
+            </a:extLst>
+          </a:blip>
+          <a:srcRect t="8416" b="8972"/>
+          <a:stretch/>
+        </p:blipFill>
+        <p:spPr bwMode="auto">
+          <a:xfrm rot="20400000">
+            <a:off x="1671178" y="5553547"/>
+            <a:ext cx="747260" cy="293509"/>
+          </a:xfrm>
+          <a:prstGeom prst="rect">
+            <a:avLst/>
+          </a:prstGeom>
+          <a:noFill/>
+          <a:ln>
+            <a:solidFill>
+              <a:schemeClr val="tx1"/>
+            </a:solidFill>
+          </a:ln>
+          <a:extLst>
+            <a:ext uri="{909E8E84-426E-40DD-AFC4-6F175D3DCCD1}">
+              <a14:hiddenFill xmlns:a14="http://schemas.microsoft.com/office/drawing/2010/main">
+                <a:solidFill>
+                  <a:srgbClr val="FFFFFF"/>
+                </a:solidFill>
+              </a14:hiddenFill>
+            </a:ext>
+          </a:extLst>
+        </p:spPr>
+      </p:pic>
+      <p:cxnSp>
+        <p:nvCxnSpPr>
+          <p:cNvPr id="64" name="Straight Arrow Connector 29">
+            <a:extLst>
+              <a:ext uri="{FF2B5EF4-FFF2-40B4-BE49-F238E27FC236}">
+                <a16:creationId xmlns:a16="http://schemas.microsoft.com/office/drawing/2014/main" id="{1B09EAC3-BF64-2ACB-49D3-31976482F1C7}"/>
+              </a:ext>
+            </a:extLst>
+          </p:cNvPr>
+          <p:cNvCxnSpPr>
+            <a:cxnSpLocks/>
+            <a:stCxn id="57" idx="3"/>
+            <a:endCxn id="51" idx="1"/>
+          </p:cNvCxnSpPr>
+          <p:nvPr/>
+        </p:nvCxnSpPr>
+        <p:spPr>
+          <a:xfrm>
+            <a:off x="2395906" y="5572513"/>
+            <a:ext cx="388496" cy="287421"/>
+          </a:xfrm>
+          <a:prstGeom prst="bentConnector3">
+            <a:avLst>
+              <a:gd name="adj1" fmla="val 50000"/>
+            </a:avLst>
+          </a:prstGeom>
+          <a:ln w="19050" cap="flat" cmpd="sng" algn="ctr">
+            <a:solidFill>
+              <a:schemeClr val="dk1"/>
+            </a:solidFill>
+            <a:prstDash val="dash"/>
+            <a:round/>
+            <a:headEnd type="arrow" w="med" len="med"/>
+            <a:tailEnd type="none" w="med" len="med"/>
+          </a:ln>
+        </p:spPr>
+        <p:style>
+          <a:lnRef idx="0">
+            <a:scrgbClr r="0" g="0" b="0"/>
+          </a:lnRef>
+          <a:fillRef idx="0">
+            <a:scrgbClr r="0" g="0" b="0"/>
+          </a:fillRef>
+          <a:effectRef idx="0">
+            <a:scrgbClr r="0" g="0" b="0"/>
+          </a:effectRef>
+          <a:fontRef idx="minor">
+            <a:schemeClr val="tx1"/>
+          </a:fontRef>
+        </p:style>
+      </p:cxnSp>
+      <p:pic>
+        <p:nvPicPr>
+          <p:cNvPr id="68" name="Picture 67">
+            <a:extLst>
+              <a:ext uri="{FF2B5EF4-FFF2-40B4-BE49-F238E27FC236}">
+                <a16:creationId xmlns:a16="http://schemas.microsoft.com/office/drawing/2014/main" id="{EB9A128B-B29D-3BE6-099C-BF40F2571F3B}"/>
+              </a:ext>
+            </a:extLst>
+          </p:cNvPr>
+          <p:cNvPicPr>
+            <a:picLocks noChangeAspect="1"/>
+          </p:cNvPicPr>
+          <p:nvPr/>
+        </p:nvPicPr>
+        <p:blipFill>
+          <a:blip r:embed="rId6"/>
+          <a:stretch>
+            <a:fillRect/>
+          </a:stretch>
+        </p:blipFill>
+        <p:spPr>
+          <a:xfrm rot="20400000">
+            <a:off x="7386688" y="5564439"/>
+            <a:ext cx="922731" cy="271724"/>
+          </a:xfrm>
+          <a:prstGeom prst="rect">
+            <a:avLst/>
+          </a:prstGeom>
+          <a:ln>
+            <a:solidFill>
+              <a:schemeClr val="tx1"/>
+            </a:solidFill>
+          </a:ln>
+        </p:spPr>
+      </p:pic>
+      <p:sp>
+        <p:nvSpPr>
+          <p:cNvPr id="71" name="TextBox 70">
+            <a:extLst>
+              <a:ext uri="{FF2B5EF4-FFF2-40B4-BE49-F238E27FC236}">
+                <a16:creationId xmlns:a16="http://schemas.microsoft.com/office/drawing/2014/main" id="{794CFD8A-7BAD-CDDD-19F9-13C1E03CDB1D}"/>
+              </a:ext>
+            </a:extLst>
+          </p:cNvPr>
+          <p:cNvSpPr txBox="1"/>
+          <p:nvPr/>
+        </p:nvSpPr>
+        <p:spPr>
+          <a:xfrm rot="16200000">
+            <a:off x="2484865" y="5138845"/>
+            <a:ext cx="633507" cy="261610"/>
+          </a:xfrm>
+          <a:prstGeom prst="rect">
+            <a:avLst/>
+          </a:prstGeom>
+          <a:noFill/>
+        </p:spPr>
+        <p:txBody>
+          <a:bodyPr wrap="none" rtlCol="0">
+            <a:spAutoFit/>
+          </a:bodyPr>
+          <a:lstStyle/>
+          <a:p>
+            <a:r>
+              <a:rPr lang="en-NZ" sz="1100" dirty="0"/>
+              <a:t>+Events</a:t>
+            </a:r>
+          </a:p>
+        </p:txBody>
+      </p:sp>
+      <p:pic>
+        <p:nvPicPr>
+          <p:cNvPr id="72" name="Picture 71">
+            <a:extLst>
+              <a:ext uri="{FF2B5EF4-FFF2-40B4-BE49-F238E27FC236}">
+                <a16:creationId xmlns:a16="http://schemas.microsoft.com/office/drawing/2014/main" id="{4E917B43-B135-9C7F-4A00-9F10006C4A22}"/>
+              </a:ext>
+            </a:extLst>
+          </p:cNvPr>
+          <p:cNvPicPr>
+            <a:picLocks noChangeAspect="1"/>
+          </p:cNvPicPr>
+          <p:nvPr/>
+        </p:nvPicPr>
+        <p:blipFill>
+          <a:blip r:embed="rId7"/>
+          <a:stretch>
+            <a:fillRect/>
+          </a:stretch>
+        </p:blipFill>
+        <p:spPr>
+          <a:xfrm rot="20400000">
+            <a:off x="5028851" y="5562765"/>
+            <a:ext cx="976065" cy="275073"/>
+          </a:xfrm>
+          <a:prstGeom prst="rect">
+            <a:avLst/>
+          </a:prstGeom>
+          <a:ln>
+            <a:solidFill>
+              <a:schemeClr val="tx1"/>
+            </a:solidFill>
+          </a:ln>
+        </p:spPr>
+      </p:pic>
+      <p:pic>
+        <p:nvPicPr>
+          <p:cNvPr id="74" name="Picture 2" descr="google - Wikipedia">
+            <a:extLst>
+              <a:ext uri="{FF2B5EF4-FFF2-40B4-BE49-F238E27FC236}">
+                <a16:creationId xmlns:a16="http://schemas.microsoft.com/office/drawing/2014/main" id="{B9735B44-742A-5D53-A191-C7B27921C4D0}"/>
+              </a:ext>
+            </a:extLst>
+          </p:cNvPr>
+          <p:cNvPicPr>
+            <a:picLocks noChangeAspect="1" noChangeArrowheads="1"/>
+          </p:cNvPicPr>
+          <p:nvPr/>
+        </p:nvPicPr>
+        <p:blipFill>
+          <a:blip r:embed="rId8">
+            <a:extLst>
+              <a:ext uri="{28A0092B-C50C-407E-A947-70E740481C1C}">
+                <a14:useLocalDpi xmlns:a14="http://schemas.microsoft.com/office/drawing/2010/main" val="0"/>
+              </a:ext>
+            </a:extLst>
+          </a:blip>
+          <a:srcRect/>
+          <a:stretch>
+            <a:fillRect/>
+          </a:stretch>
+        </p:blipFill>
+        <p:spPr bwMode="auto">
+          <a:xfrm rot="20400000">
+            <a:off x="8632789" y="5565763"/>
+            <a:ext cx="785486" cy="264542"/>
+          </a:xfrm>
+          <a:prstGeom prst="rect">
+            <a:avLst/>
+          </a:prstGeom>
+          <a:noFill/>
+          <a:ln w="9525">
+            <a:solidFill>
+              <a:schemeClr val="tx1"/>
+            </a:solidFill>
+          </a:ln>
+          <a:extLst>
+            <a:ext uri="{909E8E84-426E-40DD-AFC4-6F175D3DCCD1}">
+              <a14:hiddenFill xmlns:a14="http://schemas.microsoft.com/office/drawing/2010/main">
+                <a:solidFill>
+                  <a:srgbClr val="FFFFFF"/>
+                </a:solidFill>
+              </a14:hiddenFill>
+            </a:ext>
+          </a:extLst>
+        </p:spPr>
+      </p:pic>
+      <p:pic>
+        <p:nvPicPr>
+          <p:cNvPr id="77" name="Picture 4">
+            <a:extLst>
+              <a:ext uri="{FF2B5EF4-FFF2-40B4-BE49-F238E27FC236}">
+                <a16:creationId xmlns:a16="http://schemas.microsoft.com/office/drawing/2014/main" id="{C4725D15-3C27-5BAE-54E8-3F19F1473A6C}"/>
+              </a:ext>
+            </a:extLst>
+          </p:cNvPr>
+          <p:cNvPicPr>
+            <a:picLocks noChangeAspect="1" noChangeArrowheads="1"/>
+          </p:cNvPicPr>
+          <p:nvPr/>
+        </p:nvPicPr>
+        <p:blipFill>
+          <a:blip r:embed="rId9">
+            <a:extLst>
+              <a:ext uri="{28A0092B-C50C-407E-A947-70E740481C1C}">
+                <a14:useLocalDpi xmlns:a14="http://schemas.microsoft.com/office/drawing/2010/main" val="0"/>
+              </a:ext>
+            </a:extLst>
+          </a:blip>
+          <a:srcRect/>
+          <a:stretch>
+            <a:fillRect/>
+          </a:stretch>
+        </p:blipFill>
+        <p:spPr bwMode="auto">
+          <a:xfrm rot="20400000">
+            <a:off x="8506934" y="5203191"/>
+            <a:ext cx="990648" cy="209521"/>
+          </a:xfrm>
+          <a:prstGeom prst="rect">
+            <a:avLst/>
+          </a:prstGeom>
+          <a:noFill/>
+          <a:ln w="9525">
+            <a:solidFill>
+              <a:schemeClr val="tx1"/>
+            </a:solidFill>
+          </a:ln>
+          <a:extLst>
+            <a:ext uri="{909E8E84-426E-40DD-AFC4-6F175D3DCCD1}">
+              <a14:hiddenFill xmlns:a14="http://schemas.microsoft.com/office/drawing/2010/main">
+                <a:solidFill>
+                  <a:srgbClr val="FFFFFF"/>
+                </a:solidFill>
+              </a14:hiddenFill>
+            </a:ext>
+          </a:extLst>
+        </p:spPr>
+      </p:pic>
+      <p:sp>
+        <p:nvSpPr>
+          <p:cNvPr id="78" name="Rectangle 77">
+            <a:extLst>
+              <a:ext uri="{FF2B5EF4-FFF2-40B4-BE49-F238E27FC236}">
+                <a16:creationId xmlns:a16="http://schemas.microsoft.com/office/drawing/2014/main" id="{6E12F10E-D640-C284-9EF1-EB5E43E77610}"/>
+              </a:ext>
+            </a:extLst>
+          </p:cNvPr>
+          <p:cNvSpPr/>
+          <p:nvPr/>
+        </p:nvSpPr>
+        <p:spPr>
+          <a:xfrm rot="20400000">
+            <a:off x="9680970" y="5586117"/>
+            <a:ext cx="926590" cy="228794"/>
+          </a:xfrm>
+          <a:prstGeom prst="rect">
+            <a:avLst/>
+          </a:prstGeom>
+          <a:solidFill>
+            <a:srgbClr val="4472C4"/>
+          </a:solidFill>
+        </p:spPr>
+        <p:style>
+          <a:lnRef idx="2">
+            <a:schemeClr val="accent1">
+              <a:shade val="50000"/>
+            </a:schemeClr>
+          </a:lnRef>
+          <a:fillRef idx="1">
+            <a:schemeClr val="accent1"/>
+          </a:fillRef>
+          <a:effectRef idx="0">
+            <a:schemeClr val="accent1"/>
+          </a:effectRef>
+          <a:fontRef idx="minor">
+            <a:schemeClr val="lt1"/>
+          </a:fontRef>
+        </p:style>
+        <p:txBody>
+          <a:bodyPr rtlCol="0" anchor="ctr"/>
+          <a:lstStyle/>
+          <a:p>
+            <a:pPr algn="ctr"/>
+            <a:r>
+              <a:rPr lang="en-US" sz="1200" dirty="0">
+                <a:solidFill>
+                  <a:schemeClr val="bg1"/>
+                </a:solidFill>
+              </a:rPr>
+              <a:t>AuthN API</a:t>
+            </a:r>
+            <a:endParaRPr lang="en-NZ" sz="1200" dirty="0">
+              <a:solidFill>
+                <a:schemeClr val="bg1"/>
+              </a:solidFill>
+            </a:endParaRPr>
+          </a:p>
+        </p:txBody>
+      </p:sp>
+      <p:sp>
+        <p:nvSpPr>
+          <p:cNvPr id="79" name="Rectangle 78">
+            <a:extLst>
+              <a:ext uri="{FF2B5EF4-FFF2-40B4-BE49-F238E27FC236}">
+                <a16:creationId xmlns:a16="http://schemas.microsoft.com/office/drawing/2014/main" id="{495E532D-C9A5-C997-3881-25AA9ADDAEA3}"/>
+              </a:ext>
+            </a:extLst>
+          </p:cNvPr>
+          <p:cNvSpPr/>
+          <p:nvPr/>
+        </p:nvSpPr>
+        <p:spPr>
+          <a:xfrm rot="20400000">
+            <a:off x="9706728" y="5973441"/>
+            <a:ext cx="926590" cy="196725"/>
+          </a:xfrm>
+          <a:prstGeom prst="rect">
+            <a:avLst/>
+          </a:prstGeom>
+          <a:solidFill>
+            <a:schemeClr val="bg2">
+              <a:lumMod val="75000"/>
+            </a:schemeClr>
+          </a:solidFill>
+          <a:ln>
+            <a:solidFill>
+              <a:schemeClr val="tx1">
+                <a:lumMod val="50000"/>
+                <a:lumOff val="50000"/>
+              </a:schemeClr>
+            </a:solidFill>
+          </a:ln>
+        </p:spPr>
+        <p:style>
+          <a:lnRef idx="2">
+            <a:schemeClr val="accent1">
+              <a:shade val="50000"/>
+            </a:schemeClr>
+          </a:lnRef>
+          <a:fillRef idx="1">
+            <a:schemeClr val="accent1"/>
+          </a:fillRef>
+          <a:effectRef idx="0">
+            <a:schemeClr val="accent1"/>
+          </a:effectRef>
+          <a:fontRef idx="minor">
+            <a:schemeClr val="lt1"/>
+          </a:fontRef>
+        </p:style>
+        <p:txBody>
+          <a:bodyPr rtlCol="0" anchor="ctr"/>
+          <a:lstStyle/>
+          <a:p>
+            <a:pPr algn="ctr"/>
+            <a:r>
+              <a:rPr lang="en-US" sz="1200" dirty="0">
+                <a:solidFill>
+                  <a:schemeClr val="tx1">
+                    <a:lumMod val="50000"/>
+                    <a:lumOff val="50000"/>
+                  </a:schemeClr>
+                </a:solidFill>
+              </a:rPr>
+              <a:t>Other?</a:t>
+            </a:r>
+            <a:endParaRPr lang="en-NZ" sz="1200" dirty="0">
+              <a:solidFill>
+                <a:schemeClr val="tx1">
+                  <a:lumMod val="50000"/>
+                  <a:lumOff val="50000"/>
+                </a:schemeClr>
+              </a:solidFill>
+            </a:endParaRPr>
+          </a:p>
+        </p:txBody>
+      </p:sp>
+      <p:sp>
+        <p:nvSpPr>
+          <p:cNvPr id="80" name="Rectangle 79">
+            <a:extLst>
+              <a:ext uri="{FF2B5EF4-FFF2-40B4-BE49-F238E27FC236}">
+                <a16:creationId xmlns:a16="http://schemas.microsoft.com/office/drawing/2014/main" id="{3EE80C34-D07E-34BB-2CB5-FE2960FEE47E}"/>
+              </a:ext>
+            </a:extLst>
+          </p:cNvPr>
+          <p:cNvSpPr/>
+          <p:nvPr/>
+        </p:nvSpPr>
+        <p:spPr>
+          <a:xfrm rot="20400000">
+            <a:off x="7395772" y="5973441"/>
+            <a:ext cx="926590" cy="196725"/>
+          </a:xfrm>
+          <a:prstGeom prst="rect">
+            <a:avLst/>
+          </a:prstGeom>
+          <a:solidFill>
+            <a:schemeClr val="bg2">
+              <a:lumMod val="75000"/>
+            </a:schemeClr>
+          </a:solidFill>
+          <a:ln>
+            <a:solidFill>
+              <a:schemeClr val="tx1">
+                <a:lumMod val="50000"/>
+                <a:lumOff val="50000"/>
+              </a:schemeClr>
+            </a:solidFill>
+          </a:ln>
+        </p:spPr>
+        <p:style>
+          <a:lnRef idx="2">
+            <a:schemeClr val="accent1">
+              <a:shade val="50000"/>
+            </a:schemeClr>
+          </a:lnRef>
+          <a:fillRef idx="1">
+            <a:schemeClr val="accent1"/>
+          </a:fillRef>
+          <a:effectRef idx="0">
+            <a:schemeClr val="accent1"/>
+          </a:effectRef>
+          <a:fontRef idx="minor">
+            <a:schemeClr val="lt1"/>
+          </a:fontRef>
+        </p:style>
+        <p:txBody>
+          <a:bodyPr rtlCol="0" anchor="ctr"/>
+          <a:lstStyle/>
+          <a:p>
+            <a:pPr algn="ctr"/>
+            <a:r>
+              <a:rPr lang="en-US" sz="1200" dirty="0">
+                <a:solidFill>
+                  <a:schemeClr val="tx1">
+                    <a:lumMod val="50000"/>
+                    <a:lumOff val="50000"/>
+                  </a:schemeClr>
+                </a:solidFill>
+              </a:rPr>
+              <a:t>Other?</a:t>
+            </a:r>
+            <a:endParaRPr lang="en-NZ" sz="1200" dirty="0">
+              <a:solidFill>
+                <a:schemeClr val="tx1">
+                  <a:lumMod val="50000"/>
+                  <a:lumOff val="50000"/>
+                </a:schemeClr>
+              </a:solidFill>
+            </a:endParaRPr>
+          </a:p>
+        </p:txBody>
+      </p:sp>
+      <p:sp>
+        <p:nvSpPr>
+          <p:cNvPr id="81" name="Rectangle 80">
+            <a:extLst>
+              <a:ext uri="{FF2B5EF4-FFF2-40B4-BE49-F238E27FC236}">
+                <a16:creationId xmlns:a16="http://schemas.microsoft.com/office/drawing/2014/main" id="{657521EB-AFAA-B8C8-F225-6021DE53FA11}"/>
+              </a:ext>
+            </a:extLst>
+          </p:cNvPr>
+          <p:cNvSpPr/>
+          <p:nvPr/>
+        </p:nvSpPr>
+        <p:spPr>
+          <a:xfrm rot="20400000">
+            <a:off x="6246051" y="5973441"/>
+            <a:ext cx="926590" cy="196725"/>
+          </a:xfrm>
+          <a:prstGeom prst="rect">
+            <a:avLst/>
+          </a:prstGeom>
+          <a:solidFill>
+            <a:schemeClr val="bg2">
+              <a:lumMod val="75000"/>
+            </a:schemeClr>
+          </a:solidFill>
+          <a:ln>
+            <a:solidFill>
+              <a:schemeClr val="tx1">
+                <a:lumMod val="50000"/>
+                <a:lumOff val="50000"/>
+              </a:schemeClr>
+            </a:solidFill>
+          </a:ln>
+        </p:spPr>
+        <p:style>
+          <a:lnRef idx="2">
+            <a:schemeClr val="accent1">
+              <a:shade val="50000"/>
+            </a:schemeClr>
+          </a:lnRef>
+          <a:fillRef idx="1">
+            <a:schemeClr val="accent1"/>
+          </a:fillRef>
+          <a:effectRef idx="0">
+            <a:schemeClr val="accent1"/>
+          </a:effectRef>
+          <a:fontRef idx="minor">
+            <a:schemeClr val="lt1"/>
+          </a:fontRef>
+        </p:style>
+        <p:txBody>
+          <a:bodyPr rtlCol="0" anchor="ctr"/>
+          <a:lstStyle/>
+          <a:p>
+            <a:pPr algn="ctr"/>
+            <a:r>
+              <a:rPr lang="en-US" sz="1200" dirty="0">
+                <a:solidFill>
+                  <a:schemeClr val="tx1">
+                    <a:lumMod val="50000"/>
+                    <a:lumOff val="50000"/>
+                  </a:schemeClr>
+                </a:solidFill>
+              </a:rPr>
+              <a:t>Other?</a:t>
+            </a:r>
+            <a:endParaRPr lang="en-NZ" sz="1200" dirty="0">
+              <a:solidFill>
+                <a:schemeClr val="tx1">
+                  <a:lumMod val="50000"/>
+                  <a:lumOff val="50000"/>
+                </a:schemeClr>
+              </a:solidFill>
+            </a:endParaRPr>
+          </a:p>
+        </p:txBody>
+      </p:sp>
+      <p:sp>
+        <p:nvSpPr>
+          <p:cNvPr id="85" name="Rectangle 84">
+            <a:extLst>
+              <a:ext uri="{FF2B5EF4-FFF2-40B4-BE49-F238E27FC236}">
+                <a16:creationId xmlns:a16="http://schemas.microsoft.com/office/drawing/2014/main" id="{093657D4-580E-F5B3-E840-6963A36E9199}"/>
+              </a:ext>
+            </a:extLst>
+          </p:cNvPr>
+          <p:cNvSpPr/>
+          <p:nvPr/>
+        </p:nvSpPr>
+        <p:spPr>
+          <a:xfrm rot="20400000">
+            <a:off x="5061318" y="5973441"/>
+            <a:ext cx="926590" cy="196725"/>
+          </a:xfrm>
+          <a:prstGeom prst="rect">
+            <a:avLst/>
+          </a:prstGeom>
+          <a:solidFill>
+            <a:schemeClr val="bg2">
+              <a:lumMod val="75000"/>
+            </a:schemeClr>
+          </a:solidFill>
+          <a:ln>
+            <a:solidFill>
+              <a:schemeClr val="tx1">
+                <a:lumMod val="50000"/>
+                <a:lumOff val="50000"/>
+              </a:schemeClr>
+            </a:solidFill>
+          </a:ln>
+        </p:spPr>
+        <p:style>
+          <a:lnRef idx="2">
+            <a:schemeClr val="accent1">
+              <a:shade val="50000"/>
+            </a:schemeClr>
+          </a:lnRef>
+          <a:fillRef idx="1">
+            <a:schemeClr val="accent1"/>
+          </a:fillRef>
+          <a:effectRef idx="0">
+            <a:schemeClr val="accent1"/>
+          </a:effectRef>
+          <a:fontRef idx="minor">
+            <a:schemeClr val="lt1"/>
+          </a:fontRef>
+        </p:style>
+        <p:txBody>
+          <a:bodyPr rtlCol="0" anchor="ctr"/>
+          <a:lstStyle/>
+          <a:p>
+            <a:pPr algn="ctr"/>
+            <a:r>
+              <a:rPr lang="en-US" sz="1200" dirty="0">
+                <a:solidFill>
+                  <a:schemeClr val="tx1">
+                    <a:lumMod val="50000"/>
+                    <a:lumOff val="50000"/>
+                  </a:schemeClr>
+                </a:solidFill>
+              </a:rPr>
+              <a:t>Other?</a:t>
+            </a:r>
+            <a:endParaRPr lang="en-NZ" sz="1200" dirty="0">
+              <a:solidFill>
+                <a:schemeClr val="tx1">
+                  <a:lumMod val="50000"/>
+                  <a:lumOff val="50000"/>
+                </a:schemeClr>
+              </a:solidFill>
+            </a:endParaRPr>
+          </a:p>
+        </p:txBody>
+      </p:sp>
+      <p:sp>
+        <p:nvSpPr>
+          <p:cNvPr id="88" name="Rectangle 87">
+            <a:extLst>
+              <a:ext uri="{FF2B5EF4-FFF2-40B4-BE49-F238E27FC236}">
+                <a16:creationId xmlns:a16="http://schemas.microsoft.com/office/drawing/2014/main" id="{78D122F3-1C22-1417-09CD-C9E3FEEBABC2}"/>
+              </a:ext>
+            </a:extLst>
+          </p:cNvPr>
+          <p:cNvSpPr/>
+          <p:nvPr/>
+        </p:nvSpPr>
+        <p:spPr>
+          <a:xfrm rot="20400000">
+            <a:off x="3901584" y="5973441"/>
+            <a:ext cx="926590" cy="196725"/>
+          </a:xfrm>
+          <a:prstGeom prst="rect">
+            <a:avLst/>
+          </a:prstGeom>
+          <a:solidFill>
+            <a:schemeClr val="bg2">
+              <a:lumMod val="75000"/>
+            </a:schemeClr>
+          </a:solidFill>
+          <a:ln>
+            <a:solidFill>
+              <a:schemeClr val="tx1">
+                <a:lumMod val="50000"/>
+                <a:lumOff val="50000"/>
+              </a:schemeClr>
+            </a:solidFill>
+          </a:ln>
+        </p:spPr>
+        <p:style>
+          <a:lnRef idx="2">
+            <a:schemeClr val="accent1">
+              <a:shade val="50000"/>
+            </a:schemeClr>
+          </a:lnRef>
+          <a:fillRef idx="1">
+            <a:schemeClr val="accent1"/>
+          </a:fillRef>
+          <a:effectRef idx="0">
+            <a:schemeClr val="accent1"/>
+          </a:effectRef>
+          <a:fontRef idx="minor">
+            <a:schemeClr val="lt1"/>
+          </a:fontRef>
+        </p:style>
+        <p:txBody>
+          <a:bodyPr rtlCol="0" anchor="ctr"/>
+          <a:lstStyle/>
+          <a:p>
+            <a:pPr algn="ctr"/>
+            <a:r>
+              <a:rPr lang="en-US" sz="1200" dirty="0">
+                <a:solidFill>
+                  <a:schemeClr val="tx1">
+                    <a:lumMod val="50000"/>
+                    <a:lumOff val="50000"/>
+                  </a:schemeClr>
+                </a:solidFill>
+              </a:rPr>
+              <a:t>Other?</a:t>
+            </a:r>
+            <a:endParaRPr lang="en-NZ" sz="1200" dirty="0">
+              <a:solidFill>
+                <a:schemeClr val="tx1">
+                  <a:lumMod val="50000"/>
+                  <a:lumOff val="50000"/>
+                </a:schemeClr>
+              </a:solidFill>
+            </a:endParaRPr>
+          </a:p>
+        </p:txBody>
+      </p:sp>
+      <p:sp>
+        <p:nvSpPr>
+          <p:cNvPr id="92" name="Rectangle 91">
+            <a:extLst>
+              <a:ext uri="{FF2B5EF4-FFF2-40B4-BE49-F238E27FC236}">
+                <a16:creationId xmlns:a16="http://schemas.microsoft.com/office/drawing/2014/main" id="{5D07AB0B-CAE6-1CD4-9A52-80D146D20534}"/>
+              </a:ext>
+            </a:extLst>
+          </p:cNvPr>
+          <p:cNvSpPr/>
+          <p:nvPr/>
+        </p:nvSpPr>
+        <p:spPr>
+          <a:xfrm rot="20400000">
+            <a:off x="2801148" y="5973441"/>
+            <a:ext cx="926590" cy="196725"/>
+          </a:xfrm>
+          <a:prstGeom prst="rect">
+            <a:avLst/>
+          </a:prstGeom>
+          <a:solidFill>
+            <a:schemeClr val="bg2">
+              <a:lumMod val="75000"/>
+            </a:schemeClr>
+          </a:solidFill>
+          <a:ln>
+            <a:solidFill>
+              <a:schemeClr val="tx1">
+                <a:lumMod val="50000"/>
+                <a:lumOff val="50000"/>
+              </a:schemeClr>
+            </a:solidFill>
+          </a:ln>
+        </p:spPr>
+        <p:style>
+          <a:lnRef idx="2">
+            <a:schemeClr val="accent1">
+              <a:shade val="50000"/>
+            </a:schemeClr>
+          </a:lnRef>
+          <a:fillRef idx="1">
+            <a:schemeClr val="accent1"/>
+          </a:fillRef>
+          <a:effectRef idx="0">
+            <a:schemeClr val="accent1"/>
+          </a:effectRef>
+          <a:fontRef idx="minor">
+            <a:schemeClr val="lt1"/>
+          </a:fontRef>
+        </p:style>
+        <p:txBody>
+          <a:bodyPr rtlCol="0" anchor="ctr"/>
+          <a:lstStyle/>
+          <a:p>
+            <a:pPr algn="ctr"/>
+            <a:r>
+              <a:rPr lang="en-US" sz="1200" dirty="0">
+                <a:solidFill>
+                  <a:schemeClr val="tx1">
+                    <a:lumMod val="50000"/>
+                    <a:lumOff val="50000"/>
+                  </a:schemeClr>
+                </a:solidFill>
+              </a:rPr>
+              <a:t>Other?</a:t>
+            </a:r>
+            <a:endParaRPr lang="en-NZ" sz="1200" dirty="0">
+              <a:solidFill>
+                <a:schemeClr val="tx1">
+                  <a:lumMod val="50000"/>
+                  <a:lumOff val="50000"/>
+                </a:schemeClr>
+              </a:solidFill>
+            </a:endParaRPr>
+          </a:p>
+        </p:txBody>
+      </p:sp>
+      <p:sp>
+        <p:nvSpPr>
+          <p:cNvPr id="93" name="Rectangle 92">
+            <a:extLst>
+              <a:ext uri="{FF2B5EF4-FFF2-40B4-BE49-F238E27FC236}">
+                <a16:creationId xmlns:a16="http://schemas.microsoft.com/office/drawing/2014/main" id="{56A85D04-50FC-1E27-5F0B-EB57C92BB456}"/>
+              </a:ext>
+            </a:extLst>
+          </p:cNvPr>
+          <p:cNvSpPr/>
+          <p:nvPr/>
+        </p:nvSpPr>
+        <p:spPr>
+          <a:xfrm rot="20400000">
+            <a:off x="1591581" y="5973441"/>
+            <a:ext cx="926590" cy="196725"/>
+          </a:xfrm>
+          <a:prstGeom prst="rect">
+            <a:avLst/>
+          </a:prstGeom>
+          <a:solidFill>
+            <a:schemeClr val="bg2">
+              <a:lumMod val="75000"/>
+            </a:schemeClr>
+          </a:solidFill>
+          <a:ln>
+            <a:solidFill>
+              <a:schemeClr val="tx1">
+                <a:lumMod val="50000"/>
+                <a:lumOff val="50000"/>
+              </a:schemeClr>
+            </a:solidFill>
+          </a:ln>
+        </p:spPr>
+        <p:style>
+          <a:lnRef idx="2">
+            <a:schemeClr val="accent1">
+              <a:shade val="50000"/>
+            </a:schemeClr>
+          </a:lnRef>
+          <a:fillRef idx="1">
+            <a:schemeClr val="accent1"/>
+          </a:fillRef>
+          <a:effectRef idx="0">
+            <a:schemeClr val="accent1"/>
+          </a:effectRef>
+          <a:fontRef idx="minor">
+            <a:schemeClr val="lt1"/>
+          </a:fontRef>
+        </p:style>
+        <p:txBody>
+          <a:bodyPr rtlCol="0" anchor="ctr"/>
+          <a:lstStyle/>
+          <a:p>
+            <a:pPr algn="ctr"/>
+            <a:r>
+              <a:rPr lang="en-US" sz="1200" dirty="0">
+                <a:solidFill>
+                  <a:schemeClr val="tx1">
+                    <a:lumMod val="50000"/>
+                    <a:lumOff val="50000"/>
+                  </a:schemeClr>
+                </a:solidFill>
+              </a:rPr>
+              <a:t>Other?</a:t>
+            </a:r>
+            <a:endParaRPr lang="en-NZ" sz="1200" dirty="0">
+              <a:solidFill>
+                <a:schemeClr val="tx1">
+                  <a:lumMod val="50000"/>
+                  <a:lumOff val="50000"/>
+                </a:schemeClr>
+              </a:solidFill>
+            </a:endParaRPr>
+          </a:p>
+        </p:txBody>
+      </p:sp>
+      <p:sp>
+        <p:nvSpPr>
+          <p:cNvPr id="94" name="Rectangle 93">
+            <a:extLst>
+              <a:ext uri="{FF2B5EF4-FFF2-40B4-BE49-F238E27FC236}">
+                <a16:creationId xmlns:a16="http://schemas.microsoft.com/office/drawing/2014/main" id="{6B3BD1B5-FEBF-A651-EBA7-9B868E286086}"/>
+              </a:ext>
+            </a:extLst>
+          </p:cNvPr>
+          <p:cNvSpPr/>
+          <p:nvPr/>
+        </p:nvSpPr>
+        <p:spPr>
+          <a:xfrm rot="20400000">
+            <a:off x="8538650" y="5978252"/>
+            <a:ext cx="926590" cy="196725"/>
+          </a:xfrm>
+          <a:prstGeom prst="rect">
+            <a:avLst/>
+          </a:prstGeom>
+          <a:solidFill>
+            <a:schemeClr val="bg2">
+              <a:lumMod val="75000"/>
+            </a:schemeClr>
+          </a:solidFill>
+          <a:ln>
+            <a:solidFill>
+              <a:schemeClr val="tx1">
+                <a:lumMod val="50000"/>
+                <a:lumOff val="50000"/>
+              </a:schemeClr>
+            </a:solidFill>
+          </a:ln>
+        </p:spPr>
+        <p:style>
+          <a:lnRef idx="2">
+            <a:schemeClr val="accent1">
+              <a:shade val="50000"/>
+            </a:schemeClr>
+          </a:lnRef>
+          <a:fillRef idx="1">
+            <a:schemeClr val="accent1"/>
+          </a:fillRef>
+          <a:effectRef idx="0">
+            <a:schemeClr val="accent1"/>
+          </a:effectRef>
+          <a:fontRef idx="minor">
+            <a:schemeClr val="lt1"/>
+          </a:fontRef>
+        </p:style>
+        <p:txBody>
+          <a:bodyPr rtlCol="0" anchor="ctr"/>
+          <a:lstStyle/>
+          <a:p>
+            <a:pPr algn="ctr"/>
+            <a:r>
+              <a:rPr lang="en-US" sz="1200" dirty="0">
+                <a:solidFill>
+                  <a:schemeClr val="tx1">
+                    <a:lumMod val="50000"/>
+                    <a:lumOff val="50000"/>
+                  </a:schemeClr>
+                </a:solidFill>
+              </a:rPr>
+              <a:t>Other?</a:t>
+            </a:r>
+            <a:endParaRPr lang="en-NZ" sz="1200" dirty="0">
+              <a:solidFill>
+                <a:schemeClr val="tx1">
+                  <a:lumMod val="50000"/>
+                  <a:lumOff val="50000"/>
+                </a:schemeClr>
+              </a:solidFill>
+            </a:endParaRPr>
+          </a:p>
+        </p:txBody>
+      </p:sp>
       <p:grpSp>
         <p:nvGrpSpPr>
           <p:cNvPr id="28" name="Group 27">
@@ -10935,10 +12673,10 @@
         </p:nvGrpSpPr>
         <p:grpSpPr>
           <a:xfrm>
-            <a:off x="1782480" y="2002425"/>
-            <a:ext cx="9320903" cy="2826750"/>
-            <a:chOff x="2688218" y="2002425"/>
-            <a:chExt cx="9320903" cy="2826750"/>
+            <a:off x="1782480" y="2002426"/>
+            <a:ext cx="9320903" cy="2814640"/>
+            <a:chOff x="2688218" y="2002426"/>
+            <a:chExt cx="9320903" cy="2814640"/>
           </a:xfrm>
         </p:grpSpPr>
         <p:sp>
@@ -10955,8 +12693,8 @@
           </p:nvSpPr>
           <p:spPr>
             <a:xfrm>
-              <a:off x="3000799" y="2002425"/>
-              <a:ext cx="9008322" cy="2826750"/>
+              <a:off x="3000799" y="2002426"/>
+              <a:ext cx="9008322" cy="2814640"/>
             </a:xfrm>
             <a:prstGeom prst="rect">
               <a:avLst/>
@@ -11013,7 +12751,7 @@
             <p:nvPr/>
           </p:nvPicPr>
           <p:blipFill>
-            <a:blip r:embed="rId2">
+            <a:blip r:embed="rId10">
               <a:clrChange>
                 <a:clrFrom>
                   <a:srgbClr val="FFFFFF"/>
@@ -11541,130 +13279,6 @@
           </a:p>
         </p:txBody>
       </p:sp>
-      <p:grpSp>
-        <p:nvGrpSpPr>
-          <p:cNvPr id="24" name="Group 23">
-            <a:extLst>
-              <a:ext uri="{FF2B5EF4-FFF2-40B4-BE49-F238E27FC236}">
-                <a16:creationId xmlns:a16="http://schemas.microsoft.com/office/drawing/2014/main" id="{A4AB8CDF-C8BE-DD0A-EC88-F048BEABA8BF}"/>
-              </a:ext>
-            </a:extLst>
-          </p:cNvPr>
-          <p:cNvGrpSpPr/>
-          <p:nvPr/>
-        </p:nvGrpSpPr>
-        <p:grpSpPr>
-          <a:xfrm rot="20668511">
-            <a:off x="4732332" y="5683107"/>
-            <a:ext cx="1402913" cy="604966"/>
-            <a:chOff x="10291678" y="3493283"/>
-            <a:chExt cx="1402913" cy="599008"/>
-          </a:xfrm>
-        </p:grpSpPr>
-        <p:sp>
-          <p:nvSpPr>
-            <p:cNvPr id="22" name="Rectangle: Rounded Corners 21">
-              <a:extLst>
-                <a:ext uri="{FF2B5EF4-FFF2-40B4-BE49-F238E27FC236}">
-                  <a16:creationId xmlns:a16="http://schemas.microsoft.com/office/drawing/2014/main" id="{AD821A0E-C9F4-5E47-D492-1B7F3BD73A1F}"/>
-                </a:ext>
-              </a:extLst>
-            </p:cNvPr>
-            <p:cNvSpPr/>
-            <p:nvPr/>
-          </p:nvSpPr>
-          <p:spPr>
-            <a:xfrm>
-              <a:off x="10291678" y="3590275"/>
-              <a:ext cx="1402913" cy="502016"/>
-            </a:xfrm>
-            <a:prstGeom prst="roundRect">
-              <a:avLst/>
-            </a:prstGeom>
-            <a:solidFill>
-              <a:srgbClr val="6551F6"/>
-            </a:solidFill>
-          </p:spPr>
-          <p:style>
-            <a:lnRef idx="2">
-              <a:schemeClr val="accent1">
-                <a:shade val="50000"/>
-              </a:schemeClr>
-            </a:lnRef>
-            <a:fillRef idx="1">
-              <a:schemeClr val="accent1"/>
-            </a:fillRef>
-            <a:effectRef idx="0">
-              <a:schemeClr val="accent1"/>
-            </a:effectRef>
-            <a:fontRef idx="minor">
-              <a:schemeClr val="lt1"/>
-            </a:fontRef>
-          </p:style>
-          <p:txBody>
-            <a:bodyPr rtlCol="0" anchor="ctr"/>
-            <a:lstStyle/>
-            <a:p>
-              <a:pPr algn="ctr"/>
-              <a:r>
-                <a:rPr lang="en-US" b="1" dirty="0" err="1"/>
-                <a:t>mixpanel</a:t>
-              </a:r>
-              <a:endParaRPr lang="en-NZ" sz="1400" dirty="0"/>
-            </a:p>
-          </p:txBody>
-        </p:sp>
-        <p:pic>
-          <p:nvPicPr>
-            <p:cNvPr id="1026" name="Picture 2" descr="Mixpanel | Attribution Platform - Ematic Solutions">
-              <a:extLst>
-                <a:ext uri="{FF2B5EF4-FFF2-40B4-BE49-F238E27FC236}">
-                  <a16:creationId xmlns:a16="http://schemas.microsoft.com/office/drawing/2014/main" id="{0A4C32E7-D188-E734-8CC8-3C2588204EB4}"/>
-                </a:ext>
-              </a:extLst>
-            </p:cNvPr>
-            <p:cNvPicPr>
-              <a:picLocks noChangeAspect="1" noChangeArrowheads="1"/>
-            </p:cNvPicPr>
-            <p:nvPr/>
-          </p:nvPicPr>
-          <p:blipFill rotWithShape="1">
-            <a:blip r:embed="rId3">
-              <a:extLst>
-                <a:ext uri="{28A0092B-C50C-407E-A947-70E740481C1C}">
-                  <a14:useLocalDpi xmlns:a14="http://schemas.microsoft.com/office/drawing/2010/main" val="0"/>
-                </a:ext>
-              </a:extLst>
-            </a:blip>
-            <a:srcRect l="11500" t="13488" r="11168" b="11401"/>
-            <a:stretch/>
-          </p:blipFill>
-          <p:spPr bwMode="auto">
-            <a:xfrm>
-              <a:off x="10354288" y="3493283"/>
-              <a:ext cx="591284" cy="214386"/>
-            </a:xfrm>
-            <a:prstGeom prst="rect">
-              <a:avLst/>
-            </a:prstGeom>
-            <a:noFill/>
-            <a:ln>
-              <a:solidFill>
-                <a:schemeClr val="tx1"/>
-              </a:solidFill>
-            </a:ln>
-            <a:extLst>
-              <a:ext uri="{909E8E84-426E-40DD-AFC4-6F175D3DCCD1}">
-                <a14:hiddenFill xmlns:a14="http://schemas.microsoft.com/office/drawing/2010/main">
-                  <a:solidFill>
-                    <a:srgbClr val="FFFFFF"/>
-                  </a:solidFill>
-                </a14:hiddenFill>
-              </a:ext>
-            </a:extLst>
-          </p:spPr>
-        </p:pic>
-      </p:grpSp>
       <p:grpSp>
         <p:nvGrpSpPr>
           <p:cNvPr id="65" name="Group 64">
@@ -11982,7 +13596,7 @@
             <p:nvPr/>
           </p:nvPicPr>
           <p:blipFill>
-            <a:blip r:embed="rId4">
+            <a:blip r:embed="rId11">
               <a:extLst>
                 <a:ext uri="{28A0092B-C50C-407E-A947-70E740481C1C}">
                   <a14:useLocalDpi xmlns:a14="http://schemas.microsoft.com/office/drawing/2010/main" val="0"/>
@@ -12068,297 +13682,6 @@
           </a:fontRef>
         </p:style>
       </p:cxnSp>
-      <p:grpSp>
-        <p:nvGrpSpPr>
-          <p:cNvPr id="1031" name="Group 1030">
-            <a:extLst>
-              <a:ext uri="{FF2B5EF4-FFF2-40B4-BE49-F238E27FC236}">
-                <a16:creationId xmlns:a16="http://schemas.microsoft.com/office/drawing/2014/main" id="{8979838E-F522-C30A-DAA3-E5AB8AA6AAF2}"/>
-              </a:ext>
-            </a:extLst>
-          </p:cNvPr>
-          <p:cNvGrpSpPr/>
-          <p:nvPr/>
-        </p:nvGrpSpPr>
-        <p:grpSpPr>
-          <a:xfrm rot="20668511">
-            <a:off x="3128045" y="5650335"/>
-            <a:ext cx="1402913" cy="636426"/>
-            <a:chOff x="10298042" y="3972924"/>
-            <a:chExt cx="1402913" cy="636426"/>
-          </a:xfrm>
-          <a:solidFill>
-            <a:srgbClr val="5746B2"/>
-          </a:solidFill>
-        </p:grpSpPr>
-        <p:sp>
-          <p:nvSpPr>
-            <p:cNvPr id="49" name="Rectangle: Rounded Corners 48">
-              <a:extLst>
-                <a:ext uri="{FF2B5EF4-FFF2-40B4-BE49-F238E27FC236}">
-                  <a16:creationId xmlns:a16="http://schemas.microsoft.com/office/drawing/2014/main" id="{8C690B8B-455E-39CF-DD1E-7EAEA0AF3E23}"/>
-                </a:ext>
-              </a:extLst>
-            </p:cNvPr>
-            <p:cNvSpPr/>
-            <p:nvPr/>
-          </p:nvSpPr>
-          <p:spPr>
-            <a:xfrm>
-              <a:off x="10298042" y="4103329"/>
-              <a:ext cx="1402913" cy="506021"/>
-            </a:xfrm>
-            <a:prstGeom prst="roundRect">
-              <a:avLst/>
-            </a:prstGeom>
-            <a:grpFill/>
-          </p:spPr>
-          <p:style>
-            <a:lnRef idx="2">
-              <a:schemeClr val="accent1">
-                <a:shade val="50000"/>
-              </a:schemeClr>
-            </a:lnRef>
-            <a:fillRef idx="1">
-              <a:schemeClr val="accent1"/>
-            </a:fillRef>
-            <a:effectRef idx="0">
-              <a:schemeClr val="accent1"/>
-            </a:effectRef>
-            <a:fontRef idx="minor">
-              <a:schemeClr val="lt1"/>
-            </a:fontRef>
-          </p:style>
-          <p:txBody>
-            <a:bodyPr rtlCol="0" anchor="ctr"/>
-            <a:lstStyle/>
-            <a:p>
-              <a:pPr algn="ctr"/>
-              <a:r>
-                <a:rPr lang="en-US" b="1" dirty="0" err="1"/>
-                <a:t>Chargebee</a:t>
-              </a:r>
-              <a:endParaRPr lang="en-NZ" sz="1400" dirty="0"/>
-            </a:p>
-          </p:txBody>
-        </p:sp>
-        <p:pic>
-          <p:nvPicPr>
-            <p:cNvPr id="1024" name="Picture 2" descr="Chargebee Generates 280+ Leads in One Year With G2 Buyer Intent Data">
-              <a:extLst>
-                <a:ext uri="{FF2B5EF4-FFF2-40B4-BE49-F238E27FC236}">
-                  <a16:creationId xmlns:a16="http://schemas.microsoft.com/office/drawing/2014/main" id="{6B0DC23E-1762-FCFD-61B8-563A0118C9D7}"/>
-                </a:ext>
-              </a:extLst>
-            </p:cNvPr>
-            <p:cNvPicPr>
-              <a:picLocks noChangeAspect="1" noChangeArrowheads="1"/>
-            </p:cNvPicPr>
-            <p:nvPr/>
-          </p:nvPicPr>
-          <p:blipFill rotWithShape="1">
-            <a:blip r:embed="rId5">
-              <a:extLst>
-                <a:ext uri="{28A0092B-C50C-407E-A947-70E740481C1C}">
-                  <a14:useLocalDpi xmlns:a14="http://schemas.microsoft.com/office/drawing/2010/main" val="0"/>
-                </a:ext>
-              </a:extLst>
-            </a:blip>
-            <a:srcRect t="16171" b="17292"/>
-            <a:stretch/>
-          </p:blipFill>
-          <p:spPr bwMode="auto">
-            <a:xfrm>
-              <a:off x="10360652" y="3972924"/>
-              <a:ext cx="753374" cy="270938"/>
-            </a:xfrm>
-            <a:prstGeom prst="rect">
-              <a:avLst/>
-            </a:prstGeom>
-            <a:grpFill/>
-            <a:ln>
-              <a:solidFill>
-                <a:schemeClr val="bg1"/>
-              </a:solidFill>
-            </a:ln>
-          </p:spPr>
-        </p:pic>
-      </p:grpSp>
-      <p:grpSp>
-        <p:nvGrpSpPr>
-          <p:cNvPr id="1029" name="Group 1028">
-            <a:extLst>
-              <a:ext uri="{FF2B5EF4-FFF2-40B4-BE49-F238E27FC236}">
-                <a16:creationId xmlns:a16="http://schemas.microsoft.com/office/drawing/2014/main" id="{FA812DEF-7C97-0553-B940-45336039A0FB}"/>
-              </a:ext>
-            </a:extLst>
-          </p:cNvPr>
-          <p:cNvGrpSpPr/>
-          <p:nvPr/>
-        </p:nvGrpSpPr>
-        <p:grpSpPr>
-          <a:xfrm rot="20668511">
-            <a:off x="1523535" y="5656144"/>
-            <a:ext cx="1402913" cy="626966"/>
-            <a:chOff x="10323714" y="4857355"/>
-            <a:chExt cx="1402913" cy="626966"/>
-          </a:xfrm>
-        </p:grpSpPr>
-        <p:sp>
-          <p:nvSpPr>
-            <p:cNvPr id="1027" name="Rectangle: Rounded Corners 1026">
-              <a:extLst>
-                <a:ext uri="{FF2B5EF4-FFF2-40B4-BE49-F238E27FC236}">
-                  <a16:creationId xmlns:a16="http://schemas.microsoft.com/office/drawing/2014/main" id="{079F5CA4-C586-639A-C12D-26310DA78FD7}"/>
-                </a:ext>
-              </a:extLst>
-            </p:cNvPr>
-            <p:cNvSpPr/>
-            <p:nvPr/>
-          </p:nvSpPr>
-          <p:spPr>
-            <a:xfrm>
-              <a:off x="10323714" y="4981910"/>
-              <a:ext cx="1402913" cy="502411"/>
-            </a:xfrm>
-            <a:prstGeom prst="roundRect">
-              <a:avLst/>
-            </a:prstGeom>
-            <a:solidFill>
-              <a:srgbClr val="635BFF"/>
-            </a:solidFill>
-          </p:spPr>
-          <p:style>
-            <a:lnRef idx="2">
-              <a:schemeClr val="accent1">
-                <a:shade val="50000"/>
-              </a:schemeClr>
-            </a:lnRef>
-            <a:fillRef idx="1">
-              <a:schemeClr val="accent1"/>
-            </a:fillRef>
-            <a:effectRef idx="0">
-              <a:schemeClr val="accent1"/>
-            </a:effectRef>
-            <a:fontRef idx="minor">
-              <a:schemeClr val="lt1"/>
-            </a:fontRef>
-          </p:style>
-          <p:txBody>
-            <a:bodyPr rtlCol="0" anchor="ctr"/>
-            <a:lstStyle/>
-            <a:p>
-              <a:pPr algn="ctr"/>
-              <a:r>
-                <a:rPr lang="en-US" b="1" dirty="0"/>
-                <a:t>stripe</a:t>
-              </a:r>
-              <a:endParaRPr lang="en-NZ" sz="1400" dirty="0"/>
-            </a:p>
-          </p:txBody>
-        </p:sp>
-        <p:pic>
-          <p:nvPicPr>
-            <p:cNvPr id="1025" name="Picture 4">
-              <a:extLst>
-                <a:ext uri="{FF2B5EF4-FFF2-40B4-BE49-F238E27FC236}">
-                  <a16:creationId xmlns:a16="http://schemas.microsoft.com/office/drawing/2014/main" id="{7AC3CE2E-3F46-F1F1-FE35-B98D9CBD693D}"/>
-                </a:ext>
-              </a:extLst>
-            </p:cNvPr>
-            <p:cNvPicPr>
-              <a:picLocks noChangeAspect="1" noChangeArrowheads="1"/>
-            </p:cNvPicPr>
-            <p:nvPr/>
-          </p:nvPicPr>
-          <p:blipFill rotWithShape="1">
-            <a:blip r:embed="rId6">
-              <a:extLst>
-                <a:ext uri="{28A0092B-C50C-407E-A947-70E740481C1C}">
-                  <a14:useLocalDpi xmlns:a14="http://schemas.microsoft.com/office/drawing/2010/main" val="0"/>
-                </a:ext>
-              </a:extLst>
-            </a:blip>
-            <a:srcRect t="8416" b="8972"/>
-            <a:stretch/>
-          </p:blipFill>
-          <p:spPr bwMode="auto">
-            <a:xfrm>
-              <a:off x="10387316" y="4857355"/>
-              <a:ext cx="603090" cy="236882"/>
-            </a:xfrm>
-            <a:prstGeom prst="rect">
-              <a:avLst/>
-            </a:prstGeom>
-            <a:noFill/>
-            <a:ln>
-              <a:solidFill>
-                <a:schemeClr val="tx1"/>
-              </a:solidFill>
-            </a:ln>
-            <a:extLst>
-              <a:ext uri="{909E8E84-426E-40DD-AFC4-6F175D3DCCD1}">
-                <a14:hiddenFill xmlns:a14="http://schemas.microsoft.com/office/drawing/2010/main">
-                  <a:solidFill>
-                    <a:srgbClr val="FFFFFF"/>
-                  </a:solidFill>
-                </a14:hiddenFill>
-              </a:ext>
-            </a:extLst>
-          </p:spPr>
-        </p:pic>
-      </p:grpSp>
-      <p:cxnSp>
-        <p:nvCxnSpPr>
-          <p:cNvPr id="1033" name="Straight Arrow Connector 29">
-            <a:extLst>
-              <a:ext uri="{FF2B5EF4-FFF2-40B4-BE49-F238E27FC236}">
-                <a16:creationId xmlns:a16="http://schemas.microsoft.com/office/drawing/2014/main" id="{DFA0CD3E-3F63-4115-88B8-81F99E887738}"/>
-              </a:ext>
-            </a:extLst>
-          </p:cNvPr>
-          <p:cNvCxnSpPr>
-            <a:cxnSpLocks/>
-            <a:stCxn id="1027" idx="2"/>
-            <a:endCxn id="49" idx="2"/>
-          </p:cNvCxnSpPr>
-          <p:nvPr/>
-        </p:nvCxnSpPr>
-        <p:spPr>
-          <a:xfrm rot="16200000" flipH="1">
-            <a:off x="3110047" y="5470524"/>
-            <a:ext cx="3478" cy="1605776"/>
-          </a:xfrm>
-          <a:prstGeom prst="bentConnector3">
-            <a:avLst>
-              <a:gd name="adj1" fmla="val 5623606"/>
-            </a:avLst>
-          </a:prstGeom>
-          <a:ln w="19050" cap="flat" cmpd="sng" algn="ctr">
-            <a:solidFill>
-              <a:schemeClr val="dk1"/>
-            </a:solidFill>
-            <a:prstDash val="dash"/>
-            <a:round/>
-            <a:headEnd type="arrow" w="med" len="med"/>
-            <a:tailEnd type="none" w="med" len="med"/>
-          </a:ln>
-        </p:spPr>
-        <p:style>
-          <a:lnRef idx="0">
-            <a:scrgbClr r="0" g="0" b="0"/>
-          </a:lnRef>
-          <a:fillRef idx="0">
-            <a:scrgbClr r="0" g="0" b="0"/>
-          </a:fillRef>
-          <a:effectRef idx="0">
-            <a:scrgbClr r="0" g="0" b="0"/>
-          </a:effectRef>
-          <a:fontRef idx="minor">
-            <a:schemeClr val="tx1"/>
-          </a:fontRef>
-        </p:style>
-      </p:cxnSp>
       <p:cxnSp>
         <p:nvCxnSpPr>
           <p:cNvPr id="119" name="Straight Arrow Connector 38">
@@ -12371,14 +13694,14 @@
           <p:cNvCxnSpPr>
             <a:cxnSpLocks/>
             <a:stCxn id="126" idx="1"/>
-            <a:endCxn id="1025" idx="0"/>
+            <a:endCxn id="57" idx="0"/>
           </p:cNvCxnSpPr>
           <p:nvPr/>
         </p:nvCxnSpPr>
         <p:spPr>
           <a:xfrm rot="10800000" flipV="1">
-            <a:off x="1817047" y="1009179"/>
-            <a:ext cx="1347244" cy="4748417"/>
+            <a:off x="1994615" y="1009179"/>
+            <a:ext cx="1169676" cy="4553217"/>
           </a:xfrm>
           <a:prstGeom prst="bentConnector2">
             <a:avLst/>
@@ -12681,271 +14004,6 @@
             <a:round/>
             <a:headEnd type="arrow" w="med" len="med"/>
             <a:tailEnd type="arrow" w="med" len="med"/>
-          </a:ln>
-        </p:spPr>
-        <p:style>
-          <a:lnRef idx="0">
-            <a:scrgbClr r="0" g="0" b="0"/>
-          </a:lnRef>
-          <a:fillRef idx="0">
-            <a:scrgbClr r="0" g="0" b="0"/>
-          </a:fillRef>
-          <a:effectRef idx="0">
-            <a:scrgbClr r="0" g="0" b="0"/>
-          </a:effectRef>
-          <a:fontRef idx="minor">
-            <a:schemeClr val="tx1"/>
-          </a:fontRef>
-        </p:style>
-      </p:cxnSp>
-      <p:cxnSp>
-        <p:nvCxnSpPr>
-          <p:cNvPr id="59" name="Straight Arrow Connector 29">
-            <a:extLst>
-              <a:ext uri="{FF2B5EF4-FFF2-40B4-BE49-F238E27FC236}">
-                <a16:creationId xmlns:a16="http://schemas.microsoft.com/office/drawing/2014/main" id="{E7AEF456-6844-42C3-8A49-721AB56805BC}"/>
-              </a:ext>
-            </a:extLst>
-          </p:cNvPr>
-          <p:cNvCxnSpPr>
-            <a:cxnSpLocks/>
-            <a:stCxn id="1160" idx="0"/>
-            <a:endCxn id="16" idx="3"/>
-          </p:cNvCxnSpPr>
-          <p:nvPr/>
-        </p:nvCxnSpPr>
-        <p:spPr>
-          <a:xfrm rot="5400000" flipH="1" flipV="1">
-            <a:off x="6583312" y="4224355"/>
-            <a:ext cx="1671711" cy="1284413"/>
-          </a:xfrm>
-          <a:prstGeom prst="bentConnector3">
-            <a:avLst>
-              <a:gd name="adj1" fmla="val 27968"/>
-            </a:avLst>
-          </a:prstGeom>
-          <a:ln w="19050" cap="flat" cmpd="sng" algn="ctr">
-            <a:solidFill>
-              <a:schemeClr val="bg2">
-                <a:lumMod val="50000"/>
-              </a:schemeClr>
-            </a:solidFill>
-            <a:prstDash val="solid"/>
-            <a:round/>
-            <a:headEnd type="arrow" w="med" len="med"/>
-            <a:tailEnd type="none" w="med" len="med"/>
-          </a:ln>
-        </p:spPr>
-        <p:style>
-          <a:lnRef idx="0">
-            <a:scrgbClr r="0" g="0" b="0"/>
-          </a:lnRef>
-          <a:fillRef idx="0">
-            <a:scrgbClr r="0" g="0" b="0"/>
-          </a:fillRef>
-          <a:effectRef idx="0">
-            <a:scrgbClr r="0" g="0" b="0"/>
-          </a:effectRef>
-          <a:fontRef idx="minor">
-            <a:schemeClr val="tx1"/>
-          </a:fontRef>
-        </p:style>
-      </p:cxnSp>
-      <p:cxnSp>
-        <p:nvCxnSpPr>
-          <p:cNvPr id="62" name="Straight Arrow Connector 29">
-            <a:extLst>
-              <a:ext uri="{FF2B5EF4-FFF2-40B4-BE49-F238E27FC236}">
-                <a16:creationId xmlns:a16="http://schemas.microsoft.com/office/drawing/2014/main" id="{5C61B3D3-9190-4FC6-9062-1FE30696ABF6}"/>
-              </a:ext>
-            </a:extLst>
-          </p:cNvPr>
-          <p:cNvCxnSpPr>
-            <a:cxnSpLocks/>
-            <a:stCxn id="1153" idx="0"/>
-            <a:endCxn id="16" idx="3"/>
-          </p:cNvCxnSpPr>
-          <p:nvPr/>
-        </p:nvCxnSpPr>
-        <p:spPr>
-          <a:xfrm rot="16200000" flipV="1">
-            <a:off x="7316648" y="4775431"/>
-            <a:ext cx="1731190" cy="241737"/>
-          </a:xfrm>
-          <a:prstGeom prst="bentConnector3">
-            <a:avLst>
-              <a:gd name="adj1" fmla="val 13320"/>
-            </a:avLst>
-          </a:prstGeom>
-          <a:ln w="19050" cap="flat" cmpd="sng" algn="ctr">
-            <a:solidFill>
-              <a:schemeClr val="bg2">
-                <a:lumMod val="50000"/>
-              </a:schemeClr>
-            </a:solidFill>
-            <a:prstDash val="solid"/>
-            <a:round/>
-            <a:headEnd type="arrow" w="med" len="med"/>
-            <a:tailEnd type="none" w="med" len="med"/>
-          </a:ln>
-        </p:spPr>
-        <p:style>
-          <a:lnRef idx="0">
-            <a:scrgbClr r="0" g="0" b="0"/>
-          </a:lnRef>
-          <a:fillRef idx="0">
-            <a:scrgbClr r="0" g="0" b="0"/>
-          </a:fillRef>
-          <a:effectRef idx="0">
-            <a:scrgbClr r="0" g="0" b="0"/>
-          </a:effectRef>
-          <a:fontRef idx="minor">
-            <a:schemeClr val="tx1"/>
-          </a:fontRef>
-        </p:style>
-      </p:cxnSp>
-      <p:cxnSp>
-        <p:nvCxnSpPr>
-          <p:cNvPr id="58" name="Straight Arrow Connector 29">
-            <a:extLst>
-              <a:ext uri="{FF2B5EF4-FFF2-40B4-BE49-F238E27FC236}">
-                <a16:creationId xmlns:a16="http://schemas.microsoft.com/office/drawing/2014/main" id="{B57B1AB6-762F-E3A7-D8D5-CFEEA822C506}"/>
-              </a:ext>
-            </a:extLst>
-          </p:cNvPr>
-          <p:cNvCxnSpPr>
-            <a:cxnSpLocks/>
-            <a:stCxn id="1026" idx="0"/>
-            <a:endCxn id="16" idx="3"/>
-          </p:cNvCxnSpPr>
-          <p:nvPr/>
-        </p:nvCxnSpPr>
-        <p:spPr>
-          <a:xfrm rot="5400000" flipH="1" flipV="1">
-            <a:off x="5664110" y="3388741"/>
-            <a:ext cx="1755299" cy="3039229"/>
-          </a:xfrm>
-          <a:prstGeom prst="bentConnector3">
-            <a:avLst>
-              <a:gd name="adj1" fmla="val 37520"/>
-            </a:avLst>
-          </a:prstGeom>
-          <a:ln w="19050" cap="flat" cmpd="sng" algn="ctr">
-            <a:solidFill>
-              <a:schemeClr val="bg2">
-                <a:lumMod val="50000"/>
-              </a:schemeClr>
-            </a:solidFill>
-            <a:prstDash val="solid"/>
-            <a:round/>
-            <a:headEnd type="arrow" w="med" len="med"/>
-            <a:tailEnd type="none" w="med" len="med"/>
-          </a:ln>
-        </p:spPr>
-        <p:style>
-          <a:lnRef idx="0">
-            <a:scrgbClr r="0" g="0" b="0"/>
-          </a:lnRef>
-          <a:fillRef idx="0">
-            <a:scrgbClr r="0" g="0" b="0"/>
-          </a:fillRef>
-          <a:effectRef idx="0">
-            <a:scrgbClr r="0" g="0" b="0"/>
-          </a:effectRef>
-          <a:fontRef idx="minor">
-            <a:schemeClr val="tx1"/>
-          </a:fontRef>
-        </p:style>
-      </p:cxnSp>
-      <p:cxnSp>
-        <p:nvCxnSpPr>
-          <p:cNvPr id="123" name="Straight Arrow Connector 29">
-            <a:extLst>
-              <a:ext uri="{FF2B5EF4-FFF2-40B4-BE49-F238E27FC236}">
-                <a16:creationId xmlns:a16="http://schemas.microsoft.com/office/drawing/2014/main" id="{81F4B5EE-1533-41C0-5AE5-E444238E30DC}"/>
-              </a:ext>
-            </a:extLst>
-          </p:cNvPr>
-          <p:cNvCxnSpPr>
-            <a:cxnSpLocks/>
-            <a:stCxn id="1024" idx="0"/>
-            <a:endCxn id="13" idx="3"/>
-          </p:cNvCxnSpPr>
-          <p:nvPr/>
-        </p:nvCxnSpPr>
-        <p:spPr>
-          <a:xfrm rot="5400000" flipH="1" flipV="1">
-            <a:off x="4042692" y="3480993"/>
-            <a:ext cx="1700166" cy="2802078"/>
-          </a:xfrm>
-          <a:prstGeom prst="bentConnector3">
-            <a:avLst>
-              <a:gd name="adj1" fmla="val 41933"/>
-            </a:avLst>
-          </a:prstGeom>
-          <a:ln w="19050" cap="flat" cmpd="sng" algn="ctr">
-            <a:solidFill>
-              <a:schemeClr val="bg2">
-                <a:lumMod val="50000"/>
-              </a:schemeClr>
-            </a:solidFill>
-            <a:prstDash val="solid"/>
-            <a:round/>
-            <a:headEnd type="arrow" w="med" len="med"/>
-            <a:tailEnd type="none" w="med" len="med"/>
-          </a:ln>
-        </p:spPr>
-        <p:style>
-          <a:lnRef idx="0">
-            <a:scrgbClr r="0" g="0" b="0"/>
-          </a:lnRef>
-          <a:fillRef idx="0">
-            <a:scrgbClr r="0" g="0" b="0"/>
-          </a:fillRef>
-          <a:effectRef idx="0">
-            <a:scrgbClr r="0" g="0" b="0"/>
-          </a:effectRef>
-          <a:fontRef idx="minor">
-            <a:schemeClr val="tx1"/>
-          </a:fontRef>
-        </p:style>
-      </p:cxnSp>
-      <p:cxnSp>
-        <p:nvCxnSpPr>
-          <p:cNvPr id="108" name="Straight Arrow Connector 29">
-            <a:extLst>
-              <a:ext uri="{FF2B5EF4-FFF2-40B4-BE49-F238E27FC236}">
-                <a16:creationId xmlns:a16="http://schemas.microsoft.com/office/drawing/2014/main" id="{92039A90-69A3-49FA-B43C-57164F95C561}"/>
-              </a:ext>
-            </a:extLst>
-          </p:cNvPr>
-          <p:cNvCxnSpPr>
-            <a:cxnSpLocks/>
-            <a:stCxn id="1157" idx="0"/>
-            <a:endCxn id="14" idx="3"/>
-          </p:cNvCxnSpPr>
-          <p:nvPr/>
-        </p:nvCxnSpPr>
-        <p:spPr>
-          <a:xfrm rot="16200000" flipV="1">
-            <a:off x="7427512" y="3198819"/>
-            <a:ext cx="1694897" cy="3361157"/>
-          </a:xfrm>
-          <a:prstGeom prst="bentConnector3">
-            <a:avLst>
-              <a:gd name="adj1" fmla="val 42508"/>
-            </a:avLst>
-          </a:prstGeom>
-          <a:ln w="19050" cap="flat" cmpd="sng" algn="ctr">
-            <a:solidFill>
-              <a:schemeClr val="bg2">
-                <a:lumMod val="50000"/>
-              </a:schemeClr>
-            </a:solidFill>
-            <a:prstDash val="solid"/>
-            <a:round/>
-            <a:headEnd type="arrow" w="med" len="med"/>
-            <a:tailEnd type="none" w="med" len="med"/>
           </a:ln>
         </p:spPr>
         <p:style>
@@ -13448,7 +14506,7 @@
             <p:nvPr/>
           </p:nvPicPr>
           <p:blipFill>
-            <a:blip r:embed="rId7">
+            <a:blip r:embed="rId12">
               <a:extLst>
                 <a:ext uri="{28A0092B-C50C-407E-A947-70E740481C1C}">
                   <a14:useLocalDpi xmlns:a14="http://schemas.microsoft.com/office/drawing/2010/main" val="0"/>
@@ -14278,9 +15336,7 @@
                 <a:avLst/>
               </a:prstGeom>
               <a:solidFill>
-                <a:schemeClr val="accent2">
-                  <a:lumMod val="75000"/>
-                </a:schemeClr>
+                <a:schemeClr val="accent2"/>
               </a:solidFill>
               <a:ln>
                 <a:solidFill>
@@ -14319,7 +15375,7 @@
                       </a:schemeClr>
                     </a:solidFill>
                   </a:rPr>
-                  <a:t>Identity Provider API</a:t>
+                  <a:t>AuthN API</a:t>
                 </a:r>
                 <a:endParaRPr lang="en-NZ" sz="1200" dirty="0">
                   <a:solidFill>
@@ -14553,7 +15609,7 @@
             <p:nvPr/>
           </p:nvPicPr>
           <p:blipFill>
-            <a:blip r:embed="rId7">
+            <a:blip r:embed="rId12">
               <a:extLst>
                 <a:ext uri="{28A0092B-C50C-407E-A947-70E740481C1C}">
                   <a14:useLocalDpi xmlns:a14="http://schemas.microsoft.com/office/drawing/2010/main" val="0"/>
@@ -14586,76 +15642,6 @@
           </p:spPr>
         </p:pic>
       </p:grpSp>
-      <p:sp>
-        <p:nvSpPr>
-          <p:cNvPr id="21" name="TextBox 20">
-            <a:extLst>
-              <a:ext uri="{FF2B5EF4-FFF2-40B4-BE49-F238E27FC236}">
-                <a16:creationId xmlns:a16="http://schemas.microsoft.com/office/drawing/2014/main" id="{5560506A-2ECE-B57E-9077-934629488E51}"/>
-              </a:ext>
-            </a:extLst>
-          </p:cNvPr>
-          <p:cNvSpPr txBox="1"/>
-          <p:nvPr/>
-        </p:nvSpPr>
-        <p:spPr>
-          <a:xfrm rot="16200000">
-            <a:off x="2321379" y="5148382"/>
-            <a:ext cx="633507" cy="261610"/>
-          </a:xfrm>
-          <a:prstGeom prst="rect">
-            <a:avLst/>
-          </a:prstGeom>
-          <a:noFill/>
-        </p:spPr>
-        <p:txBody>
-          <a:bodyPr wrap="none" rtlCol="0">
-            <a:spAutoFit/>
-          </a:bodyPr>
-          <a:lstStyle/>
-          <a:p>
-            <a:r>
-              <a:rPr lang="en-NZ" sz="1100" dirty="0"/>
-              <a:t>+Events</a:t>
-            </a:r>
-          </a:p>
-        </p:txBody>
-      </p:sp>
-      <p:sp>
-        <p:nvSpPr>
-          <p:cNvPr id="36" name="TextBox 35">
-            <a:extLst>
-              <a:ext uri="{FF2B5EF4-FFF2-40B4-BE49-F238E27FC236}">
-                <a16:creationId xmlns:a16="http://schemas.microsoft.com/office/drawing/2014/main" id="{0D96A14B-DC33-F27E-99F1-8C8AEA8CA4F0}"/>
-              </a:ext>
-            </a:extLst>
-          </p:cNvPr>
-          <p:cNvSpPr txBox="1"/>
-          <p:nvPr/>
-        </p:nvSpPr>
-        <p:spPr>
-          <a:xfrm rot="16200000">
-            <a:off x="1209405" y="5228945"/>
-            <a:ext cx="955711" cy="261610"/>
-          </a:xfrm>
-          <a:prstGeom prst="rect">
-            <a:avLst/>
-          </a:prstGeom>
-          <a:noFill/>
-        </p:spPr>
-        <p:txBody>
-          <a:bodyPr wrap="none" rtlCol="0">
-            <a:spAutoFit/>
-          </a:bodyPr>
-          <a:lstStyle/>
-          <a:p>
-            <a:r>
-              <a:rPr lang="en-NZ" sz="1100" dirty="0"/>
-              <a:t>+Credit Cards</a:t>
-            </a:r>
-          </a:p>
-        </p:txBody>
-      </p:sp>
       <p:cxnSp>
         <p:nvCxnSpPr>
           <p:cNvPr id="39" name="Straight Arrow Connector 38">
@@ -14776,19 +15762,19 @@
           <p:cNvCxnSpPr>
             <a:cxnSpLocks/>
             <a:stCxn id="13" idx="1"/>
-            <a:endCxn id="49" idx="1"/>
+            <a:endCxn id="51" idx="1"/>
           </p:cNvCxnSpPr>
           <p:nvPr/>
         </p:nvCxnSpPr>
         <p:spPr>
           <a:xfrm rot="16200000" flipH="1" flipV="1">
-            <a:off x="3019980" y="2945287"/>
-            <a:ext cx="3424944" cy="3122724"/>
+            <a:off x="3006229" y="2572349"/>
+            <a:ext cx="3065757" cy="3509412"/>
           </a:xfrm>
           <a:prstGeom prst="bentConnector4">
             <a:avLst>
-              <a:gd name="adj1" fmla="val 7062"/>
-              <a:gd name="adj2" fmla="val 108140"/>
+              <a:gd name="adj1" fmla="val -11245"/>
+              <a:gd name="adj2" fmla="val 101663"/>
             </a:avLst>
           </a:prstGeom>
           <a:ln w="19050" cap="flat" cmpd="sng" algn="ctr">
@@ -15246,7 +16232,7 @@
             <p:nvPr/>
           </p:nvPicPr>
           <p:blipFill>
-            <a:blip r:embed="rId8">
+            <a:blip r:embed="rId13">
               <a:extLst>
                 <a:ext uri="{28A0092B-C50C-407E-A947-70E740481C1C}">
                   <a14:useLocalDpi xmlns:a14="http://schemas.microsoft.com/office/drawing/2010/main" val="0"/>
@@ -15571,7 +16557,7 @@
             <p:nvPr/>
           </p:nvPicPr>
           <p:blipFill>
-            <a:blip r:embed="rId9">
+            <a:blip r:embed="rId14">
               <a:extLst>
                 <a:ext uri="{28A0092B-C50C-407E-A947-70E740481C1C}">
                   <a14:useLocalDpi xmlns:a14="http://schemas.microsoft.com/office/drawing/2010/main" val="0"/>
@@ -16066,7 +17052,7 @@
             <p:nvPr/>
           </p:nvPicPr>
           <p:blipFill>
-            <a:blip r:embed="rId10">
+            <a:blip r:embed="rId15">
               <a:extLst>
                 <a:ext uri="{28A0092B-C50C-407E-A947-70E740481C1C}">
                   <a14:useLocalDpi xmlns:a14="http://schemas.microsoft.com/office/drawing/2010/main" val="0"/>
@@ -16187,54 +17173,6 @@
                 </a:solidFill>
               </a:endParaRPr>
             </a:p>
-            <a:p>
-              <a:pPr algn="r"/>
-              <a:r>
-                <a:rPr lang="en-US" sz="500" dirty="0">
-                  <a:solidFill>
-                    <a:schemeClr val="bg2">
-                      <a:lumMod val="50000"/>
-                    </a:schemeClr>
-                  </a:solidFill>
-                  <a:latin typeface="Simplified Arabic Fixed" panose="020B0604020202020204" pitchFamily="49" charset="-78"/>
-                  <a:cs typeface="Simplified Arabic Fixed" panose="020B0604020202020204" pitchFamily="49" charset="-78"/>
-                </a:rPr>
-                <a:t>(</a:t>
-              </a:r>
-              <a:r>
-                <a:rPr lang="en-US" sz="500" dirty="0" err="1">
-                  <a:solidFill>
-                    <a:schemeClr val="bg2">
-                      <a:lumMod val="50000"/>
-                    </a:schemeClr>
-                  </a:solidFill>
-                  <a:latin typeface="Simplified Arabic Fixed" panose="020B0604020202020204" pitchFamily="49" charset="-78"/>
-                  <a:cs typeface="Simplified Arabic Fixed" panose="020B0604020202020204" pitchFamily="49" charset="-78"/>
-                </a:rPr>
-                <a:t>FunctionsHost</a:t>
-              </a:r>
-              <a:r>
-                <a:rPr lang="en-US" sz="500" dirty="0">
-                  <a:solidFill>
-                    <a:schemeClr val="bg2">
-                      <a:lumMod val="50000"/>
-                    </a:schemeClr>
-                  </a:solidFill>
-                  <a:latin typeface="Simplified Arabic Fixed" panose="020B0604020202020204" pitchFamily="49" charset="-78"/>
-                  <a:cs typeface="Simplified Arabic Fixed" panose="020B0604020202020204" pitchFamily="49" charset="-78"/>
-                </a:rPr>
-                <a:t>)</a:t>
-              </a:r>
-              <a:endParaRPr lang="en-NZ" sz="500" dirty="0">
-                <a:solidFill>
-                  <a:schemeClr val="bg2">
-                    <a:lumMod val="50000"/>
-                  </a:schemeClr>
-                </a:solidFill>
-                <a:latin typeface="Simplified Arabic Fixed" panose="020B0604020202020204" pitchFamily="49" charset="-78"/>
-                <a:cs typeface="Simplified Arabic Fixed" panose="020B0604020202020204" pitchFamily="49" charset="-78"/>
-              </a:endParaRPr>
-            </a:p>
           </p:txBody>
         </p:sp>
         <p:pic>
@@ -16252,7 +17190,7 @@
             <p:nvPr/>
           </p:nvPicPr>
           <p:blipFill>
-            <a:blip r:embed="rId7">
+            <a:blip r:embed="rId12">
               <a:extLst>
                 <a:ext uri="{28A0092B-C50C-407E-A947-70E740481C1C}">
                   <a14:useLocalDpi xmlns:a14="http://schemas.microsoft.com/office/drawing/2010/main" val="0"/>
@@ -16397,7 +17335,7 @@
             <p:nvPr/>
           </p:nvPicPr>
           <p:blipFill>
-            <a:blip r:embed="rId11">
+            <a:blip r:embed="rId16">
               <a:extLst>
                 <a:ext uri="{28A0092B-C50C-407E-A947-70E740481C1C}">
                   <a14:useLocalDpi xmlns:a14="http://schemas.microsoft.com/office/drawing/2010/main" val="0"/>
@@ -16531,7 +17469,7 @@
             <p:nvPr/>
           </p:nvPicPr>
           <p:blipFill>
-            <a:blip r:embed="rId12"/>
+            <a:blip r:embed="rId17"/>
             <a:stretch>
               <a:fillRect/>
             </a:stretch>
@@ -16682,7 +17620,7 @@
             <p:nvPr/>
           </p:nvPicPr>
           <p:blipFill>
-            <a:blip r:embed="rId13">
+            <a:blip r:embed="rId18">
               <a:extLst>
                 <a:ext uri="{28A0092B-C50C-407E-A947-70E740481C1C}">
                   <a14:useLocalDpi xmlns:a14="http://schemas.microsoft.com/office/drawing/2010/main" val="0"/>
@@ -16816,7 +17754,7 @@
             <p:nvPr/>
           </p:nvPicPr>
           <p:blipFill>
-            <a:blip r:embed="rId12"/>
+            <a:blip r:embed="rId17"/>
             <a:stretch>
               <a:fillRect/>
             </a:stretch>
@@ -16967,7 +17905,7 @@
             <p:nvPr/>
           </p:nvPicPr>
           <p:blipFill>
-            <a:blip r:embed="rId13">
+            <a:blip r:embed="rId18">
               <a:extLst>
                 <a:ext uri="{28A0092B-C50C-407E-A947-70E740481C1C}">
                   <a14:useLocalDpi xmlns:a14="http://schemas.microsoft.com/office/drawing/2010/main" val="0"/>
@@ -17104,7 +18042,7 @@
             <p:nvPr/>
           </p:nvPicPr>
           <p:blipFill>
-            <a:blip r:embed="rId14">
+            <a:blip r:embed="rId19">
               <a:extLst>
                 <a:ext uri="{28A0092B-C50C-407E-A947-70E740481C1C}">
                   <a14:useLocalDpi xmlns:a14="http://schemas.microsoft.com/office/drawing/2010/main" val="0"/>
@@ -17152,7 +18090,7 @@
           <p:nvPr/>
         </p:nvPicPr>
         <p:blipFill>
-          <a:blip r:embed="rId15">
+          <a:blip r:embed="rId20">
             <a:extLst>
               <a:ext uri="{28A0092B-C50C-407E-A947-70E740481C1C}">
                 <a14:useLocalDpi xmlns:a14="http://schemas.microsoft.com/office/drawing/2010/main" val="0"/>
@@ -17251,7 +18189,7 @@
         <p:spPr>
           <a:xfrm>
             <a:off x="8482881" y="1009179"/>
-            <a:ext cx="2567754" cy="3756471"/>
+            <a:ext cx="2567754" cy="3780451"/>
           </a:xfrm>
           <a:prstGeom prst="rect">
             <a:avLst/>
@@ -17283,7 +18221,7 @@
           <a:p>
             <a:pPr algn="ctr"/>
             <a:r>
-              <a:rPr lang="en-NZ" sz="1600" dirty="0">
+              <a:rPr lang="en-NZ" sz="1200" dirty="0">
                 <a:solidFill>
                   <a:schemeClr val="tx1"/>
                 </a:solidFill>
@@ -17291,7 +18229,7 @@
               <a:t>3</a:t>
             </a:r>
             <a:r>
-              <a:rPr lang="en-NZ" sz="1600" baseline="30000" dirty="0">
+              <a:rPr lang="en-NZ" sz="1200" baseline="30000" dirty="0">
                 <a:solidFill>
                   <a:schemeClr val="tx1"/>
                 </a:solidFill>
@@ -17299,7 +18237,7 @@
               <a:t>rd</a:t>
             </a:r>
             <a:r>
-              <a:rPr lang="en-NZ" sz="1600" dirty="0">
+              <a:rPr lang="en-NZ" sz="1200" dirty="0">
                 <a:solidFill>
                   <a:schemeClr val="tx1"/>
                 </a:solidFill>
@@ -17310,7 +18248,7 @@
           <a:p>
             <a:pPr algn="ctr"/>
             <a:r>
-              <a:rPr lang="en-NZ" sz="1600" dirty="0">
+              <a:rPr lang="en-NZ" sz="1200" dirty="0">
                 <a:solidFill>
                   <a:schemeClr val="tx1"/>
                 </a:solidFill>
@@ -17321,7 +18259,7 @@
           <a:p>
             <a:pPr algn="ctr"/>
             <a:r>
-              <a:rPr lang="en-NZ" sz="1600" dirty="0">
+              <a:rPr lang="en-NZ" sz="1200" dirty="0">
                 <a:solidFill>
                   <a:schemeClr val="tx1"/>
                 </a:solidFill>
@@ -17331,349 +18269,359 @@
           </a:p>
         </p:txBody>
       </p:sp>
-      <p:grpSp>
-        <p:nvGrpSpPr>
-          <p:cNvPr id="1151" name="Group 1150">
-            <a:extLst>
-              <a:ext uri="{FF2B5EF4-FFF2-40B4-BE49-F238E27FC236}">
-                <a16:creationId xmlns:a16="http://schemas.microsoft.com/office/drawing/2014/main" id="{FD41A04D-4174-7AA2-8973-0686A765C9BD}"/>
-              </a:ext>
-            </a:extLst>
-          </p:cNvPr>
-          <p:cNvGrpSpPr/>
+      <p:cxnSp>
+        <p:nvCxnSpPr>
+          <p:cNvPr id="59" name="Straight Arrow Connector 29">
+            <a:extLst>
+              <a:ext uri="{FF2B5EF4-FFF2-40B4-BE49-F238E27FC236}">
+                <a16:creationId xmlns:a16="http://schemas.microsoft.com/office/drawing/2014/main" id="{E7AEF456-6844-42C3-8A49-721AB56805BC}"/>
+              </a:ext>
+            </a:extLst>
+          </p:cNvPr>
+          <p:cNvCxnSpPr>
+            <a:cxnSpLocks/>
+            <a:stCxn id="72" idx="0"/>
+            <a:endCxn id="16" idx="3"/>
+          </p:cNvCxnSpPr>
           <p:nvPr/>
-        </p:nvGrpSpPr>
-        <p:grpSpPr>
-          <a:xfrm rot="20668511">
-            <a:off x="7939388" y="5679462"/>
-            <a:ext cx="1402913" cy="601390"/>
-            <a:chOff x="10296347" y="239215"/>
-            <a:chExt cx="1402913" cy="601390"/>
+        </p:nvCxnSpPr>
+        <p:spPr>
+          <a:xfrm rot="5400000" flipH="1" flipV="1">
+            <a:off x="5995432" y="3505117"/>
+            <a:ext cx="1540354" cy="2591530"/>
           </a:xfrm>
-        </p:grpSpPr>
-        <p:sp>
-          <p:nvSpPr>
-            <p:cNvPr id="1152" name="Rectangle: Rounded Corners 1151">
-              <a:extLst>
-                <a:ext uri="{FF2B5EF4-FFF2-40B4-BE49-F238E27FC236}">
-                  <a16:creationId xmlns:a16="http://schemas.microsoft.com/office/drawing/2014/main" id="{E0F88280-AF41-DFF9-8689-ADA79ABBBEB2}"/>
-                </a:ext>
-              </a:extLst>
-            </p:cNvPr>
-            <p:cNvSpPr/>
-            <p:nvPr/>
-          </p:nvSpPr>
-          <p:spPr>
-            <a:xfrm>
-              <a:off x="10296347" y="340052"/>
-              <a:ext cx="1402913" cy="500553"/>
-            </a:xfrm>
-            <a:prstGeom prst="roundRect">
-              <a:avLst/>
-            </a:prstGeom>
+          <a:prstGeom prst="bentConnector3">
+            <a:avLst>
+              <a:gd name="adj1" fmla="val 23119"/>
+            </a:avLst>
+          </a:prstGeom>
+          <a:ln w="19050" cap="flat" cmpd="sng" algn="ctr">
             <a:solidFill>
-              <a:srgbClr val="386CA7"/>
+              <a:schemeClr val="bg2">
+                <a:lumMod val="50000"/>
+              </a:schemeClr>
             </a:solidFill>
-          </p:spPr>
-          <p:style>
-            <a:lnRef idx="2">
-              <a:schemeClr val="accent1">
-                <a:shade val="50000"/>
+            <a:prstDash val="solid"/>
+            <a:round/>
+            <a:headEnd type="arrow" w="med" len="med"/>
+            <a:tailEnd type="none" w="med" len="med"/>
+          </a:ln>
+        </p:spPr>
+        <p:style>
+          <a:lnRef idx="0">
+            <a:scrgbClr r="0" g="0" b="0"/>
+          </a:lnRef>
+          <a:fillRef idx="0">
+            <a:scrgbClr r="0" g="0" b="0"/>
+          </a:fillRef>
+          <a:effectRef idx="0">
+            <a:scrgbClr r="0" g="0" b="0"/>
+          </a:effectRef>
+          <a:fontRef idx="minor">
+            <a:schemeClr val="tx1"/>
+          </a:fontRef>
+        </p:style>
+      </p:cxnSp>
+      <p:cxnSp>
+        <p:nvCxnSpPr>
+          <p:cNvPr id="62" name="Straight Arrow Connector 29">
+            <a:extLst>
+              <a:ext uri="{FF2B5EF4-FFF2-40B4-BE49-F238E27FC236}">
+                <a16:creationId xmlns:a16="http://schemas.microsoft.com/office/drawing/2014/main" id="{5C61B3D3-9190-4FC6-9062-1FE30696ABF6}"/>
+              </a:ext>
+            </a:extLst>
+          </p:cNvPr>
+          <p:cNvCxnSpPr>
+            <a:cxnSpLocks/>
+            <a:stCxn id="48" idx="0"/>
+            <a:endCxn id="16" idx="3"/>
+          </p:cNvCxnSpPr>
+          <p:nvPr/>
+        </p:nvCxnSpPr>
+        <p:spPr>
+          <a:xfrm rot="5400000" flipH="1" flipV="1">
+            <a:off x="6579031" y="4100551"/>
+            <a:ext cx="1552188" cy="1412497"/>
+          </a:xfrm>
+          <a:prstGeom prst="bentConnector3">
+            <a:avLst>
+              <a:gd name="adj1" fmla="val 28881"/>
+            </a:avLst>
+          </a:prstGeom>
+          <a:ln w="19050" cap="flat" cmpd="sng" algn="ctr">
+            <a:solidFill>
+              <a:schemeClr val="bg2">
+                <a:lumMod val="50000"/>
               </a:schemeClr>
-            </a:lnRef>
-            <a:fillRef idx="1">
-              <a:schemeClr val="accent1"/>
-            </a:fillRef>
-            <a:effectRef idx="0">
-              <a:schemeClr val="accent1"/>
-            </a:effectRef>
-            <a:fontRef idx="minor">
-              <a:schemeClr val="lt1"/>
-            </a:fontRef>
-          </p:style>
-          <p:txBody>
-            <a:bodyPr rtlCol="0" anchor="ctr"/>
-            <a:lstStyle/>
-            <a:p>
-              <a:pPr algn="ctr"/>
-              <a:r>
-                <a:rPr lang="en-US" b="1" dirty="0">
-                  <a:solidFill>
-                    <a:schemeClr val="bg1"/>
-                  </a:solidFill>
-                </a:rPr>
-                <a:t>SendGrid</a:t>
-              </a:r>
-              <a:endParaRPr lang="en-NZ" dirty="0">
-                <a:solidFill>
-                  <a:schemeClr val="bg1"/>
-                </a:solidFill>
-              </a:endParaRPr>
-            </a:p>
-          </p:txBody>
-        </p:sp>
-        <p:pic>
-          <p:nvPicPr>
-            <p:cNvPr id="1153" name="Picture 1152">
-              <a:extLst>
-                <a:ext uri="{FF2B5EF4-FFF2-40B4-BE49-F238E27FC236}">
-                  <a16:creationId xmlns:a16="http://schemas.microsoft.com/office/drawing/2014/main" id="{BE268F3B-8F7B-3835-DC64-0A908DEDC063}"/>
-                </a:ext>
-              </a:extLst>
-            </p:cNvPr>
-            <p:cNvPicPr>
-              <a:picLocks noChangeAspect="1"/>
-            </p:cNvPicPr>
-            <p:nvPr/>
-          </p:nvPicPr>
-          <p:blipFill>
-            <a:blip r:embed="rId16"/>
-            <a:stretch>
-              <a:fillRect/>
-            </a:stretch>
-          </p:blipFill>
-          <p:spPr>
-            <a:xfrm>
-              <a:off x="10360264" y="239215"/>
-              <a:ext cx="741095" cy="201675"/>
-            </a:xfrm>
-            <a:prstGeom prst="rect">
-              <a:avLst/>
-            </a:prstGeom>
-            <a:ln>
-              <a:solidFill>
-                <a:schemeClr val="tx1"/>
-              </a:solidFill>
-            </a:ln>
-          </p:spPr>
-        </p:pic>
-      </p:grpSp>
-      <p:grpSp>
-        <p:nvGrpSpPr>
-          <p:cNvPr id="1154" name="Group 1153">
-            <a:extLst>
-              <a:ext uri="{FF2B5EF4-FFF2-40B4-BE49-F238E27FC236}">
-                <a16:creationId xmlns:a16="http://schemas.microsoft.com/office/drawing/2014/main" id="{15131D37-1C41-25D9-1B2C-8293380C3775}"/>
-              </a:ext>
-            </a:extLst>
-          </p:cNvPr>
-          <p:cNvGrpSpPr/>
+            </a:solidFill>
+            <a:prstDash val="solid"/>
+            <a:round/>
+            <a:headEnd type="arrow" w="med" len="med"/>
+            <a:tailEnd type="none" w="med" len="med"/>
+          </a:ln>
+        </p:spPr>
+        <p:style>
+          <a:lnRef idx="0">
+            <a:scrgbClr r="0" g="0" b="0"/>
+          </a:lnRef>
+          <a:fillRef idx="0">
+            <a:scrgbClr r="0" g="0" b="0"/>
+          </a:fillRef>
+          <a:effectRef idx="0">
+            <a:scrgbClr r="0" g="0" b="0"/>
+          </a:effectRef>
+          <a:fontRef idx="minor">
+            <a:schemeClr val="tx1"/>
+          </a:fontRef>
+        </p:style>
+      </p:cxnSp>
+      <p:cxnSp>
+        <p:nvCxnSpPr>
+          <p:cNvPr id="58" name="Straight Arrow Connector 29">
+            <a:extLst>
+              <a:ext uri="{FF2B5EF4-FFF2-40B4-BE49-F238E27FC236}">
+                <a16:creationId xmlns:a16="http://schemas.microsoft.com/office/drawing/2014/main" id="{B57B1AB6-762F-E3A7-D8D5-CFEEA822C506}"/>
+              </a:ext>
+            </a:extLst>
+          </p:cNvPr>
+          <p:cNvCxnSpPr>
+            <a:cxnSpLocks/>
+            <a:stCxn id="50" idx="0"/>
+            <a:endCxn id="16" idx="3"/>
+          </p:cNvCxnSpPr>
           <p:nvPr/>
-        </p:nvGrpSpPr>
-        <p:grpSpPr>
-          <a:xfrm rot="20668511">
-            <a:off x="9544870" y="5658068"/>
-            <a:ext cx="1402913" cy="633851"/>
-            <a:chOff x="10305194" y="1481949"/>
-            <a:chExt cx="1402913" cy="633851"/>
+        </p:nvCxnSpPr>
+        <p:spPr>
+          <a:xfrm rot="5400000" flipH="1" flipV="1">
+            <a:off x="5397977" y="2912097"/>
+            <a:ext cx="1544789" cy="3782006"/>
           </a:xfrm>
-        </p:grpSpPr>
-        <p:sp>
-          <p:nvSpPr>
-            <p:cNvPr id="1155" name="Rectangle: Rounded Corners 1154">
-              <a:extLst>
-                <a:ext uri="{FF2B5EF4-FFF2-40B4-BE49-F238E27FC236}">
-                  <a16:creationId xmlns:a16="http://schemas.microsoft.com/office/drawing/2014/main" id="{AF52DF55-EB5A-DE08-A4A9-8E09CAAD2532}"/>
-                </a:ext>
-              </a:extLst>
-            </p:cNvPr>
-            <p:cNvSpPr/>
-            <p:nvPr/>
-          </p:nvSpPr>
-          <p:spPr>
-            <a:xfrm>
-              <a:off x="10305194" y="1604377"/>
-              <a:ext cx="1402913" cy="511423"/>
-            </a:xfrm>
-            <a:prstGeom prst="roundRect">
-              <a:avLst/>
-            </a:prstGeom>
+          <a:prstGeom prst="bentConnector3">
+            <a:avLst>
+              <a:gd name="adj1" fmla="val 15937"/>
+            </a:avLst>
+          </a:prstGeom>
+          <a:ln w="19050" cap="flat" cmpd="sng" algn="ctr">
             <a:solidFill>
-              <a:srgbClr val="4B75ED"/>
+              <a:schemeClr val="bg2">
+                <a:lumMod val="50000"/>
+              </a:schemeClr>
             </a:solidFill>
-          </p:spPr>
-          <p:style>
-            <a:lnRef idx="2">
-              <a:schemeClr val="accent1">
-                <a:shade val="50000"/>
+            <a:prstDash val="solid"/>
+            <a:round/>
+            <a:headEnd type="arrow" w="med" len="med"/>
+            <a:tailEnd type="none" w="med" len="med"/>
+          </a:ln>
+        </p:spPr>
+        <p:style>
+          <a:lnRef idx="0">
+            <a:scrgbClr r="0" g="0" b="0"/>
+          </a:lnRef>
+          <a:fillRef idx="0">
+            <a:scrgbClr r="0" g="0" b="0"/>
+          </a:fillRef>
+          <a:effectRef idx="0">
+            <a:scrgbClr r="0" g="0" b="0"/>
+          </a:effectRef>
+          <a:fontRef idx="minor">
+            <a:schemeClr val="tx1"/>
+          </a:fontRef>
+        </p:style>
+      </p:cxnSp>
+      <p:cxnSp>
+        <p:nvCxnSpPr>
+          <p:cNvPr id="123" name="Straight Arrow Connector 29">
+            <a:extLst>
+              <a:ext uri="{FF2B5EF4-FFF2-40B4-BE49-F238E27FC236}">
+                <a16:creationId xmlns:a16="http://schemas.microsoft.com/office/drawing/2014/main" id="{81F4B5EE-1533-41C0-5AE5-E444238E30DC}"/>
+              </a:ext>
+            </a:extLst>
+          </p:cNvPr>
+          <p:cNvCxnSpPr>
+            <a:cxnSpLocks/>
+            <a:stCxn id="51" idx="0"/>
+            <a:endCxn id="13" idx="3"/>
+          </p:cNvCxnSpPr>
+          <p:nvPr/>
+        </p:nvCxnSpPr>
+        <p:spPr>
+          <a:xfrm rot="5400000" flipH="1" flipV="1">
+            <a:off x="3974385" y="3223143"/>
+            <a:ext cx="1510623" cy="3128236"/>
+          </a:xfrm>
+          <a:prstGeom prst="bentConnector3">
+            <a:avLst>
+              <a:gd name="adj1" fmla="val 28300"/>
+            </a:avLst>
+          </a:prstGeom>
+          <a:ln w="19050" cap="flat" cmpd="sng" algn="ctr">
+            <a:solidFill>
+              <a:schemeClr val="bg2">
+                <a:lumMod val="50000"/>
               </a:schemeClr>
-            </a:lnRef>
-            <a:fillRef idx="1">
-              <a:schemeClr val="accent1"/>
-            </a:fillRef>
-            <a:effectRef idx="0">
-              <a:schemeClr val="accent1"/>
-            </a:effectRef>
-            <a:fontRef idx="minor">
-              <a:schemeClr val="lt1"/>
-            </a:fontRef>
-          </p:style>
-          <p:txBody>
-            <a:bodyPr rtlCol="0" anchor="ctr"/>
-            <a:lstStyle/>
-            <a:p>
-              <a:pPr algn="ctr"/>
-              <a:r>
-                <a:rPr lang="en-US" b="1" dirty="0">
-                  <a:solidFill>
-                    <a:schemeClr val="bg1"/>
-                  </a:solidFill>
-                </a:rPr>
-                <a:t>Gravatar</a:t>
-              </a:r>
-              <a:endParaRPr lang="en-NZ" dirty="0">
-                <a:solidFill>
-                  <a:schemeClr val="bg1"/>
-                </a:solidFill>
-              </a:endParaRPr>
-            </a:p>
-          </p:txBody>
-        </p:sp>
-        <p:pic>
-          <p:nvPicPr>
-            <p:cNvPr id="1157" name="Picture 1156">
-              <a:extLst>
-                <a:ext uri="{FF2B5EF4-FFF2-40B4-BE49-F238E27FC236}">
-                  <a16:creationId xmlns:a16="http://schemas.microsoft.com/office/drawing/2014/main" id="{51FDBA90-17E3-0FA9-BFE8-A9E07E6705DB}"/>
-                </a:ext>
-              </a:extLst>
-            </p:cNvPr>
-            <p:cNvPicPr>
-              <a:picLocks noChangeAspect="1"/>
-            </p:cNvPicPr>
-            <p:nvPr/>
-          </p:nvPicPr>
-          <p:blipFill>
-            <a:blip r:embed="rId17"/>
-            <a:stretch>
-              <a:fillRect/>
-            </a:stretch>
-          </p:blipFill>
-          <p:spPr>
-            <a:xfrm>
-              <a:off x="10372872" y="1481949"/>
-              <a:ext cx="840034" cy="247372"/>
-            </a:xfrm>
-            <a:prstGeom prst="rect">
-              <a:avLst/>
-            </a:prstGeom>
-            <a:ln>
-              <a:solidFill>
-                <a:schemeClr val="tx1"/>
-              </a:solidFill>
-            </a:ln>
-          </p:spPr>
-        </p:pic>
-      </p:grpSp>
-      <p:grpSp>
-        <p:nvGrpSpPr>
-          <p:cNvPr id="1158" name="Group 1157">
-            <a:extLst>
-              <a:ext uri="{FF2B5EF4-FFF2-40B4-BE49-F238E27FC236}">
-                <a16:creationId xmlns:a16="http://schemas.microsoft.com/office/drawing/2014/main" id="{35E3E75C-973A-74F3-8A62-EC2A6948D930}"/>
-              </a:ext>
-            </a:extLst>
-          </p:cNvPr>
-          <p:cNvGrpSpPr/>
+            </a:solidFill>
+            <a:prstDash val="solid"/>
+            <a:round/>
+            <a:headEnd type="arrow" w="med" len="med"/>
+            <a:tailEnd type="none" w="med" len="med"/>
+          </a:ln>
+        </p:spPr>
+        <p:style>
+          <a:lnRef idx="0">
+            <a:scrgbClr r="0" g="0" b="0"/>
+          </a:lnRef>
+          <a:fillRef idx="0">
+            <a:scrgbClr r="0" g="0" b="0"/>
+          </a:fillRef>
+          <a:effectRef idx="0">
+            <a:scrgbClr r="0" g="0" b="0"/>
+          </a:effectRef>
+          <a:fontRef idx="minor">
+            <a:schemeClr val="tx1"/>
+          </a:fontRef>
+        </p:style>
+      </p:cxnSp>
+      <p:cxnSp>
+        <p:nvCxnSpPr>
+          <p:cNvPr id="108" name="Straight Arrow Connector 29">
+            <a:extLst>
+              <a:ext uri="{FF2B5EF4-FFF2-40B4-BE49-F238E27FC236}">
+                <a16:creationId xmlns:a16="http://schemas.microsoft.com/office/drawing/2014/main" id="{92039A90-69A3-49FA-B43C-57164F95C561}"/>
+              </a:ext>
+            </a:extLst>
+          </p:cNvPr>
+          <p:cNvCxnSpPr>
+            <a:cxnSpLocks/>
+            <a:stCxn id="68" idx="0"/>
+            <a:endCxn id="14" idx="3"/>
+          </p:cNvCxnSpPr>
           <p:nvPr/>
-        </p:nvGrpSpPr>
-        <p:grpSpPr>
-          <a:xfrm rot="20668511">
-            <a:off x="6336647" y="5642157"/>
-            <a:ext cx="1402913" cy="648819"/>
-            <a:chOff x="10293744" y="2644829"/>
-            <a:chExt cx="1402913" cy="648819"/>
+        </p:nvCxnSpPr>
+        <p:spPr>
+          <a:xfrm rot="16200000" flipV="1">
+            <a:off x="6427643" y="4198688"/>
+            <a:ext cx="1540683" cy="1207205"/>
           </a:xfrm>
-        </p:grpSpPr>
-        <p:sp>
-          <p:nvSpPr>
-            <p:cNvPr id="1159" name="Rectangle: Rounded Corners 1158">
-              <a:extLst>
-                <a:ext uri="{FF2B5EF4-FFF2-40B4-BE49-F238E27FC236}">
-                  <a16:creationId xmlns:a16="http://schemas.microsoft.com/office/drawing/2014/main" id="{7602FB51-A328-9C46-560F-1DCA9C5C1E60}"/>
-                </a:ext>
-              </a:extLst>
-            </p:cNvPr>
-            <p:cNvSpPr/>
-            <p:nvPr/>
-          </p:nvSpPr>
-          <p:spPr>
-            <a:xfrm>
-              <a:off x="10293744" y="2783488"/>
-              <a:ext cx="1402913" cy="510160"/>
-            </a:xfrm>
-            <a:prstGeom prst="roundRect">
-              <a:avLst/>
-            </a:prstGeom>
+          <a:prstGeom prst="bentConnector3">
+            <a:avLst>
+              <a:gd name="adj1" fmla="val 33203"/>
+            </a:avLst>
+          </a:prstGeom>
+          <a:ln w="19050" cap="flat" cmpd="sng" algn="ctr">
             <a:solidFill>
-              <a:srgbClr val="1A4049"/>
+              <a:schemeClr val="bg2">
+                <a:lumMod val="50000"/>
+              </a:schemeClr>
             </a:solidFill>
-          </p:spPr>
-          <p:style>
-            <a:lnRef idx="2">
-              <a:schemeClr val="accent1">
-                <a:shade val="50000"/>
+            <a:prstDash val="solid"/>
+            <a:round/>
+            <a:headEnd type="arrow" w="med" len="med"/>
+            <a:tailEnd type="none" w="med" len="med"/>
+          </a:ln>
+        </p:spPr>
+        <p:style>
+          <a:lnRef idx="0">
+            <a:scrgbClr r="0" g="0" b="0"/>
+          </a:lnRef>
+          <a:fillRef idx="0">
+            <a:scrgbClr r="0" g="0" b="0"/>
+          </a:fillRef>
+          <a:effectRef idx="0">
+            <a:scrgbClr r="0" g="0" b="0"/>
+          </a:effectRef>
+          <a:fontRef idx="minor">
+            <a:schemeClr val="tx1"/>
+          </a:fontRef>
+        </p:style>
+      </p:cxnSp>
+      <p:cxnSp>
+        <p:nvCxnSpPr>
+          <p:cNvPr id="116" name="Straight Arrow Connector 29">
+            <a:extLst>
+              <a:ext uri="{FF2B5EF4-FFF2-40B4-BE49-F238E27FC236}">
+                <a16:creationId xmlns:a16="http://schemas.microsoft.com/office/drawing/2014/main" id="{B13CC39E-C4E3-4BC0-4273-5EB910F097A7}"/>
+              </a:ext>
+            </a:extLst>
+          </p:cNvPr>
+          <p:cNvCxnSpPr>
+            <a:cxnSpLocks/>
+            <a:stCxn id="77" idx="0"/>
+            <a:endCxn id="23" idx="3"/>
+          </p:cNvCxnSpPr>
+          <p:nvPr/>
+        </p:nvCxnSpPr>
+        <p:spPr>
+          <a:xfrm rot="16200000" flipV="1">
+            <a:off x="6885364" y="3128444"/>
+            <a:ext cx="1177653" cy="2984477"/>
+          </a:xfrm>
+          <a:prstGeom prst="bentConnector3">
+            <a:avLst>
+              <a:gd name="adj1" fmla="val 17770"/>
+            </a:avLst>
+          </a:prstGeom>
+          <a:ln w="19050" cap="flat" cmpd="sng" algn="ctr">
+            <a:solidFill>
+              <a:schemeClr val="bg2">
+                <a:lumMod val="50000"/>
               </a:schemeClr>
-            </a:lnRef>
-            <a:fillRef idx="1">
-              <a:schemeClr val="accent1"/>
-            </a:fillRef>
-            <a:effectRef idx="0">
-              <a:schemeClr val="accent1"/>
-            </a:effectRef>
-            <a:fontRef idx="minor">
-              <a:schemeClr val="lt1"/>
-            </a:fontRef>
-          </p:style>
-          <p:txBody>
-            <a:bodyPr rtlCol="0" anchor="ctr"/>
-            <a:lstStyle/>
-            <a:p>
-              <a:pPr algn="ctr"/>
-              <a:r>
-                <a:rPr lang="en-US" b="1" dirty="0"/>
-                <a:t>Unleash</a:t>
-              </a:r>
-              <a:endParaRPr lang="en-NZ" sz="1400" dirty="0"/>
-            </a:p>
-          </p:txBody>
-        </p:sp>
-        <p:pic>
-          <p:nvPicPr>
-            <p:cNvPr id="1160" name="Picture 1159">
-              <a:extLst>
-                <a:ext uri="{FF2B5EF4-FFF2-40B4-BE49-F238E27FC236}">
-                  <a16:creationId xmlns:a16="http://schemas.microsoft.com/office/drawing/2014/main" id="{55CB240B-47C1-DF22-E0D1-10A8C785F667}"/>
-                </a:ext>
-              </a:extLst>
-            </p:cNvPr>
-            <p:cNvPicPr>
-              <a:picLocks noChangeAspect="1"/>
-            </p:cNvPicPr>
-            <p:nvPr/>
-          </p:nvPicPr>
-          <p:blipFill>
-            <a:blip r:embed="rId18"/>
-            <a:stretch>
-              <a:fillRect/>
-            </a:stretch>
-          </p:blipFill>
-          <p:spPr>
-            <a:xfrm>
-              <a:off x="10362740" y="2644829"/>
-              <a:ext cx="903093" cy="254508"/>
-            </a:xfrm>
-            <a:prstGeom prst="rect">
-              <a:avLst/>
-            </a:prstGeom>
-            <a:ln>
-              <a:solidFill>
-                <a:schemeClr val="tx1"/>
-              </a:solidFill>
-            </a:ln>
-          </p:spPr>
-        </p:pic>
-      </p:grpSp>
+            </a:solidFill>
+            <a:prstDash val="solid"/>
+            <a:round/>
+            <a:headEnd type="arrow" w="med" len="med"/>
+            <a:tailEnd type="none" w="med" len="med"/>
+          </a:ln>
+        </p:spPr>
+        <p:style>
+          <a:lnRef idx="0">
+            <a:scrgbClr r="0" g="0" b="0"/>
+          </a:lnRef>
+          <a:fillRef idx="0">
+            <a:scrgbClr r="0" g="0" b="0"/>
+          </a:fillRef>
+          <a:effectRef idx="0">
+            <a:scrgbClr r="0" g="0" b="0"/>
+          </a:effectRef>
+          <a:fontRef idx="minor">
+            <a:schemeClr val="tx1"/>
+          </a:fontRef>
+        </p:style>
+      </p:cxnSp>
+      <p:sp>
+        <p:nvSpPr>
+          <p:cNvPr id="1050" name="TextBox 1049">
+            <a:extLst>
+              <a:ext uri="{FF2B5EF4-FFF2-40B4-BE49-F238E27FC236}">
+                <a16:creationId xmlns:a16="http://schemas.microsoft.com/office/drawing/2014/main" id="{3C9D95C5-42CF-ABE2-4FD9-1561B410443C}"/>
+              </a:ext>
+            </a:extLst>
+          </p:cNvPr>
+          <p:cNvSpPr txBox="1"/>
+          <p:nvPr/>
+        </p:nvSpPr>
+        <p:spPr>
+          <a:xfrm rot="16200000">
+            <a:off x="1381788" y="1407453"/>
+            <a:ext cx="1042273" cy="261610"/>
+          </a:xfrm>
+          <a:prstGeom prst="rect">
+            <a:avLst/>
+          </a:prstGeom>
+          <a:noFill/>
+        </p:spPr>
+        <p:txBody>
+          <a:bodyPr wrap="none" rtlCol="0">
+            <a:spAutoFit/>
+          </a:bodyPr>
+          <a:lstStyle/>
+          <a:p>
+            <a:r>
+              <a:rPr lang="en-NZ" sz="1100" dirty="0"/>
+              <a:t>+ Card Capture</a:t>
+            </a:r>
+          </a:p>
+        </p:txBody>
+      </p:sp>
     </p:spTree>
     <p:extLst>
       <p:ext uri="{BB962C8B-B14F-4D97-AF65-F5344CB8AC3E}">

--- a/docs/images/All Images.pptx
+++ b/docs/images/All Images.pptx
@@ -262,7 +262,7 @@
           <a:p>
             <a:fld id="{7C7C8CC2-4E43-407C-8230-EFF88652EA00}" type="datetimeFigureOut">
               <a:rPr lang="en-NZ" smtClean="0"/>
-              <a:t>1/10/2023</a:t>
+              <a:t>5/10/2023</a:t>
             </a:fld>
             <a:endParaRPr lang="en-NZ"/>
           </a:p>
@@ -462,7 +462,7 @@
           <a:p>
             <a:fld id="{7C7C8CC2-4E43-407C-8230-EFF88652EA00}" type="datetimeFigureOut">
               <a:rPr lang="en-NZ" smtClean="0"/>
-              <a:t>1/10/2023</a:t>
+              <a:t>5/10/2023</a:t>
             </a:fld>
             <a:endParaRPr lang="en-NZ"/>
           </a:p>
@@ -672,7 +672,7 @@
           <a:p>
             <a:fld id="{7C7C8CC2-4E43-407C-8230-EFF88652EA00}" type="datetimeFigureOut">
               <a:rPr lang="en-NZ" smtClean="0"/>
-              <a:t>1/10/2023</a:t>
+              <a:t>5/10/2023</a:t>
             </a:fld>
             <a:endParaRPr lang="en-NZ"/>
           </a:p>
@@ -872,7 +872,7 @@
           <a:p>
             <a:fld id="{7C7C8CC2-4E43-407C-8230-EFF88652EA00}" type="datetimeFigureOut">
               <a:rPr lang="en-NZ" smtClean="0"/>
-              <a:t>1/10/2023</a:t>
+              <a:t>5/10/2023</a:t>
             </a:fld>
             <a:endParaRPr lang="en-NZ"/>
           </a:p>
@@ -1148,7 +1148,7 @@
           <a:p>
             <a:fld id="{7C7C8CC2-4E43-407C-8230-EFF88652EA00}" type="datetimeFigureOut">
               <a:rPr lang="en-NZ" smtClean="0"/>
-              <a:t>1/10/2023</a:t>
+              <a:t>5/10/2023</a:t>
             </a:fld>
             <a:endParaRPr lang="en-NZ"/>
           </a:p>
@@ -1416,7 +1416,7 @@
           <a:p>
             <a:fld id="{7C7C8CC2-4E43-407C-8230-EFF88652EA00}" type="datetimeFigureOut">
               <a:rPr lang="en-NZ" smtClean="0"/>
-              <a:t>1/10/2023</a:t>
+              <a:t>5/10/2023</a:t>
             </a:fld>
             <a:endParaRPr lang="en-NZ"/>
           </a:p>
@@ -1831,7 +1831,7 @@
           <a:p>
             <a:fld id="{7C7C8CC2-4E43-407C-8230-EFF88652EA00}" type="datetimeFigureOut">
               <a:rPr lang="en-NZ" smtClean="0"/>
-              <a:t>1/10/2023</a:t>
+              <a:t>5/10/2023</a:t>
             </a:fld>
             <a:endParaRPr lang="en-NZ"/>
           </a:p>
@@ -1973,7 +1973,7 @@
           <a:p>
             <a:fld id="{7C7C8CC2-4E43-407C-8230-EFF88652EA00}" type="datetimeFigureOut">
               <a:rPr lang="en-NZ" smtClean="0"/>
-              <a:t>1/10/2023</a:t>
+              <a:t>5/10/2023</a:t>
             </a:fld>
             <a:endParaRPr lang="en-NZ"/>
           </a:p>
@@ -2086,7 +2086,7 @@
           <a:p>
             <a:fld id="{7C7C8CC2-4E43-407C-8230-EFF88652EA00}" type="datetimeFigureOut">
               <a:rPr lang="en-NZ" smtClean="0"/>
-              <a:t>1/10/2023</a:t>
+              <a:t>5/10/2023</a:t>
             </a:fld>
             <a:endParaRPr lang="en-NZ"/>
           </a:p>
@@ -2399,7 +2399,7 @@
           <a:p>
             <a:fld id="{7C7C8CC2-4E43-407C-8230-EFF88652EA00}" type="datetimeFigureOut">
               <a:rPr lang="en-NZ" smtClean="0"/>
-              <a:t>1/10/2023</a:t>
+              <a:t>5/10/2023</a:t>
             </a:fld>
             <a:endParaRPr lang="en-NZ"/>
           </a:p>
@@ -2688,7 +2688,7 @@
           <a:p>
             <a:fld id="{7C7C8CC2-4E43-407C-8230-EFF88652EA00}" type="datetimeFigureOut">
               <a:rPr lang="en-NZ" smtClean="0"/>
-              <a:t>1/10/2023</a:t>
+              <a:t>5/10/2023</a:t>
             </a:fld>
             <a:endParaRPr lang="en-NZ"/>
           </a:p>
@@ -2931,7 +2931,7 @@
           <a:p>
             <a:fld id="{7C7C8CC2-4E43-407C-8230-EFF88652EA00}" type="datetimeFigureOut">
               <a:rPr lang="en-NZ" smtClean="0"/>
-              <a:t>1/10/2023</a:t>
+              <a:t>5/10/2023</a:t>
             </a:fld>
             <a:endParaRPr lang="en-NZ"/>
           </a:p>
@@ -3350,10 +3350,10 @@
       </p:grpSpPr>
       <p:grpSp>
         <p:nvGrpSpPr>
-          <p:cNvPr id="1088" name="Group 1087">
+          <p:cNvPr id="1067" name="Group 1066">
             <a:extLst>
               <a:ext uri="{FF2B5EF4-FFF2-40B4-BE49-F238E27FC236}">
-                <a16:creationId xmlns:a16="http://schemas.microsoft.com/office/drawing/2014/main" id="{1361DF1D-890C-22D8-8061-0E808138303F}"/>
+                <a16:creationId xmlns:a16="http://schemas.microsoft.com/office/drawing/2014/main" id="{E986EF44-472D-2693-C9E3-969E8FA74FF2}"/>
               </a:ext>
             </a:extLst>
           </p:cNvPr>
@@ -3362,10 +3362,10 @@
         </p:nvGrpSpPr>
         <p:grpSpPr>
           <a:xfrm>
-            <a:off x="1496896" y="4935101"/>
-            <a:ext cx="9200446" cy="1792852"/>
-            <a:chOff x="1496896" y="4935101"/>
-            <a:chExt cx="9200446" cy="1792852"/>
+            <a:off x="239557" y="4878562"/>
+            <a:ext cx="10863826" cy="1921694"/>
+            <a:chOff x="239557" y="4878562"/>
+            <a:chExt cx="10863826" cy="1921694"/>
           </a:xfrm>
         </p:grpSpPr>
         <p:sp>
@@ -3497,14 +3497,14 @@
             <a:p>
               <a:pPr algn="ctr"/>
               <a:r>
-                <a:rPr lang="en-NZ" sz="1600" dirty="0">
+                <a:rPr lang="en-NZ" sz="1400" dirty="0">
                   <a:solidFill>
                     <a:schemeClr val="bg2">
                       <a:lumMod val="75000"/>
                     </a:schemeClr>
                   </a:solidFill>
                 </a:rPr>
-                <a:t>Emails</a:t>
+                <a:t>Email Delivery</a:t>
               </a:r>
               <a:endParaRPr lang="en-NZ" sz="600" dirty="0">
                 <a:solidFill>
@@ -3717,7 +3717,7 @@
             <a:bodyPr lIns="0" rIns="0" rtlCol="0" anchor="b"/>
             <a:lstStyle/>
             <a:p>
-              <a:pPr algn="ctr"/>
+              <a:pPr algn="r"/>
               <a:r>
                 <a:rPr lang="en-NZ" sz="1400" dirty="0">
                   <a:solidFill>
@@ -3726,7 +3726,7 @@
                     </a:schemeClr>
                   </a:solidFill>
                 </a:rPr>
-                <a:t>Subscriptions</a:t>
+                <a:t>Billing Subscriptions</a:t>
               </a:r>
               <a:endParaRPr lang="en-NZ" sz="600" dirty="0">
                 <a:solidFill>
@@ -3960,99 +3960,2148 @@
             </a:p>
           </p:txBody>
         </p:sp>
-      </p:grpSp>
-      <p:sp>
-        <p:nvSpPr>
-          <p:cNvPr id="19" name="Rectangle 18">
+        <p:sp>
+          <p:nvSpPr>
+            <p:cNvPr id="19" name="Rectangle 18">
+              <a:extLst>
+                <a:ext uri="{FF2B5EF4-FFF2-40B4-BE49-F238E27FC236}">
+                  <a16:creationId xmlns:a16="http://schemas.microsoft.com/office/drawing/2014/main" id="{D9074616-4093-0C1A-7591-0B5500FB1DC3}"/>
+                </a:ext>
+              </a:extLst>
+            </p:cNvPr>
+            <p:cNvSpPr/>
+            <p:nvPr/>
+          </p:nvSpPr>
+          <p:spPr>
+            <a:xfrm>
+              <a:off x="239557" y="4878562"/>
+              <a:ext cx="10863826" cy="1921694"/>
+            </a:xfrm>
+            <a:prstGeom prst="rect">
+              <a:avLst/>
+            </a:prstGeom>
+            <a:noFill/>
+            <a:ln>
+              <a:prstDash val="lgDash"/>
+            </a:ln>
+          </p:spPr>
+          <p:style>
+            <a:lnRef idx="2">
+              <a:schemeClr val="accent1">
+                <a:shade val="15000"/>
+              </a:schemeClr>
+            </a:lnRef>
+            <a:fillRef idx="1">
+              <a:schemeClr val="accent1"/>
+            </a:fillRef>
+            <a:effectRef idx="0">
+              <a:schemeClr val="accent1"/>
+            </a:effectRef>
+            <a:fontRef idx="minor">
+              <a:schemeClr val="lt1"/>
+            </a:fontRef>
+          </p:style>
+          <p:txBody>
+            <a:bodyPr rtlCol="0" anchor="ctr"/>
+            <a:lstStyle/>
+            <a:p>
+              <a:r>
+                <a:rPr lang="en-NZ" sz="1200" dirty="0">
+                  <a:solidFill>
+                    <a:schemeClr val="tx1"/>
+                  </a:solidFill>
+                </a:rPr>
+                <a:t>3</a:t>
+              </a:r>
+              <a:r>
+                <a:rPr lang="en-NZ" sz="1200" baseline="30000" dirty="0">
+                  <a:solidFill>
+                    <a:schemeClr val="tx1"/>
+                  </a:solidFill>
+                </a:rPr>
+                <a:t>rd</a:t>
+              </a:r>
+              <a:r>
+                <a:rPr lang="en-NZ" sz="1200" dirty="0">
+                  <a:solidFill>
+                    <a:schemeClr val="tx1"/>
+                  </a:solidFill>
+                </a:rPr>
+                <a:t> Party </a:t>
+              </a:r>
+            </a:p>
+            <a:p>
+              <a:r>
+                <a:rPr lang="en-NZ" sz="1200" dirty="0">
+                  <a:solidFill>
+                    <a:schemeClr val="tx1"/>
+                  </a:solidFill>
+                </a:rPr>
+                <a:t>Integration</a:t>
+              </a:r>
+            </a:p>
+            <a:p>
+              <a:r>
+                <a:rPr lang="en-NZ" sz="1200" dirty="0">
+                  <a:solidFill>
+                    <a:schemeClr val="tx1"/>
+                  </a:solidFill>
+                </a:rPr>
+                <a:t>Plugins</a:t>
+              </a:r>
+            </a:p>
+          </p:txBody>
+        </p:sp>
+        <p:pic>
+          <p:nvPicPr>
+            <p:cNvPr id="45" name="Picture 44">
+              <a:extLst>
+                <a:ext uri="{FF2B5EF4-FFF2-40B4-BE49-F238E27FC236}">
+                  <a16:creationId xmlns:a16="http://schemas.microsoft.com/office/drawing/2014/main" id="{5C282802-69F6-CA49-3830-6AB9BD64D4CF}"/>
+                </a:ext>
+              </a:extLst>
+            </p:cNvPr>
+            <p:cNvPicPr>
+              <a:picLocks noChangeAspect="1"/>
+            </p:cNvPicPr>
+            <p:nvPr/>
+          </p:nvPicPr>
+          <p:blipFill>
+            <a:blip r:embed="rId2">
+              <a:clrChange>
+                <a:clrFrom>
+                  <a:srgbClr val="FFFFFF"/>
+                </a:clrFrom>
+                <a:clrTo>
+                  <a:srgbClr val="FFFFFF">
+                    <a:alpha val="0"/>
+                  </a:srgbClr>
+                </a:clrTo>
+              </a:clrChange>
+            </a:blip>
+            <a:stretch>
+              <a:fillRect/>
+            </a:stretch>
+          </p:blipFill>
+          <p:spPr>
+            <a:xfrm rot="20400000">
+              <a:off x="6219420" y="5789055"/>
+              <a:ext cx="918256" cy="249886"/>
+            </a:xfrm>
+            <a:prstGeom prst="rect">
+              <a:avLst/>
+            </a:prstGeom>
+            <a:solidFill>
+              <a:schemeClr val="bg2">
+                <a:lumMod val="75000"/>
+              </a:schemeClr>
+            </a:solidFill>
+            <a:ln w="12700">
+              <a:solidFill>
+                <a:schemeClr val="tx1">
+                  <a:lumMod val="50000"/>
+                  <a:lumOff val="50000"/>
+                </a:schemeClr>
+              </a:solidFill>
+              <a:prstDash val="sysDash"/>
+            </a:ln>
+          </p:spPr>
+        </p:pic>
+        <p:pic>
+          <p:nvPicPr>
+            <p:cNvPr id="1026" name="Picture 2" descr="Mixpanel | Attribution Platform - Ematic Solutions">
+              <a:extLst>
+                <a:ext uri="{FF2B5EF4-FFF2-40B4-BE49-F238E27FC236}">
+                  <a16:creationId xmlns:a16="http://schemas.microsoft.com/office/drawing/2014/main" id="{0A4C32E7-D188-E734-8CC8-3C2588204EB4}"/>
+                </a:ext>
+              </a:extLst>
+            </p:cNvPr>
+            <p:cNvPicPr>
+              <a:picLocks noChangeAspect="1" noChangeArrowheads="1"/>
+            </p:cNvPicPr>
+            <p:nvPr/>
+          </p:nvPicPr>
+          <p:blipFill rotWithShape="1">
+            <a:blip r:embed="rId3">
+              <a:clrChange>
+                <a:clrFrom>
+                  <a:srgbClr val="FFFFFF"/>
+                </a:clrFrom>
+                <a:clrTo>
+                  <a:srgbClr val="FFFFFF">
+                    <a:alpha val="0"/>
+                  </a:srgbClr>
+                </a:clrTo>
+              </a:clrChange>
+              <a:extLst>
+                <a:ext uri="{28A0092B-C50C-407E-A947-70E740481C1C}">
+                  <a14:useLocalDpi xmlns:a14="http://schemas.microsoft.com/office/drawing/2010/main" val="0"/>
+                </a:ext>
+              </a:extLst>
+            </a:blip>
+            <a:srcRect l="-1460" t="13489" r="2189" b="10958"/>
+            <a:stretch/>
+          </p:blipFill>
+          <p:spPr bwMode="auto">
+            <a:xfrm rot="20400000">
+              <a:off x="3884797" y="5440538"/>
+              <a:ext cx="940471" cy="267196"/>
+            </a:xfrm>
+            <a:prstGeom prst="rect">
+              <a:avLst/>
+            </a:prstGeom>
+            <a:solidFill>
+              <a:schemeClr val="bg2">
+                <a:lumMod val="75000"/>
+              </a:schemeClr>
+            </a:solidFill>
+            <a:ln w="12700">
+              <a:solidFill>
+                <a:schemeClr val="tx1">
+                  <a:lumMod val="50000"/>
+                  <a:lumOff val="50000"/>
+                </a:schemeClr>
+              </a:solidFill>
+              <a:prstDash val="sysDash"/>
+            </a:ln>
+          </p:spPr>
+        </p:pic>
+        <p:pic>
+          <p:nvPicPr>
+            <p:cNvPr id="1025" name="Picture 4">
+              <a:extLst>
+                <a:ext uri="{FF2B5EF4-FFF2-40B4-BE49-F238E27FC236}">
+                  <a16:creationId xmlns:a16="http://schemas.microsoft.com/office/drawing/2014/main" id="{7AC3CE2E-3F46-F1F1-FE35-B98D9CBD693D}"/>
+                </a:ext>
+              </a:extLst>
+            </p:cNvPr>
+            <p:cNvPicPr>
+              <a:picLocks noChangeAspect="1" noChangeArrowheads="1"/>
+            </p:cNvPicPr>
+            <p:nvPr/>
+          </p:nvPicPr>
+          <p:blipFill rotWithShape="1">
+            <a:blip r:embed="rId4">
+              <a:clrChange>
+                <a:clrFrom>
+                  <a:srgbClr val="FFFFFF"/>
+                </a:clrFrom>
+                <a:clrTo>
+                  <a:srgbClr val="FFFFFF">
+                    <a:alpha val="0"/>
+                  </a:srgbClr>
+                </a:clrTo>
+              </a:clrChange>
+              <a:extLst>
+                <a:ext uri="{28A0092B-C50C-407E-A947-70E740481C1C}">
+                  <a14:useLocalDpi xmlns:a14="http://schemas.microsoft.com/office/drawing/2010/main" val="0"/>
+                </a:ext>
+              </a:extLst>
+            </a:blip>
+            <a:srcRect t="8416" b="8972"/>
+            <a:stretch/>
+          </p:blipFill>
+          <p:spPr bwMode="auto">
+            <a:xfrm rot="20400000">
+              <a:off x="1581624" y="5542724"/>
+              <a:ext cx="925046" cy="208336"/>
+            </a:xfrm>
+            <a:prstGeom prst="rect">
+              <a:avLst/>
+            </a:prstGeom>
+            <a:solidFill>
+              <a:schemeClr val="bg2">
+                <a:lumMod val="75000"/>
+              </a:schemeClr>
+            </a:solidFill>
+            <a:ln w="12700">
+              <a:solidFill>
+                <a:schemeClr val="tx1">
+                  <a:lumMod val="50000"/>
+                  <a:lumOff val="50000"/>
+                </a:schemeClr>
+              </a:solidFill>
+              <a:prstDash val="sysDash"/>
+            </a:ln>
             <a:extLst>
-              <a:ext uri="{FF2B5EF4-FFF2-40B4-BE49-F238E27FC236}">
-                <a16:creationId xmlns:a16="http://schemas.microsoft.com/office/drawing/2014/main" id="{D9074616-4093-0C1A-7591-0B5500FB1DC3}"/>
+              <a:ext uri="{909E8E84-426E-40DD-AFC4-6F175D3DCCD1}">
+                <a14:hiddenFill xmlns:a14="http://schemas.microsoft.com/office/drawing/2010/main">
+                  <a:solidFill>
+                    <a:srgbClr val="FFFFFF"/>
+                  </a:solidFill>
+                </a14:hiddenFill>
               </a:ext>
             </a:extLst>
-          </p:cNvPr>
-          <p:cNvSpPr/>
-          <p:nvPr/>
-        </p:nvSpPr>
-        <p:spPr>
-          <a:xfrm>
-            <a:off x="239557" y="4878562"/>
-            <a:ext cx="10863826" cy="1921694"/>
-          </a:xfrm>
-          <a:prstGeom prst="rect">
-            <a:avLst/>
-          </a:prstGeom>
-          <a:noFill/>
-          <a:ln>
-            <a:prstDash val="lgDash"/>
-          </a:ln>
-        </p:spPr>
-        <p:style>
-          <a:lnRef idx="2">
-            <a:schemeClr val="accent1">
-              <a:shade val="15000"/>
-            </a:schemeClr>
-          </a:lnRef>
-          <a:fillRef idx="1">
-            <a:schemeClr val="accent1"/>
-          </a:fillRef>
-          <a:effectRef idx="0">
-            <a:schemeClr val="accent1"/>
-          </a:effectRef>
-          <a:fontRef idx="minor">
-            <a:schemeClr val="lt1"/>
-          </a:fontRef>
-        </p:style>
-        <p:txBody>
-          <a:bodyPr rtlCol="0" anchor="ctr"/>
-          <a:lstStyle/>
-          <a:p>
-            <a:r>
-              <a:rPr lang="en-NZ" sz="1200" dirty="0">
+          </p:spPr>
+        </p:pic>
+        <p:cxnSp>
+          <p:nvCxnSpPr>
+            <p:cNvPr id="1033" name="Straight Arrow Connector 29">
+              <a:extLst>
+                <a:ext uri="{FF2B5EF4-FFF2-40B4-BE49-F238E27FC236}">
+                  <a16:creationId xmlns:a16="http://schemas.microsoft.com/office/drawing/2014/main" id="{DFA0CD3E-3F63-4115-88B8-81F99E887738}"/>
+                </a:ext>
+              </a:extLst>
+            </p:cNvPr>
+            <p:cNvCxnSpPr>
+              <a:cxnSpLocks/>
+              <a:stCxn id="1025" idx="3"/>
+              <a:endCxn id="36" idx="1"/>
+            </p:cNvCxnSpPr>
+            <p:nvPr/>
+          </p:nvCxnSpPr>
+          <p:spPr>
+            <a:xfrm>
+              <a:off x="2478776" y="5488700"/>
+              <a:ext cx="259004" cy="592313"/>
+            </a:xfrm>
+            <a:prstGeom prst="bentConnector3">
+              <a:avLst>
+                <a:gd name="adj1" fmla="val 50000"/>
+              </a:avLst>
+            </a:prstGeom>
+            <a:ln w="19050" cap="flat" cmpd="sng" algn="ctr">
+              <a:solidFill>
+                <a:schemeClr val="dk1"/>
+              </a:solidFill>
+              <a:prstDash val="dash"/>
+              <a:round/>
+              <a:headEnd type="arrow" w="med" len="med"/>
+              <a:tailEnd type="none" w="med" len="med"/>
+            </a:ln>
+          </p:spPr>
+          <p:style>
+            <a:lnRef idx="0">
+              <a:scrgbClr r="0" g="0" b="0"/>
+            </a:lnRef>
+            <a:fillRef idx="0">
+              <a:scrgbClr r="0" g="0" b="0"/>
+            </a:fillRef>
+            <a:effectRef idx="0">
+              <a:scrgbClr r="0" g="0" b="0"/>
+            </a:effectRef>
+            <a:fontRef idx="minor">
+              <a:schemeClr val="tx1"/>
+            </a:fontRef>
+          </p:style>
+        </p:cxnSp>
+        <p:pic>
+          <p:nvPicPr>
+            <p:cNvPr id="103" name="Picture 102">
+              <a:extLst>
+                <a:ext uri="{FF2B5EF4-FFF2-40B4-BE49-F238E27FC236}">
+                  <a16:creationId xmlns:a16="http://schemas.microsoft.com/office/drawing/2014/main" id="{9A758DAF-5EE4-460C-BB67-4E01A6911ED1}"/>
+                </a:ext>
+              </a:extLst>
+            </p:cNvPr>
+            <p:cNvPicPr>
+              <a:picLocks noChangeAspect="1"/>
+            </p:cNvPicPr>
+            <p:nvPr/>
+          </p:nvPicPr>
+          <p:blipFill>
+            <a:blip r:embed="rId5">
+              <a:clrChange>
+                <a:clrFrom>
+                  <a:srgbClr val="FFFFFF"/>
+                </a:clrFrom>
+                <a:clrTo>
+                  <a:srgbClr val="FFFFFF">
+                    <a:alpha val="0"/>
+                  </a:srgbClr>
+                </a:clrTo>
+              </a:clrChange>
+            </a:blip>
+            <a:stretch>
+              <a:fillRect/>
+            </a:stretch>
+          </p:blipFill>
+          <p:spPr>
+            <a:xfrm rot="20400000">
+              <a:off x="7386688" y="5769234"/>
+              <a:ext cx="922731" cy="271724"/>
+            </a:xfrm>
+            <a:prstGeom prst="rect">
+              <a:avLst/>
+            </a:prstGeom>
+            <a:solidFill>
+              <a:schemeClr val="bg2">
+                <a:lumMod val="75000"/>
+              </a:schemeClr>
+            </a:solidFill>
+            <a:ln w="12700">
+              <a:solidFill>
+                <a:schemeClr val="tx1">
+                  <a:lumMod val="50000"/>
+                  <a:lumOff val="50000"/>
+                </a:schemeClr>
+              </a:solidFill>
+              <a:prstDash val="sysDash"/>
+            </a:ln>
+          </p:spPr>
+        </p:pic>
+        <p:sp>
+          <p:nvSpPr>
+            <p:cNvPr id="1215" name="TextBox 1214">
+              <a:extLst>
+                <a:ext uri="{FF2B5EF4-FFF2-40B4-BE49-F238E27FC236}">
+                  <a16:creationId xmlns:a16="http://schemas.microsoft.com/office/drawing/2014/main" id="{8E7F38A4-6ABB-C7F8-B97F-B08E5BCF0F9B}"/>
+                </a:ext>
+              </a:extLst>
+            </p:cNvPr>
+            <p:cNvSpPr txBox="1"/>
+            <p:nvPr/>
+          </p:nvSpPr>
+          <p:spPr>
+            <a:xfrm rot="16200000">
+              <a:off x="2483509" y="5052451"/>
+              <a:ext cx="481469" cy="153888"/>
+            </a:xfrm>
+            <a:prstGeom prst="rect">
+              <a:avLst/>
+            </a:prstGeom>
+            <a:noFill/>
+            <a:ln w="3175">
+              <a:solidFill>
+                <a:schemeClr val="tx1"/>
+              </a:solidFill>
+            </a:ln>
+          </p:spPr>
+          <p:txBody>
+            <a:bodyPr wrap="none" lIns="36000" tIns="0" rIns="36000" bIns="0" rtlCol="0" anchor="b" anchorCtr="0">
+              <a:spAutoFit/>
+            </a:bodyPr>
+            <a:lstStyle/>
+            <a:p>
+              <a:r>
+                <a:rPr lang="en-NZ" sz="1000" dirty="0"/>
+                <a:t>+Events</a:t>
+              </a:r>
+            </a:p>
+          </p:txBody>
+        </p:sp>
+        <p:pic>
+          <p:nvPicPr>
+            <p:cNvPr id="1221" name="Picture 1220">
+              <a:extLst>
+                <a:ext uri="{FF2B5EF4-FFF2-40B4-BE49-F238E27FC236}">
+                  <a16:creationId xmlns:a16="http://schemas.microsoft.com/office/drawing/2014/main" id="{D70A1E97-4BBD-498F-88E4-E35F3C89843D}"/>
+                </a:ext>
+              </a:extLst>
+            </p:cNvPr>
+            <p:cNvPicPr>
+              <a:picLocks noChangeAspect="1"/>
+            </p:cNvPicPr>
+            <p:nvPr/>
+          </p:nvPicPr>
+          <p:blipFill rotWithShape="1">
+            <a:blip r:embed="rId6">
+              <a:clrChange>
+                <a:clrFrom>
+                  <a:srgbClr val="FFFFFF"/>
+                </a:clrFrom>
+                <a:clrTo>
+                  <a:srgbClr val="FFFFFF">
+                    <a:alpha val="0"/>
+                  </a:srgbClr>
+                </a:clrTo>
+              </a:clrChange>
+            </a:blip>
+            <a:srcRect t="1" b="3009"/>
+            <a:stretch/>
+          </p:blipFill>
+          <p:spPr>
+            <a:xfrm rot="20400000">
+              <a:off x="5060127" y="5779752"/>
+              <a:ext cx="916581" cy="250535"/>
+            </a:xfrm>
+            <a:prstGeom prst="rect">
+              <a:avLst/>
+            </a:prstGeom>
+            <a:solidFill>
+              <a:schemeClr val="bg2">
+                <a:lumMod val="75000"/>
+              </a:schemeClr>
+            </a:solidFill>
+            <a:ln w="12700">
+              <a:solidFill>
+                <a:schemeClr val="tx1">
+                  <a:lumMod val="50000"/>
+                  <a:lumOff val="50000"/>
+                </a:schemeClr>
+              </a:solidFill>
+              <a:prstDash val="sysDash"/>
+            </a:ln>
+          </p:spPr>
+        </p:pic>
+        <p:pic>
+          <p:nvPicPr>
+            <p:cNvPr id="1083" name="Picture 2" descr="google - Wikipedia">
+              <a:extLst>
+                <a:ext uri="{FF2B5EF4-FFF2-40B4-BE49-F238E27FC236}">
+                  <a16:creationId xmlns:a16="http://schemas.microsoft.com/office/drawing/2014/main" id="{C1490A4B-2729-F71B-D2B2-3A65A9CB9EB9}"/>
+                </a:ext>
+              </a:extLst>
+            </p:cNvPr>
+            <p:cNvPicPr>
+              <a:picLocks noChangeAspect="1" noChangeArrowheads="1"/>
+            </p:cNvPicPr>
+            <p:nvPr/>
+          </p:nvPicPr>
+          <p:blipFill rotWithShape="1">
+            <a:blip r:embed="rId7">
+              <a:clrChange>
+                <a:clrFrom>
+                  <a:srgbClr val="FFFFFF"/>
+                </a:clrFrom>
+                <a:clrTo>
+                  <a:srgbClr val="FFFFFF">
+                    <a:alpha val="0"/>
+                  </a:srgbClr>
+                </a:clrTo>
+              </a:clrChange>
+              <a:extLst>
+                <a:ext uri="{28A0092B-C50C-407E-A947-70E740481C1C}">
+                  <a14:useLocalDpi xmlns:a14="http://schemas.microsoft.com/office/drawing/2010/main" val="0"/>
+                </a:ext>
+              </a:extLst>
+            </a:blip>
+            <a:srcRect l="-13973" r="-12631"/>
+            <a:stretch/>
+          </p:blipFill>
+          <p:spPr bwMode="auto">
+            <a:xfrm rot="20400000">
+              <a:off x="8575461" y="5810312"/>
+              <a:ext cx="857550" cy="228122"/>
+            </a:xfrm>
+            <a:prstGeom prst="rect">
+              <a:avLst/>
+            </a:prstGeom>
+            <a:solidFill>
+              <a:schemeClr val="bg2">
+                <a:lumMod val="75000"/>
+              </a:schemeClr>
+            </a:solidFill>
+            <a:ln w="12700">
+              <a:solidFill>
+                <a:schemeClr val="tx1">
+                  <a:lumMod val="50000"/>
+                  <a:lumOff val="50000"/>
+                </a:schemeClr>
+              </a:solidFill>
+              <a:prstDash val="sysDash"/>
+            </a:ln>
+          </p:spPr>
+        </p:pic>
+        <p:pic>
+          <p:nvPicPr>
+            <p:cNvPr id="1084" name="Picture 4">
+              <a:extLst>
+                <a:ext uri="{FF2B5EF4-FFF2-40B4-BE49-F238E27FC236}">
+                  <a16:creationId xmlns:a16="http://schemas.microsoft.com/office/drawing/2014/main" id="{8C14C4A7-87FB-5F5B-B9BC-2F74E9F87202}"/>
+                </a:ext>
+              </a:extLst>
+            </p:cNvPr>
+            <p:cNvPicPr>
+              <a:picLocks noChangeAspect="1" noChangeArrowheads="1"/>
+            </p:cNvPicPr>
+            <p:nvPr/>
+          </p:nvPicPr>
+          <p:blipFill>
+            <a:blip r:embed="rId8">
+              <a:clrChange>
+                <a:clrFrom>
+                  <a:srgbClr val="FFFFFF"/>
+                </a:clrFrom>
+                <a:clrTo>
+                  <a:srgbClr val="FFFFFF">
+                    <a:alpha val="0"/>
+                  </a:srgbClr>
+                </a:clrTo>
+              </a:clrChange>
+              <a:extLst>
+                <a:ext uri="{28A0092B-C50C-407E-A947-70E740481C1C}">
+                  <a14:useLocalDpi xmlns:a14="http://schemas.microsoft.com/office/drawing/2010/main" val="0"/>
+                </a:ext>
+              </a:extLst>
+            </a:blip>
+            <a:srcRect/>
+            <a:stretch>
+              <a:fillRect/>
+            </a:stretch>
+          </p:blipFill>
+          <p:spPr bwMode="auto">
+            <a:xfrm rot="20400000">
+              <a:off x="8508912" y="5522290"/>
+              <a:ext cx="990648" cy="209521"/>
+            </a:xfrm>
+            <a:prstGeom prst="rect">
+              <a:avLst/>
+            </a:prstGeom>
+            <a:solidFill>
+              <a:schemeClr val="bg2">
+                <a:lumMod val="75000"/>
+              </a:schemeClr>
+            </a:solidFill>
+            <a:ln w="12700">
+              <a:solidFill>
+                <a:schemeClr val="tx1">
+                  <a:lumMod val="50000"/>
+                  <a:lumOff val="50000"/>
+                </a:schemeClr>
+              </a:solidFill>
+              <a:prstDash val="sysDash"/>
+            </a:ln>
+          </p:spPr>
+        </p:pic>
+        <p:sp>
+          <p:nvSpPr>
+            <p:cNvPr id="1124" name="Rectangle 1123">
+              <a:extLst>
+                <a:ext uri="{FF2B5EF4-FFF2-40B4-BE49-F238E27FC236}">
+                  <a16:creationId xmlns:a16="http://schemas.microsoft.com/office/drawing/2014/main" id="{ED35A757-8F32-C59F-713E-BC68B3866761}"/>
+                </a:ext>
+              </a:extLst>
+            </p:cNvPr>
+            <p:cNvSpPr/>
+            <p:nvPr/>
+          </p:nvSpPr>
+          <p:spPr>
+            <a:xfrm rot="20400000">
+              <a:off x="9674371" y="5230380"/>
+              <a:ext cx="926590" cy="228794"/>
+            </a:xfrm>
+            <a:prstGeom prst="rect">
+              <a:avLst/>
+            </a:prstGeom>
+            <a:solidFill>
+              <a:srgbClr val="4472C4"/>
+            </a:solidFill>
+            <a:ln w="12700">
+              <a:prstDash val="sysDash"/>
+            </a:ln>
+          </p:spPr>
+          <p:style>
+            <a:lnRef idx="2">
+              <a:schemeClr val="accent1">
+                <a:shade val="50000"/>
+              </a:schemeClr>
+            </a:lnRef>
+            <a:fillRef idx="1">
+              <a:schemeClr val="accent1"/>
+            </a:fillRef>
+            <a:effectRef idx="0">
+              <a:schemeClr val="accent1"/>
+            </a:effectRef>
+            <a:fontRef idx="minor">
+              <a:schemeClr val="lt1"/>
+            </a:fontRef>
+          </p:style>
+          <p:txBody>
+            <a:bodyPr rtlCol="0" anchor="ctr"/>
+            <a:lstStyle/>
+            <a:p>
+              <a:pPr algn="ctr"/>
+              <a:r>
+                <a:rPr lang="en-US" sz="1200" dirty="0">
+                  <a:solidFill>
+                    <a:schemeClr val="bg1"/>
+                  </a:solidFill>
+                </a:rPr>
+                <a:t>AuthN API</a:t>
+              </a:r>
+              <a:endParaRPr lang="en-NZ" sz="1200" dirty="0">
                 <a:solidFill>
-                  <a:schemeClr val="tx1"/>
+                  <a:schemeClr val="bg1"/>
                 </a:solidFill>
-              </a:rPr>
-              <a:t>3</a:t>
-            </a:r>
-            <a:r>
-              <a:rPr lang="en-NZ" sz="1200" baseline="30000" dirty="0">
+              </a:endParaRPr>
+            </a:p>
+          </p:txBody>
+        </p:sp>
+        <p:sp>
+          <p:nvSpPr>
+            <p:cNvPr id="1126" name="Rectangle 1125">
+              <a:extLst>
+                <a:ext uri="{FF2B5EF4-FFF2-40B4-BE49-F238E27FC236}">
+                  <a16:creationId xmlns:a16="http://schemas.microsoft.com/office/drawing/2014/main" id="{9BD93A82-2A39-DB90-1195-67F1CB7B5EC7}"/>
+                </a:ext>
+              </a:extLst>
+            </p:cNvPr>
+            <p:cNvSpPr/>
+            <p:nvPr/>
+          </p:nvSpPr>
+          <p:spPr>
+            <a:xfrm rot="20400000">
+              <a:off x="9691107" y="6102981"/>
+              <a:ext cx="926590" cy="196725"/>
+            </a:xfrm>
+            <a:prstGeom prst="rect">
+              <a:avLst/>
+            </a:prstGeom>
+            <a:solidFill>
+              <a:schemeClr val="bg2">
+                <a:lumMod val="75000"/>
+              </a:schemeClr>
+            </a:solidFill>
+            <a:ln w="12700">
+              <a:solidFill>
+                <a:schemeClr val="tx1">
+                  <a:lumMod val="50000"/>
+                  <a:lumOff val="50000"/>
+                </a:schemeClr>
+              </a:solidFill>
+              <a:prstDash val="sysDash"/>
+            </a:ln>
+          </p:spPr>
+          <p:style>
+            <a:lnRef idx="2">
+              <a:schemeClr val="accent1">
+                <a:shade val="50000"/>
+              </a:schemeClr>
+            </a:lnRef>
+            <a:fillRef idx="1">
+              <a:schemeClr val="accent1"/>
+            </a:fillRef>
+            <a:effectRef idx="0">
+              <a:schemeClr val="accent1"/>
+            </a:effectRef>
+            <a:fontRef idx="minor">
+              <a:schemeClr val="lt1"/>
+            </a:fontRef>
+          </p:style>
+          <p:txBody>
+            <a:bodyPr rtlCol="0" anchor="ctr"/>
+            <a:lstStyle/>
+            <a:p>
+              <a:pPr algn="ctr"/>
+              <a:r>
+                <a:rPr lang="en-US" sz="1200" dirty="0">
+                  <a:solidFill>
+                    <a:schemeClr val="tx1">
+                      <a:lumMod val="50000"/>
+                      <a:lumOff val="50000"/>
+                    </a:schemeClr>
+                  </a:solidFill>
+                </a:rPr>
+                <a:t>Another?</a:t>
+              </a:r>
+              <a:endParaRPr lang="en-NZ" sz="1200" dirty="0">
                 <a:solidFill>
-                  <a:schemeClr val="tx1"/>
+                  <a:schemeClr val="tx1">
+                    <a:lumMod val="50000"/>
+                    <a:lumOff val="50000"/>
+                  </a:schemeClr>
                 </a:solidFill>
-              </a:rPr>
-              <a:t>rd</a:t>
-            </a:r>
-            <a:r>
-              <a:rPr lang="en-NZ" sz="1200" dirty="0">
+              </a:endParaRPr>
+            </a:p>
+          </p:txBody>
+        </p:sp>
+        <p:sp>
+          <p:nvSpPr>
+            <p:cNvPr id="1127" name="Rectangle 1126">
+              <a:extLst>
+                <a:ext uri="{FF2B5EF4-FFF2-40B4-BE49-F238E27FC236}">
+                  <a16:creationId xmlns:a16="http://schemas.microsoft.com/office/drawing/2014/main" id="{943F0BCD-640B-AABA-6E6F-24224F09D2EE}"/>
+                </a:ext>
+              </a:extLst>
+            </p:cNvPr>
+            <p:cNvSpPr/>
+            <p:nvPr/>
+          </p:nvSpPr>
+          <p:spPr>
+            <a:xfrm rot="20400000">
+              <a:off x="7395772" y="6102981"/>
+              <a:ext cx="926590" cy="196725"/>
+            </a:xfrm>
+            <a:prstGeom prst="rect">
+              <a:avLst/>
+            </a:prstGeom>
+            <a:solidFill>
+              <a:schemeClr val="bg2">
+                <a:lumMod val="75000"/>
+              </a:schemeClr>
+            </a:solidFill>
+            <a:ln w="12700">
+              <a:solidFill>
+                <a:schemeClr val="tx1">
+                  <a:lumMod val="50000"/>
+                  <a:lumOff val="50000"/>
+                </a:schemeClr>
+              </a:solidFill>
+              <a:prstDash val="sysDash"/>
+            </a:ln>
+          </p:spPr>
+          <p:style>
+            <a:lnRef idx="2">
+              <a:schemeClr val="accent1">
+                <a:shade val="50000"/>
+              </a:schemeClr>
+            </a:lnRef>
+            <a:fillRef idx="1">
+              <a:schemeClr val="accent1"/>
+            </a:fillRef>
+            <a:effectRef idx="0">
+              <a:schemeClr val="accent1"/>
+            </a:effectRef>
+            <a:fontRef idx="minor">
+              <a:schemeClr val="lt1"/>
+            </a:fontRef>
+          </p:style>
+          <p:txBody>
+            <a:bodyPr rtlCol="0" anchor="ctr"/>
+            <a:lstStyle/>
+            <a:p>
+              <a:pPr algn="ctr"/>
+              <a:r>
+                <a:rPr lang="en-US" sz="1200" dirty="0">
+                  <a:solidFill>
+                    <a:schemeClr val="tx1">
+                      <a:lumMod val="50000"/>
+                      <a:lumOff val="50000"/>
+                    </a:schemeClr>
+                  </a:solidFill>
+                </a:rPr>
+                <a:t>Another?</a:t>
+              </a:r>
+              <a:endParaRPr lang="en-NZ" sz="1200" dirty="0">
                 <a:solidFill>
-                  <a:schemeClr val="tx1"/>
+                  <a:schemeClr val="tx1">
+                    <a:lumMod val="50000"/>
+                    <a:lumOff val="50000"/>
+                  </a:schemeClr>
                 </a:solidFill>
-              </a:rPr>
-              <a:t> Party </a:t>
-            </a:r>
-          </a:p>
-          <a:p>
-            <a:r>
-              <a:rPr lang="en-NZ" sz="1200" dirty="0">
+              </a:endParaRPr>
+            </a:p>
+          </p:txBody>
+        </p:sp>
+        <p:sp>
+          <p:nvSpPr>
+            <p:cNvPr id="1128" name="Rectangle 1127">
+              <a:extLst>
+                <a:ext uri="{FF2B5EF4-FFF2-40B4-BE49-F238E27FC236}">
+                  <a16:creationId xmlns:a16="http://schemas.microsoft.com/office/drawing/2014/main" id="{D595ED4D-ED95-E379-D5A4-D07BF6C75DB4}"/>
+                </a:ext>
+              </a:extLst>
+            </p:cNvPr>
+            <p:cNvSpPr/>
+            <p:nvPr/>
+          </p:nvSpPr>
+          <p:spPr>
+            <a:xfrm rot="20400000">
+              <a:off x="6215253" y="6097598"/>
+              <a:ext cx="926590" cy="196725"/>
+            </a:xfrm>
+            <a:prstGeom prst="rect">
+              <a:avLst/>
+            </a:prstGeom>
+            <a:solidFill>
+              <a:schemeClr val="bg2">
+                <a:lumMod val="75000"/>
+              </a:schemeClr>
+            </a:solidFill>
+            <a:ln w="12700">
+              <a:solidFill>
+                <a:schemeClr val="tx1">
+                  <a:lumMod val="50000"/>
+                  <a:lumOff val="50000"/>
+                </a:schemeClr>
+              </a:solidFill>
+              <a:prstDash val="sysDash"/>
+            </a:ln>
+          </p:spPr>
+          <p:style>
+            <a:lnRef idx="2">
+              <a:schemeClr val="accent1">
+                <a:shade val="50000"/>
+              </a:schemeClr>
+            </a:lnRef>
+            <a:fillRef idx="1">
+              <a:schemeClr val="accent1"/>
+            </a:fillRef>
+            <a:effectRef idx="0">
+              <a:schemeClr val="accent1"/>
+            </a:effectRef>
+            <a:fontRef idx="minor">
+              <a:schemeClr val="lt1"/>
+            </a:fontRef>
+          </p:style>
+          <p:txBody>
+            <a:bodyPr rtlCol="0" anchor="ctr"/>
+            <a:lstStyle/>
+            <a:p>
+              <a:pPr algn="ctr"/>
+              <a:r>
+                <a:rPr lang="en-US" sz="1200" dirty="0">
+                  <a:solidFill>
+                    <a:schemeClr val="tx1">
+                      <a:lumMod val="50000"/>
+                      <a:lumOff val="50000"/>
+                    </a:schemeClr>
+                  </a:solidFill>
+                </a:rPr>
+                <a:t>Another?</a:t>
+              </a:r>
+              <a:endParaRPr lang="en-NZ" sz="1200" dirty="0">
                 <a:solidFill>
-                  <a:schemeClr val="tx1"/>
+                  <a:schemeClr val="tx1">
+                    <a:lumMod val="50000"/>
+                    <a:lumOff val="50000"/>
+                  </a:schemeClr>
                 </a:solidFill>
-              </a:rPr>
-              <a:t>Integration</a:t>
-            </a:r>
-          </a:p>
-          <a:p>
-            <a:r>
-              <a:rPr lang="en-NZ" sz="1200" dirty="0">
+              </a:endParaRPr>
+            </a:p>
+          </p:txBody>
+        </p:sp>
+        <p:sp>
+          <p:nvSpPr>
+            <p:cNvPr id="1129" name="Rectangle 1128">
+              <a:extLst>
+                <a:ext uri="{FF2B5EF4-FFF2-40B4-BE49-F238E27FC236}">
+                  <a16:creationId xmlns:a16="http://schemas.microsoft.com/office/drawing/2014/main" id="{11FB7093-8D74-25B3-C378-8E2BC40CF11F}"/>
+                </a:ext>
+              </a:extLst>
+            </p:cNvPr>
+            <p:cNvSpPr/>
+            <p:nvPr/>
+          </p:nvSpPr>
+          <p:spPr>
+            <a:xfrm rot="20400000">
+              <a:off x="5055122" y="6102981"/>
+              <a:ext cx="926590" cy="196725"/>
+            </a:xfrm>
+            <a:prstGeom prst="rect">
+              <a:avLst/>
+            </a:prstGeom>
+            <a:solidFill>
+              <a:schemeClr val="bg2">
+                <a:lumMod val="75000"/>
+              </a:schemeClr>
+            </a:solidFill>
+            <a:ln w="12700">
+              <a:solidFill>
+                <a:schemeClr val="tx1">
+                  <a:lumMod val="50000"/>
+                  <a:lumOff val="50000"/>
+                </a:schemeClr>
+              </a:solidFill>
+              <a:prstDash val="sysDash"/>
+            </a:ln>
+          </p:spPr>
+          <p:style>
+            <a:lnRef idx="2">
+              <a:schemeClr val="accent1">
+                <a:shade val="50000"/>
+              </a:schemeClr>
+            </a:lnRef>
+            <a:fillRef idx="1">
+              <a:schemeClr val="accent1"/>
+            </a:fillRef>
+            <a:effectRef idx="0">
+              <a:schemeClr val="accent1"/>
+            </a:effectRef>
+            <a:fontRef idx="minor">
+              <a:schemeClr val="lt1"/>
+            </a:fontRef>
+          </p:style>
+          <p:txBody>
+            <a:bodyPr rtlCol="0" anchor="ctr"/>
+            <a:lstStyle/>
+            <a:p>
+              <a:pPr algn="ctr"/>
+              <a:r>
+                <a:rPr lang="en-US" sz="1200" dirty="0">
+                  <a:solidFill>
+                    <a:schemeClr val="tx1">
+                      <a:lumMod val="50000"/>
+                      <a:lumOff val="50000"/>
+                    </a:schemeClr>
+                  </a:solidFill>
+                </a:rPr>
+                <a:t>Another?</a:t>
+              </a:r>
+              <a:endParaRPr lang="en-NZ" sz="1200" dirty="0">
                 <a:solidFill>
-                  <a:schemeClr val="tx1"/>
+                  <a:schemeClr val="tx1">
+                    <a:lumMod val="50000"/>
+                    <a:lumOff val="50000"/>
+                  </a:schemeClr>
                 </a:solidFill>
-              </a:rPr>
-              <a:t>Plugins</a:t>
-            </a:r>
-          </a:p>
-        </p:txBody>
-      </p:sp>
+              </a:endParaRPr>
+            </a:p>
+          </p:txBody>
+        </p:sp>
+        <p:sp>
+          <p:nvSpPr>
+            <p:cNvPr id="1131" name="Rectangle 1130">
+              <a:extLst>
+                <a:ext uri="{FF2B5EF4-FFF2-40B4-BE49-F238E27FC236}">
+                  <a16:creationId xmlns:a16="http://schemas.microsoft.com/office/drawing/2014/main" id="{783D8BAF-AD1E-EE11-898A-7648CAC00E14}"/>
+                </a:ext>
+              </a:extLst>
+            </p:cNvPr>
+            <p:cNvSpPr/>
+            <p:nvPr/>
+          </p:nvSpPr>
+          <p:spPr>
+            <a:xfrm rot="20400000">
+              <a:off x="3891737" y="6102981"/>
+              <a:ext cx="926590" cy="196725"/>
+            </a:xfrm>
+            <a:prstGeom prst="rect">
+              <a:avLst/>
+            </a:prstGeom>
+            <a:solidFill>
+              <a:schemeClr val="bg2">
+                <a:lumMod val="75000"/>
+              </a:schemeClr>
+            </a:solidFill>
+            <a:ln w="12700">
+              <a:solidFill>
+                <a:schemeClr val="tx1">
+                  <a:lumMod val="50000"/>
+                  <a:lumOff val="50000"/>
+                </a:schemeClr>
+              </a:solidFill>
+              <a:prstDash val="sysDash"/>
+            </a:ln>
+          </p:spPr>
+          <p:style>
+            <a:lnRef idx="2">
+              <a:schemeClr val="accent1">
+                <a:shade val="50000"/>
+              </a:schemeClr>
+            </a:lnRef>
+            <a:fillRef idx="1">
+              <a:schemeClr val="accent1"/>
+            </a:fillRef>
+            <a:effectRef idx="0">
+              <a:schemeClr val="accent1"/>
+            </a:effectRef>
+            <a:fontRef idx="minor">
+              <a:schemeClr val="lt1"/>
+            </a:fontRef>
+          </p:style>
+          <p:txBody>
+            <a:bodyPr rtlCol="0" anchor="ctr"/>
+            <a:lstStyle/>
+            <a:p>
+              <a:pPr algn="ctr"/>
+              <a:r>
+                <a:rPr lang="en-US" sz="1200" dirty="0">
+                  <a:solidFill>
+                    <a:schemeClr val="tx1">
+                      <a:lumMod val="50000"/>
+                      <a:lumOff val="50000"/>
+                    </a:schemeClr>
+                  </a:solidFill>
+                </a:rPr>
+                <a:t>Another?</a:t>
+              </a:r>
+              <a:endParaRPr lang="en-NZ" sz="1200" dirty="0">
+                <a:solidFill>
+                  <a:schemeClr val="tx1">
+                    <a:lumMod val="50000"/>
+                    <a:lumOff val="50000"/>
+                  </a:schemeClr>
+                </a:solidFill>
+              </a:endParaRPr>
+            </a:p>
+          </p:txBody>
+        </p:sp>
+        <p:sp>
+          <p:nvSpPr>
+            <p:cNvPr id="1133" name="Rectangle 1132">
+              <a:extLst>
+                <a:ext uri="{FF2B5EF4-FFF2-40B4-BE49-F238E27FC236}">
+                  <a16:creationId xmlns:a16="http://schemas.microsoft.com/office/drawing/2014/main" id="{67F1C157-B016-40B3-00EE-AE8E6315BE13}"/>
+                </a:ext>
+              </a:extLst>
+            </p:cNvPr>
+            <p:cNvSpPr/>
+            <p:nvPr/>
+          </p:nvSpPr>
+          <p:spPr>
+            <a:xfrm rot="20400000">
+              <a:off x="2744371" y="6102981"/>
+              <a:ext cx="926590" cy="196725"/>
+            </a:xfrm>
+            <a:prstGeom prst="rect">
+              <a:avLst/>
+            </a:prstGeom>
+            <a:solidFill>
+              <a:schemeClr val="bg2">
+                <a:lumMod val="75000"/>
+              </a:schemeClr>
+            </a:solidFill>
+            <a:ln w="12700">
+              <a:solidFill>
+                <a:schemeClr val="tx1">
+                  <a:lumMod val="50000"/>
+                  <a:lumOff val="50000"/>
+                </a:schemeClr>
+              </a:solidFill>
+              <a:prstDash val="sysDash"/>
+            </a:ln>
+          </p:spPr>
+          <p:style>
+            <a:lnRef idx="2">
+              <a:schemeClr val="accent1">
+                <a:shade val="50000"/>
+              </a:schemeClr>
+            </a:lnRef>
+            <a:fillRef idx="1">
+              <a:schemeClr val="accent1"/>
+            </a:fillRef>
+            <a:effectRef idx="0">
+              <a:schemeClr val="accent1"/>
+            </a:effectRef>
+            <a:fontRef idx="minor">
+              <a:schemeClr val="lt1"/>
+            </a:fontRef>
+          </p:style>
+          <p:txBody>
+            <a:bodyPr rtlCol="0" anchor="ctr"/>
+            <a:lstStyle/>
+            <a:p>
+              <a:pPr algn="ctr"/>
+              <a:r>
+                <a:rPr lang="en-US" sz="1200" dirty="0">
+                  <a:solidFill>
+                    <a:schemeClr val="tx1">
+                      <a:lumMod val="50000"/>
+                      <a:lumOff val="50000"/>
+                    </a:schemeClr>
+                  </a:solidFill>
+                </a:rPr>
+                <a:t>Another?</a:t>
+              </a:r>
+              <a:endParaRPr lang="en-NZ" sz="1200" dirty="0">
+                <a:solidFill>
+                  <a:schemeClr val="tx1">
+                    <a:lumMod val="50000"/>
+                    <a:lumOff val="50000"/>
+                  </a:schemeClr>
+                </a:solidFill>
+              </a:endParaRPr>
+            </a:p>
+          </p:txBody>
+        </p:sp>
+        <p:sp>
+          <p:nvSpPr>
+            <p:cNvPr id="1134" name="Rectangle 1133">
+              <a:extLst>
+                <a:ext uri="{FF2B5EF4-FFF2-40B4-BE49-F238E27FC236}">
+                  <a16:creationId xmlns:a16="http://schemas.microsoft.com/office/drawing/2014/main" id="{1755E447-C8BC-9AA3-7E0F-517DB79B732D}"/>
+                </a:ext>
+              </a:extLst>
+            </p:cNvPr>
+            <p:cNvSpPr/>
+            <p:nvPr/>
+          </p:nvSpPr>
+          <p:spPr>
+            <a:xfrm rot="20400000">
+              <a:off x="1580852" y="6102981"/>
+              <a:ext cx="926590" cy="196725"/>
+            </a:xfrm>
+            <a:prstGeom prst="rect">
+              <a:avLst/>
+            </a:prstGeom>
+            <a:solidFill>
+              <a:schemeClr val="bg2">
+                <a:lumMod val="75000"/>
+              </a:schemeClr>
+            </a:solidFill>
+            <a:ln w="12700">
+              <a:solidFill>
+                <a:schemeClr val="tx1">
+                  <a:lumMod val="50000"/>
+                  <a:lumOff val="50000"/>
+                </a:schemeClr>
+              </a:solidFill>
+              <a:prstDash val="sysDash"/>
+            </a:ln>
+          </p:spPr>
+          <p:style>
+            <a:lnRef idx="2">
+              <a:schemeClr val="accent1">
+                <a:shade val="50000"/>
+              </a:schemeClr>
+            </a:lnRef>
+            <a:fillRef idx="1">
+              <a:schemeClr val="accent1"/>
+            </a:fillRef>
+            <a:effectRef idx="0">
+              <a:schemeClr val="accent1"/>
+            </a:effectRef>
+            <a:fontRef idx="minor">
+              <a:schemeClr val="lt1"/>
+            </a:fontRef>
+          </p:style>
+          <p:txBody>
+            <a:bodyPr rtlCol="0" anchor="ctr"/>
+            <a:lstStyle/>
+            <a:p>
+              <a:pPr algn="ctr"/>
+              <a:r>
+                <a:rPr lang="en-US" sz="1200" dirty="0">
+                  <a:solidFill>
+                    <a:schemeClr val="tx1">
+                      <a:lumMod val="50000"/>
+                      <a:lumOff val="50000"/>
+                    </a:schemeClr>
+                  </a:solidFill>
+                </a:rPr>
+                <a:t>Another?</a:t>
+              </a:r>
+              <a:endParaRPr lang="en-NZ" sz="1200" dirty="0">
+                <a:solidFill>
+                  <a:schemeClr val="tx1">
+                    <a:lumMod val="50000"/>
+                    <a:lumOff val="50000"/>
+                  </a:schemeClr>
+                </a:solidFill>
+              </a:endParaRPr>
+            </a:p>
+          </p:txBody>
+        </p:sp>
+        <p:sp>
+          <p:nvSpPr>
+            <p:cNvPr id="1140" name="Rectangle 1139">
+              <a:extLst>
+                <a:ext uri="{FF2B5EF4-FFF2-40B4-BE49-F238E27FC236}">
+                  <a16:creationId xmlns:a16="http://schemas.microsoft.com/office/drawing/2014/main" id="{5DBD2DC8-487B-7BA3-A1DA-BA58460DE3E3}"/>
+                </a:ext>
+              </a:extLst>
+            </p:cNvPr>
+            <p:cNvSpPr/>
+            <p:nvPr/>
+          </p:nvSpPr>
+          <p:spPr>
+            <a:xfrm rot="20400000">
+              <a:off x="8540941" y="6107792"/>
+              <a:ext cx="926590" cy="196725"/>
+            </a:xfrm>
+            <a:prstGeom prst="rect">
+              <a:avLst/>
+            </a:prstGeom>
+            <a:solidFill>
+              <a:schemeClr val="bg2">
+                <a:lumMod val="75000"/>
+              </a:schemeClr>
+            </a:solidFill>
+            <a:ln w="12700">
+              <a:solidFill>
+                <a:schemeClr val="tx1">
+                  <a:lumMod val="50000"/>
+                  <a:lumOff val="50000"/>
+                </a:schemeClr>
+              </a:solidFill>
+              <a:prstDash val="sysDash"/>
+            </a:ln>
+          </p:spPr>
+          <p:style>
+            <a:lnRef idx="2">
+              <a:schemeClr val="accent1">
+                <a:shade val="50000"/>
+              </a:schemeClr>
+            </a:lnRef>
+            <a:fillRef idx="1">
+              <a:schemeClr val="accent1"/>
+            </a:fillRef>
+            <a:effectRef idx="0">
+              <a:schemeClr val="accent1"/>
+            </a:effectRef>
+            <a:fontRef idx="minor">
+              <a:schemeClr val="lt1"/>
+            </a:fontRef>
+          </p:style>
+          <p:txBody>
+            <a:bodyPr rtlCol="0" anchor="ctr"/>
+            <a:lstStyle/>
+            <a:p>
+              <a:pPr algn="ctr"/>
+              <a:r>
+                <a:rPr lang="en-US" sz="1200" dirty="0">
+                  <a:solidFill>
+                    <a:schemeClr val="tx1">
+                      <a:lumMod val="50000"/>
+                      <a:lumOff val="50000"/>
+                    </a:schemeClr>
+                  </a:solidFill>
+                </a:rPr>
+                <a:t>Another?</a:t>
+              </a:r>
+              <a:endParaRPr lang="en-NZ" sz="1200" dirty="0">
+                <a:solidFill>
+                  <a:schemeClr val="tx1">
+                    <a:lumMod val="50000"/>
+                    <a:lumOff val="50000"/>
+                  </a:schemeClr>
+                </a:solidFill>
+              </a:endParaRPr>
+            </a:p>
+          </p:txBody>
+        </p:sp>
+        <p:pic>
+          <p:nvPicPr>
+            <p:cNvPr id="28" name="Picture 2" descr="Shopify">
+              <a:extLst>
+                <a:ext uri="{FF2B5EF4-FFF2-40B4-BE49-F238E27FC236}">
+                  <a16:creationId xmlns:a16="http://schemas.microsoft.com/office/drawing/2014/main" id="{7B7A8646-67C5-E1FB-CF63-086D920A7B0F}"/>
+                </a:ext>
+              </a:extLst>
+            </p:cNvPr>
+            <p:cNvPicPr>
+              <a:picLocks noChangeAspect="1" noChangeArrowheads="1"/>
+            </p:cNvPicPr>
+            <p:nvPr/>
+          </p:nvPicPr>
+          <p:blipFill>
+            <a:blip r:embed="rId9">
+              <a:extLst>
+                <a:ext uri="{28A0092B-C50C-407E-A947-70E740481C1C}">
+                  <a14:useLocalDpi xmlns:a14="http://schemas.microsoft.com/office/drawing/2010/main" val="0"/>
+                </a:ext>
+              </a:extLst>
+            </a:blip>
+            <a:srcRect/>
+            <a:stretch>
+              <a:fillRect/>
+            </a:stretch>
+          </p:blipFill>
+          <p:spPr bwMode="auto">
+            <a:xfrm rot="20400000">
+              <a:off x="1571087" y="5826784"/>
+              <a:ext cx="946121" cy="205968"/>
+            </a:xfrm>
+            <a:prstGeom prst="rect">
+              <a:avLst/>
+            </a:prstGeom>
+            <a:solidFill>
+              <a:schemeClr val="bg2">
+                <a:lumMod val="75000"/>
+              </a:schemeClr>
+            </a:solidFill>
+            <a:ln w="12700">
+              <a:solidFill>
+                <a:schemeClr val="tx1">
+                  <a:lumMod val="50000"/>
+                  <a:lumOff val="50000"/>
+                </a:schemeClr>
+              </a:solidFill>
+              <a:prstDash val="sysDash"/>
+            </a:ln>
+          </p:spPr>
+        </p:pic>
+        <p:pic>
+          <p:nvPicPr>
+            <p:cNvPr id="33" name="Picture 4">
+              <a:extLst>
+                <a:ext uri="{FF2B5EF4-FFF2-40B4-BE49-F238E27FC236}">
+                  <a16:creationId xmlns:a16="http://schemas.microsoft.com/office/drawing/2014/main" id="{901324E2-58EE-CEA2-22E5-08E1C78928E5}"/>
+                </a:ext>
+              </a:extLst>
+            </p:cNvPr>
+            <p:cNvPicPr>
+              <a:picLocks noChangeAspect="1" noChangeArrowheads="1"/>
+            </p:cNvPicPr>
+            <p:nvPr/>
+          </p:nvPicPr>
+          <p:blipFill rotWithShape="1">
+            <a:blip r:embed="rId4">
+              <a:clrChange>
+                <a:clrFrom>
+                  <a:srgbClr val="FFFFFF"/>
+                </a:clrFrom>
+                <a:clrTo>
+                  <a:srgbClr val="FFFFFF">
+                    <a:alpha val="0"/>
+                  </a:srgbClr>
+                </a:clrTo>
+              </a:clrChange>
+              <a:extLst>
+                <a:ext uri="{28A0092B-C50C-407E-A947-70E740481C1C}">
+                  <a14:useLocalDpi xmlns:a14="http://schemas.microsoft.com/office/drawing/2010/main" val="0"/>
+                </a:ext>
+              </a:extLst>
+            </a:blip>
+            <a:srcRect t="8416" b="8972"/>
+            <a:stretch/>
+          </p:blipFill>
+          <p:spPr bwMode="auto">
+            <a:xfrm rot="20400000">
+              <a:off x="2745143" y="5507033"/>
+              <a:ext cx="925046" cy="208336"/>
+            </a:xfrm>
+            <a:prstGeom prst="rect">
+              <a:avLst/>
+            </a:prstGeom>
+            <a:solidFill>
+              <a:schemeClr val="bg2">
+                <a:lumMod val="75000"/>
+              </a:schemeClr>
+            </a:solidFill>
+            <a:ln w="12700">
+              <a:solidFill>
+                <a:schemeClr val="tx1">
+                  <a:lumMod val="50000"/>
+                  <a:lumOff val="50000"/>
+                </a:schemeClr>
+              </a:solidFill>
+              <a:prstDash val="sysDash"/>
+            </a:ln>
+            <a:extLst>
+              <a:ext uri="{909E8E84-426E-40DD-AFC4-6F175D3DCCD1}">
+                <a14:hiddenFill xmlns:a14="http://schemas.microsoft.com/office/drawing/2010/main">
+                  <a:solidFill>
+                    <a:srgbClr val="FFFFFF"/>
+                  </a:solidFill>
+                </a14:hiddenFill>
+              </a:ext>
+            </a:extLst>
+          </p:spPr>
+        </p:pic>
+        <p:pic>
+          <p:nvPicPr>
+            <p:cNvPr id="35" name="Picture 4" descr="Chargify and Swipesum">
+              <a:extLst>
+                <a:ext uri="{FF2B5EF4-FFF2-40B4-BE49-F238E27FC236}">
+                  <a16:creationId xmlns:a16="http://schemas.microsoft.com/office/drawing/2014/main" id="{B2DF7519-B76D-D9AA-8BDC-769E0CCE281C}"/>
+                </a:ext>
+              </a:extLst>
+            </p:cNvPr>
+            <p:cNvPicPr>
+              <a:picLocks noChangeAspect="1" noChangeArrowheads="1"/>
+            </p:cNvPicPr>
+            <p:nvPr/>
+          </p:nvPicPr>
+          <p:blipFill rotWithShape="1">
+            <a:blip r:embed="rId10">
+              <a:clrChange>
+                <a:clrFrom>
+                  <a:srgbClr val="FFFFFF"/>
+                </a:clrFrom>
+                <a:clrTo>
+                  <a:srgbClr val="FFFFFF">
+                    <a:alpha val="0"/>
+                  </a:srgbClr>
+                </a:clrTo>
+              </a:clrChange>
+              <a:extLst>
+                <a:ext uri="{28A0092B-C50C-407E-A947-70E740481C1C}">
+                  <a14:useLocalDpi xmlns:a14="http://schemas.microsoft.com/office/drawing/2010/main" val="0"/>
+                </a:ext>
+              </a:extLst>
+            </a:blip>
+            <a:srcRect t="22481" b="21480"/>
+            <a:stretch/>
+          </p:blipFill>
+          <p:spPr bwMode="auto">
+            <a:xfrm rot="20400000">
+              <a:off x="2692875" y="5208199"/>
+              <a:ext cx="1029582" cy="227881"/>
+            </a:xfrm>
+            <a:prstGeom prst="rect">
+              <a:avLst/>
+            </a:prstGeom>
+            <a:solidFill>
+              <a:schemeClr val="bg2">
+                <a:lumMod val="75000"/>
+              </a:schemeClr>
+            </a:solidFill>
+            <a:ln w="12700">
+              <a:solidFill>
+                <a:schemeClr val="tx1">
+                  <a:lumMod val="50000"/>
+                  <a:lumOff val="50000"/>
+                </a:schemeClr>
+              </a:solidFill>
+              <a:prstDash val="sysDash"/>
+            </a:ln>
+          </p:spPr>
+        </p:pic>
+        <p:pic>
+          <p:nvPicPr>
+            <p:cNvPr id="36" name="Picture 6" descr="Chargebee: SaaS for Effective Revenue Growth Management">
+              <a:extLst>
+                <a:ext uri="{FF2B5EF4-FFF2-40B4-BE49-F238E27FC236}">
+                  <a16:creationId xmlns:a16="http://schemas.microsoft.com/office/drawing/2014/main" id="{41CFE2A9-9A55-0549-42C8-0F9F18F6C916}"/>
+                </a:ext>
+              </a:extLst>
+            </p:cNvPr>
+            <p:cNvPicPr>
+              <a:picLocks noChangeAspect="1" noChangeArrowheads="1"/>
+            </p:cNvPicPr>
+            <p:nvPr/>
+          </p:nvPicPr>
+          <p:blipFill rotWithShape="1">
+            <a:blip r:embed="rId11">
+              <a:clrChange>
+                <a:clrFrom>
+                  <a:srgbClr val="FFFFFF"/>
+                </a:clrFrom>
+                <a:clrTo>
+                  <a:srgbClr val="FFFFFF">
+                    <a:alpha val="0"/>
+                  </a:srgbClr>
+                </a:clrTo>
+              </a:clrChange>
+              <a:extLst>
+                <a:ext uri="{28A0092B-C50C-407E-A947-70E740481C1C}">
+                  <a14:useLocalDpi xmlns:a14="http://schemas.microsoft.com/office/drawing/2010/main" val="0"/>
+                </a:ext>
+              </a:extLst>
+            </a:blip>
+            <a:srcRect l="9715" t="29331" r="8963" b="27615"/>
+            <a:stretch/>
+          </p:blipFill>
+          <p:spPr bwMode="auto">
+            <a:xfrm rot="20400000">
+              <a:off x="2707624" y="5792672"/>
+              <a:ext cx="1000084" cy="234633"/>
+            </a:xfrm>
+            <a:prstGeom prst="rect">
+              <a:avLst/>
+            </a:prstGeom>
+            <a:solidFill>
+              <a:schemeClr val="bg2">
+                <a:lumMod val="75000"/>
+              </a:schemeClr>
+            </a:solidFill>
+            <a:ln w="12700">
+              <a:solidFill>
+                <a:schemeClr val="tx1">
+                  <a:lumMod val="50000"/>
+                  <a:lumOff val="50000"/>
+                </a:schemeClr>
+              </a:solidFill>
+              <a:prstDash val="sysDash"/>
+            </a:ln>
+          </p:spPr>
+        </p:pic>
+        <p:pic>
+          <p:nvPicPr>
+            <p:cNvPr id="1036" name="Picture 12" descr="Analyze the impact of personalization in Google Analytics">
+              <a:extLst>
+                <a:ext uri="{FF2B5EF4-FFF2-40B4-BE49-F238E27FC236}">
+                  <a16:creationId xmlns:a16="http://schemas.microsoft.com/office/drawing/2014/main" id="{271A12D7-3E07-7383-A989-A6E27B356FC2}"/>
+                </a:ext>
+              </a:extLst>
+            </p:cNvPr>
+            <p:cNvPicPr>
+              <a:picLocks noChangeAspect="1" noChangeArrowheads="1"/>
+            </p:cNvPicPr>
+            <p:nvPr/>
+          </p:nvPicPr>
+          <p:blipFill rotWithShape="1">
+            <a:blip r:embed="rId12">
+              <a:clrChange>
+                <a:clrFrom>
+                  <a:srgbClr val="FFFFFF"/>
+                </a:clrFrom>
+                <a:clrTo>
+                  <a:srgbClr val="FFFFFF">
+                    <a:alpha val="0"/>
+                  </a:srgbClr>
+                </a:clrTo>
+              </a:clrChange>
+              <a:extLst>
+                <a:ext uri="{28A0092B-C50C-407E-A947-70E740481C1C}">
+                  <a14:useLocalDpi xmlns:a14="http://schemas.microsoft.com/office/drawing/2010/main" val="0"/>
+                </a:ext>
+              </a:extLst>
+            </a:blip>
+            <a:srcRect l="-3074" t="-1409" r="-5031" b="-4078"/>
+            <a:stretch/>
+          </p:blipFill>
+          <p:spPr bwMode="auto">
+            <a:xfrm rot="20400000">
+              <a:off x="3972053" y="5105614"/>
+              <a:ext cx="765959" cy="255640"/>
+            </a:xfrm>
+            <a:prstGeom prst="rect">
+              <a:avLst/>
+            </a:prstGeom>
+            <a:solidFill>
+              <a:schemeClr val="bg2">
+                <a:lumMod val="75000"/>
+              </a:schemeClr>
+            </a:solidFill>
+            <a:ln w="12700">
+              <a:solidFill>
+                <a:schemeClr val="tx1">
+                  <a:lumMod val="50000"/>
+                  <a:lumOff val="50000"/>
+                </a:schemeClr>
+              </a:solidFill>
+              <a:prstDash val="sysDash"/>
+            </a:ln>
+          </p:spPr>
+        </p:pic>
+        <p:pic>
+          <p:nvPicPr>
+            <p:cNvPr id="1038" name="Picture 14" descr="Amplitude Analytics Reviews, Ratings &amp; Features 2023 | Gartner Peer Insights">
+              <a:extLst>
+                <a:ext uri="{FF2B5EF4-FFF2-40B4-BE49-F238E27FC236}">
+                  <a16:creationId xmlns:a16="http://schemas.microsoft.com/office/drawing/2014/main" id="{47A2B6E8-59C3-5912-243D-7EF5E41EED3D}"/>
+                </a:ext>
+              </a:extLst>
+            </p:cNvPr>
+            <p:cNvPicPr>
+              <a:picLocks noChangeAspect="1" noChangeArrowheads="1"/>
+            </p:cNvPicPr>
+            <p:nvPr/>
+          </p:nvPicPr>
+          <p:blipFill rotWithShape="1">
+            <a:blip r:embed="rId13">
+              <a:clrChange>
+                <a:clrFrom>
+                  <a:srgbClr val="FFFFFF"/>
+                </a:clrFrom>
+                <a:clrTo>
+                  <a:srgbClr val="FFFFFF">
+                    <a:alpha val="0"/>
+                  </a:srgbClr>
+                </a:clrTo>
+              </a:clrChange>
+              <a:extLst>
+                <a:ext uri="{28A0092B-C50C-407E-A947-70E740481C1C}">
+                  <a14:useLocalDpi xmlns:a14="http://schemas.microsoft.com/office/drawing/2010/main" val="0"/>
+                </a:ext>
+              </a:extLst>
+            </a:blip>
+            <a:srcRect t="22393" b="28622"/>
+            <a:stretch/>
+          </p:blipFill>
+          <p:spPr bwMode="auto">
+            <a:xfrm rot="20400000">
+              <a:off x="3892561" y="5779495"/>
+              <a:ext cx="924942" cy="251372"/>
+            </a:xfrm>
+            <a:prstGeom prst="rect">
+              <a:avLst/>
+            </a:prstGeom>
+            <a:solidFill>
+              <a:schemeClr val="bg2">
+                <a:lumMod val="75000"/>
+              </a:schemeClr>
+            </a:solidFill>
+            <a:ln w="12700">
+              <a:solidFill>
+                <a:schemeClr val="tx1">
+                  <a:lumMod val="50000"/>
+                  <a:lumOff val="50000"/>
+                </a:schemeClr>
+              </a:solidFill>
+              <a:prstDash val="sysDash"/>
+            </a:ln>
+          </p:spPr>
+        </p:pic>
+        <p:pic>
+          <p:nvPicPr>
+            <p:cNvPr id="1040" name="Picture 16" descr="LaunchDarkly allows customers to automate feature releases with Courier">
+              <a:extLst>
+                <a:ext uri="{FF2B5EF4-FFF2-40B4-BE49-F238E27FC236}">
+                  <a16:creationId xmlns:a16="http://schemas.microsoft.com/office/drawing/2014/main" id="{435A27E2-BEA2-57E2-7E11-E1C0F826F9E7}"/>
+                </a:ext>
+              </a:extLst>
+            </p:cNvPr>
+            <p:cNvPicPr>
+              <a:picLocks noChangeAspect="1" noChangeArrowheads="1"/>
+            </p:cNvPicPr>
+            <p:nvPr/>
+          </p:nvPicPr>
+          <p:blipFill rotWithShape="1">
+            <a:blip r:embed="rId14">
+              <a:clrChange>
+                <a:clrFrom>
+                  <a:srgbClr val="FFFFFF"/>
+                </a:clrFrom>
+                <a:clrTo>
+                  <a:srgbClr val="FFFFFF">
+                    <a:alpha val="0"/>
+                  </a:srgbClr>
+                </a:clrTo>
+              </a:clrChange>
+              <a:extLst>
+                <a:ext uri="{28A0092B-C50C-407E-A947-70E740481C1C}">
+                  <a14:useLocalDpi xmlns:a14="http://schemas.microsoft.com/office/drawing/2010/main" val="0"/>
+                </a:ext>
+              </a:extLst>
+            </a:blip>
+            <a:srcRect t="29482" b="31324"/>
+            <a:stretch/>
+          </p:blipFill>
+          <p:spPr bwMode="auto">
+            <a:xfrm rot="20400000">
+              <a:off x="5046345" y="5496017"/>
+              <a:ext cx="944145" cy="207227"/>
+            </a:xfrm>
+            <a:prstGeom prst="rect">
+              <a:avLst/>
+            </a:prstGeom>
+            <a:solidFill>
+              <a:schemeClr val="bg2">
+                <a:lumMod val="75000"/>
+              </a:schemeClr>
+            </a:solidFill>
+            <a:ln w="12700">
+              <a:solidFill>
+                <a:schemeClr val="tx1">
+                  <a:lumMod val="50000"/>
+                  <a:lumOff val="50000"/>
+                </a:schemeClr>
+              </a:solidFill>
+              <a:prstDash val="sysDash"/>
+            </a:ln>
+          </p:spPr>
+        </p:pic>
+        <p:pic>
+          <p:nvPicPr>
+            <p:cNvPr id="1042" name="Picture 18" descr="Postmark - Our Preferred Transactional Email Provider for WordPress">
+              <a:extLst>
+                <a:ext uri="{FF2B5EF4-FFF2-40B4-BE49-F238E27FC236}">
+                  <a16:creationId xmlns:a16="http://schemas.microsoft.com/office/drawing/2014/main" id="{93CE99C4-49CC-AF76-AD2C-2E7037FBDEE2}"/>
+                </a:ext>
+              </a:extLst>
+            </p:cNvPr>
+            <p:cNvPicPr>
+              <a:picLocks noChangeAspect="1" noChangeArrowheads="1"/>
+            </p:cNvPicPr>
+            <p:nvPr/>
+          </p:nvPicPr>
+          <p:blipFill rotWithShape="1">
+            <a:blip r:embed="rId15">
+              <a:clrChange>
+                <a:clrFrom>
+                  <a:srgbClr val="FFE002"/>
+                </a:clrFrom>
+                <a:clrTo>
+                  <a:srgbClr val="FFE002">
+                    <a:alpha val="0"/>
+                  </a:srgbClr>
+                </a:clrTo>
+              </a:clrChange>
+              <a:extLst>
+                <a:ext uri="{28A0092B-C50C-407E-A947-70E740481C1C}">
+                  <a14:useLocalDpi xmlns:a14="http://schemas.microsoft.com/office/drawing/2010/main" val="0"/>
+                </a:ext>
+              </a:extLst>
+            </a:blip>
+            <a:srcRect t="24105" b="28369"/>
+            <a:stretch/>
+          </p:blipFill>
+          <p:spPr bwMode="auto">
+            <a:xfrm rot="20400000">
+              <a:off x="6170163" y="5448651"/>
+              <a:ext cx="1016770" cy="270611"/>
+            </a:xfrm>
+            <a:prstGeom prst="rect">
+              <a:avLst/>
+            </a:prstGeom>
+            <a:solidFill>
+              <a:schemeClr val="bg2">
+                <a:lumMod val="75000"/>
+              </a:schemeClr>
+            </a:solidFill>
+            <a:ln w="12700">
+              <a:solidFill>
+                <a:schemeClr val="tx1">
+                  <a:lumMod val="50000"/>
+                  <a:lumOff val="50000"/>
+                </a:schemeClr>
+              </a:solidFill>
+              <a:prstDash val="sysDash"/>
+            </a:ln>
+          </p:spPr>
+        </p:pic>
+        <p:pic>
+          <p:nvPicPr>
+            <p:cNvPr id="121" name="Picture 20" descr="How to setup Mailgun for WordPress - AcyMailing Blog">
+              <a:extLst>
+                <a:ext uri="{FF2B5EF4-FFF2-40B4-BE49-F238E27FC236}">
+                  <a16:creationId xmlns:a16="http://schemas.microsoft.com/office/drawing/2014/main" id="{0D7C46C1-2772-5653-0A7D-2FB519F1EC4E}"/>
+                </a:ext>
+              </a:extLst>
+            </p:cNvPr>
+            <p:cNvPicPr>
+              <a:picLocks noChangeAspect="1" noChangeArrowheads="1"/>
+            </p:cNvPicPr>
+            <p:nvPr/>
+          </p:nvPicPr>
+          <p:blipFill rotWithShape="1">
+            <a:blip r:embed="rId16">
+              <a:clrChange>
+                <a:clrFrom>
+                  <a:srgbClr val="FFFFFF"/>
+                </a:clrFrom>
+                <a:clrTo>
+                  <a:srgbClr val="FFFFFF">
+                    <a:alpha val="0"/>
+                  </a:srgbClr>
+                </a:clrTo>
+              </a:clrChange>
+              <a:extLst>
+                <a:ext uri="{28A0092B-C50C-407E-A947-70E740481C1C}">
+                  <a14:useLocalDpi xmlns:a14="http://schemas.microsoft.com/office/drawing/2010/main" val="0"/>
+                </a:ext>
+              </a:extLst>
+            </a:blip>
+            <a:srcRect l="19323" t="29275" r="19487" b="29494"/>
+            <a:stretch/>
+          </p:blipFill>
+          <p:spPr bwMode="auto">
+            <a:xfrm rot="20400000">
+              <a:off x="6253877" y="5175754"/>
+              <a:ext cx="849344" cy="213636"/>
+            </a:xfrm>
+            <a:prstGeom prst="rect">
+              <a:avLst/>
+            </a:prstGeom>
+            <a:solidFill>
+              <a:schemeClr val="bg2">
+                <a:lumMod val="75000"/>
+              </a:schemeClr>
+            </a:solidFill>
+            <a:ln w="12700">
+              <a:solidFill>
+                <a:schemeClr val="tx1">
+                  <a:lumMod val="50000"/>
+                  <a:lumOff val="50000"/>
+                </a:schemeClr>
+              </a:solidFill>
+              <a:prstDash val="sysDash"/>
+            </a:ln>
+          </p:spPr>
+        </p:pic>
+        <p:pic>
+          <p:nvPicPr>
+            <p:cNvPr id="122" name="Picture 22" descr="Facebook - log in or sign up">
+              <a:extLst>
+                <a:ext uri="{FF2B5EF4-FFF2-40B4-BE49-F238E27FC236}">
+                  <a16:creationId xmlns:a16="http://schemas.microsoft.com/office/drawing/2014/main" id="{11057122-15CD-2323-9396-31F62419D50C}"/>
+                </a:ext>
+              </a:extLst>
+            </p:cNvPr>
+            <p:cNvPicPr>
+              <a:picLocks noChangeAspect="1" noChangeArrowheads="1"/>
+            </p:cNvPicPr>
+            <p:nvPr/>
+          </p:nvPicPr>
+          <p:blipFill rotWithShape="1">
+            <a:blip r:embed="rId17">
+              <a:clrChange>
+                <a:clrFrom>
+                  <a:srgbClr val="FFFFFF"/>
+                </a:clrFrom>
+                <a:clrTo>
+                  <a:srgbClr val="FFFFFF">
+                    <a:alpha val="0"/>
+                  </a:srgbClr>
+                </a:clrTo>
+              </a:clrChange>
+              <a:extLst>
+                <a:ext uri="{28A0092B-C50C-407E-A947-70E740481C1C}">
+                  <a14:useLocalDpi xmlns:a14="http://schemas.microsoft.com/office/drawing/2010/main" val="0"/>
+                </a:ext>
+              </a:extLst>
+            </a:blip>
+            <a:srcRect t="20065" b="20642"/>
+            <a:stretch/>
+          </p:blipFill>
+          <p:spPr bwMode="auto">
+            <a:xfrm rot="20400000">
+              <a:off x="8490137" y="5242807"/>
+              <a:ext cx="1003534" cy="209358"/>
+            </a:xfrm>
+            <a:prstGeom prst="rect">
+              <a:avLst/>
+            </a:prstGeom>
+            <a:solidFill>
+              <a:schemeClr val="bg2">
+                <a:lumMod val="75000"/>
+              </a:schemeClr>
+            </a:solidFill>
+            <a:ln w="12700">
+              <a:solidFill>
+                <a:schemeClr val="tx1">
+                  <a:lumMod val="50000"/>
+                  <a:lumOff val="50000"/>
+                </a:schemeClr>
+              </a:solidFill>
+              <a:prstDash val="sysDash"/>
+            </a:ln>
+            <a:extLst>
+              <a:ext uri="{909E8E84-426E-40DD-AFC4-6F175D3DCCD1}">
+                <a14:hiddenFill xmlns:a14="http://schemas.microsoft.com/office/drawing/2010/main">
+                  <a:solidFill>
+                    <a:srgbClr val="FFFFFF"/>
+                  </a:solidFill>
+                </a14:hiddenFill>
+              </a:ext>
+            </a:extLst>
+          </p:spPr>
+        </p:pic>
+        <p:pic>
+          <p:nvPicPr>
+            <p:cNvPr id="1027" name="Picture 1026">
+              <a:extLst>
+                <a:ext uri="{FF2B5EF4-FFF2-40B4-BE49-F238E27FC236}">
+                  <a16:creationId xmlns:a16="http://schemas.microsoft.com/office/drawing/2014/main" id="{27A0CDC4-5001-C063-02C2-FEADDF920A9C}"/>
+                </a:ext>
+              </a:extLst>
+            </p:cNvPr>
+            <p:cNvPicPr>
+              <a:picLocks noChangeAspect="1"/>
+            </p:cNvPicPr>
+            <p:nvPr/>
+          </p:nvPicPr>
+          <p:blipFill>
+            <a:blip r:embed="rId18">
+              <a:clrChange>
+                <a:clrFrom>
+                  <a:srgbClr val="2F64D1"/>
+                </a:clrFrom>
+                <a:clrTo>
+                  <a:srgbClr val="2F64D1">
+                    <a:alpha val="0"/>
+                  </a:srgbClr>
+                </a:clrTo>
+              </a:clrChange>
+            </a:blip>
+            <a:stretch>
+              <a:fillRect/>
+            </a:stretch>
+          </p:blipFill>
+          <p:spPr>
+            <a:xfrm rot="20400000">
+              <a:off x="7371776" y="5498193"/>
+              <a:ext cx="881617" cy="202872"/>
+            </a:xfrm>
+            <a:prstGeom prst="rect">
+              <a:avLst/>
+            </a:prstGeom>
+            <a:solidFill>
+              <a:schemeClr val="bg2">
+                <a:lumMod val="75000"/>
+              </a:schemeClr>
+            </a:solidFill>
+            <a:ln w="12700">
+              <a:solidFill>
+                <a:schemeClr val="tx1">
+                  <a:lumMod val="50000"/>
+                  <a:lumOff val="50000"/>
+                </a:schemeClr>
+              </a:solidFill>
+              <a:prstDash val="sysDash"/>
+            </a:ln>
+          </p:spPr>
+        </p:pic>
+        <p:pic>
+          <p:nvPicPr>
+            <p:cNvPr id="1029" name="Picture 24">
+              <a:extLst>
+                <a:ext uri="{FF2B5EF4-FFF2-40B4-BE49-F238E27FC236}">
+                  <a16:creationId xmlns:a16="http://schemas.microsoft.com/office/drawing/2014/main" id="{0D486320-6D45-855D-7538-F69E76FEAA41}"/>
+                </a:ext>
+              </a:extLst>
+            </p:cNvPr>
+            <p:cNvPicPr>
+              <a:picLocks noChangeAspect="1" noChangeArrowheads="1"/>
+            </p:cNvPicPr>
+            <p:nvPr/>
+          </p:nvPicPr>
+          <p:blipFill rotWithShape="1">
+            <a:blip r:embed="rId19">
+              <a:clrChange>
+                <a:clrFrom>
+                  <a:srgbClr val="FFFFFF"/>
+                </a:clrFrom>
+                <a:clrTo>
+                  <a:srgbClr val="FFFFFF">
+                    <a:alpha val="0"/>
+                  </a:srgbClr>
+                </a:clrTo>
+              </a:clrChange>
+              <a:extLst>
+                <a:ext uri="{28A0092B-C50C-407E-A947-70E740481C1C}">
+                  <a14:useLocalDpi xmlns:a14="http://schemas.microsoft.com/office/drawing/2010/main" val="0"/>
+                </a:ext>
+              </a:extLst>
+            </a:blip>
+            <a:srcRect l="-9001" r="-13248"/>
+            <a:stretch/>
+          </p:blipFill>
+          <p:spPr bwMode="auto">
+            <a:xfrm rot="20400000">
+              <a:off x="5095780" y="5226933"/>
+              <a:ext cx="824004" cy="205863"/>
+            </a:xfrm>
+            <a:prstGeom prst="rect">
+              <a:avLst/>
+            </a:prstGeom>
+            <a:solidFill>
+              <a:schemeClr val="bg2">
+                <a:lumMod val="75000"/>
+              </a:schemeClr>
+            </a:solidFill>
+            <a:ln w="12700">
+              <a:solidFill>
+                <a:schemeClr val="tx1">
+                  <a:lumMod val="50000"/>
+                  <a:lumOff val="50000"/>
+                </a:schemeClr>
+              </a:solidFill>
+              <a:prstDash val="sysDash"/>
+            </a:ln>
+            <a:extLst>
+              <a:ext uri="{909E8E84-426E-40DD-AFC4-6F175D3DCCD1}">
+                <a14:hiddenFill xmlns:a14="http://schemas.microsoft.com/office/drawing/2010/main">
+                  <a:solidFill>
+                    <a:srgbClr val="FFFFFF"/>
+                  </a:solidFill>
+                </a14:hiddenFill>
+              </a:ext>
+            </a:extLst>
+          </p:spPr>
+        </p:pic>
+        <p:pic>
+          <p:nvPicPr>
+            <p:cNvPr id="1050" name="Picture 26" descr="Auth0 Single Sign On | Drupal.org">
+              <a:extLst>
+                <a:ext uri="{FF2B5EF4-FFF2-40B4-BE49-F238E27FC236}">
+                  <a16:creationId xmlns:a16="http://schemas.microsoft.com/office/drawing/2014/main" id="{CDB17DA6-F926-D85D-31A9-3108A34BF754}"/>
+                </a:ext>
+              </a:extLst>
+            </p:cNvPr>
+            <p:cNvPicPr>
+              <a:picLocks noChangeAspect="1" noChangeArrowheads="1"/>
+            </p:cNvPicPr>
+            <p:nvPr/>
+          </p:nvPicPr>
+          <p:blipFill rotWithShape="1">
+            <a:blip r:embed="rId20">
+              <a:clrChange>
+                <a:clrFrom>
+                  <a:srgbClr val="FFFFFF"/>
+                </a:clrFrom>
+                <a:clrTo>
+                  <a:srgbClr val="FFFFFF">
+                    <a:alpha val="0"/>
+                  </a:srgbClr>
+                </a:clrTo>
+              </a:clrChange>
+              <a:extLst>
+                <a:ext uri="{28A0092B-C50C-407E-A947-70E740481C1C}">
+                  <a14:useLocalDpi xmlns:a14="http://schemas.microsoft.com/office/drawing/2010/main" val="0"/>
+                </a:ext>
+              </a:extLst>
+            </a:blip>
+            <a:srcRect l="-8856" r="-9198"/>
+            <a:stretch/>
+          </p:blipFill>
+          <p:spPr bwMode="auto">
+            <a:xfrm rot="20400000">
+              <a:off x="9706018" y="5804365"/>
+              <a:ext cx="896769" cy="224391"/>
+            </a:xfrm>
+            <a:prstGeom prst="rect">
+              <a:avLst/>
+            </a:prstGeom>
+            <a:solidFill>
+              <a:schemeClr val="bg2">
+                <a:lumMod val="75000"/>
+              </a:schemeClr>
+            </a:solidFill>
+            <a:ln w="12700">
+              <a:solidFill>
+                <a:schemeClr val="tx1">
+                  <a:lumMod val="50000"/>
+                  <a:lumOff val="50000"/>
+                </a:schemeClr>
+              </a:solidFill>
+              <a:prstDash val="sysDash"/>
+            </a:ln>
+            <a:extLst>
+              <a:ext uri="{909E8E84-426E-40DD-AFC4-6F175D3DCCD1}">
+                <a14:hiddenFill xmlns:a14="http://schemas.microsoft.com/office/drawing/2010/main">
+                  <a:solidFill>
+                    <a:srgbClr val="FFFFFF"/>
+                  </a:solidFill>
+                </a14:hiddenFill>
+              </a:ext>
+            </a:extLst>
+          </p:spPr>
+        </p:pic>
+        <p:pic>
+          <p:nvPicPr>
+            <p:cNvPr id="1052" name="Picture 28" descr="Ping Identity - Tech Partners | Cloudflare">
+              <a:extLst>
+                <a:ext uri="{FF2B5EF4-FFF2-40B4-BE49-F238E27FC236}">
+                  <a16:creationId xmlns:a16="http://schemas.microsoft.com/office/drawing/2014/main" id="{70B96440-945E-5E7C-EDBC-B7D6841FF1A7}"/>
+                </a:ext>
+              </a:extLst>
+            </p:cNvPr>
+            <p:cNvPicPr>
+              <a:picLocks noChangeAspect="1" noChangeArrowheads="1"/>
+            </p:cNvPicPr>
+            <p:nvPr/>
+          </p:nvPicPr>
+          <p:blipFill rotWithShape="1">
+            <a:blip r:embed="rId21">
+              <a:clrChange>
+                <a:clrFrom>
+                  <a:srgbClr val="FFFFFF"/>
+                </a:clrFrom>
+                <a:clrTo>
+                  <a:srgbClr val="FFFFFF">
+                    <a:alpha val="0"/>
+                  </a:srgbClr>
+                </a:clrTo>
+              </a:clrChange>
+              <a:extLst>
+                <a:ext uri="{28A0092B-C50C-407E-A947-70E740481C1C}">
+                  <a14:useLocalDpi xmlns:a14="http://schemas.microsoft.com/office/drawing/2010/main" val="0"/>
+                </a:ext>
+              </a:extLst>
+            </a:blip>
+            <a:srcRect t="24073" b="21793"/>
+            <a:stretch/>
+          </p:blipFill>
+          <p:spPr bwMode="auto">
+            <a:xfrm rot="20400000">
+              <a:off x="9649415" y="5530412"/>
+              <a:ext cx="987543" cy="197030"/>
+            </a:xfrm>
+            <a:prstGeom prst="rect">
+              <a:avLst/>
+            </a:prstGeom>
+            <a:solidFill>
+              <a:schemeClr val="bg2">
+                <a:lumMod val="75000"/>
+              </a:schemeClr>
+            </a:solidFill>
+            <a:ln w="12700">
+              <a:solidFill>
+                <a:schemeClr val="tx1">
+                  <a:lumMod val="50000"/>
+                  <a:lumOff val="50000"/>
+                </a:schemeClr>
+              </a:solidFill>
+              <a:prstDash val="sysDash"/>
+            </a:ln>
+            <a:extLst>
+              <a:ext uri="{909E8E84-426E-40DD-AFC4-6F175D3DCCD1}">
+                <a14:hiddenFill xmlns:a14="http://schemas.microsoft.com/office/drawing/2010/main">
+                  <a:solidFill>
+                    <a:srgbClr val="FFFFFF"/>
+                  </a:solidFill>
+                </a14:hiddenFill>
+              </a:ext>
+            </a:extLst>
+          </p:spPr>
+        </p:pic>
+      </p:grpSp>
       <p:grpSp>
         <p:nvGrpSpPr>
           <p:cNvPr id="109" name="Group 108">
@@ -4147,7 +6196,7 @@
             <p:nvPr/>
           </p:nvPicPr>
           <p:blipFill rotWithShape="1">
-            <a:blip r:embed="rId2">
+            <a:blip r:embed="rId22">
               <a:clrChange>
                 <a:clrFrom>
                   <a:srgbClr val="FFFFFF"/>
@@ -4897,91 +6946,6 @@
           </a:p>
         </p:txBody>
       </p:sp>
-      <p:pic>
-        <p:nvPicPr>
-          <p:cNvPr id="45" name="Picture 44">
-            <a:extLst>
-              <a:ext uri="{FF2B5EF4-FFF2-40B4-BE49-F238E27FC236}">
-                <a16:creationId xmlns:a16="http://schemas.microsoft.com/office/drawing/2014/main" id="{5C282802-69F6-CA49-3830-6AB9BD64D4CF}"/>
-              </a:ext>
-            </a:extLst>
-          </p:cNvPr>
-          <p:cNvPicPr>
-            <a:picLocks noChangeAspect="1"/>
-          </p:cNvPicPr>
-          <p:nvPr/>
-        </p:nvPicPr>
-        <p:blipFill>
-          <a:blip r:embed="rId3"/>
-          <a:stretch>
-            <a:fillRect/>
-          </a:stretch>
-        </p:blipFill>
-        <p:spPr>
-          <a:xfrm rot="20400000">
-            <a:off x="6232482" y="5575358"/>
-            <a:ext cx="918256" cy="249886"/>
-          </a:xfrm>
-          <a:prstGeom prst="rect">
-            <a:avLst/>
-          </a:prstGeom>
-          <a:ln>
-            <a:solidFill>
-              <a:schemeClr val="tx1"/>
-            </a:solidFill>
-          </a:ln>
-        </p:spPr>
-      </p:pic>
-      <p:pic>
-        <p:nvPicPr>
-          <p:cNvPr id="1026" name="Picture 2" descr="Mixpanel | Attribution Platform - Ematic Solutions">
-            <a:extLst>
-              <a:ext uri="{FF2B5EF4-FFF2-40B4-BE49-F238E27FC236}">
-                <a16:creationId xmlns:a16="http://schemas.microsoft.com/office/drawing/2014/main" id="{0A4C32E7-D188-E734-8CC8-3C2588204EB4}"/>
-              </a:ext>
-            </a:extLst>
-          </p:cNvPr>
-          <p:cNvPicPr>
-            <a:picLocks noChangeAspect="1" noChangeArrowheads="1"/>
-          </p:cNvPicPr>
-          <p:nvPr/>
-        </p:nvPicPr>
-        <p:blipFill rotWithShape="1">
-          <a:blip r:embed="rId4">
-            <a:extLst>
-              <a:ext uri="{28A0092B-C50C-407E-A947-70E740481C1C}">
-                <a14:useLocalDpi xmlns:a14="http://schemas.microsoft.com/office/drawing/2010/main" val="0"/>
-              </a:ext>
-            </a:extLst>
-          </a:blip>
-          <a:srcRect l="11500" t="13488" r="11168" b="11401"/>
-          <a:stretch/>
-        </p:blipFill>
-        <p:spPr bwMode="auto">
-          <a:xfrm rot="20400000">
-            <a:off x="3958478" y="5567484"/>
-            <a:ext cx="732631" cy="265635"/>
-          </a:xfrm>
-          <a:prstGeom prst="rect">
-            <a:avLst/>
-          </a:prstGeom>
-          <a:noFill/>
-          <a:ln>
-            <a:solidFill>
-              <a:schemeClr val="tx1"/>
-            </a:solidFill>
-          </a:ln>
-          <a:extLst>
-            <a:ext uri="{909E8E84-426E-40DD-AFC4-6F175D3DCCD1}">
-              <a14:hiddenFill xmlns:a14="http://schemas.microsoft.com/office/drawing/2010/main">
-                <a:solidFill>
-                  <a:srgbClr val="FFFFFF"/>
-                </a:solidFill>
-              </a14:hiddenFill>
-            </a:ext>
-          </a:extLst>
-        </p:spPr>
-      </p:pic>
       <p:grpSp>
         <p:nvGrpSpPr>
           <p:cNvPr id="65" name="Group 64">
@@ -5299,7 +7263,7 @@
             <p:nvPr/>
           </p:nvPicPr>
           <p:blipFill>
-            <a:blip r:embed="rId5">
+            <a:blip r:embed="rId23">
               <a:extLst>
                 <a:ext uri="{28A0092B-C50C-407E-A947-70E740481C1C}">
                   <a14:useLocalDpi xmlns:a14="http://schemas.microsoft.com/office/drawing/2010/main" val="0"/>
@@ -5586,7 +7550,7 @@
             <p:nvPr/>
           </p:nvPicPr>
           <p:blipFill>
-            <a:blip r:embed="rId6">
+            <a:blip r:embed="rId24">
               <a:extLst>
                 <a:ext uri="{28A0092B-C50C-407E-A947-70E740481C1C}">
                   <a14:useLocalDpi xmlns:a14="http://schemas.microsoft.com/office/drawing/2010/main" val="0"/>
@@ -5672,150 +7636,6 @@
           </a:fontRef>
         </p:style>
       </p:cxnSp>
-      <p:pic>
-        <p:nvPicPr>
-          <p:cNvPr id="1024" name="Picture 2" descr="Chargebee Generates 280+ Leads in One Year With G2 Buyer Intent Data">
-            <a:extLst>
-              <a:ext uri="{FF2B5EF4-FFF2-40B4-BE49-F238E27FC236}">
-                <a16:creationId xmlns:a16="http://schemas.microsoft.com/office/drawing/2014/main" id="{6B0DC23E-1762-FCFD-61B8-563A0118C9D7}"/>
-              </a:ext>
-            </a:extLst>
-          </p:cNvPr>
-          <p:cNvPicPr>
-            <a:picLocks noChangeAspect="1" noChangeArrowheads="1"/>
-          </p:cNvPicPr>
-          <p:nvPr/>
-        </p:nvPicPr>
-        <p:blipFill rotWithShape="1">
-          <a:blip r:embed="rId7">
-            <a:extLst>
-              <a:ext uri="{28A0092B-C50C-407E-A947-70E740481C1C}">
-                <a14:useLocalDpi xmlns:a14="http://schemas.microsoft.com/office/drawing/2010/main" val="0"/>
-              </a:ext>
-            </a:extLst>
-          </a:blip>
-          <a:srcRect t="16171" b="17292"/>
-          <a:stretch/>
-        </p:blipFill>
-        <p:spPr bwMode="auto">
-          <a:xfrm rot="20400000">
-            <a:off x="2756254" y="5532449"/>
-            <a:ext cx="933466" cy="335705"/>
-          </a:xfrm>
-          <a:prstGeom prst="rect">
-            <a:avLst/>
-          </a:prstGeom>
-          <a:solidFill>
-            <a:srgbClr val="5746B2"/>
-          </a:solidFill>
-          <a:ln w="9525">
-            <a:solidFill>
-              <a:schemeClr val="tx1"/>
-            </a:solidFill>
-          </a:ln>
-        </p:spPr>
-      </p:pic>
-      <p:pic>
-        <p:nvPicPr>
-          <p:cNvPr id="1025" name="Picture 4">
-            <a:extLst>
-              <a:ext uri="{FF2B5EF4-FFF2-40B4-BE49-F238E27FC236}">
-                <a16:creationId xmlns:a16="http://schemas.microsoft.com/office/drawing/2014/main" id="{7AC3CE2E-3F46-F1F1-FE35-B98D9CBD693D}"/>
-              </a:ext>
-            </a:extLst>
-          </p:cNvPr>
-          <p:cNvPicPr>
-            <a:picLocks noChangeAspect="1" noChangeArrowheads="1"/>
-          </p:cNvPicPr>
-          <p:nvPr/>
-        </p:nvPicPr>
-        <p:blipFill rotWithShape="1">
-          <a:blip r:embed="rId8">
-            <a:extLst>
-              <a:ext uri="{28A0092B-C50C-407E-A947-70E740481C1C}">
-                <a14:useLocalDpi xmlns:a14="http://schemas.microsoft.com/office/drawing/2010/main" val="0"/>
-              </a:ext>
-            </a:extLst>
-          </a:blip>
-          <a:srcRect t="8416" b="8972"/>
-          <a:stretch/>
-        </p:blipFill>
-        <p:spPr bwMode="auto">
-          <a:xfrm rot="20400000">
-            <a:off x="1671178" y="5553547"/>
-            <a:ext cx="747260" cy="293509"/>
-          </a:xfrm>
-          <a:prstGeom prst="rect">
-            <a:avLst/>
-          </a:prstGeom>
-          <a:noFill/>
-          <a:ln>
-            <a:solidFill>
-              <a:schemeClr val="tx1"/>
-            </a:solidFill>
-          </a:ln>
-          <a:extLst>
-            <a:ext uri="{909E8E84-426E-40DD-AFC4-6F175D3DCCD1}">
-              <a14:hiddenFill xmlns:a14="http://schemas.microsoft.com/office/drawing/2010/main">
-                <a:solidFill>
-                  <a:srgbClr val="FFFFFF"/>
-                </a:solidFill>
-              </a14:hiddenFill>
-            </a:ext>
-          </a:extLst>
-        </p:spPr>
-      </p:pic>
-      <p:cxnSp>
-        <p:nvCxnSpPr>
-          <p:cNvPr id="1033" name="Straight Arrow Connector 29">
-            <a:extLst>
-              <a:ext uri="{FF2B5EF4-FFF2-40B4-BE49-F238E27FC236}">
-                <a16:creationId xmlns:a16="http://schemas.microsoft.com/office/drawing/2014/main" id="{DFA0CD3E-3F63-4115-88B8-81F99E887738}"/>
-              </a:ext>
-            </a:extLst>
-          </p:cNvPr>
-          <p:cNvCxnSpPr>
-            <a:cxnSpLocks/>
-            <a:stCxn id="1025" idx="3"/>
-            <a:endCxn id="1024" idx="1"/>
-          </p:cNvCxnSpPr>
-          <p:nvPr/>
-        </p:nvCxnSpPr>
-        <p:spPr>
-          <a:xfrm>
-            <a:off x="2395906" y="5572513"/>
-            <a:ext cx="388496" cy="287421"/>
-          </a:xfrm>
-          <a:prstGeom prst="bentConnector3">
-            <a:avLst>
-              <a:gd name="adj1" fmla="val 50000"/>
-            </a:avLst>
-          </a:prstGeom>
-          <a:ln w="19050" cap="flat" cmpd="sng" algn="ctr">
-            <a:solidFill>
-              <a:schemeClr val="dk1"/>
-            </a:solidFill>
-            <a:prstDash val="dash"/>
-            <a:round/>
-            <a:headEnd type="arrow" w="med" len="med"/>
-            <a:tailEnd type="none" w="med" len="med"/>
-          </a:ln>
-        </p:spPr>
-        <p:style>
-          <a:lnRef idx="0">
-            <a:scrgbClr r="0" g="0" b="0"/>
-          </a:lnRef>
-          <a:fillRef idx="0">
-            <a:scrgbClr r="0" g="0" b="0"/>
-          </a:fillRef>
-          <a:effectRef idx="0">
-            <a:scrgbClr r="0" g="0" b="0"/>
-          </a:effectRef>
-          <a:fontRef idx="minor">
-            <a:schemeClr val="tx1"/>
-          </a:fontRef>
-        </p:style>
-      </p:cxnSp>
       <p:cxnSp>
         <p:nvCxnSpPr>
           <p:cNvPr id="119" name="Straight Arrow Connector 38">
@@ -5834,8 +7654,8 @@
         </p:nvCxnSpPr>
         <p:spPr>
           <a:xfrm rot="10800000" flipV="1">
-            <a:off x="1994616" y="1009179"/>
-            <a:ext cx="1169675" cy="4553217"/>
+            <a:off x="2008520" y="1009180"/>
+            <a:ext cx="1155771" cy="4539826"/>
           </a:xfrm>
           <a:prstGeom prst="bentConnector2">
             <a:avLst/>
@@ -5865,41 +7685,6 @@
           </a:fontRef>
         </p:style>
       </p:cxnSp>
-      <p:pic>
-        <p:nvPicPr>
-          <p:cNvPr id="103" name="Picture 102">
-            <a:extLst>
-              <a:ext uri="{FF2B5EF4-FFF2-40B4-BE49-F238E27FC236}">
-                <a16:creationId xmlns:a16="http://schemas.microsoft.com/office/drawing/2014/main" id="{9A758DAF-5EE4-460C-BB67-4E01A6911ED1}"/>
-              </a:ext>
-            </a:extLst>
-          </p:cNvPr>
-          <p:cNvPicPr>
-            <a:picLocks noChangeAspect="1"/>
-          </p:cNvPicPr>
-          <p:nvPr/>
-        </p:nvPicPr>
-        <p:blipFill>
-          <a:blip r:embed="rId9"/>
-          <a:stretch>
-            <a:fillRect/>
-          </a:stretch>
-        </p:blipFill>
-        <p:spPr>
-          <a:xfrm rot="20400000">
-            <a:off x="7386688" y="5564439"/>
-            <a:ext cx="922731" cy="271724"/>
-          </a:xfrm>
-          <a:prstGeom prst="rect">
-            <a:avLst/>
-          </a:prstGeom>
-          <a:ln>
-            <a:solidFill>
-              <a:schemeClr val="tx1"/>
-            </a:solidFill>
-          </a:ln>
-        </p:spPr>
-      </p:pic>
       <p:sp>
         <p:nvSpPr>
           <p:cNvPr id="1055" name="TextBox 1054">
@@ -6289,7 +8074,7 @@
             <p:nvPr/>
           </p:nvPicPr>
           <p:blipFill>
-            <a:blip r:embed="rId10"/>
+            <a:blip r:embed="rId25"/>
             <a:stretch>
               <a:fillRect/>
             </a:stretch>
@@ -7249,8 +9034,8 @@
           </p:nvSpPr>
           <p:spPr>
             <a:xfrm rot="16200000">
-              <a:off x="7762067" y="368513"/>
-              <a:ext cx="467847" cy="3058024"/>
+              <a:off x="7762979" y="369425"/>
+              <a:ext cx="467847" cy="3056200"/>
             </a:xfrm>
             <a:prstGeom prst="rect">
               <a:avLst/>
@@ -7365,7 +9150,7 @@
             <p:nvPr/>
           </p:nvPicPr>
           <p:blipFill>
-            <a:blip r:embed="rId6">
+            <a:blip r:embed="rId24">
               <a:extLst>
                 <a:ext uri="{28A0092B-C50C-407E-A947-70E740481C1C}">
                   <a14:useLocalDpi xmlns:a14="http://schemas.microsoft.com/office/drawing/2010/main" val="0"/>
@@ -7732,19 +9517,19 @@
           </p:cNvPr>
           <p:cNvCxnSpPr>
             <a:cxnSpLocks/>
-            <a:stCxn id="1221" idx="0"/>
+            <a:stCxn id="1029" idx="0"/>
             <a:endCxn id="16" idx="3"/>
           </p:cNvCxnSpPr>
           <p:nvPr/>
         </p:nvCxnSpPr>
         <p:spPr>
           <a:xfrm rot="5400000" flipH="1" flipV="1">
-            <a:off x="5995431" y="3505118"/>
-            <a:ext cx="1540354" cy="2591529"/>
+            <a:off x="6165757" y="3337525"/>
+            <a:ext cx="1202436" cy="2588796"/>
           </a:xfrm>
           <a:prstGeom prst="bentConnector3">
             <a:avLst>
-              <a:gd name="adj1" fmla="val 23119"/>
+              <a:gd name="adj1" fmla="val 39966"/>
             </a:avLst>
           </a:prstGeom>
           <a:ln w="19050" cap="flat" cmpd="sng" algn="ctr">
@@ -7785,19 +9570,19 @@
           </p:cNvPr>
           <p:cNvCxnSpPr>
             <a:cxnSpLocks/>
-            <a:stCxn id="45" idx="0"/>
+            <a:stCxn id="121" idx="0"/>
             <a:endCxn id="16" idx="3"/>
           </p:cNvCxnSpPr>
           <p:nvPr/>
         </p:nvCxnSpPr>
         <p:spPr>
           <a:xfrm rot="5400000" flipH="1" flipV="1">
-            <a:off x="6579031" y="4100551"/>
-            <a:ext cx="1552188" cy="1412496"/>
+            <a:off x="6775949" y="3896772"/>
+            <a:ext cx="1151491" cy="1419358"/>
           </a:xfrm>
           <a:prstGeom prst="bentConnector3">
             <a:avLst>
-              <a:gd name="adj1" fmla="val 29993"/>
+              <a:gd name="adj1" fmla="val 63786"/>
             </a:avLst>
           </a:prstGeom>
           <a:ln w="19050" cap="flat" cmpd="sng" algn="ctr">
@@ -7838,19 +9623,19 @@
           </p:cNvPr>
           <p:cNvCxnSpPr>
             <a:cxnSpLocks/>
-            <a:stCxn id="1026" idx="0"/>
+            <a:stCxn id="1036" idx="0"/>
             <a:endCxn id="16" idx="3"/>
           </p:cNvCxnSpPr>
           <p:nvPr/>
         </p:nvCxnSpPr>
         <p:spPr>
           <a:xfrm rot="5400000" flipH="1" flipV="1">
-            <a:off x="5397976" y="2912098"/>
-            <a:ext cx="1544789" cy="3782005"/>
+            <a:off x="5645036" y="2696986"/>
+            <a:ext cx="1082617" cy="3750057"/>
           </a:xfrm>
           <a:prstGeom prst="bentConnector3">
             <a:avLst>
-              <a:gd name="adj1" fmla="val 16495"/>
+              <a:gd name="adj1" fmla="val 24779"/>
             </a:avLst>
           </a:prstGeom>
           <a:ln w="19050" cap="flat" cmpd="sng" algn="ctr">
@@ -7891,19 +9676,19 @@
           </p:cNvPr>
           <p:cNvCxnSpPr>
             <a:cxnSpLocks/>
-            <a:stCxn id="1024" idx="0"/>
+            <a:stCxn id="35" idx="0"/>
             <a:endCxn id="13" idx="3"/>
           </p:cNvCxnSpPr>
           <p:nvPr/>
         </p:nvCxnSpPr>
         <p:spPr>
           <a:xfrm rot="5400000" flipH="1" flipV="1">
-            <a:off x="3974384" y="3223144"/>
-            <a:ext cx="1510623" cy="3128235"/>
+            <a:off x="4139694" y="3060952"/>
+            <a:ext cx="1183121" cy="3125117"/>
           </a:xfrm>
           <a:prstGeom prst="bentConnector3">
             <a:avLst>
-              <a:gd name="adj1" fmla="val 28300"/>
+              <a:gd name="adj1" fmla="val 41949"/>
             </a:avLst>
           </a:prstGeom>
           <a:ln w="19050" cap="flat" cmpd="sng" algn="ctr">
@@ -7944,19 +9729,19 @@
           </p:cNvPr>
           <p:cNvCxnSpPr>
             <a:cxnSpLocks/>
-            <a:stCxn id="103" idx="0"/>
+            <a:stCxn id="1027" idx="0"/>
             <a:endCxn id="14" idx="3"/>
           </p:cNvCxnSpPr>
           <p:nvPr/>
         </p:nvCxnSpPr>
         <p:spPr>
           <a:xfrm rot="16200000" flipV="1">
-            <a:off x="6427642" y="4198688"/>
-            <a:ext cx="1540683" cy="1207206"/>
+            <a:off x="6449956" y="4176374"/>
+            <a:ext cx="1472361" cy="1183512"/>
           </a:xfrm>
           <a:prstGeom prst="bentConnector3">
             <a:avLst>
-              <a:gd name="adj1" fmla="val 33763"/>
+              <a:gd name="adj1" fmla="val 75014"/>
             </a:avLst>
           </a:prstGeom>
           <a:ln w="19050" cap="flat" cmpd="sng" algn="ctr">
@@ -7998,19 +9783,18 @@
           <p:cNvCxnSpPr>
             <a:cxnSpLocks/>
             <a:stCxn id="13" idx="1"/>
-            <a:endCxn id="1024" idx="1"/>
+            <a:endCxn id="1215" idx="3"/>
           </p:cNvCxnSpPr>
           <p:nvPr/>
         </p:nvCxnSpPr>
         <p:spPr>
           <a:xfrm rot="16200000" flipH="1" flipV="1">
-            <a:off x="3006229" y="2572349"/>
-            <a:ext cx="3065757" cy="3509411"/>
+            <a:off x="3461787" y="2056634"/>
+            <a:ext cx="2094484" cy="3569569"/>
           </a:xfrm>
-          <a:prstGeom prst="bentConnector4">
+          <a:prstGeom prst="bentConnector3">
             <a:avLst>
-              <a:gd name="adj1" fmla="val -11526"/>
-              <a:gd name="adj2" fmla="val 101662"/>
+              <a:gd name="adj1" fmla="val -17254"/>
             </a:avLst>
           </a:prstGeom>
           <a:ln w="19050" cap="flat" cmpd="sng" algn="ctr">
@@ -8038,41 +9822,6 @@
           </a:fontRef>
         </p:style>
       </p:cxnSp>
-      <p:sp>
-        <p:nvSpPr>
-          <p:cNvPr id="1215" name="TextBox 1214">
-            <a:extLst>
-              <a:ext uri="{FF2B5EF4-FFF2-40B4-BE49-F238E27FC236}">
-                <a16:creationId xmlns:a16="http://schemas.microsoft.com/office/drawing/2014/main" id="{8E7F38A4-6ABB-C7F8-B97F-B08E5BCF0F9B}"/>
-              </a:ext>
-            </a:extLst>
-          </p:cNvPr>
-          <p:cNvSpPr txBox="1"/>
-          <p:nvPr/>
-        </p:nvSpPr>
-        <p:spPr>
-          <a:xfrm rot="16200000">
-            <a:off x="2484865" y="5138845"/>
-            <a:ext cx="633507" cy="261610"/>
-          </a:xfrm>
-          <a:prstGeom prst="rect">
-            <a:avLst/>
-          </a:prstGeom>
-          <a:noFill/>
-        </p:spPr>
-        <p:txBody>
-          <a:bodyPr wrap="none" rtlCol="0">
-            <a:spAutoFit/>
-          </a:bodyPr>
-          <a:lstStyle/>
-          <a:p>
-            <a:r>
-              <a:rPr lang="en-NZ" sz="1100" dirty="0"/>
-              <a:t>+Events</a:t>
-            </a:r>
-          </a:p>
-        </p:txBody>
-      </p:sp>
       <p:sp>
         <p:nvSpPr>
           <p:cNvPr id="1217" name="TextBox 1216">
@@ -8108,41 +9857,6 @@
           </a:p>
         </p:txBody>
       </p:sp>
-      <p:pic>
-        <p:nvPicPr>
-          <p:cNvPr id="1221" name="Picture 1220">
-            <a:extLst>
-              <a:ext uri="{FF2B5EF4-FFF2-40B4-BE49-F238E27FC236}">
-                <a16:creationId xmlns:a16="http://schemas.microsoft.com/office/drawing/2014/main" id="{D70A1E97-4BBD-498F-88E4-E35F3C89843D}"/>
-              </a:ext>
-            </a:extLst>
-          </p:cNvPr>
-          <p:cNvPicPr>
-            <a:picLocks noChangeAspect="1"/>
-          </p:cNvPicPr>
-          <p:nvPr/>
-        </p:nvPicPr>
-        <p:blipFill>
-          <a:blip r:embed="rId11"/>
-          <a:stretch>
-            <a:fillRect/>
-          </a:stretch>
-        </p:blipFill>
-        <p:spPr>
-          <a:xfrm rot="20400000">
-            <a:off x="5028851" y="5562765"/>
-            <a:ext cx="976065" cy="275073"/>
-          </a:xfrm>
-          <a:prstGeom prst="rect">
-            <a:avLst/>
-          </a:prstGeom>
-          <a:ln>
-            <a:solidFill>
-              <a:schemeClr val="tx1"/>
-            </a:solidFill>
-          </a:ln>
-        </p:spPr>
-      </p:pic>
       <p:grpSp>
         <p:nvGrpSpPr>
           <p:cNvPr id="1132" name="Group 1131">
@@ -8244,7 +9958,7 @@
             <p:nvPr/>
           </p:nvPicPr>
           <p:blipFill>
-            <a:blip r:embed="rId12">
+            <a:blip r:embed="rId26">
               <a:extLst>
                 <a:ext uri="{28A0092B-C50C-407E-A947-70E740481C1C}">
                   <a14:useLocalDpi xmlns:a14="http://schemas.microsoft.com/office/drawing/2010/main" val="0"/>
@@ -8836,7 +10550,7 @@
             <p:nvPr/>
           </p:nvPicPr>
           <p:blipFill>
-            <a:blip r:embed="rId13"/>
+            <a:blip r:embed="rId27"/>
             <a:stretch>
               <a:fillRect/>
             </a:stretch>
@@ -8953,7 +10667,7 @@
             <p:nvPr/>
           </p:nvPicPr>
           <p:blipFill>
-            <a:blip r:embed="rId14"/>
+            <a:blip r:embed="rId28"/>
             <a:stretch>
               <a:fillRect/>
             </a:stretch>
@@ -9079,7 +10793,7 @@
             <p:nvPr/>
           </p:nvPicPr>
           <p:blipFill>
-            <a:blip r:embed="rId10"/>
+            <a:blip r:embed="rId25"/>
             <a:stretch>
               <a:fillRect/>
             </a:stretch>
@@ -9191,7 +10905,7 @@
             <p:nvPr/>
           </p:nvPicPr>
           <p:blipFill>
-            <a:blip r:embed="rId10"/>
+            <a:blip r:embed="rId25"/>
             <a:stretch>
               <a:fillRect/>
             </a:stretch>
@@ -9319,7 +11033,7 @@
             <p:nvPr/>
           </p:nvPicPr>
           <p:blipFill>
-            <a:blip r:embed="rId15">
+            <a:blip r:embed="rId29">
               <a:extLst>
                 <a:ext uri="{28A0092B-C50C-407E-A947-70E740481C1C}">
                   <a14:useLocalDpi xmlns:a14="http://schemas.microsoft.com/office/drawing/2010/main" val="0"/>
@@ -9462,7 +11176,7 @@
             <p:nvPr/>
           </p:nvPicPr>
           <p:blipFill>
-            <a:blip r:embed="rId16">
+            <a:blip r:embed="rId30">
               <a:extLst>
                 <a:ext uri="{28A0092B-C50C-407E-A947-70E740481C1C}">
                   <a14:useLocalDpi xmlns:a14="http://schemas.microsoft.com/office/drawing/2010/main" val="0"/>
@@ -9621,7 +11335,7 @@
             <p:nvPr/>
           </p:nvPicPr>
           <p:blipFill>
-            <a:blip r:embed="rId17">
+            <a:blip r:embed="rId31">
               <a:extLst>
                 <a:ext uri="{28A0092B-C50C-407E-A947-70E740481C1C}">
                   <a14:useLocalDpi xmlns:a14="http://schemas.microsoft.com/office/drawing/2010/main" val="0"/>
@@ -9755,7 +11469,7 @@
             <p:nvPr/>
           </p:nvPicPr>
           <p:blipFill>
-            <a:blip r:embed="rId14"/>
+            <a:blip r:embed="rId28"/>
             <a:stretch>
               <a:fillRect/>
             </a:stretch>
@@ -9975,110 +11689,6 @@
           </a:p>
         </p:txBody>
       </p:sp>
-      <p:pic>
-        <p:nvPicPr>
-          <p:cNvPr id="1083" name="Picture 2" descr="google - Wikipedia">
-            <a:extLst>
-              <a:ext uri="{FF2B5EF4-FFF2-40B4-BE49-F238E27FC236}">
-                <a16:creationId xmlns:a16="http://schemas.microsoft.com/office/drawing/2014/main" id="{C1490A4B-2729-F71B-D2B2-3A65A9CB9EB9}"/>
-              </a:ext>
-            </a:extLst>
-          </p:cNvPr>
-          <p:cNvPicPr>
-            <a:picLocks noChangeAspect="1" noChangeArrowheads="1"/>
-          </p:cNvPicPr>
-          <p:nvPr/>
-        </p:nvPicPr>
-        <p:blipFill>
-          <a:blip r:embed="rId18">
-            <a:extLst>
-              <a:ext uri="{28A0092B-C50C-407E-A947-70E740481C1C}">
-                <a14:useLocalDpi xmlns:a14="http://schemas.microsoft.com/office/drawing/2010/main" val="0"/>
-              </a:ext>
-            </a:extLst>
-          </a:blip>
-          <a:srcRect/>
-          <a:stretch>
-            <a:fillRect/>
-          </a:stretch>
-        </p:blipFill>
-        <p:spPr bwMode="auto">
-          <a:xfrm rot="20400000">
-            <a:off x="8632789" y="5565763"/>
-            <a:ext cx="785486" cy="264542"/>
-          </a:xfrm>
-          <a:prstGeom prst="rect">
-            <a:avLst/>
-          </a:prstGeom>
-          <a:noFill/>
-          <a:ln w="9525">
-            <a:solidFill>
-              <a:schemeClr val="tx1"/>
-            </a:solidFill>
-          </a:ln>
-          <a:extLst>
-            <a:ext uri="{909E8E84-426E-40DD-AFC4-6F175D3DCCD1}">
-              <a14:hiddenFill xmlns:a14="http://schemas.microsoft.com/office/drawing/2010/main">
-                <a:solidFill>
-                  <a:srgbClr val="FFFFFF"/>
-                </a:solidFill>
-              </a14:hiddenFill>
-            </a:ext>
-          </a:extLst>
-        </p:spPr>
-      </p:pic>
-      <p:pic>
-        <p:nvPicPr>
-          <p:cNvPr id="1084" name="Picture 4">
-            <a:extLst>
-              <a:ext uri="{FF2B5EF4-FFF2-40B4-BE49-F238E27FC236}">
-                <a16:creationId xmlns:a16="http://schemas.microsoft.com/office/drawing/2014/main" id="{8C14C4A7-87FB-5F5B-B9BC-2F74E9F87202}"/>
-              </a:ext>
-            </a:extLst>
-          </p:cNvPr>
-          <p:cNvPicPr>
-            <a:picLocks noChangeAspect="1" noChangeArrowheads="1"/>
-          </p:cNvPicPr>
-          <p:nvPr/>
-        </p:nvPicPr>
-        <p:blipFill>
-          <a:blip r:embed="rId19">
-            <a:extLst>
-              <a:ext uri="{28A0092B-C50C-407E-A947-70E740481C1C}">
-                <a14:useLocalDpi xmlns:a14="http://schemas.microsoft.com/office/drawing/2010/main" val="0"/>
-              </a:ext>
-            </a:extLst>
-          </a:blip>
-          <a:srcRect/>
-          <a:stretch>
-            <a:fillRect/>
-          </a:stretch>
-        </p:blipFill>
-        <p:spPr bwMode="auto">
-          <a:xfrm rot="20400000">
-            <a:off x="8506934" y="5203191"/>
-            <a:ext cx="990648" cy="209521"/>
-          </a:xfrm>
-          <a:prstGeom prst="rect">
-            <a:avLst/>
-          </a:prstGeom>
-          <a:noFill/>
-          <a:ln w="9525">
-            <a:solidFill>
-              <a:schemeClr val="tx1"/>
-            </a:solidFill>
-          </a:ln>
-          <a:extLst>
-            <a:ext uri="{909E8E84-426E-40DD-AFC4-6F175D3DCCD1}">
-              <a14:hiddenFill xmlns:a14="http://schemas.microsoft.com/office/drawing/2010/main">
-                <a:solidFill>
-                  <a:srgbClr val="FFFFFF"/>
-                </a:solidFill>
-              </a14:hiddenFill>
-            </a:ext>
-          </a:extLst>
-        </p:spPr>
-      </p:pic>
       <p:cxnSp>
         <p:nvCxnSpPr>
           <p:cNvPr id="1111" name="Straight Arrow Connector 29">
@@ -10090,19 +11700,19 @@
           </p:cNvPr>
           <p:cNvCxnSpPr>
             <a:cxnSpLocks/>
-            <a:stCxn id="1084" idx="0"/>
+            <a:stCxn id="122" idx="0"/>
             <a:endCxn id="23" idx="3"/>
           </p:cNvCxnSpPr>
           <p:nvPr/>
         </p:nvCxnSpPr>
         <p:spPr>
           <a:xfrm rot="16200000" flipV="1">
-            <a:off x="6885363" y="3128444"/>
-            <a:ext cx="1177653" cy="2984478"/>
+            <a:off x="6860394" y="3153412"/>
+            <a:ext cx="1217264" cy="2974152"/>
           </a:xfrm>
           <a:prstGeom prst="bentConnector3">
             <a:avLst>
-              <a:gd name="adj1" fmla="val 18502"/>
+              <a:gd name="adj1" fmla="val 21830"/>
             </a:avLst>
           </a:prstGeom>
           <a:ln w="19050" cap="flat" cmpd="sng" algn="ctr">
@@ -10132,683 +11742,6 @@
           </a:fontRef>
         </p:style>
       </p:cxnSp>
-      <p:sp>
-        <p:nvSpPr>
-          <p:cNvPr id="1124" name="Rectangle 1123">
-            <a:extLst>
-              <a:ext uri="{FF2B5EF4-FFF2-40B4-BE49-F238E27FC236}">
-                <a16:creationId xmlns:a16="http://schemas.microsoft.com/office/drawing/2014/main" id="{ED35A757-8F32-C59F-713E-BC68B3866761}"/>
-              </a:ext>
-            </a:extLst>
-          </p:cNvPr>
-          <p:cNvSpPr/>
-          <p:nvPr/>
-        </p:nvSpPr>
-        <p:spPr>
-          <a:xfrm rot="20400000">
-            <a:off x="9680970" y="5586117"/>
-            <a:ext cx="926590" cy="228794"/>
-          </a:xfrm>
-          <a:prstGeom prst="rect">
-            <a:avLst/>
-          </a:prstGeom>
-          <a:solidFill>
-            <a:srgbClr val="4472C4"/>
-          </a:solidFill>
-        </p:spPr>
-        <p:style>
-          <a:lnRef idx="2">
-            <a:schemeClr val="accent1">
-              <a:shade val="50000"/>
-            </a:schemeClr>
-          </a:lnRef>
-          <a:fillRef idx="1">
-            <a:schemeClr val="accent1"/>
-          </a:fillRef>
-          <a:effectRef idx="0">
-            <a:schemeClr val="accent1"/>
-          </a:effectRef>
-          <a:fontRef idx="minor">
-            <a:schemeClr val="lt1"/>
-          </a:fontRef>
-        </p:style>
-        <p:txBody>
-          <a:bodyPr rtlCol="0" anchor="ctr"/>
-          <a:lstStyle/>
-          <a:p>
-            <a:pPr algn="ctr"/>
-            <a:r>
-              <a:rPr lang="en-US" sz="1200" dirty="0">
-                <a:solidFill>
-                  <a:schemeClr val="bg1"/>
-                </a:solidFill>
-              </a:rPr>
-              <a:t>AuthN API</a:t>
-            </a:r>
-            <a:endParaRPr lang="en-NZ" sz="1200" dirty="0">
-              <a:solidFill>
-                <a:schemeClr val="bg1"/>
-              </a:solidFill>
-            </a:endParaRPr>
-          </a:p>
-        </p:txBody>
-      </p:sp>
-      <p:sp>
-        <p:nvSpPr>
-          <p:cNvPr id="1126" name="Rectangle 1125">
-            <a:extLst>
-              <a:ext uri="{FF2B5EF4-FFF2-40B4-BE49-F238E27FC236}">
-                <a16:creationId xmlns:a16="http://schemas.microsoft.com/office/drawing/2014/main" id="{9BD93A82-2A39-DB90-1195-67F1CB7B5EC7}"/>
-              </a:ext>
-            </a:extLst>
-          </p:cNvPr>
-          <p:cNvSpPr/>
-          <p:nvPr/>
-        </p:nvSpPr>
-        <p:spPr>
-          <a:xfrm rot="20400000">
-            <a:off x="9706728" y="5973441"/>
-            <a:ext cx="926590" cy="196725"/>
-          </a:xfrm>
-          <a:prstGeom prst="rect">
-            <a:avLst/>
-          </a:prstGeom>
-          <a:solidFill>
-            <a:schemeClr val="bg2">
-              <a:lumMod val="75000"/>
-            </a:schemeClr>
-          </a:solidFill>
-          <a:ln>
-            <a:solidFill>
-              <a:schemeClr val="tx1">
-                <a:lumMod val="50000"/>
-                <a:lumOff val="50000"/>
-              </a:schemeClr>
-            </a:solidFill>
-          </a:ln>
-        </p:spPr>
-        <p:style>
-          <a:lnRef idx="2">
-            <a:schemeClr val="accent1">
-              <a:shade val="50000"/>
-            </a:schemeClr>
-          </a:lnRef>
-          <a:fillRef idx="1">
-            <a:schemeClr val="accent1"/>
-          </a:fillRef>
-          <a:effectRef idx="0">
-            <a:schemeClr val="accent1"/>
-          </a:effectRef>
-          <a:fontRef idx="minor">
-            <a:schemeClr val="lt1"/>
-          </a:fontRef>
-        </p:style>
-        <p:txBody>
-          <a:bodyPr rtlCol="0" anchor="ctr"/>
-          <a:lstStyle/>
-          <a:p>
-            <a:pPr algn="ctr"/>
-            <a:r>
-              <a:rPr lang="en-US" sz="1200" dirty="0">
-                <a:solidFill>
-                  <a:schemeClr val="tx1">
-                    <a:lumMod val="50000"/>
-                    <a:lumOff val="50000"/>
-                  </a:schemeClr>
-                </a:solidFill>
-              </a:rPr>
-              <a:t>Other?</a:t>
-            </a:r>
-            <a:endParaRPr lang="en-NZ" sz="1200" dirty="0">
-              <a:solidFill>
-                <a:schemeClr val="tx1">
-                  <a:lumMod val="50000"/>
-                  <a:lumOff val="50000"/>
-                </a:schemeClr>
-              </a:solidFill>
-            </a:endParaRPr>
-          </a:p>
-        </p:txBody>
-      </p:sp>
-      <p:sp>
-        <p:nvSpPr>
-          <p:cNvPr id="1127" name="Rectangle 1126">
-            <a:extLst>
-              <a:ext uri="{FF2B5EF4-FFF2-40B4-BE49-F238E27FC236}">
-                <a16:creationId xmlns:a16="http://schemas.microsoft.com/office/drawing/2014/main" id="{943F0BCD-640B-AABA-6E6F-24224F09D2EE}"/>
-              </a:ext>
-            </a:extLst>
-          </p:cNvPr>
-          <p:cNvSpPr/>
-          <p:nvPr/>
-        </p:nvSpPr>
-        <p:spPr>
-          <a:xfrm rot="20400000">
-            <a:off x="7395772" y="5973441"/>
-            <a:ext cx="926590" cy="196725"/>
-          </a:xfrm>
-          <a:prstGeom prst="rect">
-            <a:avLst/>
-          </a:prstGeom>
-          <a:solidFill>
-            <a:schemeClr val="bg2">
-              <a:lumMod val="75000"/>
-            </a:schemeClr>
-          </a:solidFill>
-          <a:ln>
-            <a:solidFill>
-              <a:schemeClr val="tx1">
-                <a:lumMod val="50000"/>
-                <a:lumOff val="50000"/>
-              </a:schemeClr>
-            </a:solidFill>
-          </a:ln>
-        </p:spPr>
-        <p:style>
-          <a:lnRef idx="2">
-            <a:schemeClr val="accent1">
-              <a:shade val="50000"/>
-            </a:schemeClr>
-          </a:lnRef>
-          <a:fillRef idx="1">
-            <a:schemeClr val="accent1"/>
-          </a:fillRef>
-          <a:effectRef idx="0">
-            <a:schemeClr val="accent1"/>
-          </a:effectRef>
-          <a:fontRef idx="minor">
-            <a:schemeClr val="lt1"/>
-          </a:fontRef>
-        </p:style>
-        <p:txBody>
-          <a:bodyPr rtlCol="0" anchor="ctr"/>
-          <a:lstStyle/>
-          <a:p>
-            <a:pPr algn="ctr"/>
-            <a:r>
-              <a:rPr lang="en-US" sz="1200" dirty="0">
-                <a:solidFill>
-                  <a:schemeClr val="tx1">
-                    <a:lumMod val="50000"/>
-                    <a:lumOff val="50000"/>
-                  </a:schemeClr>
-                </a:solidFill>
-              </a:rPr>
-              <a:t>Other?</a:t>
-            </a:r>
-            <a:endParaRPr lang="en-NZ" sz="1200" dirty="0">
-              <a:solidFill>
-                <a:schemeClr val="tx1">
-                  <a:lumMod val="50000"/>
-                  <a:lumOff val="50000"/>
-                </a:schemeClr>
-              </a:solidFill>
-            </a:endParaRPr>
-          </a:p>
-        </p:txBody>
-      </p:sp>
-      <p:sp>
-        <p:nvSpPr>
-          <p:cNvPr id="1128" name="Rectangle 1127">
-            <a:extLst>
-              <a:ext uri="{FF2B5EF4-FFF2-40B4-BE49-F238E27FC236}">
-                <a16:creationId xmlns:a16="http://schemas.microsoft.com/office/drawing/2014/main" id="{D595ED4D-ED95-E379-D5A4-D07BF6C75DB4}"/>
-              </a:ext>
-            </a:extLst>
-          </p:cNvPr>
-          <p:cNvSpPr/>
-          <p:nvPr/>
-        </p:nvSpPr>
-        <p:spPr>
-          <a:xfrm rot="20400000">
-            <a:off x="6246051" y="5973441"/>
-            <a:ext cx="926590" cy="196725"/>
-          </a:xfrm>
-          <a:prstGeom prst="rect">
-            <a:avLst/>
-          </a:prstGeom>
-          <a:solidFill>
-            <a:schemeClr val="bg2">
-              <a:lumMod val="75000"/>
-            </a:schemeClr>
-          </a:solidFill>
-          <a:ln>
-            <a:solidFill>
-              <a:schemeClr val="tx1">
-                <a:lumMod val="50000"/>
-                <a:lumOff val="50000"/>
-              </a:schemeClr>
-            </a:solidFill>
-          </a:ln>
-        </p:spPr>
-        <p:style>
-          <a:lnRef idx="2">
-            <a:schemeClr val="accent1">
-              <a:shade val="50000"/>
-            </a:schemeClr>
-          </a:lnRef>
-          <a:fillRef idx="1">
-            <a:schemeClr val="accent1"/>
-          </a:fillRef>
-          <a:effectRef idx="0">
-            <a:schemeClr val="accent1"/>
-          </a:effectRef>
-          <a:fontRef idx="minor">
-            <a:schemeClr val="lt1"/>
-          </a:fontRef>
-        </p:style>
-        <p:txBody>
-          <a:bodyPr rtlCol="0" anchor="ctr"/>
-          <a:lstStyle/>
-          <a:p>
-            <a:pPr algn="ctr"/>
-            <a:r>
-              <a:rPr lang="en-US" sz="1200" dirty="0">
-                <a:solidFill>
-                  <a:schemeClr val="tx1">
-                    <a:lumMod val="50000"/>
-                    <a:lumOff val="50000"/>
-                  </a:schemeClr>
-                </a:solidFill>
-              </a:rPr>
-              <a:t>Other?</a:t>
-            </a:r>
-            <a:endParaRPr lang="en-NZ" sz="1200" dirty="0">
-              <a:solidFill>
-                <a:schemeClr val="tx1">
-                  <a:lumMod val="50000"/>
-                  <a:lumOff val="50000"/>
-                </a:schemeClr>
-              </a:solidFill>
-            </a:endParaRPr>
-          </a:p>
-        </p:txBody>
-      </p:sp>
-      <p:sp>
-        <p:nvSpPr>
-          <p:cNvPr id="1129" name="Rectangle 1128">
-            <a:extLst>
-              <a:ext uri="{FF2B5EF4-FFF2-40B4-BE49-F238E27FC236}">
-                <a16:creationId xmlns:a16="http://schemas.microsoft.com/office/drawing/2014/main" id="{11FB7093-8D74-25B3-C378-8E2BC40CF11F}"/>
-              </a:ext>
-            </a:extLst>
-          </p:cNvPr>
-          <p:cNvSpPr/>
-          <p:nvPr/>
-        </p:nvSpPr>
-        <p:spPr>
-          <a:xfrm rot="20400000">
-            <a:off x="5061318" y="5973441"/>
-            <a:ext cx="926590" cy="196725"/>
-          </a:xfrm>
-          <a:prstGeom prst="rect">
-            <a:avLst/>
-          </a:prstGeom>
-          <a:solidFill>
-            <a:schemeClr val="bg2">
-              <a:lumMod val="75000"/>
-            </a:schemeClr>
-          </a:solidFill>
-          <a:ln>
-            <a:solidFill>
-              <a:schemeClr val="tx1">
-                <a:lumMod val="50000"/>
-                <a:lumOff val="50000"/>
-              </a:schemeClr>
-            </a:solidFill>
-          </a:ln>
-        </p:spPr>
-        <p:style>
-          <a:lnRef idx="2">
-            <a:schemeClr val="accent1">
-              <a:shade val="50000"/>
-            </a:schemeClr>
-          </a:lnRef>
-          <a:fillRef idx="1">
-            <a:schemeClr val="accent1"/>
-          </a:fillRef>
-          <a:effectRef idx="0">
-            <a:schemeClr val="accent1"/>
-          </a:effectRef>
-          <a:fontRef idx="minor">
-            <a:schemeClr val="lt1"/>
-          </a:fontRef>
-        </p:style>
-        <p:txBody>
-          <a:bodyPr rtlCol="0" anchor="ctr"/>
-          <a:lstStyle/>
-          <a:p>
-            <a:pPr algn="ctr"/>
-            <a:r>
-              <a:rPr lang="en-US" sz="1200" dirty="0">
-                <a:solidFill>
-                  <a:schemeClr val="tx1">
-                    <a:lumMod val="50000"/>
-                    <a:lumOff val="50000"/>
-                  </a:schemeClr>
-                </a:solidFill>
-              </a:rPr>
-              <a:t>Other?</a:t>
-            </a:r>
-            <a:endParaRPr lang="en-NZ" sz="1200" dirty="0">
-              <a:solidFill>
-                <a:schemeClr val="tx1">
-                  <a:lumMod val="50000"/>
-                  <a:lumOff val="50000"/>
-                </a:schemeClr>
-              </a:solidFill>
-            </a:endParaRPr>
-          </a:p>
-        </p:txBody>
-      </p:sp>
-      <p:sp>
-        <p:nvSpPr>
-          <p:cNvPr id="1131" name="Rectangle 1130">
-            <a:extLst>
-              <a:ext uri="{FF2B5EF4-FFF2-40B4-BE49-F238E27FC236}">
-                <a16:creationId xmlns:a16="http://schemas.microsoft.com/office/drawing/2014/main" id="{783D8BAF-AD1E-EE11-898A-7648CAC00E14}"/>
-              </a:ext>
-            </a:extLst>
-          </p:cNvPr>
-          <p:cNvSpPr/>
-          <p:nvPr/>
-        </p:nvSpPr>
-        <p:spPr>
-          <a:xfrm rot="20400000">
-            <a:off x="3901584" y="5973441"/>
-            <a:ext cx="926590" cy="196725"/>
-          </a:xfrm>
-          <a:prstGeom prst="rect">
-            <a:avLst/>
-          </a:prstGeom>
-          <a:solidFill>
-            <a:schemeClr val="bg2">
-              <a:lumMod val="75000"/>
-            </a:schemeClr>
-          </a:solidFill>
-          <a:ln>
-            <a:solidFill>
-              <a:schemeClr val="tx1">
-                <a:lumMod val="50000"/>
-                <a:lumOff val="50000"/>
-              </a:schemeClr>
-            </a:solidFill>
-          </a:ln>
-        </p:spPr>
-        <p:style>
-          <a:lnRef idx="2">
-            <a:schemeClr val="accent1">
-              <a:shade val="50000"/>
-            </a:schemeClr>
-          </a:lnRef>
-          <a:fillRef idx="1">
-            <a:schemeClr val="accent1"/>
-          </a:fillRef>
-          <a:effectRef idx="0">
-            <a:schemeClr val="accent1"/>
-          </a:effectRef>
-          <a:fontRef idx="minor">
-            <a:schemeClr val="lt1"/>
-          </a:fontRef>
-        </p:style>
-        <p:txBody>
-          <a:bodyPr rtlCol="0" anchor="ctr"/>
-          <a:lstStyle/>
-          <a:p>
-            <a:pPr algn="ctr"/>
-            <a:r>
-              <a:rPr lang="en-US" sz="1200" dirty="0">
-                <a:solidFill>
-                  <a:schemeClr val="tx1">
-                    <a:lumMod val="50000"/>
-                    <a:lumOff val="50000"/>
-                  </a:schemeClr>
-                </a:solidFill>
-              </a:rPr>
-              <a:t>Other?</a:t>
-            </a:r>
-            <a:endParaRPr lang="en-NZ" sz="1200" dirty="0">
-              <a:solidFill>
-                <a:schemeClr val="tx1">
-                  <a:lumMod val="50000"/>
-                  <a:lumOff val="50000"/>
-                </a:schemeClr>
-              </a:solidFill>
-            </a:endParaRPr>
-          </a:p>
-        </p:txBody>
-      </p:sp>
-      <p:sp>
-        <p:nvSpPr>
-          <p:cNvPr id="1133" name="Rectangle 1132">
-            <a:extLst>
-              <a:ext uri="{FF2B5EF4-FFF2-40B4-BE49-F238E27FC236}">
-                <a16:creationId xmlns:a16="http://schemas.microsoft.com/office/drawing/2014/main" id="{67F1C157-B016-40B3-00EE-AE8E6315BE13}"/>
-              </a:ext>
-            </a:extLst>
-          </p:cNvPr>
-          <p:cNvSpPr/>
-          <p:nvPr/>
-        </p:nvSpPr>
-        <p:spPr>
-          <a:xfrm rot="20400000">
-            <a:off x="2801148" y="5973441"/>
-            <a:ext cx="926590" cy="196725"/>
-          </a:xfrm>
-          <a:prstGeom prst="rect">
-            <a:avLst/>
-          </a:prstGeom>
-          <a:solidFill>
-            <a:schemeClr val="bg2">
-              <a:lumMod val="75000"/>
-            </a:schemeClr>
-          </a:solidFill>
-          <a:ln>
-            <a:solidFill>
-              <a:schemeClr val="tx1">
-                <a:lumMod val="50000"/>
-                <a:lumOff val="50000"/>
-              </a:schemeClr>
-            </a:solidFill>
-          </a:ln>
-        </p:spPr>
-        <p:style>
-          <a:lnRef idx="2">
-            <a:schemeClr val="accent1">
-              <a:shade val="50000"/>
-            </a:schemeClr>
-          </a:lnRef>
-          <a:fillRef idx="1">
-            <a:schemeClr val="accent1"/>
-          </a:fillRef>
-          <a:effectRef idx="0">
-            <a:schemeClr val="accent1"/>
-          </a:effectRef>
-          <a:fontRef idx="minor">
-            <a:schemeClr val="lt1"/>
-          </a:fontRef>
-        </p:style>
-        <p:txBody>
-          <a:bodyPr rtlCol="0" anchor="ctr"/>
-          <a:lstStyle/>
-          <a:p>
-            <a:pPr algn="ctr"/>
-            <a:r>
-              <a:rPr lang="en-US" sz="1200" dirty="0">
-                <a:solidFill>
-                  <a:schemeClr val="tx1">
-                    <a:lumMod val="50000"/>
-                    <a:lumOff val="50000"/>
-                  </a:schemeClr>
-                </a:solidFill>
-              </a:rPr>
-              <a:t>Other?</a:t>
-            </a:r>
-            <a:endParaRPr lang="en-NZ" sz="1200" dirty="0">
-              <a:solidFill>
-                <a:schemeClr val="tx1">
-                  <a:lumMod val="50000"/>
-                  <a:lumOff val="50000"/>
-                </a:schemeClr>
-              </a:solidFill>
-            </a:endParaRPr>
-          </a:p>
-        </p:txBody>
-      </p:sp>
-      <p:sp>
-        <p:nvSpPr>
-          <p:cNvPr id="1134" name="Rectangle 1133">
-            <a:extLst>
-              <a:ext uri="{FF2B5EF4-FFF2-40B4-BE49-F238E27FC236}">
-                <a16:creationId xmlns:a16="http://schemas.microsoft.com/office/drawing/2014/main" id="{1755E447-C8BC-9AA3-7E0F-517DB79B732D}"/>
-              </a:ext>
-            </a:extLst>
-          </p:cNvPr>
-          <p:cNvSpPr/>
-          <p:nvPr/>
-        </p:nvSpPr>
-        <p:spPr>
-          <a:xfrm rot="20400000">
-            <a:off x="1591581" y="5973441"/>
-            <a:ext cx="926590" cy="196725"/>
-          </a:xfrm>
-          <a:prstGeom prst="rect">
-            <a:avLst/>
-          </a:prstGeom>
-          <a:solidFill>
-            <a:schemeClr val="bg2">
-              <a:lumMod val="75000"/>
-            </a:schemeClr>
-          </a:solidFill>
-          <a:ln>
-            <a:solidFill>
-              <a:schemeClr val="tx1">
-                <a:lumMod val="50000"/>
-                <a:lumOff val="50000"/>
-              </a:schemeClr>
-            </a:solidFill>
-          </a:ln>
-        </p:spPr>
-        <p:style>
-          <a:lnRef idx="2">
-            <a:schemeClr val="accent1">
-              <a:shade val="50000"/>
-            </a:schemeClr>
-          </a:lnRef>
-          <a:fillRef idx="1">
-            <a:schemeClr val="accent1"/>
-          </a:fillRef>
-          <a:effectRef idx="0">
-            <a:schemeClr val="accent1"/>
-          </a:effectRef>
-          <a:fontRef idx="minor">
-            <a:schemeClr val="lt1"/>
-          </a:fontRef>
-        </p:style>
-        <p:txBody>
-          <a:bodyPr rtlCol="0" anchor="ctr"/>
-          <a:lstStyle/>
-          <a:p>
-            <a:pPr algn="ctr"/>
-            <a:r>
-              <a:rPr lang="en-US" sz="1200" dirty="0">
-                <a:solidFill>
-                  <a:schemeClr val="tx1">
-                    <a:lumMod val="50000"/>
-                    <a:lumOff val="50000"/>
-                  </a:schemeClr>
-                </a:solidFill>
-              </a:rPr>
-              <a:t>Other?</a:t>
-            </a:r>
-            <a:endParaRPr lang="en-NZ" sz="1200" dirty="0">
-              <a:solidFill>
-                <a:schemeClr val="tx1">
-                  <a:lumMod val="50000"/>
-                  <a:lumOff val="50000"/>
-                </a:schemeClr>
-              </a:solidFill>
-            </a:endParaRPr>
-          </a:p>
-        </p:txBody>
-      </p:sp>
-      <p:sp>
-        <p:nvSpPr>
-          <p:cNvPr id="1140" name="Rectangle 1139">
-            <a:extLst>
-              <a:ext uri="{FF2B5EF4-FFF2-40B4-BE49-F238E27FC236}">
-                <a16:creationId xmlns:a16="http://schemas.microsoft.com/office/drawing/2014/main" id="{5DBD2DC8-487B-7BA3-A1DA-BA58460DE3E3}"/>
-              </a:ext>
-            </a:extLst>
-          </p:cNvPr>
-          <p:cNvSpPr/>
-          <p:nvPr/>
-        </p:nvSpPr>
-        <p:spPr>
-          <a:xfrm rot="20400000">
-            <a:off x="8538650" y="5978252"/>
-            <a:ext cx="926590" cy="196725"/>
-          </a:xfrm>
-          <a:prstGeom prst="rect">
-            <a:avLst/>
-          </a:prstGeom>
-          <a:solidFill>
-            <a:schemeClr val="bg2">
-              <a:lumMod val="75000"/>
-            </a:schemeClr>
-          </a:solidFill>
-          <a:ln>
-            <a:solidFill>
-              <a:schemeClr val="tx1">
-                <a:lumMod val="50000"/>
-                <a:lumOff val="50000"/>
-              </a:schemeClr>
-            </a:solidFill>
-          </a:ln>
-        </p:spPr>
-        <p:style>
-          <a:lnRef idx="2">
-            <a:schemeClr val="accent1">
-              <a:shade val="50000"/>
-            </a:schemeClr>
-          </a:lnRef>
-          <a:fillRef idx="1">
-            <a:schemeClr val="accent1"/>
-          </a:fillRef>
-          <a:effectRef idx="0">
-            <a:schemeClr val="accent1"/>
-          </a:effectRef>
-          <a:fontRef idx="minor">
-            <a:schemeClr val="lt1"/>
-          </a:fontRef>
-        </p:style>
-        <p:txBody>
-          <a:bodyPr rtlCol="0" anchor="ctr"/>
-          <a:lstStyle/>
-          <a:p>
-            <a:pPr algn="ctr"/>
-            <a:r>
-              <a:rPr lang="en-US" sz="1200" dirty="0">
-                <a:solidFill>
-                  <a:schemeClr val="tx1">
-                    <a:lumMod val="50000"/>
-                    <a:lumOff val="50000"/>
-                  </a:schemeClr>
-                </a:solidFill>
-              </a:rPr>
-              <a:t>Other?</a:t>
-            </a:r>
-            <a:endParaRPr lang="en-NZ" sz="1200" dirty="0">
-              <a:solidFill>
-                <a:schemeClr val="tx1">
-                  <a:lumMod val="50000"/>
-                  <a:lumOff val="50000"/>
-                </a:schemeClr>
-              </a:solidFill>
-            </a:endParaRPr>
-          </a:p>
-        </p:txBody>
-      </p:sp>
     </p:spTree>
     <p:extLst>
       <p:ext uri="{BB962C8B-B14F-4D97-AF65-F5344CB8AC3E}">
@@ -10841,10 +11774,10 @@
       </p:grpSpPr>
       <p:grpSp>
         <p:nvGrpSpPr>
-          <p:cNvPr id="19" name="Group 18">
+          <p:cNvPr id="6" name="Group 5">
             <a:extLst>
               <a:ext uri="{FF2B5EF4-FFF2-40B4-BE49-F238E27FC236}">
-                <a16:creationId xmlns:a16="http://schemas.microsoft.com/office/drawing/2014/main" id="{21102186-940F-7C29-8E4B-A97659F3DC5D}"/>
+                <a16:creationId xmlns:a16="http://schemas.microsoft.com/office/drawing/2014/main" id="{761781B9-3FD6-6F02-EE62-B7149D5FAE8C}"/>
               </a:ext>
             </a:extLst>
           </p:cNvPr>
@@ -10853,18 +11786,18 @@
         </p:nvGrpSpPr>
         <p:grpSpPr>
           <a:xfrm>
-            <a:off x="1496896" y="4935101"/>
-            <a:ext cx="9200446" cy="1792852"/>
-            <a:chOff x="1496896" y="4935101"/>
-            <a:chExt cx="9200446" cy="1792852"/>
+            <a:off x="239557" y="4878562"/>
+            <a:ext cx="10863826" cy="1921694"/>
+            <a:chOff x="239557" y="4878562"/>
+            <a:chExt cx="10863826" cy="1921694"/>
           </a:xfrm>
         </p:grpSpPr>
         <p:sp>
           <p:nvSpPr>
-            <p:cNvPr id="20" name="Rectangle 19">
+            <p:cNvPr id="8" name="Rectangle 7">
               <a:extLst>
                 <a:ext uri="{FF2B5EF4-FFF2-40B4-BE49-F238E27FC236}">
-                  <a16:creationId xmlns:a16="http://schemas.microsoft.com/office/drawing/2014/main" id="{FE041AF5-5B65-08FA-15FE-85035E04AFB8}"/>
+                  <a16:creationId xmlns:a16="http://schemas.microsoft.com/office/drawing/2014/main" id="{6E8EF501-8B4C-5085-5756-101EE968BC33}"/>
                 </a:ext>
               </a:extLst>
             </p:cNvPr>
@@ -10935,10 +11868,10 @@
         </p:sp>
         <p:sp>
           <p:nvSpPr>
-            <p:cNvPr id="35" name="Rectangle 34">
+            <p:cNvPr id="17" name="Rectangle 16">
               <a:extLst>
                 <a:ext uri="{FF2B5EF4-FFF2-40B4-BE49-F238E27FC236}">
-                  <a16:creationId xmlns:a16="http://schemas.microsoft.com/office/drawing/2014/main" id="{91DC9BFF-0D1D-EE77-AFD9-72DD16F01EB9}"/>
+                  <a16:creationId xmlns:a16="http://schemas.microsoft.com/office/drawing/2014/main" id="{A63081A2-7250-4A01-985D-951F33B29641}"/>
                 </a:ext>
               </a:extLst>
             </p:cNvPr>
@@ -10988,14 +11921,14 @@
             <a:p>
               <a:pPr algn="ctr"/>
               <a:r>
-                <a:rPr lang="en-NZ" sz="1600" dirty="0">
+                <a:rPr lang="en-NZ" sz="1400" dirty="0">
                   <a:solidFill>
                     <a:schemeClr val="bg2">
                       <a:lumMod val="75000"/>
                     </a:schemeClr>
                   </a:solidFill>
                 </a:rPr>
-                <a:t>Emails</a:t>
+                <a:t>Email Delivery</a:t>
               </a:r>
               <a:endParaRPr lang="en-NZ" sz="600" dirty="0">
                 <a:solidFill>
@@ -11009,10 +11942,10 @@
         </p:sp>
         <p:sp>
           <p:nvSpPr>
-            <p:cNvPr id="37" name="Rectangle 36">
+            <p:cNvPr id="21" name="Rectangle 20">
               <a:extLst>
                 <a:ext uri="{FF2B5EF4-FFF2-40B4-BE49-F238E27FC236}">
-                  <a16:creationId xmlns:a16="http://schemas.microsoft.com/office/drawing/2014/main" id="{5C665257-970E-89D6-262B-63B55EE9F034}"/>
+                  <a16:creationId xmlns:a16="http://schemas.microsoft.com/office/drawing/2014/main" id="{4D750834-43CF-974E-1CA7-834FAA5CF9F0}"/>
                 </a:ext>
               </a:extLst>
             </p:cNvPr>
@@ -11083,10 +12016,10 @@
         </p:sp>
         <p:sp>
           <p:nvSpPr>
-            <p:cNvPr id="38" name="Rectangle 37">
+            <p:cNvPr id="22" name="Rectangle 21">
               <a:extLst>
                 <a:ext uri="{FF2B5EF4-FFF2-40B4-BE49-F238E27FC236}">
-                  <a16:creationId xmlns:a16="http://schemas.microsoft.com/office/drawing/2014/main" id="{9478EEFA-22F1-8F7B-534B-D4A3D361946C}"/>
+                  <a16:creationId xmlns:a16="http://schemas.microsoft.com/office/drawing/2014/main" id="{341AEE63-42B5-711A-A6DD-4B9B3ED47BF6}"/>
                 </a:ext>
               </a:extLst>
             </p:cNvPr>
@@ -11157,10 +12090,10 @@
         </p:sp>
         <p:sp>
           <p:nvSpPr>
-            <p:cNvPr id="42" name="Rectangle 41">
+            <p:cNvPr id="24" name="Rectangle 23">
               <a:extLst>
                 <a:ext uri="{FF2B5EF4-FFF2-40B4-BE49-F238E27FC236}">
-                  <a16:creationId xmlns:a16="http://schemas.microsoft.com/office/drawing/2014/main" id="{F301A9DD-581D-21C7-FB5C-D0AF74A9A94D}"/>
+                  <a16:creationId xmlns:a16="http://schemas.microsoft.com/office/drawing/2014/main" id="{3575241A-1B09-FB25-F64B-9349B0D5A51D}"/>
                 </a:ext>
               </a:extLst>
             </p:cNvPr>
@@ -11208,7 +12141,7 @@
             <a:bodyPr lIns="0" rIns="0" rtlCol="0" anchor="b"/>
             <a:lstStyle/>
             <a:p>
-              <a:pPr algn="ctr"/>
+              <a:pPr algn="r"/>
               <a:r>
                 <a:rPr lang="en-NZ" sz="1400" dirty="0">
                   <a:solidFill>
@@ -11217,7 +12150,7 @@
                     </a:schemeClr>
                   </a:solidFill>
                 </a:rPr>
-                <a:t>Subscriptions</a:t>
+                <a:t>Billing Subscriptions</a:t>
               </a:r>
               <a:endParaRPr lang="en-NZ" sz="600" dirty="0">
                 <a:solidFill>
@@ -11231,10 +12164,10 @@
         </p:sp>
         <p:sp>
           <p:nvSpPr>
-            <p:cNvPr id="44" name="Rectangle 43">
+            <p:cNvPr id="36" name="Rectangle 35">
               <a:extLst>
                 <a:ext uri="{FF2B5EF4-FFF2-40B4-BE49-F238E27FC236}">
-                  <a16:creationId xmlns:a16="http://schemas.microsoft.com/office/drawing/2014/main" id="{26AB813B-DCCB-8629-8843-89C4A1036361}"/>
+                  <a16:creationId xmlns:a16="http://schemas.microsoft.com/office/drawing/2014/main" id="{371BB5DF-1E36-BBFC-7F1C-3DBCDF3A3AE4}"/>
                 </a:ext>
               </a:extLst>
             </p:cNvPr>
@@ -11305,10 +12238,10 @@
         </p:sp>
         <p:sp>
           <p:nvSpPr>
-            <p:cNvPr id="45" name="Rectangle 44">
+            <p:cNvPr id="49" name="Rectangle 48">
               <a:extLst>
                 <a:ext uri="{FF2B5EF4-FFF2-40B4-BE49-F238E27FC236}">
-                  <a16:creationId xmlns:a16="http://schemas.microsoft.com/office/drawing/2014/main" id="{0196BBE3-9E5F-F3EB-8274-EC47C26F8295}"/>
+                  <a16:creationId xmlns:a16="http://schemas.microsoft.com/office/drawing/2014/main" id="{01FF71A2-9429-C257-C5B1-05481A875387}"/>
                 </a:ext>
               </a:extLst>
             </p:cNvPr>
@@ -11379,10 +12312,10 @@
         </p:sp>
         <p:sp>
           <p:nvSpPr>
-            <p:cNvPr id="46" name="Rectangle 45">
+            <p:cNvPr id="52" name="Rectangle 51">
               <a:extLst>
                 <a:ext uri="{FF2B5EF4-FFF2-40B4-BE49-F238E27FC236}">
-                  <a16:creationId xmlns:a16="http://schemas.microsoft.com/office/drawing/2014/main" id="{04C381D6-4868-FB96-7932-EBFA0C274E2D}"/>
+                  <a16:creationId xmlns:a16="http://schemas.microsoft.com/office/drawing/2014/main" id="{929455AB-A45E-F9AB-4895-C037E89EC033}"/>
                 </a:ext>
               </a:extLst>
             </p:cNvPr>
@@ -11451,1214 +12384,2148 @@
             </a:p>
           </p:txBody>
         </p:sp>
-      </p:grpSp>
-      <p:sp>
-        <p:nvSpPr>
-          <p:cNvPr id="47" name="Rectangle 46">
+        <p:sp>
+          <p:nvSpPr>
+            <p:cNvPr id="95" name="Rectangle 94">
+              <a:extLst>
+                <a:ext uri="{FF2B5EF4-FFF2-40B4-BE49-F238E27FC236}">
+                  <a16:creationId xmlns:a16="http://schemas.microsoft.com/office/drawing/2014/main" id="{50C5D652-E226-8357-17B4-8879FD15027E}"/>
+                </a:ext>
+              </a:extLst>
+            </p:cNvPr>
+            <p:cNvSpPr/>
+            <p:nvPr/>
+          </p:nvSpPr>
+          <p:spPr>
+            <a:xfrm>
+              <a:off x="239557" y="4878562"/>
+              <a:ext cx="10863826" cy="1921694"/>
+            </a:xfrm>
+            <a:prstGeom prst="rect">
+              <a:avLst/>
+            </a:prstGeom>
+            <a:noFill/>
+            <a:ln>
+              <a:prstDash val="lgDash"/>
+            </a:ln>
+          </p:spPr>
+          <p:style>
+            <a:lnRef idx="2">
+              <a:schemeClr val="accent1">
+                <a:shade val="15000"/>
+              </a:schemeClr>
+            </a:lnRef>
+            <a:fillRef idx="1">
+              <a:schemeClr val="accent1"/>
+            </a:fillRef>
+            <a:effectRef idx="0">
+              <a:schemeClr val="accent1"/>
+            </a:effectRef>
+            <a:fontRef idx="minor">
+              <a:schemeClr val="lt1"/>
+            </a:fontRef>
+          </p:style>
+          <p:txBody>
+            <a:bodyPr rtlCol="0" anchor="ctr"/>
+            <a:lstStyle/>
+            <a:p>
+              <a:r>
+                <a:rPr lang="en-NZ" sz="1200" dirty="0">
+                  <a:solidFill>
+                    <a:schemeClr val="tx1"/>
+                  </a:solidFill>
+                </a:rPr>
+                <a:t>3</a:t>
+              </a:r>
+              <a:r>
+                <a:rPr lang="en-NZ" sz="1200" baseline="30000" dirty="0">
+                  <a:solidFill>
+                    <a:schemeClr val="tx1"/>
+                  </a:solidFill>
+                </a:rPr>
+                <a:t>rd</a:t>
+              </a:r>
+              <a:r>
+                <a:rPr lang="en-NZ" sz="1200" dirty="0">
+                  <a:solidFill>
+                    <a:schemeClr val="tx1"/>
+                  </a:solidFill>
+                </a:rPr>
+                <a:t> Party </a:t>
+              </a:r>
+            </a:p>
+            <a:p>
+              <a:r>
+                <a:rPr lang="en-NZ" sz="1200" dirty="0">
+                  <a:solidFill>
+                    <a:schemeClr val="tx1"/>
+                  </a:solidFill>
+                </a:rPr>
+                <a:t>Integration</a:t>
+              </a:r>
+            </a:p>
+            <a:p>
+              <a:r>
+                <a:rPr lang="en-NZ" sz="1200" dirty="0">
+                  <a:solidFill>
+                    <a:schemeClr val="tx1"/>
+                  </a:solidFill>
+                </a:rPr>
+                <a:t>Plugins</a:t>
+              </a:r>
+            </a:p>
+          </p:txBody>
+        </p:sp>
+        <p:pic>
+          <p:nvPicPr>
+            <p:cNvPr id="96" name="Picture 95">
+              <a:extLst>
+                <a:ext uri="{FF2B5EF4-FFF2-40B4-BE49-F238E27FC236}">
+                  <a16:creationId xmlns:a16="http://schemas.microsoft.com/office/drawing/2014/main" id="{5348B616-4929-6AA9-A066-D5689E6E43CA}"/>
+                </a:ext>
+              </a:extLst>
+            </p:cNvPr>
+            <p:cNvPicPr>
+              <a:picLocks noChangeAspect="1"/>
+            </p:cNvPicPr>
+            <p:nvPr/>
+          </p:nvPicPr>
+          <p:blipFill>
+            <a:blip r:embed="rId2">
+              <a:clrChange>
+                <a:clrFrom>
+                  <a:srgbClr val="FFFFFF"/>
+                </a:clrFrom>
+                <a:clrTo>
+                  <a:srgbClr val="FFFFFF">
+                    <a:alpha val="0"/>
+                  </a:srgbClr>
+                </a:clrTo>
+              </a:clrChange>
+            </a:blip>
+            <a:stretch>
+              <a:fillRect/>
+            </a:stretch>
+          </p:blipFill>
+          <p:spPr>
+            <a:xfrm rot="20400000">
+              <a:off x="6219420" y="5789055"/>
+              <a:ext cx="918256" cy="249886"/>
+            </a:xfrm>
+            <a:prstGeom prst="rect">
+              <a:avLst/>
+            </a:prstGeom>
+            <a:solidFill>
+              <a:schemeClr val="bg2">
+                <a:lumMod val="75000"/>
+              </a:schemeClr>
+            </a:solidFill>
+            <a:ln w="12700">
+              <a:solidFill>
+                <a:schemeClr val="tx1">
+                  <a:lumMod val="50000"/>
+                  <a:lumOff val="50000"/>
+                </a:schemeClr>
+              </a:solidFill>
+              <a:prstDash val="sysDash"/>
+            </a:ln>
+          </p:spPr>
+        </p:pic>
+        <p:pic>
+          <p:nvPicPr>
+            <p:cNvPr id="97" name="Picture 2" descr="Mixpanel | Attribution Platform - Ematic Solutions">
+              <a:extLst>
+                <a:ext uri="{FF2B5EF4-FFF2-40B4-BE49-F238E27FC236}">
+                  <a16:creationId xmlns:a16="http://schemas.microsoft.com/office/drawing/2014/main" id="{B36DB943-BE3F-CB9E-FEAF-0212A774707A}"/>
+                </a:ext>
+              </a:extLst>
+            </p:cNvPr>
+            <p:cNvPicPr>
+              <a:picLocks noChangeAspect="1" noChangeArrowheads="1"/>
+            </p:cNvPicPr>
+            <p:nvPr/>
+          </p:nvPicPr>
+          <p:blipFill rotWithShape="1">
+            <a:blip r:embed="rId3">
+              <a:clrChange>
+                <a:clrFrom>
+                  <a:srgbClr val="FFFFFF"/>
+                </a:clrFrom>
+                <a:clrTo>
+                  <a:srgbClr val="FFFFFF">
+                    <a:alpha val="0"/>
+                  </a:srgbClr>
+                </a:clrTo>
+              </a:clrChange>
+              <a:extLst>
+                <a:ext uri="{28A0092B-C50C-407E-A947-70E740481C1C}">
+                  <a14:useLocalDpi xmlns:a14="http://schemas.microsoft.com/office/drawing/2010/main" val="0"/>
+                </a:ext>
+              </a:extLst>
+            </a:blip>
+            <a:srcRect l="-1460" t="13489" r="2189" b="10958"/>
+            <a:stretch/>
+          </p:blipFill>
+          <p:spPr bwMode="auto">
+            <a:xfrm rot="20400000">
+              <a:off x="3884797" y="5440538"/>
+              <a:ext cx="940471" cy="267196"/>
+            </a:xfrm>
+            <a:prstGeom prst="rect">
+              <a:avLst/>
+            </a:prstGeom>
+            <a:solidFill>
+              <a:schemeClr val="bg2">
+                <a:lumMod val="75000"/>
+              </a:schemeClr>
+            </a:solidFill>
+            <a:ln w="12700">
+              <a:solidFill>
+                <a:schemeClr val="tx1">
+                  <a:lumMod val="50000"/>
+                  <a:lumOff val="50000"/>
+                </a:schemeClr>
+              </a:solidFill>
+              <a:prstDash val="sysDash"/>
+            </a:ln>
+          </p:spPr>
+        </p:pic>
+        <p:pic>
+          <p:nvPicPr>
+            <p:cNvPr id="98" name="Picture 4">
+              <a:extLst>
+                <a:ext uri="{FF2B5EF4-FFF2-40B4-BE49-F238E27FC236}">
+                  <a16:creationId xmlns:a16="http://schemas.microsoft.com/office/drawing/2014/main" id="{66100BAF-8118-AB15-5DBA-EEB32D088F24}"/>
+                </a:ext>
+              </a:extLst>
+            </p:cNvPr>
+            <p:cNvPicPr>
+              <a:picLocks noChangeAspect="1" noChangeArrowheads="1"/>
+            </p:cNvPicPr>
+            <p:nvPr/>
+          </p:nvPicPr>
+          <p:blipFill rotWithShape="1">
+            <a:blip r:embed="rId4">
+              <a:clrChange>
+                <a:clrFrom>
+                  <a:srgbClr val="FFFFFF"/>
+                </a:clrFrom>
+                <a:clrTo>
+                  <a:srgbClr val="FFFFFF">
+                    <a:alpha val="0"/>
+                  </a:srgbClr>
+                </a:clrTo>
+              </a:clrChange>
+              <a:extLst>
+                <a:ext uri="{28A0092B-C50C-407E-A947-70E740481C1C}">
+                  <a14:useLocalDpi xmlns:a14="http://schemas.microsoft.com/office/drawing/2010/main" val="0"/>
+                </a:ext>
+              </a:extLst>
+            </a:blip>
+            <a:srcRect t="8416" b="8972"/>
+            <a:stretch/>
+          </p:blipFill>
+          <p:spPr bwMode="auto">
+            <a:xfrm rot="20400000">
+              <a:off x="1581624" y="5542724"/>
+              <a:ext cx="925046" cy="208336"/>
+            </a:xfrm>
+            <a:prstGeom prst="rect">
+              <a:avLst/>
+            </a:prstGeom>
+            <a:solidFill>
+              <a:schemeClr val="bg2">
+                <a:lumMod val="75000"/>
+              </a:schemeClr>
+            </a:solidFill>
+            <a:ln w="12700">
+              <a:solidFill>
+                <a:schemeClr val="tx1">
+                  <a:lumMod val="50000"/>
+                  <a:lumOff val="50000"/>
+                </a:schemeClr>
+              </a:solidFill>
+              <a:prstDash val="sysDash"/>
+            </a:ln>
             <a:extLst>
-              <a:ext uri="{FF2B5EF4-FFF2-40B4-BE49-F238E27FC236}">
-                <a16:creationId xmlns:a16="http://schemas.microsoft.com/office/drawing/2014/main" id="{A1449531-3408-C704-6BCA-45CF85AD2350}"/>
+              <a:ext uri="{909E8E84-426E-40DD-AFC4-6F175D3DCCD1}">
+                <a14:hiddenFill xmlns:a14="http://schemas.microsoft.com/office/drawing/2010/main">
+                  <a:solidFill>
+                    <a:srgbClr val="FFFFFF"/>
+                  </a:solidFill>
+                </a14:hiddenFill>
               </a:ext>
             </a:extLst>
-          </p:cNvPr>
-          <p:cNvSpPr/>
-          <p:nvPr/>
-        </p:nvSpPr>
-        <p:spPr>
-          <a:xfrm>
-            <a:off x="239557" y="4878562"/>
-            <a:ext cx="10863826" cy="1921694"/>
-          </a:xfrm>
-          <a:prstGeom prst="rect">
-            <a:avLst/>
-          </a:prstGeom>
-          <a:noFill/>
-          <a:ln>
-            <a:prstDash val="lgDash"/>
-          </a:ln>
-        </p:spPr>
-        <p:style>
-          <a:lnRef idx="2">
-            <a:schemeClr val="accent1">
-              <a:shade val="15000"/>
-            </a:schemeClr>
-          </a:lnRef>
-          <a:fillRef idx="1">
-            <a:schemeClr val="accent1"/>
-          </a:fillRef>
-          <a:effectRef idx="0">
-            <a:schemeClr val="accent1"/>
-          </a:effectRef>
-          <a:fontRef idx="minor">
-            <a:schemeClr val="lt1"/>
-          </a:fontRef>
-        </p:style>
-        <p:txBody>
-          <a:bodyPr rtlCol="0" anchor="ctr"/>
-          <a:lstStyle/>
-          <a:p>
-            <a:r>
-              <a:rPr lang="en-NZ" sz="1200" dirty="0">
-                <a:solidFill>
-                  <a:schemeClr val="tx1"/>
-                </a:solidFill>
-              </a:rPr>
-              <a:t>3</a:t>
-            </a:r>
-            <a:r>
-              <a:rPr lang="en-NZ" sz="1200" baseline="30000" dirty="0">
-                <a:solidFill>
-                  <a:schemeClr val="tx1"/>
-                </a:solidFill>
-              </a:rPr>
-              <a:t>rd</a:t>
-            </a:r>
-            <a:r>
-              <a:rPr lang="en-NZ" sz="1200" dirty="0">
-                <a:solidFill>
-                  <a:schemeClr val="tx1"/>
-                </a:solidFill>
-              </a:rPr>
-              <a:t> Party </a:t>
-            </a:r>
-          </a:p>
-          <a:p>
-            <a:r>
-              <a:rPr lang="en-NZ" sz="1200" dirty="0">
-                <a:solidFill>
-                  <a:schemeClr val="tx1"/>
-                </a:solidFill>
-              </a:rPr>
-              <a:t>Integration</a:t>
-            </a:r>
-          </a:p>
-          <a:p>
-            <a:r>
-              <a:rPr lang="en-NZ" sz="1200" dirty="0">
-                <a:solidFill>
-                  <a:schemeClr val="tx1"/>
-                </a:solidFill>
-              </a:rPr>
-              <a:t>Plugins</a:t>
-            </a:r>
-          </a:p>
-        </p:txBody>
-      </p:sp>
-      <p:pic>
-        <p:nvPicPr>
-          <p:cNvPr id="48" name="Picture 47">
-            <a:extLst>
-              <a:ext uri="{FF2B5EF4-FFF2-40B4-BE49-F238E27FC236}">
-                <a16:creationId xmlns:a16="http://schemas.microsoft.com/office/drawing/2014/main" id="{E425C29F-E303-B7B7-1309-731EF037DBAD}"/>
-              </a:ext>
-            </a:extLst>
-          </p:cNvPr>
-          <p:cNvPicPr>
-            <a:picLocks noChangeAspect="1"/>
-          </p:cNvPicPr>
-          <p:nvPr/>
-        </p:nvPicPr>
-        <p:blipFill>
-          <a:blip r:embed="rId2"/>
-          <a:stretch>
-            <a:fillRect/>
-          </a:stretch>
-        </p:blipFill>
-        <p:spPr>
-          <a:xfrm rot="20400000">
-            <a:off x="6232482" y="5575358"/>
-            <a:ext cx="918256" cy="249886"/>
-          </a:xfrm>
-          <a:prstGeom prst="rect">
-            <a:avLst/>
-          </a:prstGeom>
-          <a:ln>
+          </p:spPr>
+        </p:pic>
+        <p:cxnSp>
+          <p:nvCxnSpPr>
+            <p:cNvPr id="103" name="Straight Arrow Connector 29">
+              <a:extLst>
+                <a:ext uri="{FF2B5EF4-FFF2-40B4-BE49-F238E27FC236}">
+                  <a16:creationId xmlns:a16="http://schemas.microsoft.com/office/drawing/2014/main" id="{4D7DA10B-5D3B-6252-1260-33D804327284}"/>
+                </a:ext>
+              </a:extLst>
+            </p:cNvPr>
+            <p:cNvCxnSpPr>
+              <a:cxnSpLocks/>
+              <a:stCxn id="98" idx="3"/>
+              <a:endCxn id="1034" idx="1"/>
+            </p:cNvCxnSpPr>
+            <p:nvPr/>
+          </p:nvCxnSpPr>
+          <p:spPr>
+            <a:xfrm>
+              <a:off x="2478776" y="5488700"/>
+              <a:ext cx="259004" cy="592313"/>
+            </a:xfrm>
+            <a:prstGeom prst="bentConnector3">
+              <a:avLst>
+                <a:gd name="adj1" fmla="val 50000"/>
+              </a:avLst>
+            </a:prstGeom>
+            <a:ln w="19050" cap="flat" cmpd="sng" algn="ctr">
+              <a:solidFill>
+                <a:schemeClr val="dk1"/>
+              </a:solidFill>
+              <a:prstDash val="dash"/>
+              <a:round/>
+              <a:headEnd type="arrow" w="med" len="med"/>
+              <a:tailEnd type="none" w="med" len="med"/>
+            </a:ln>
+          </p:spPr>
+          <p:style>
+            <a:lnRef idx="0">
+              <a:scrgbClr r="0" g="0" b="0"/>
+            </a:lnRef>
+            <a:fillRef idx="0">
+              <a:scrgbClr r="0" g="0" b="0"/>
+            </a:fillRef>
+            <a:effectRef idx="0">
+              <a:scrgbClr r="0" g="0" b="0"/>
+            </a:effectRef>
+            <a:fontRef idx="minor">
+              <a:schemeClr val="tx1"/>
+            </a:fontRef>
+          </p:style>
+        </p:cxnSp>
+        <p:pic>
+          <p:nvPicPr>
+            <p:cNvPr id="104" name="Picture 103">
+              <a:extLst>
+                <a:ext uri="{FF2B5EF4-FFF2-40B4-BE49-F238E27FC236}">
+                  <a16:creationId xmlns:a16="http://schemas.microsoft.com/office/drawing/2014/main" id="{2A40A23A-17D4-1989-FAAA-4BEF14335BBB}"/>
+                </a:ext>
+              </a:extLst>
+            </p:cNvPr>
+            <p:cNvPicPr>
+              <a:picLocks noChangeAspect="1"/>
+            </p:cNvPicPr>
+            <p:nvPr/>
+          </p:nvPicPr>
+          <p:blipFill>
+            <a:blip r:embed="rId5">
+              <a:clrChange>
+                <a:clrFrom>
+                  <a:srgbClr val="FFFFFF"/>
+                </a:clrFrom>
+                <a:clrTo>
+                  <a:srgbClr val="FFFFFF">
+                    <a:alpha val="0"/>
+                  </a:srgbClr>
+                </a:clrTo>
+              </a:clrChange>
+            </a:blip>
+            <a:stretch>
+              <a:fillRect/>
+            </a:stretch>
+          </p:blipFill>
+          <p:spPr>
+            <a:xfrm rot="20400000">
+              <a:off x="7386688" y="5769234"/>
+              <a:ext cx="922731" cy="271724"/>
+            </a:xfrm>
+            <a:prstGeom prst="rect">
+              <a:avLst/>
+            </a:prstGeom>
             <a:solidFill>
-              <a:schemeClr val="tx1"/>
+              <a:schemeClr val="bg2">
+                <a:lumMod val="75000"/>
+              </a:schemeClr>
             </a:solidFill>
-          </a:ln>
-        </p:spPr>
-      </p:pic>
-      <p:pic>
-        <p:nvPicPr>
-          <p:cNvPr id="50" name="Picture 2" descr="Mixpanel | Attribution Platform - Ematic Solutions">
-            <a:extLst>
-              <a:ext uri="{FF2B5EF4-FFF2-40B4-BE49-F238E27FC236}">
-                <a16:creationId xmlns:a16="http://schemas.microsoft.com/office/drawing/2014/main" id="{BE3D877F-FC2E-BE34-A883-04F936E5E2FD}"/>
-              </a:ext>
-            </a:extLst>
-          </p:cNvPr>
-          <p:cNvPicPr>
-            <a:picLocks noChangeAspect="1" noChangeArrowheads="1"/>
-          </p:cNvPicPr>
-          <p:nvPr/>
-        </p:nvPicPr>
-        <p:blipFill rotWithShape="1">
-          <a:blip r:embed="rId3">
-            <a:extLst>
-              <a:ext uri="{28A0092B-C50C-407E-A947-70E740481C1C}">
-                <a14:useLocalDpi xmlns:a14="http://schemas.microsoft.com/office/drawing/2010/main" val="0"/>
-              </a:ext>
-            </a:extLst>
-          </a:blip>
-          <a:srcRect l="11500" t="13488" r="11168" b="11401"/>
-          <a:stretch/>
-        </p:blipFill>
-        <p:spPr bwMode="auto">
-          <a:xfrm rot="20400000">
-            <a:off x="3958478" y="5567484"/>
-            <a:ext cx="732631" cy="265635"/>
-          </a:xfrm>
-          <a:prstGeom prst="rect">
-            <a:avLst/>
-          </a:prstGeom>
-          <a:noFill/>
-          <a:ln>
+            <a:ln w="12700">
+              <a:solidFill>
+                <a:schemeClr val="tx1">
+                  <a:lumMod val="50000"/>
+                  <a:lumOff val="50000"/>
+                </a:schemeClr>
+              </a:solidFill>
+              <a:prstDash val="sysDash"/>
+            </a:ln>
+          </p:spPr>
+        </p:pic>
+        <p:sp>
+          <p:nvSpPr>
+            <p:cNvPr id="106" name="TextBox 105">
+              <a:extLst>
+                <a:ext uri="{FF2B5EF4-FFF2-40B4-BE49-F238E27FC236}">
+                  <a16:creationId xmlns:a16="http://schemas.microsoft.com/office/drawing/2014/main" id="{BDD72F2E-E4DF-58F5-16CD-55D62CC20892}"/>
+                </a:ext>
+              </a:extLst>
+            </p:cNvPr>
+            <p:cNvSpPr txBox="1"/>
+            <p:nvPr/>
+          </p:nvSpPr>
+          <p:spPr>
+            <a:xfrm rot="16200000">
+              <a:off x="2483509" y="5052451"/>
+              <a:ext cx="481469" cy="153888"/>
+            </a:xfrm>
+            <a:prstGeom prst="rect">
+              <a:avLst/>
+            </a:prstGeom>
+            <a:noFill/>
+            <a:ln w="3175">
+              <a:solidFill>
+                <a:schemeClr val="tx1"/>
+              </a:solidFill>
+            </a:ln>
+          </p:spPr>
+          <p:txBody>
+            <a:bodyPr wrap="none" lIns="36000" tIns="0" rIns="36000" bIns="0" rtlCol="0" anchor="b" anchorCtr="0">
+              <a:spAutoFit/>
+            </a:bodyPr>
+            <a:lstStyle/>
+            <a:p>
+              <a:r>
+                <a:rPr lang="en-NZ" sz="1000" dirty="0"/>
+                <a:t>+Events</a:t>
+              </a:r>
+            </a:p>
+          </p:txBody>
+        </p:sp>
+        <p:pic>
+          <p:nvPicPr>
+            <p:cNvPr id="107" name="Picture 106">
+              <a:extLst>
+                <a:ext uri="{FF2B5EF4-FFF2-40B4-BE49-F238E27FC236}">
+                  <a16:creationId xmlns:a16="http://schemas.microsoft.com/office/drawing/2014/main" id="{E2887768-8761-7939-5E27-8D31BEB3E227}"/>
+                </a:ext>
+              </a:extLst>
+            </p:cNvPr>
+            <p:cNvPicPr>
+              <a:picLocks noChangeAspect="1"/>
+            </p:cNvPicPr>
+            <p:nvPr/>
+          </p:nvPicPr>
+          <p:blipFill rotWithShape="1">
+            <a:blip r:embed="rId6">
+              <a:clrChange>
+                <a:clrFrom>
+                  <a:srgbClr val="FFFFFF"/>
+                </a:clrFrom>
+                <a:clrTo>
+                  <a:srgbClr val="FFFFFF">
+                    <a:alpha val="0"/>
+                  </a:srgbClr>
+                </a:clrTo>
+              </a:clrChange>
+            </a:blip>
+            <a:srcRect t="1" b="3009"/>
+            <a:stretch/>
+          </p:blipFill>
+          <p:spPr>
+            <a:xfrm rot="20400000">
+              <a:off x="5060127" y="5779752"/>
+              <a:ext cx="916581" cy="250535"/>
+            </a:xfrm>
+            <a:prstGeom prst="rect">
+              <a:avLst/>
+            </a:prstGeom>
             <a:solidFill>
-              <a:schemeClr val="tx1"/>
+              <a:schemeClr val="bg2">
+                <a:lumMod val="75000"/>
+              </a:schemeClr>
             </a:solidFill>
-          </a:ln>
-          <a:extLst>
-            <a:ext uri="{909E8E84-426E-40DD-AFC4-6F175D3DCCD1}">
-              <a14:hiddenFill xmlns:a14="http://schemas.microsoft.com/office/drawing/2010/main">
-                <a:solidFill>
+            <a:ln w="12700">
+              <a:solidFill>
+                <a:schemeClr val="tx1">
+                  <a:lumMod val="50000"/>
+                  <a:lumOff val="50000"/>
+                </a:schemeClr>
+              </a:solidFill>
+              <a:prstDash val="sysDash"/>
+            </a:ln>
+          </p:spPr>
+        </p:pic>
+        <p:pic>
+          <p:nvPicPr>
+            <p:cNvPr id="110" name="Picture 2" descr="google - Wikipedia">
+              <a:extLst>
+                <a:ext uri="{FF2B5EF4-FFF2-40B4-BE49-F238E27FC236}">
+                  <a16:creationId xmlns:a16="http://schemas.microsoft.com/office/drawing/2014/main" id="{90BB1FC7-D759-849C-FA96-36939AB74548}"/>
+                </a:ext>
+              </a:extLst>
+            </p:cNvPr>
+            <p:cNvPicPr>
+              <a:picLocks noChangeAspect="1" noChangeArrowheads="1"/>
+            </p:cNvPicPr>
+            <p:nvPr/>
+          </p:nvPicPr>
+          <p:blipFill rotWithShape="1">
+            <a:blip r:embed="rId7">
+              <a:clrChange>
+                <a:clrFrom>
                   <a:srgbClr val="FFFFFF"/>
-                </a:solidFill>
-              </a14:hiddenFill>
-            </a:ext>
-          </a:extLst>
-        </p:spPr>
-      </p:pic>
-      <p:pic>
-        <p:nvPicPr>
-          <p:cNvPr id="51" name="Picture 2" descr="Chargebee Generates 280+ Leads in One Year With G2 Buyer Intent Data">
-            <a:extLst>
-              <a:ext uri="{FF2B5EF4-FFF2-40B4-BE49-F238E27FC236}">
-                <a16:creationId xmlns:a16="http://schemas.microsoft.com/office/drawing/2014/main" id="{9748C1B6-9FFD-DBEC-8278-4D3E10247E58}"/>
-              </a:ext>
-            </a:extLst>
-          </p:cNvPr>
-          <p:cNvPicPr>
-            <a:picLocks noChangeAspect="1" noChangeArrowheads="1"/>
-          </p:cNvPicPr>
-          <p:nvPr/>
-        </p:nvPicPr>
-        <p:blipFill rotWithShape="1">
-          <a:blip r:embed="rId4">
-            <a:extLst>
-              <a:ext uri="{28A0092B-C50C-407E-A947-70E740481C1C}">
-                <a14:useLocalDpi xmlns:a14="http://schemas.microsoft.com/office/drawing/2010/main" val="0"/>
-              </a:ext>
-            </a:extLst>
-          </a:blip>
-          <a:srcRect t="16171" b="17292"/>
-          <a:stretch/>
-        </p:blipFill>
-        <p:spPr bwMode="auto">
-          <a:xfrm rot="20400000">
-            <a:off x="2756254" y="5532449"/>
-            <a:ext cx="933466" cy="335705"/>
-          </a:xfrm>
-          <a:prstGeom prst="rect">
-            <a:avLst/>
-          </a:prstGeom>
-          <a:solidFill>
-            <a:srgbClr val="5746B2"/>
-          </a:solidFill>
-          <a:ln w="9525">
+                </a:clrFrom>
+                <a:clrTo>
+                  <a:srgbClr val="FFFFFF">
+                    <a:alpha val="0"/>
+                  </a:srgbClr>
+                </a:clrTo>
+              </a:clrChange>
+              <a:extLst>
+                <a:ext uri="{28A0092B-C50C-407E-A947-70E740481C1C}">
+                  <a14:useLocalDpi xmlns:a14="http://schemas.microsoft.com/office/drawing/2010/main" val="0"/>
+                </a:ext>
+              </a:extLst>
+            </a:blip>
+            <a:srcRect l="-13973" r="-12631"/>
+            <a:stretch/>
+          </p:blipFill>
+          <p:spPr bwMode="auto">
+            <a:xfrm rot="20400000">
+              <a:off x="8575461" y="5810312"/>
+              <a:ext cx="857550" cy="228122"/>
+            </a:xfrm>
+            <a:prstGeom prst="rect">
+              <a:avLst/>
+            </a:prstGeom>
             <a:solidFill>
-              <a:schemeClr val="tx1"/>
+              <a:schemeClr val="bg2">
+                <a:lumMod val="75000"/>
+              </a:schemeClr>
             </a:solidFill>
-          </a:ln>
-        </p:spPr>
-      </p:pic>
-      <p:pic>
-        <p:nvPicPr>
-          <p:cNvPr id="57" name="Picture 4">
-            <a:extLst>
-              <a:ext uri="{FF2B5EF4-FFF2-40B4-BE49-F238E27FC236}">
-                <a16:creationId xmlns:a16="http://schemas.microsoft.com/office/drawing/2014/main" id="{E5D155DD-7376-864B-1457-D72645B5E499}"/>
-              </a:ext>
-            </a:extLst>
-          </p:cNvPr>
-          <p:cNvPicPr>
-            <a:picLocks noChangeAspect="1" noChangeArrowheads="1"/>
-          </p:cNvPicPr>
-          <p:nvPr/>
-        </p:nvPicPr>
-        <p:blipFill rotWithShape="1">
-          <a:blip r:embed="rId5">
-            <a:extLst>
-              <a:ext uri="{28A0092B-C50C-407E-A947-70E740481C1C}">
-                <a14:useLocalDpi xmlns:a14="http://schemas.microsoft.com/office/drawing/2010/main" val="0"/>
-              </a:ext>
-            </a:extLst>
-          </a:blip>
-          <a:srcRect t="8416" b="8972"/>
-          <a:stretch/>
-        </p:blipFill>
-        <p:spPr bwMode="auto">
-          <a:xfrm rot="20400000">
-            <a:off x="1671178" y="5553547"/>
-            <a:ext cx="747260" cy="293509"/>
-          </a:xfrm>
-          <a:prstGeom prst="rect">
-            <a:avLst/>
-          </a:prstGeom>
-          <a:noFill/>
-          <a:ln>
+            <a:ln w="12700">
+              <a:solidFill>
+                <a:schemeClr val="tx1">
+                  <a:lumMod val="50000"/>
+                  <a:lumOff val="50000"/>
+                </a:schemeClr>
+              </a:solidFill>
+              <a:prstDash val="sysDash"/>
+            </a:ln>
+          </p:spPr>
+        </p:pic>
+        <p:pic>
+          <p:nvPicPr>
+            <p:cNvPr id="117" name="Picture 4">
+              <a:extLst>
+                <a:ext uri="{FF2B5EF4-FFF2-40B4-BE49-F238E27FC236}">
+                  <a16:creationId xmlns:a16="http://schemas.microsoft.com/office/drawing/2014/main" id="{EC4DD09D-10B7-08C3-23CB-58DD00A83497}"/>
+                </a:ext>
+              </a:extLst>
+            </p:cNvPr>
+            <p:cNvPicPr>
+              <a:picLocks noChangeAspect="1" noChangeArrowheads="1"/>
+            </p:cNvPicPr>
+            <p:nvPr/>
+          </p:nvPicPr>
+          <p:blipFill>
+            <a:blip r:embed="rId8">
+              <a:clrChange>
+                <a:clrFrom>
+                  <a:srgbClr val="FFFFFF"/>
+                </a:clrFrom>
+                <a:clrTo>
+                  <a:srgbClr val="FFFFFF">
+                    <a:alpha val="0"/>
+                  </a:srgbClr>
+                </a:clrTo>
+              </a:clrChange>
+              <a:extLst>
+                <a:ext uri="{28A0092B-C50C-407E-A947-70E740481C1C}">
+                  <a14:useLocalDpi xmlns:a14="http://schemas.microsoft.com/office/drawing/2010/main" val="0"/>
+                </a:ext>
+              </a:extLst>
+            </a:blip>
+            <a:srcRect/>
+            <a:stretch>
+              <a:fillRect/>
+            </a:stretch>
+          </p:blipFill>
+          <p:spPr bwMode="auto">
+            <a:xfrm rot="20400000">
+              <a:off x="8508912" y="5522290"/>
+              <a:ext cx="990648" cy="209521"/>
+            </a:xfrm>
+            <a:prstGeom prst="rect">
+              <a:avLst/>
+            </a:prstGeom>
             <a:solidFill>
-              <a:schemeClr val="tx1"/>
+              <a:schemeClr val="bg2">
+                <a:lumMod val="75000"/>
+              </a:schemeClr>
             </a:solidFill>
-          </a:ln>
-          <a:extLst>
-            <a:ext uri="{909E8E84-426E-40DD-AFC4-6F175D3DCCD1}">
-              <a14:hiddenFill xmlns:a14="http://schemas.microsoft.com/office/drawing/2010/main">
-                <a:solidFill>
-                  <a:srgbClr val="FFFFFF"/>
-                </a:solidFill>
-              </a14:hiddenFill>
-            </a:ext>
-          </a:extLst>
-        </p:spPr>
-      </p:pic>
-      <p:cxnSp>
-        <p:nvCxnSpPr>
-          <p:cNvPr id="64" name="Straight Arrow Connector 29">
-            <a:extLst>
-              <a:ext uri="{FF2B5EF4-FFF2-40B4-BE49-F238E27FC236}">
-                <a16:creationId xmlns:a16="http://schemas.microsoft.com/office/drawing/2014/main" id="{1B09EAC3-BF64-2ACB-49D3-31976482F1C7}"/>
-              </a:ext>
-            </a:extLst>
-          </p:cNvPr>
-          <p:cNvCxnSpPr>
-            <a:cxnSpLocks/>
-            <a:stCxn id="57" idx="3"/>
-            <a:endCxn id="51" idx="1"/>
-          </p:cNvCxnSpPr>
-          <p:nvPr/>
-        </p:nvCxnSpPr>
-        <p:spPr>
-          <a:xfrm>
-            <a:off x="2395906" y="5572513"/>
-            <a:ext cx="388496" cy="287421"/>
-          </a:xfrm>
-          <a:prstGeom prst="bentConnector3">
-            <a:avLst>
-              <a:gd name="adj1" fmla="val 50000"/>
-            </a:avLst>
-          </a:prstGeom>
-          <a:ln w="19050" cap="flat" cmpd="sng" algn="ctr">
+            <a:ln w="12700">
+              <a:solidFill>
+                <a:schemeClr val="tx1">
+                  <a:lumMod val="50000"/>
+                  <a:lumOff val="50000"/>
+                </a:schemeClr>
+              </a:solidFill>
+              <a:prstDash val="sysDash"/>
+            </a:ln>
+          </p:spPr>
+        </p:pic>
+        <p:sp>
+          <p:nvSpPr>
+            <p:cNvPr id="118" name="Rectangle 117">
+              <a:extLst>
+                <a:ext uri="{FF2B5EF4-FFF2-40B4-BE49-F238E27FC236}">
+                  <a16:creationId xmlns:a16="http://schemas.microsoft.com/office/drawing/2014/main" id="{12568C92-1AED-029B-5294-261A03CE17DD}"/>
+                </a:ext>
+              </a:extLst>
+            </p:cNvPr>
+            <p:cNvSpPr/>
+            <p:nvPr/>
+          </p:nvSpPr>
+          <p:spPr>
+            <a:xfrm rot="20400000">
+              <a:off x="9674371" y="5230380"/>
+              <a:ext cx="926590" cy="228794"/>
+            </a:xfrm>
+            <a:prstGeom prst="rect">
+              <a:avLst/>
+            </a:prstGeom>
             <a:solidFill>
-              <a:schemeClr val="dk1"/>
+              <a:srgbClr val="4472C4"/>
             </a:solidFill>
-            <a:prstDash val="dash"/>
-            <a:round/>
-            <a:headEnd type="arrow" w="med" len="med"/>
-            <a:tailEnd type="none" w="med" len="med"/>
-          </a:ln>
-        </p:spPr>
-        <p:style>
-          <a:lnRef idx="0">
-            <a:scrgbClr r="0" g="0" b="0"/>
-          </a:lnRef>
-          <a:fillRef idx="0">
-            <a:scrgbClr r="0" g="0" b="0"/>
-          </a:fillRef>
-          <a:effectRef idx="0">
-            <a:scrgbClr r="0" g="0" b="0"/>
-          </a:effectRef>
-          <a:fontRef idx="minor">
-            <a:schemeClr val="tx1"/>
-          </a:fontRef>
-        </p:style>
-      </p:cxnSp>
-      <p:pic>
-        <p:nvPicPr>
-          <p:cNvPr id="68" name="Picture 67">
-            <a:extLst>
-              <a:ext uri="{FF2B5EF4-FFF2-40B4-BE49-F238E27FC236}">
-                <a16:creationId xmlns:a16="http://schemas.microsoft.com/office/drawing/2014/main" id="{EB9A128B-B29D-3BE6-099C-BF40F2571F3B}"/>
-              </a:ext>
-            </a:extLst>
-          </p:cNvPr>
-          <p:cNvPicPr>
-            <a:picLocks noChangeAspect="1"/>
-          </p:cNvPicPr>
-          <p:nvPr/>
-        </p:nvPicPr>
-        <p:blipFill>
-          <a:blip r:embed="rId6"/>
-          <a:stretch>
-            <a:fillRect/>
-          </a:stretch>
-        </p:blipFill>
-        <p:spPr>
-          <a:xfrm rot="20400000">
-            <a:off x="7386688" y="5564439"/>
-            <a:ext cx="922731" cy="271724"/>
-          </a:xfrm>
-          <a:prstGeom prst="rect">
-            <a:avLst/>
-          </a:prstGeom>
-          <a:ln>
-            <a:solidFill>
-              <a:schemeClr val="tx1"/>
-            </a:solidFill>
-          </a:ln>
-        </p:spPr>
-      </p:pic>
-      <p:sp>
-        <p:nvSpPr>
-          <p:cNvPr id="71" name="TextBox 70">
-            <a:extLst>
-              <a:ext uri="{FF2B5EF4-FFF2-40B4-BE49-F238E27FC236}">
-                <a16:creationId xmlns:a16="http://schemas.microsoft.com/office/drawing/2014/main" id="{794CFD8A-7BAD-CDDD-19F9-13C1E03CDB1D}"/>
-              </a:ext>
-            </a:extLst>
-          </p:cNvPr>
-          <p:cNvSpPr txBox="1"/>
-          <p:nvPr/>
-        </p:nvSpPr>
-        <p:spPr>
-          <a:xfrm rot="16200000">
-            <a:off x="2484865" y="5138845"/>
-            <a:ext cx="633507" cy="261610"/>
-          </a:xfrm>
-          <a:prstGeom prst="rect">
-            <a:avLst/>
-          </a:prstGeom>
-          <a:noFill/>
-        </p:spPr>
-        <p:txBody>
-          <a:bodyPr wrap="none" rtlCol="0">
-            <a:spAutoFit/>
-          </a:bodyPr>
-          <a:lstStyle/>
-          <a:p>
-            <a:r>
-              <a:rPr lang="en-NZ" sz="1100" dirty="0"/>
-              <a:t>+Events</a:t>
-            </a:r>
-          </a:p>
-        </p:txBody>
-      </p:sp>
-      <p:pic>
-        <p:nvPicPr>
-          <p:cNvPr id="72" name="Picture 71">
-            <a:extLst>
-              <a:ext uri="{FF2B5EF4-FFF2-40B4-BE49-F238E27FC236}">
-                <a16:creationId xmlns:a16="http://schemas.microsoft.com/office/drawing/2014/main" id="{4E917B43-B135-9C7F-4A00-9F10006C4A22}"/>
-              </a:ext>
-            </a:extLst>
-          </p:cNvPr>
-          <p:cNvPicPr>
-            <a:picLocks noChangeAspect="1"/>
-          </p:cNvPicPr>
-          <p:nvPr/>
-        </p:nvPicPr>
-        <p:blipFill>
-          <a:blip r:embed="rId7"/>
-          <a:stretch>
-            <a:fillRect/>
-          </a:stretch>
-        </p:blipFill>
-        <p:spPr>
-          <a:xfrm rot="20400000">
-            <a:off x="5028851" y="5562765"/>
-            <a:ext cx="976065" cy="275073"/>
-          </a:xfrm>
-          <a:prstGeom prst="rect">
-            <a:avLst/>
-          </a:prstGeom>
-          <a:ln>
-            <a:solidFill>
-              <a:schemeClr val="tx1"/>
-            </a:solidFill>
-          </a:ln>
-        </p:spPr>
-      </p:pic>
-      <p:pic>
-        <p:nvPicPr>
-          <p:cNvPr id="74" name="Picture 2" descr="google - Wikipedia">
-            <a:extLst>
-              <a:ext uri="{FF2B5EF4-FFF2-40B4-BE49-F238E27FC236}">
-                <a16:creationId xmlns:a16="http://schemas.microsoft.com/office/drawing/2014/main" id="{B9735B44-742A-5D53-A191-C7B27921C4D0}"/>
-              </a:ext>
-            </a:extLst>
-          </p:cNvPr>
-          <p:cNvPicPr>
-            <a:picLocks noChangeAspect="1" noChangeArrowheads="1"/>
-          </p:cNvPicPr>
-          <p:nvPr/>
-        </p:nvPicPr>
-        <p:blipFill>
-          <a:blip r:embed="rId8">
-            <a:extLst>
-              <a:ext uri="{28A0092B-C50C-407E-A947-70E740481C1C}">
-                <a14:useLocalDpi xmlns:a14="http://schemas.microsoft.com/office/drawing/2010/main" val="0"/>
-              </a:ext>
-            </a:extLst>
-          </a:blip>
-          <a:srcRect/>
-          <a:stretch>
-            <a:fillRect/>
-          </a:stretch>
-        </p:blipFill>
-        <p:spPr bwMode="auto">
-          <a:xfrm rot="20400000">
-            <a:off x="8632789" y="5565763"/>
-            <a:ext cx="785486" cy="264542"/>
-          </a:xfrm>
-          <a:prstGeom prst="rect">
-            <a:avLst/>
-          </a:prstGeom>
-          <a:noFill/>
-          <a:ln w="9525">
-            <a:solidFill>
-              <a:schemeClr val="tx1"/>
-            </a:solidFill>
-          </a:ln>
-          <a:extLst>
-            <a:ext uri="{909E8E84-426E-40DD-AFC4-6F175D3DCCD1}">
-              <a14:hiddenFill xmlns:a14="http://schemas.microsoft.com/office/drawing/2010/main">
-                <a:solidFill>
-                  <a:srgbClr val="FFFFFF"/>
-                </a:solidFill>
-              </a14:hiddenFill>
-            </a:ext>
-          </a:extLst>
-        </p:spPr>
-      </p:pic>
-      <p:pic>
-        <p:nvPicPr>
-          <p:cNvPr id="77" name="Picture 4">
-            <a:extLst>
-              <a:ext uri="{FF2B5EF4-FFF2-40B4-BE49-F238E27FC236}">
-                <a16:creationId xmlns:a16="http://schemas.microsoft.com/office/drawing/2014/main" id="{C4725D15-3C27-5BAE-54E8-3F19F1473A6C}"/>
-              </a:ext>
-            </a:extLst>
-          </p:cNvPr>
-          <p:cNvPicPr>
-            <a:picLocks noChangeAspect="1" noChangeArrowheads="1"/>
-          </p:cNvPicPr>
-          <p:nvPr/>
-        </p:nvPicPr>
-        <p:blipFill>
-          <a:blip r:embed="rId9">
-            <a:extLst>
-              <a:ext uri="{28A0092B-C50C-407E-A947-70E740481C1C}">
-                <a14:useLocalDpi xmlns:a14="http://schemas.microsoft.com/office/drawing/2010/main" val="0"/>
-              </a:ext>
-            </a:extLst>
-          </a:blip>
-          <a:srcRect/>
-          <a:stretch>
-            <a:fillRect/>
-          </a:stretch>
-        </p:blipFill>
-        <p:spPr bwMode="auto">
-          <a:xfrm rot="20400000">
-            <a:off x="8506934" y="5203191"/>
-            <a:ext cx="990648" cy="209521"/>
-          </a:xfrm>
-          <a:prstGeom prst="rect">
-            <a:avLst/>
-          </a:prstGeom>
-          <a:noFill/>
-          <a:ln w="9525">
-            <a:solidFill>
-              <a:schemeClr val="tx1"/>
-            </a:solidFill>
-          </a:ln>
-          <a:extLst>
-            <a:ext uri="{909E8E84-426E-40DD-AFC4-6F175D3DCCD1}">
-              <a14:hiddenFill xmlns:a14="http://schemas.microsoft.com/office/drawing/2010/main">
-                <a:solidFill>
-                  <a:srgbClr val="FFFFFF"/>
-                </a:solidFill>
-              </a14:hiddenFill>
-            </a:ext>
-          </a:extLst>
-        </p:spPr>
-      </p:pic>
-      <p:sp>
-        <p:nvSpPr>
-          <p:cNvPr id="78" name="Rectangle 77">
-            <a:extLst>
-              <a:ext uri="{FF2B5EF4-FFF2-40B4-BE49-F238E27FC236}">
-                <a16:creationId xmlns:a16="http://schemas.microsoft.com/office/drawing/2014/main" id="{6E12F10E-D640-C284-9EF1-EB5E43E77610}"/>
-              </a:ext>
-            </a:extLst>
-          </p:cNvPr>
-          <p:cNvSpPr/>
-          <p:nvPr/>
-        </p:nvSpPr>
-        <p:spPr>
-          <a:xfrm rot="20400000">
-            <a:off x="9680970" y="5586117"/>
-            <a:ext cx="926590" cy="228794"/>
-          </a:xfrm>
-          <a:prstGeom prst="rect">
-            <a:avLst/>
-          </a:prstGeom>
-          <a:solidFill>
-            <a:srgbClr val="4472C4"/>
-          </a:solidFill>
-        </p:spPr>
-        <p:style>
-          <a:lnRef idx="2">
-            <a:schemeClr val="accent1">
-              <a:shade val="50000"/>
-            </a:schemeClr>
-          </a:lnRef>
-          <a:fillRef idx="1">
-            <a:schemeClr val="accent1"/>
-          </a:fillRef>
-          <a:effectRef idx="0">
-            <a:schemeClr val="accent1"/>
-          </a:effectRef>
-          <a:fontRef idx="minor">
-            <a:schemeClr val="lt1"/>
-          </a:fontRef>
-        </p:style>
-        <p:txBody>
-          <a:bodyPr rtlCol="0" anchor="ctr"/>
-          <a:lstStyle/>
-          <a:p>
-            <a:pPr algn="ctr"/>
-            <a:r>
-              <a:rPr lang="en-US" sz="1200" dirty="0">
+            <a:ln w="12700">
+              <a:prstDash val="sysDash"/>
+            </a:ln>
+          </p:spPr>
+          <p:style>
+            <a:lnRef idx="2">
+              <a:schemeClr val="accent1">
+                <a:shade val="50000"/>
+              </a:schemeClr>
+            </a:lnRef>
+            <a:fillRef idx="1">
+              <a:schemeClr val="accent1"/>
+            </a:fillRef>
+            <a:effectRef idx="0">
+              <a:schemeClr val="accent1"/>
+            </a:effectRef>
+            <a:fontRef idx="minor">
+              <a:schemeClr val="lt1"/>
+            </a:fontRef>
+          </p:style>
+          <p:txBody>
+            <a:bodyPr rtlCol="0" anchor="ctr"/>
+            <a:lstStyle/>
+            <a:p>
+              <a:pPr algn="ctr"/>
+              <a:r>
+                <a:rPr lang="en-US" sz="1200" dirty="0">
+                  <a:solidFill>
+                    <a:schemeClr val="bg1"/>
+                  </a:solidFill>
+                </a:rPr>
+                <a:t>AuthN API</a:t>
+              </a:r>
+              <a:endParaRPr lang="en-NZ" sz="1200" dirty="0">
                 <a:solidFill>
                   <a:schemeClr val="bg1"/>
                 </a:solidFill>
-              </a:rPr>
-              <a:t>AuthN API</a:t>
-            </a:r>
-            <a:endParaRPr lang="en-NZ" sz="1200" dirty="0">
+              </a:endParaRPr>
+            </a:p>
+          </p:txBody>
+        </p:sp>
+        <p:sp>
+          <p:nvSpPr>
+            <p:cNvPr id="121" name="Rectangle 120">
+              <a:extLst>
+                <a:ext uri="{FF2B5EF4-FFF2-40B4-BE49-F238E27FC236}">
+                  <a16:creationId xmlns:a16="http://schemas.microsoft.com/office/drawing/2014/main" id="{AB1E1F31-C38C-A004-4C75-42C7EBBB95BD}"/>
+                </a:ext>
+              </a:extLst>
+            </p:cNvPr>
+            <p:cNvSpPr/>
+            <p:nvPr/>
+          </p:nvSpPr>
+          <p:spPr>
+            <a:xfrm rot="20400000">
+              <a:off x="9691107" y="6102981"/>
+              <a:ext cx="926590" cy="196725"/>
+            </a:xfrm>
+            <a:prstGeom prst="rect">
+              <a:avLst/>
+            </a:prstGeom>
+            <a:solidFill>
+              <a:schemeClr val="bg2">
+                <a:lumMod val="75000"/>
+              </a:schemeClr>
+            </a:solidFill>
+            <a:ln w="12700">
               <a:solidFill>
-                <a:schemeClr val="bg1"/>
+                <a:schemeClr val="tx1">
+                  <a:lumMod val="50000"/>
+                  <a:lumOff val="50000"/>
+                </a:schemeClr>
               </a:solidFill>
-            </a:endParaRPr>
-          </a:p>
-        </p:txBody>
-      </p:sp>
-      <p:sp>
-        <p:nvSpPr>
-          <p:cNvPr id="79" name="Rectangle 78">
-            <a:extLst>
-              <a:ext uri="{FF2B5EF4-FFF2-40B4-BE49-F238E27FC236}">
-                <a16:creationId xmlns:a16="http://schemas.microsoft.com/office/drawing/2014/main" id="{495E532D-C9A5-C997-3881-25AA9ADDAEA3}"/>
-              </a:ext>
-            </a:extLst>
-          </p:cNvPr>
-          <p:cNvSpPr/>
-          <p:nvPr/>
-        </p:nvSpPr>
-        <p:spPr>
-          <a:xfrm rot="20400000">
-            <a:off x="9706728" y="5973441"/>
-            <a:ext cx="926590" cy="196725"/>
-          </a:xfrm>
-          <a:prstGeom prst="rect">
-            <a:avLst/>
-          </a:prstGeom>
-          <a:solidFill>
-            <a:schemeClr val="bg2">
-              <a:lumMod val="75000"/>
-            </a:schemeClr>
-          </a:solidFill>
-          <a:ln>
-            <a:solidFill>
-              <a:schemeClr val="tx1">
-                <a:lumMod val="50000"/>
-                <a:lumOff val="50000"/>
-              </a:schemeClr>
-            </a:solidFill>
-          </a:ln>
-        </p:spPr>
-        <p:style>
-          <a:lnRef idx="2">
-            <a:schemeClr val="accent1">
-              <a:shade val="50000"/>
-            </a:schemeClr>
-          </a:lnRef>
-          <a:fillRef idx="1">
-            <a:schemeClr val="accent1"/>
-          </a:fillRef>
-          <a:effectRef idx="0">
-            <a:schemeClr val="accent1"/>
-          </a:effectRef>
-          <a:fontRef idx="minor">
-            <a:schemeClr val="lt1"/>
-          </a:fontRef>
-        </p:style>
-        <p:txBody>
-          <a:bodyPr rtlCol="0" anchor="ctr"/>
-          <a:lstStyle/>
-          <a:p>
-            <a:pPr algn="ctr"/>
-            <a:r>
-              <a:rPr lang="en-US" sz="1200" dirty="0">
+              <a:prstDash val="sysDash"/>
+            </a:ln>
+          </p:spPr>
+          <p:style>
+            <a:lnRef idx="2">
+              <a:schemeClr val="accent1">
+                <a:shade val="50000"/>
+              </a:schemeClr>
+            </a:lnRef>
+            <a:fillRef idx="1">
+              <a:schemeClr val="accent1"/>
+            </a:fillRef>
+            <a:effectRef idx="0">
+              <a:schemeClr val="accent1"/>
+            </a:effectRef>
+            <a:fontRef idx="minor">
+              <a:schemeClr val="lt1"/>
+            </a:fontRef>
+          </p:style>
+          <p:txBody>
+            <a:bodyPr rtlCol="0" anchor="ctr"/>
+            <a:lstStyle/>
+            <a:p>
+              <a:pPr algn="ctr"/>
+              <a:r>
+                <a:rPr lang="en-US" sz="1200" dirty="0">
+                  <a:solidFill>
+                    <a:schemeClr val="tx1">
+                      <a:lumMod val="50000"/>
+                      <a:lumOff val="50000"/>
+                    </a:schemeClr>
+                  </a:solidFill>
+                </a:rPr>
+                <a:t>Another?</a:t>
+              </a:r>
+              <a:endParaRPr lang="en-NZ" sz="1200" dirty="0">
                 <a:solidFill>
                   <a:schemeClr val="tx1">
                     <a:lumMod val="50000"/>
                     <a:lumOff val="50000"/>
                   </a:schemeClr>
                 </a:solidFill>
-              </a:rPr>
-              <a:t>Other?</a:t>
-            </a:r>
-            <a:endParaRPr lang="en-NZ" sz="1200" dirty="0">
+              </a:endParaRPr>
+            </a:p>
+          </p:txBody>
+        </p:sp>
+        <p:sp>
+          <p:nvSpPr>
+            <p:cNvPr id="124" name="Rectangle 123">
+              <a:extLst>
+                <a:ext uri="{FF2B5EF4-FFF2-40B4-BE49-F238E27FC236}">
+                  <a16:creationId xmlns:a16="http://schemas.microsoft.com/office/drawing/2014/main" id="{5D4728A3-6C1E-4431-8954-EAAE707FE728}"/>
+                </a:ext>
+              </a:extLst>
+            </p:cNvPr>
+            <p:cNvSpPr/>
+            <p:nvPr/>
+          </p:nvSpPr>
+          <p:spPr>
+            <a:xfrm rot="20400000">
+              <a:off x="7395772" y="6102981"/>
+              <a:ext cx="926590" cy="196725"/>
+            </a:xfrm>
+            <a:prstGeom prst="rect">
+              <a:avLst/>
+            </a:prstGeom>
+            <a:solidFill>
+              <a:schemeClr val="bg2">
+                <a:lumMod val="75000"/>
+              </a:schemeClr>
+            </a:solidFill>
+            <a:ln w="12700">
               <a:solidFill>
                 <a:schemeClr val="tx1">
                   <a:lumMod val="50000"/>
                   <a:lumOff val="50000"/>
                 </a:schemeClr>
               </a:solidFill>
-            </a:endParaRPr>
-          </a:p>
-        </p:txBody>
-      </p:sp>
-      <p:sp>
-        <p:nvSpPr>
-          <p:cNvPr id="80" name="Rectangle 79">
-            <a:extLst>
-              <a:ext uri="{FF2B5EF4-FFF2-40B4-BE49-F238E27FC236}">
-                <a16:creationId xmlns:a16="http://schemas.microsoft.com/office/drawing/2014/main" id="{3EE80C34-D07E-34BB-2CB5-FE2960FEE47E}"/>
-              </a:ext>
-            </a:extLst>
-          </p:cNvPr>
-          <p:cNvSpPr/>
-          <p:nvPr/>
-        </p:nvSpPr>
-        <p:spPr>
-          <a:xfrm rot="20400000">
-            <a:off x="7395772" y="5973441"/>
-            <a:ext cx="926590" cy="196725"/>
-          </a:xfrm>
-          <a:prstGeom prst="rect">
-            <a:avLst/>
-          </a:prstGeom>
-          <a:solidFill>
-            <a:schemeClr val="bg2">
-              <a:lumMod val="75000"/>
-            </a:schemeClr>
-          </a:solidFill>
-          <a:ln>
-            <a:solidFill>
-              <a:schemeClr val="tx1">
-                <a:lumMod val="50000"/>
-                <a:lumOff val="50000"/>
-              </a:schemeClr>
-            </a:solidFill>
-          </a:ln>
-        </p:spPr>
-        <p:style>
-          <a:lnRef idx="2">
-            <a:schemeClr val="accent1">
-              <a:shade val="50000"/>
-            </a:schemeClr>
-          </a:lnRef>
-          <a:fillRef idx="1">
-            <a:schemeClr val="accent1"/>
-          </a:fillRef>
-          <a:effectRef idx="0">
-            <a:schemeClr val="accent1"/>
-          </a:effectRef>
-          <a:fontRef idx="minor">
-            <a:schemeClr val="lt1"/>
-          </a:fontRef>
-        </p:style>
-        <p:txBody>
-          <a:bodyPr rtlCol="0" anchor="ctr"/>
-          <a:lstStyle/>
-          <a:p>
-            <a:pPr algn="ctr"/>
-            <a:r>
-              <a:rPr lang="en-US" sz="1200" dirty="0">
+              <a:prstDash val="sysDash"/>
+            </a:ln>
+          </p:spPr>
+          <p:style>
+            <a:lnRef idx="2">
+              <a:schemeClr val="accent1">
+                <a:shade val="50000"/>
+              </a:schemeClr>
+            </a:lnRef>
+            <a:fillRef idx="1">
+              <a:schemeClr val="accent1"/>
+            </a:fillRef>
+            <a:effectRef idx="0">
+              <a:schemeClr val="accent1"/>
+            </a:effectRef>
+            <a:fontRef idx="minor">
+              <a:schemeClr val="lt1"/>
+            </a:fontRef>
+          </p:style>
+          <p:txBody>
+            <a:bodyPr rtlCol="0" anchor="ctr"/>
+            <a:lstStyle/>
+            <a:p>
+              <a:pPr algn="ctr"/>
+              <a:r>
+                <a:rPr lang="en-US" sz="1200" dirty="0">
+                  <a:solidFill>
+                    <a:schemeClr val="tx1">
+                      <a:lumMod val="50000"/>
+                      <a:lumOff val="50000"/>
+                    </a:schemeClr>
+                  </a:solidFill>
+                </a:rPr>
+                <a:t>Another?</a:t>
+              </a:r>
+              <a:endParaRPr lang="en-NZ" sz="1200" dirty="0">
                 <a:solidFill>
                   <a:schemeClr val="tx1">
                     <a:lumMod val="50000"/>
                     <a:lumOff val="50000"/>
                   </a:schemeClr>
                 </a:solidFill>
-              </a:rPr>
-              <a:t>Other?</a:t>
-            </a:r>
-            <a:endParaRPr lang="en-NZ" sz="1200" dirty="0">
+              </a:endParaRPr>
+            </a:p>
+          </p:txBody>
+        </p:sp>
+        <p:sp>
+          <p:nvSpPr>
+            <p:cNvPr id="1024" name="Rectangle 1023">
+              <a:extLst>
+                <a:ext uri="{FF2B5EF4-FFF2-40B4-BE49-F238E27FC236}">
+                  <a16:creationId xmlns:a16="http://schemas.microsoft.com/office/drawing/2014/main" id="{BC77ECE5-3691-7933-9501-4AF6E60FB88F}"/>
+                </a:ext>
+              </a:extLst>
+            </p:cNvPr>
+            <p:cNvSpPr/>
+            <p:nvPr/>
+          </p:nvSpPr>
+          <p:spPr>
+            <a:xfrm rot="20400000">
+              <a:off x="6215253" y="6097598"/>
+              <a:ext cx="926590" cy="196725"/>
+            </a:xfrm>
+            <a:prstGeom prst="rect">
+              <a:avLst/>
+            </a:prstGeom>
+            <a:solidFill>
+              <a:schemeClr val="bg2">
+                <a:lumMod val="75000"/>
+              </a:schemeClr>
+            </a:solidFill>
+            <a:ln w="12700">
               <a:solidFill>
                 <a:schemeClr val="tx1">
                   <a:lumMod val="50000"/>
                   <a:lumOff val="50000"/>
                 </a:schemeClr>
               </a:solidFill>
-            </a:endParaRPr>
-          </a:p>
-        </p:txBody>
-      </p:sp>
-      <p:sp>
-        <p:nvSpPr>
-          <p:cNvPr id="81" name="Rectangle 80">
-            <a:extLst>
-              <a:ext uri="{FF2B5EF4-FFF2-40B4-BE49-F238E27FC236}">
-                <a16:creationId xmlns:a16="http://schemas.microsoft.com/office/drawing/2014/main" id="{657521EB-AFAA-B8C8-F225-6021DE53FA11}"/>
-              </a:ext>
-            </a:extLst>
-          </p:cNvPr>
-          <p:cNvSpPr/>
-          <p:nvPr/>
-        </p:nvSpPr>
-        <p:spPr>
-          <a:xfrm rot="20400000">
-            <a:off x="6246051" y="5973441"/>
-            <a:ext cx="926590" cy="196725"/>
-          </a:xfrm>
-          <a:prstGeom prst="rect">
-            <a:avLst/>
-          </a:prstGeom>
-          <a:solidFill>
-            <a:schemeClr val="bg2">
-              <a:lumMod val="75000"/>
-            </a:schemeClr>
-          </a:solidFill>
-          <a:ln>
-            <a:solidFill>
-              <a:schemeClr val="tx1">
-                <a:lumMod val="50000"/>
-                <a:lumOff val="50000"/>
-              </a:schemeClr>
-            </a:solidFill>
-          </a:ln>
-        </p:spPr>
-        <p:style>
-          <a:lnRef idx="2">
-            <a:schemeClr val="accent1">
-              <a:shade val="50000"/>
-            </a:schemeClr>
-          </a:lnRef>
-          <a:fillRef idx="1">
-            <a:schemeClr val="accent1"/>
-          </a:fillRef>
-          <a:effectRef idx="0">
-            <a:schemeClr val="accent1"/>
-          </a:effectRef>
-          <a:fontRef idx="minor">
-            <a:schemeClr val="lt1"/>
-          </a:fontRef>
-        </p:style>
-        <p:txBody>
-          <a:bodyPr rtlCol="0" anchor="ctr"/>
-          <a:lstStyle/>
-          <a:p>
-            <a:pPr algn="ctr"/>
-            <a:r>
-              <a:rPr lang="en-US" sz="1200" dirty="0">
+              <a:prstDash val="sysDash"/>
+            </a:ln>
+          </p:spPr>
+          <p:style>
+            <a:lnRef idx="2">
+              <a:schemeClr val="accent1">
+                <a:shade val="50000"/>
+              </a:schemeClr>
+            </a:lnRef>
+            <a:fillRef idx="1">
+              <a:schemeClr val="accent1"/>
+            </a:fillRef>
+            <a:effectRef idx="0">
+              <a:schemeClr val="accent1"/>
+            </a:effectRef>
+            <a:fontRef idx="minor">
+              <a:schemeClr val="lt1"/>
+            </a:fontRef>
+          </p:style>
+          <p:txBody>
+            <a:bodyPr rtlCol="0" anchor="ctr"/>
+            <a:lstStyle/>
+            <a:p>
+              <a:pPr algn="ctr"/>
+              <a:r>
+                <a:rPr lang="en-US" sz="1200" dirty="0">
+                  <a:solidFill>
+                    <a:schemeClr val="tx1">
+                      <a:lumMod val="50000"/>
+                      <a:lumOff val="50000"/>
+                    </a:schemeClr>
+                  </a:solidFill>
+                </a:rPr>
+                <a:t>Another?</a:t>
+              </a:r>
+              <a:endParaRPr lang="en-NZ" sz="1200" dirty="0">
                 <a:solidFill>
                   <a:schemeClr val="tx1">
                     <a:lumMod val="50000"/>
                     <a:lumOff val="50000"/>
                   </a:schemeClr>
                 </a:solidFill>
-              </a:rPr>
-              <a:t>Other?</a:t>
-            </a:r>
-            <a:endParaRPr lang="en-NZ" sz="1200" dirty="0">
+              </a:endParaRPr>
+            </a:p>
+          </p:txBody>
+        </p:sp>
+        <p:sp>
+          <p:nvSpPr>
+            <p:cNvPr id="1025" name="Rectangle 1024">
+              <a:extLst>
+                <a:ext uri="{FF2B5EF4-FFF2-40B4-BE49-F238E27FC236}">
+                  <a16:creationId xmlns:a16="http://schemas.microsoft.com/office/drawing/2014/main" id="{BC7A9858-0F1B-DDEB-7D74-EE2E3D606025}"/>
+                </a:ext>
+              </a:extLst>
+            </p:cNvPr>
+            <p:cNvSpPr/>
+            <p:nvPr/>
+          </p:nvSpPr>
+          <p:spPr>
+            <a:xfrm rot="20400000">
+              <a:off x="5055122" y="6102981"/>
+              <a:ext cx="926590" cy="196725"/>
+            </a:xfrm>
+            <a:prstGeom prst="rect">
+              <a:avLst/>
+            </a:prstGeom>
+            <a:solidFill>
+              <a:schemeClr val="bg2">
+                <a:lumMod val="75000"/>
+              </a:schemeClr>
+            </a:solidFill>
+            <a:ln w="12700">
               <a:solidFill>
                 <a:schemeClr val="tx1">
                   <a:lumMod val="50000"/>
                   <a:lumOff val="50000"/>
                 </a:schemeClr>
               </a:solidFill>
-            </a:endParaRPr>
-          </a:p>
-        </p:txBody>
-      </p:sp>
-      <p:sp>
-        <p:nvSpPr>
-          <p:cNvPr id="85" name="Rectangle 84">
-            <a:extLst>
-              <a:ext uri="{FF2B5EF4-FFF2-40B4-BE49-F238E27FC236}">
-                <a16:creationId xmlns:a16="http://schemas.microsoft.com/office/drawing/2014/main" id="{093657D4-580E-F5B3-E840-6963A36E9199}"/>
-              </a:ext>
-            </a:extLst>
-          </p:cNvPr>
-          <p:cNvSpPr/>
-          <p:nvPr/>
-        </p:nvSpPr>
-        <p:spPr>
-          <a:xfrm rot="20400000">
-            <a:off x="5061318" y="5973441"/>
-            <a:ext cx="926590" cy="196725"/>
-          </a:xfrm>
-          <a:prstGeom prst="rect">
-            <a:avLst/>
-          </a:prstGeom>
-          <a:solidFill>
-            <a:schemeClr val="bg2">
-              <a:lumMod val="75000"/>
-            </a:schemeClr>
-          </a:solidFill>
-          <a:ln>
-            <a:solidFill>
-              <a:schemeClr val="tx1">
-                <a:lumMod val="50000"/>
-                <a:lumOff val="50000"/>
-              </a:schemeClr>
-            </a:solidFill>
-          </a:ln>
-        </p:spPr>
-        <p:style>
-          <a:lnRef idx="2">
-            <a:schemeClr val="accent1">
-              <a:shade val="50000"/>
-            </a:schemeClr>
-          </a:lnRef>
-          <a:fillRef idx="1">
-            <a:schemeClr val="accent1"/>
-          </a:fillRef>
-          <a:effectRef idx="0">
-            <a:schemeClr val="accent1"/>
-          </a:effectRef>
-          <a:fontRef idx="minor">
-            <a:schemeClr val="lt1"/>
-          </a:fontRef>
-        </p:style>
-        <p:txBody>
-          <a:bodyPr rtlCol="0" anchor="ctr"/>
-          <a:lstStyle/>
-          <a:p>
-            <a:pPr algn="ctr"/>
-            <a:r>
-              <a:rPr lang="en-US" sz="1200" dirty="0">
+              <a:prstDash val="sysDash"/>
+            </a:ln>
+          </p:spPr>
+          <p:style>
+            <a:lnRef idx="2">
+              <a:schemeClr val="accent1">
+                <a:shade val="50000"/>
+              </a:schemeClr>
+            </a:lnRef>
+            <a:fillRef idx="1">
+              <a:schemeClr val="accent1"/>
+            </a:fillRef>
+            <a:effectRef idx="0">
+              <a:schemeClr val="accent1"/>
+            </a:effectRef>
+            <a:fontRef idx="minor">
+              <a:schemeClr val="lt1"/>
+            </a:fontRef>
+          </p:style>
+          <p:txBody>
+            <a:bodyPr rtlCol="0" anchor="ctr"/>
+            <a:lstStyle/>
+            <a:p>
+              <a:pPr algn="ctr"/>
+              <a:r>
+                <a:rPr lang="en-US" sz="1200" dirty="0">
+                  <a:solidFill>
+                    <a:schemeClr val="tx1">
+                      <a:lumMod val="50000"/>
+                      <a:lumOff val="50000"/>
+                    </a:schemeClr>
+                  </a:solidFill>
+                </a:rPr>
+                <a:t>Another?</a:t>
+              </a:r>
+              <a:endParaRPr lang="en-NZ" sz="1200" dirty="0">
                 <a:solidFill>
                   <a:schemeClr val="tx1">
                     <a:lumMod val="50000"/>
                     <a:lumOff val="50000"/>
                   </a:schemeClr>
                 </a:solidFill>
-              </a:rPr>
-              <a:t>Other?</a:t>
-            </a:r>
-            <a:endParaRPr lang="en-NZ" sz="1200" dirty="0">
+              </a:endParaRPr>
+            </a:p>
+          </p:txBody>
+        </p:sp>
+        <p:sp>
+          <p:nvSpPr>
+            <p:cNvPr id="1026" name="Rectangle 1025">
+              <a:extLst>
+                <a:ext uri="{FF2B5EF4-FFF2-40B4-BE49-F238E27FC236}">
+                  <a16:creationId xmlns:a16="http://schemas.microsoft.com/office/drawing/2014/main" id="{0D74A10E-D846-D58D-C8EA-123CBB18F5FC}"/>
+                </a:ext>
+              </a:extLst>
+            </p:cNvPr>
+            <p:cNvSpPr/>
+            <p:nvPr/>
+          </p:nvSpPr>
+          <p:spPr>
+            <a:xfrm rot="20400000">
+              <a:off x="3891737" y="6102981"/>
+              <a:ext cx="926590" cy="196725"/>
+            </a:xfrm>
+            <a:prstGeom prst="rect">
+              <a:avLst/>
+            </a:prstGeom>
+            <a:solidFill>
+              <a:schemeClr val="bg2">
+                <a:lumMod val="75000"/>
+              </a:schemeClr>
+            </a:solidFill>
+            <a:ln w="12700">
               <a:solidFill>
                 <a:schemeClr val="tx1">
                   <a:lumMod val="50000"/>
                   <a:lumOff val="50000"/>
                 </a:schemeClr>
               </a:solidFill>
-            </a:endParaRPr>
-          </a:p>
-        </p:txBody>
-      </p:sp>
-      <p:sp>
-        <p:nvSpPr>
-          <p:cNvPr id="88" name="Rectangle 87">
-            <a:extLst>
-              <a:ext uri="{FF2B5EF4-FFF2-40B4-BE49-F238E27FC236}">
-                <a16:creationId xmlns:a16="http://schemas.microsoft.com/office/drawing/2014/main" id="{78D122F3-1C22-1417-09CD-C9E3FEEBABC2}"/>
-              </a:ext>
-            </a:extLst>
-          </p:cNvPr>
-          <p:cNvSpPr/>
-          <p:nvPr/>
-        </p:nvSpPr>
-        <p:spPr>
-          <a:xfrm rot="20400000">
-            <a:off x="3901584" y="5973441"/>
-            <a:ext cx="926590" cy="196725"/>
-          </a:xfrm>
-          <a:prstGeom prst="rect">
-            <a:avLst/>
-          </a:prstGeom>
-          <a:solidFill>
-            <a:schemeClr val="bg2">
-              <a:lumMod val="75000"/>
-            </a:schemeClr>
-          </a:solidFill>
-          <a:ln>
-            <a:solidFill>
-              <a:schemeClr val="tx1">
-                <a:lumMod val="50000"/>
-                <a:lumOff val="50000"/>
-              </a:schemeClr>
-            </a:solidFill>
-          </a:ln>
-        </p:spPr>
-        <p:style>
-          <a:lnRef idx="2">
-            <a:schemeClr val="accent1">
-              <a:shade val="50000"/>
-            </a:schemeClr>
-          </a:lnRef>
-          <a:fillRef idx="1">
-            <a:schemeClr val="accent1"/>
-          </a:fillRef>
-          <a:effectRef idx="0">
-            <a:schemeClr val="accent1"/>
-          </a:effectRef>
-          <a:fontRef idx="minor">
-            <a:schemeClr val="lt1"/>
-          </a:fontRef>
-        </p:style>
-        <p:txBody>
-          <a:bodyPr rtlCol="0" anchor="ctr"/>
-          <a:lstStyle/>
-          <a:p>
-            <a:pPr algn="ctr"/>
-            <a:r>
-              <a:rPr lang="en-US" sz="1200" dirty="0">
+              <a:prstDash val="sysDash"/>
+            </a:ln>
+          </p:spPr>
+          <p:style>
+            <a:lnRef idx="2">
+              <a:schemeClr val="accent1">
+                <a:shade val="50000"/>
+              </a:schemeClr>
+            </a:lnRef>
+            <a:fillRef idx="1">
+              <a:schemeClr val="accent1"/>
+            </a:fillRef>
+            <a:effectRef idx="0">
+              <a:schemeClr val="accent1"/>
+            </a:effectRef>
+            <a:fontRef idx="minor">
+              <a:schemeClr val="lt1"/>
+            </a:fontRef>
+          </p:style>
+          <p:txBody>
+            <a:bodyPr rtlCol="0" anchor="ctr"/>
+            <a:lstStyle/>
+            <a:p>
+              <a:pPr algn="ctr"/>
+              <a:r>
+                <a:rPr lang="en-US" sz="1200" dirty="0">
+                  <a:solidFill>
+                    <a:schemeClr val="tx1">
+                      <a:lumMod val="50000"/>
+                      <a:lumOff val="50000"/>
+                    </a:schemeClr>
+                  </a:solidFill>
+                </a:rPr>
+                <a:t>Another?</a:t>
+              </a:r>
+              <a:endParaRPr lang="en-NZ" sz="1200" dirty="0">
                 <a:solidFill>
                   <a:schemeClr val="tx1">
                     <a:lumMod val="50000"/>
                     <a:lumOff val="50000"/>
                   </a:schemeClr>
                 </a:solidFill>
-              </a:rPr>
-              <a:t>Other?</a:t>
-            </a:r>
-            <a:endParaRPr lang="en-NZ" sz="1200" dirty="0">
+              </a:endParaRPr>
+            </a:p>
+          </p:txBody>
+        </p:sp>
+        <p:sp>
+          <p:nvSpPr>
+            <p:cNvPr id="1027" name="Rectangle 1026">
+              <a:extLst>
+                <a:ext uri="{FF2B5EF4-FFF2-40B4-BE49-F238E27FC236}">
+                  <a16:creationId xmlns:a16="http://schemas.microsoft.com/office/drawing/2014/main" id="{821F4CDD-9744-A888-0A68-99EA6EC32413}"/>
+                </a:ext>
+              </a:extLst>
+            </p:cNvPr>
+            <p:cNvSpPr/>
+            <p:nvPr/>
+          </p:nvSpPr>
+          <p:spPr>
+            <a:xfrm rot="20400000">
+              <a:off x="2744371" y="6102981"/>
+              <a:ext cx="926590" cy="196725"/>
+            </a:xfrm>
+            <a:prstGeom prst="rect">
+              <a:avLst/>
+            </a:prstGeom>
+            <a:solidFill>
+              <a:schemeClr val="bg2">
+                <a:lumMod val="75000"/>
+              </a:schemeClr>
+            </a:solidFill>
+            <a:ln w="12700">
               <a:solidFill>
                 <a:schemeClr val="tx1">
                   <a:lumMod val="50000"/>
                   <a:lumOff val="50000"/>
                 </a:schemeClr>
               </a:solidFill>
-            </a:endParaRPr>
-          </a:p>
-        </p:txBody>
-      </p:sp>
-      <p:sp>
-        <p:nvSpPr>
-          <p:cNvPr id="92" name="Rectangle 91">
-            <a:extLst>
-              <a:ext uri="{FF2B5EF4-FFF2-40B4-BE49-F238E27FC236}">
-                <a16:creationId xmlns:a16="http://schemas.microsoft.com/office/drawing/2014/main" id="{5D07AB0B-CAE6-1CD4-9A52-80D146D20534}"/>
-              </a:ext>
-            </a:extLst>
-          </p:cNvPr>
-          <p:cNvSpPr/>
-          <p:nvPr/>
-        </p:nvSpPr>
-        <p:spPr>
-          <a:xfrm rot="20400000">
-            <a:off x="2801148" y="5973441"/>
-            <a:ext cx="926590" cy="196725"/>
-          </a:xfrm>
-          <a:prstGeom prst="rect">
-            <a:avLst/>
-          </a:prstGeom>
-          <a:solidFill>
-            <a:schemeClr val="bg2">
-              <a:lumMod val="75000"/>
-            </a:schemeClr>
-          </a:solidFill>
-          <a:ln>
-            <a:solidFill>
-              <a:schemeClr val="tx1">
-                <a:lumMod val="50000"/>
-                <a:lumOff val="50000"/>
-              </a:schemeClr>
-            </a:solidFill>
-          </a:ln>
-        </p:spPr>
-        <p:style>
-          <a:lnRef idx="2">
-            <a:schemeClr val="accent1">
-              <a:shade val="50000"/>
-            </a:schemeClr>
-          </a:lnRef>
-          <a:fillRef idx="1">
-            <a:schemeClr val="accent1"/>
-          </a:fillRef>
-          <a:effectRef idx="0">
-            <a:schemeClr val="accent1"/>
-          </a:effectRef>
-          <a:fontRef idx="minor">
-            <a:schemeClr val="lt1"/>
-          </a:fontRef>
-        </p:style>
-        <p:txBody>
-          <a:bodyPr rtlCol="0" anchor="ctr"/>
-          <a:lstStyle/>
-          <a:p>
-            <a:pPr algn="ctr"/>
-            <a:r>
-              <a:rPr lang="en-US" sz="1200" dirty="0">
+              <a:prstDash val="sysDash"/>
+            </a:ln>
+          </p:spPr>
+          <p:style>
+            <a:lnRef idx="2">
+              <a:schemeClr val="accent1">
+                <a:shade val="50000"/>
+              </a:schemeClr>
+            </a:lnRef>
+            <a:fillRef idx="1">
+              <a:schemeClr val="accent1"/>
+            </a:fillRef>
+            <a:effectRef idx="0">
+              <a:schemeClr val="accent1"/>
+            </a:effectRef>
+            <a:fontRef idx="minor">
+              <a:schemeClr val="lt1"/>
+            </a:fontRef>
+          </p:style>
+          <p:txBody>
+            <a:bodyPr rtlCol="0" anchor="ctr"/>
+            <a:lstStyle/>
+            <a:p>
+              <a:pPr algn="ctr"/>
+              <a:r>
+                <a:rPr lang="en-US" sz="1200" dirty="0">
+                  <a:solidFill>
+                    <a:schemeClr val="tx1">
+                      <a:lumMod val="50000"/>
+                      <a:lumOff val="50000"/>
+                    </a:schemeClr>
+                  </a:solidFill>
+                </a:rPr>
+                <a:t>Another?</a:t>
+              </a:r>
+              <a:endParaRPr lang="en-NZ" sz="1200" dirty="0">
                 <a:solidFill>
                   <a:schemeClr val="tx1">
                     <a:lumMod val="50000"/>
                     <a:lumOff val="50000"/>
                   </a:schemeClr>
                 </a:solidFill>
-              </a:rPr>
-              <a:t>Other?</a:t>
-            </a:r>
-            <a:endParaRPr lang="en-NZ" sz="1200" dirty="0">
+              </a:endParaRPr>
+            </a:p>
+          </p:txBody>
+        </p:sp>
+        <p:sp>
+          <p:nvSpPr>
+            <p:cNvPr id="1028" name="Rectangle 1027">
+              <a:extLst>
+                <a:ext uri="{FF2B5EF4-FFF2-40B4-BE49-F238E27FC236}">
+                  <a16:creationId xmlns:a16="http://schemas.microsoft.com/office/drawing/2014/main" id="{8E5A6FC3-14DB-DB74-D411-C9B3A21FA424}"/>
+                </a:ext>
+              </a:extLst>
+            </p:cNvPr>
+            <p:cNvSpPr/>
+            <p:nvPr/>
+          </p:nvSpPr>
+          <p:spPr>
+            <a:xfrm rot="20400000">
+              <a:off x="1580852" y="6102981"/>
+              <a:ext cx="926590" cy="196725"/>
+            </a:xfrm>
+            <a:prstGeom prst="rect">
+              <a:avLst/>
+            </a:prstGeom>
+            <a:solidFill>
+              <a:schemeClr val="bg2">
+                <a:lumMod val="75000"/>
+              </a:schemeClr>
+            </a:solidFill>
+            <a:ln w="12700">
               <a:solidFill>
                 <a:schemeClr val="tx1">
                   <a:lumMod val="50000"/>
                   <a:lumOff val="50000"/>
                 </a:schemeClr>
               </a:solidFill>
-            </a:endParaRPr>
-          </a:p>
-        </p:txBody>
-      </p:sp>
-      <p:sp>
-        <p:nvSpPr>
-          <p:cNvPr id="93" name="Rectangle 92">
-            <a:extLst>
-              <a:ext uri="{FF2B5EF4-FFF2-40B4-BE49-F238E27FC236}">
-                <a16:creationId xmlns:a16="http://schemas.microsoft.com/office/drawing/2014/main" id="{56A85D04-50FC-1E27-5F0B-EB57C92BB456}"/>
-              </a:ext>
-            </a:extLst>
-          </p:cNvPr>
-          <p:cNvSpPr/>
-          <p:nvPr/>
-        </p:nvSpPr>
-        <p:spPr>
-          <a:xfrm rot="20400000">
-            <a:off x="1591581" y="5973441"/>
-            <a:ext cx="926590" cy="196725"/>
-          </a:xfrm>
-          <a:prstGeom prst="rect">
-            <a:avLst/>
-          </a:prstGeom>
-          <a:solidFill>
-            <a:schemeClr val="bg2">
-              <a:lumMod val="75000"/>
-            </a:schemeClr>
-          </a:solidFill>
-          <a:ln>
-            <a:solidFill>
-              <a:schemeClr val="tx1">
-                <a:lumMod val="50000"/>
-                <a:lumOff val="50000"/>
-              </a:schemeClr>
-            </a:solidFill>
-          </a:ln>
-        </p:spPr>
-        <p:style>
-          <a:lnRef idx="2">
-            <a:schemeClr val="accent1">
-              <a:shade val="50000"/>
-            </a:schemeClr>
-          </a:lnRef>
-          <a:fillRef idx="1">
-            <a:schemeClr val="accent1"/>
-          </a:fillRef>
-          <a:effectRef idx="0">
-            <a:schemeClr val="accent1"/>
-          </a:effectRef>
-          <a:fontRef idx="minor">
-            <a:schemeClr val="lt1"/>
-          </a:fontRef>
-        </p:style>
-        <p:txBody>
-          <a:bodyPr rtlCol="0" anchor="ctr"/>
-          <a:lstStyle/>
-          <a:p>
-            <a:pPr algn="ctr"/>
-            <a:r>
-              <a:rPr lang="en-US" sz="1200" dirty="0">
+              <a:prstDash val="sysDash"/>
+            </a:ln>
+          </p:spPr>
+          <p:style>
+            <a:lnRef idx="2">
+              <a:schemeClr val="accent1">
+                <a:shade val="50000"/>
+              </a:schemeClr>
+            </a:lnRef>
+            <a:fillRef idx="1">
+              <a:schemeClr val="accent1"/>
+            </a:fillRef>
+            <a:effectRef idx="0">
+              <a:schemeClr val="accent1"/>
+            </a:effectRef>
+            <a:fontRef idx="minor">
+              <a:schemeClr val="lt1"/>
+            </a:fontRef>
+          </p:style>
+          <p:txBody>
+            <a:bodyPr rtlCol="0" anchor="ctr"/>
+            <a:lstStyle/>
+            <a:p>
+              <a:pPr algn="ctr"/>
+              <a:r>
+                <a:rPr lang="en-US" sz="1200" dirty="0">
+                  <a:solidFill>
+                    <a:schemeClr val="tx1">
+                      <a:lumMod val="50000"/>
+                      <a:lumOff val="50000"/>
+                    </a:schemeClr>
+                  </a:solidFill>
+                </a:rPr>
+                <a:t>Another?</a:t>
+              </a:r>
+              <a:endParaRPr lang="en-NZ" sz="1200" dirty="0">
                 <a:solidFill>
                   <a:schemeClr val="tx1">
                     <a:lumMod val="50000"/>
                     <a:lumOff val="50000"/>
                   </a:schemeClr>
                 </a:solidFill>
-              </a:rPr>
-              <a:t>Other?</a:t>
-            </a:r>
-            <a:endParaRPr lang="en-NZ" sz="1200" dirty="0">
+              </a:endParaRPr>
+            </a:p>
+          </p:txBody>
+        </p:sp>
+        <p:sp>
+          <p:nvSpPr>
+            <p:cNvPr id="1029" name="Rectangle 1028">
+              <a:extLst>
+                <a:ext uri="{FF2B5EF4-FFF2-40B4-BE49-F238E27FC236}">
+                  <a16:creationId xmlns:a16="http://schemas.microsoft.com/office/drawing/2014/main" id="{003CF0CB-FE84-0AD1-9751-B978F726624F}"/>
+                </a:ext>
+              </a:extLst>
+            </p:cNvPr>
+            <p:cNvSpPr/>
+            <p:nvPr/>
+          </p:nvSpPr>
+          <p:spPr>
+            <a:xfrm rot="20400000">
+              <a:off x="8540941" y="6107792"/>
+              <a:ext cx="926590" cy="196725"/>
+            </a:xfrm>
+            <a:prstGeom prst="rect">
+              <a:avLst/>
+            </a:prstGeom>
+            <a:solidFill>
+              <a:schemeClr val="bg2">
+                <a:lumMod val="75000"/>
+              </a:schemeClr>
+            </a:solidFill>
+            <a:ln w="12700">
               <a:solidFill>
                 <a:schemeClr val="tx1">
                   <a:lumMod val="50000"/>
                   <a:lumOff val="50000"/>
                 </a:schemeClr>
               </a:solidFill>
-            </a:endParaRPr>
-          </a:p>
-        </p:txBody>
-      </p:sp>
-      <p:sp>
-        <p:nvSpPr>
-          <p:cNvPr id="94" name="Rectangle 93">
-            <a:extLst>
-              <a:ext uri="{FF2B5EF4-FFF2-40B4-BE49-F238E27FC236}">
-                <a16:creationId xmlns:a16="http://schemas.microsoft.com/office/drawing/2014/main" id="{6B3BD1B5-FEBF-A651-EBA7-9B868E286086}"/>
-              </a:ext>
-            </a:extLst>
-          </p:cNvPr>
-          <p:cNvSpPr/>
-          <p:nvPr/>
-        </p:nvSpPr>
-        <p:spPr>
-          <a:xfrm rot="20400000">
-            <a:off x="8538650" y="5978252"/>
-            <a:ext cx="926590" cy="196725"/>
-          </a:xfrm>
-          <a:prstGeom prst="rect">
-            <a:avLst/>
-          </a:prstGeom>
-          <a:solidFill>
-            <a:schemeClr val="bg2">
-              <a:lumMod val="75000"/>
-            </a:schemeClr>
-          </a:solidFill>
-          <a:ln>
-            <a:solidFill>
-              <a:schemeClr val="tx1">
-                <a:lumMod val="50000"/>
-                <a:lumOff val="50000"/>
-              </a:schemeClr>
-            </a:solidFill>
-          </a:ln>
-        </p:spPr>
-        <p:style>
-          <a:lnRef idx="2">
-            <a:schemeClr val="accent1">
-              <a:shade val="50000"/>
-            </a:schemeClr>
-          </a:lnRef>
-          <a:fillRef idx="1">
-            <a:schemeClr val="accent1"/>
-          </a:fillRef>
-          <a:effectRef idx="0">
-            <a:schemeClr val="accent1"/>
-          </a:effectRef>
-          <a:fontRef idx="minor">
-            <a:schemeClr val="lt1"/>
-          </a:fontRef>
-        </p:style>
-        <p:txBody>
-          <a:bodyPr rtlCol="0" anchor="ctr"/>
-          <a:lstStyle/>
-          <a:p>
-            <a:pPr algn="ctr"/>
-            <a:r>
-              <a:rPr lang="en-US" sz="1200" dirty="0">
+              <a:prstDash val="sysDash"/>
+            </a:ln>
+          </p:spPr>
+          <p:style>
+            <a:lnRef idx="2">
+              <a:schemeClr val="accent1">
+                <a:shade val="50000"/>
+              </a:schemeClr>
+            </a:lnRef>
+            <a:fillRef idx="1">
+              <a:schemeClr val="accent1"/>
+            </a:fillRef>
+            <a:effectRef idx="0">
+              <a:schemeClr val="accent1"/>
+            </a:effectRef>
+            <a:fontRef idx="minor">
+              <a:schemeClr val="lt1"/>
+            </a:fontRef>
+          </p:style>
+          <p:txBody>
+            <a:bodyPr rtlCol="0" anchor="ctr"/>
+            <a:lstStyle/>
+            <a:p>
+              <a:pPr algn="ctr"/>
+              <a:r>
+                <a:rPr lang="en-US" sz="1200" dirty="0">
+                  <a:solidFill>
+                    <a:schemeClr val="tx1">
+                      <a:lumMod val="50000"/>
+                      <a:lumOff val="50000"/>
+                    </a:schemeClr>
+                  </a:solidFill>
+                </a:rPr>
+                <a:t>Another?</a:t>
+              </a:r>
+              <a:endParaRPr lang="en-NZ" sz="1200" dirty="0">
                 <a:solidFill>
                   <a:schemeClr val="tx1">
                     <a:lumMod val="50000"/>
                     <a:lumOff val="50000"/>
                   </a:schemeClr>
                 </a:solidFill>
-              </a:rPr>
-              <a:t>Other?</a:t>
-            </a:r>
-            <a:endParaRPr lang="en-NZ" sz="1200" dirty="0">
+              </a:endParaRPr>
+            </a:p>
+          </p:txBody>
+        </p:sp>
+        <p:pic>
+          <p:nvPicPr>
+            <p:cNvPr id="1031" name="Picture 2" descr="Shopify">
+              <a:extLst>
+                <a:ext uri="{FF2B5EF4-FFF2-40B4-BE49-F238E27FC236}">
+                  <a16:creationId xmlns:a16="http://schemas.microsoft.com/office/drawing/2014/main" id="{FFEB0089-A75C-2D95-A8F5-8765A8CE115E}"/>
+                </a:ext>
+              </a:extLst>
+            </p:cNvPr>
+            <p:cNvPicPr>
+              <a:picLocks noChangeAspect="1" noChangeArrowheads="1"/>
+            </p:cNvPicPr>
+            <p:nvPr/>
+          </p:nvPicPr>
+          <p:blipFill>
+            <a:blip r:embed="rId9">
+              <a:extLst>
+                <a:ext uri="{28A0092B-C50C-407E-A947-70E740481C1C}">
+                  <a14:useLocalDpi xmlns:a14="http://schemas.microsoft.com/office/drawing/2010/main" val="0"/>
+                </a:ext>
+              </a:extLst>
+            </a:blip>
+            <a:srcRect/>
+            <a:stretch>
+              <a:fillRect/>
+            </a:stretch>
+          </p:blipFill>
+          <p:spPr bwMode="auto">
+            <a:xfrm rot="20400000">
+              <a:off x="1571087" y="5826784"/>
+              <a:ext cx="946121" cy="205968"/>
+            </a:xfrm>
+            <a:prstGeom prst="rect">
+              <a:avLst/>
+            </a:prstGeom>
+            <a:solidFill>
+              <a:schemeClr val="bg2">
+                <a:lumMod val="75000"/>
+              </a:schemeClr>
+            </a:solidFill>
+            <a:ln w="12700">
               <a:solidFill>
                 <a:schemeClr val="tx1">
                   <a:lumMod val="50000"/>
                   <a:lumOff val="50000"/>
                 </a:schemeClr>
               </a:solidFill>
-            </a:endParaRPr>
-          </a:p>
-        </p:txBody>
-      </p:sp>
+              <a:prstDash val="sysDash"/>
+            </a:ln>
+          </p:spPr>
+        </p:pic>
+        <p:pic>
+          <p:nvPicPr>
+            <p:cNvPr id="1032" name="Picture 4">
+              <a:extLst>
+                <a:ext uri="{FF2B5EF4-FFF2-40B4-BE49-F238E27FC236}">
+                  <a16:creationId xmlns:a16="http://schemas.microsoft.com/office/drawing/2014/main" id="{77FE4F77-F49A-FA8C-1DD1-43038E0231B7}"/>
+                </a:ext>
+              </a:extLst>
+            </p:cNvPr>
+            <p:cNvPicPr>
+              <a:picLocks noChangeAspect="1" noChangeArrowheads="1"/>
+            </p:cNvPicPr>
+            <p:nvPr/>
+          </p:nvPicPr>
+          <p:blipFill rotWithShape="1">
+            <a:blip r:embed="rId4">
+              <a:clrChange>
+                <a:clrFrom>
+                  <a:srgbClr val="FFFFFF"/>
+                </a:clrFrom>
+                <a:clrTo>
+                  <a:srgbClr val="FFFFFF">
+                    <a:alpha val="0"/>
+                  </a:srgbClr>
+                </a:clrTo>
+              </a:clrChange>
+              <a:extLst>
+                <a:ext uri="{28A0092B-C50C-407E-A947-70E740481C1C}">
+                  <a14:useLocalDpi xmlns:a14="http://schemas.microsoft.com/office/drawing/2010/main" val="0"/>
+                </a:ext>
+              </a:extLst>
+            </a:blip>
+            <a:srcRect t="8416" b="8972"/>
+            <a:stretch/>
+          </p:blipFill>
+          <p:spPr bwMode="auto">
+            <a:xfrm rot="20400000">
+              <a:off x="2745143" y="5507033"/>
+              <a:ext cx="925046" cy="208336"/>
+            </a:xfrm>
+            <a:prstGeom prst="rect">
+              <a:avLst/>
+            </a:prstGeom>
+            <a:solidFill>
+              <a:schemeClr val="bg2">
+                <a:lumMod val="75000"/>
+              </a:schemeClr>
+            </a:solidFill>
+            <a:ln w="12700">
+              <a:solidFill>
+                <a:schemeClr val="tx1">
+                  <a:lumMod val="50000"/>
+                  <a:lumOff val="50000"/>
+                </a:schemeClr>
+              </a:solidFill>
+              <a:prstDash val="sysDash"/>
+            </a:ln>
+            <a:extLst>
+              <a:ext uri="{909E8E84-426E-40DD-AFC4-6F175D3DCCD1}">
+                <a14:hiddenFill xmlns:a14="http://schemas.microsoft.com/office/drawing/2010/main">
+                  <a:solidFill>
+                    <a:srgbClr val="FFFFFF"/>
+                  </a:solidFill>
+                </a14:hiddenFill>
+              </a:ext>
+            </a:extLst>
+          </p:spPr>
+        </p:pic>
+        <p:pic>
+          <p:nvPicPr>
+            <p:cNvPr id="1033" name="Picture 4" descr="Chargify and Swipesum">
+              <a:extLst>
+                <a:ext uri="{FF2B5EF4-FFF2-40B4-BE49-F238E27FC236}">
+                  <a16:creationId xmlns:a16="http://schemas.microsoft.com/office/drawing/2014/main" id="{187E15A4-DD4A-D490-D1F3-0B9E61B4A745}"/>
+                </a:ext>
+              </a:extLst>
+            </p:cNvPr>
+            <p:cNvPicPr>
+              <a:picLocks noChangeAspect="1" noChangeArrowheads="1"/>
+            </p:cNvPicPr>
+            <p:nvPr/>
+          </p:nvPicPr>
+          <p:blipFill rotWithShape="1">
+            <a:blip r:embed="rId10">
+              <a:clrChange>
+                <a:clrFrom>
+                  <a:srgbClr val="FFFFFF"/>
+                </a:clrFrom>
+                <a:clrTo>
+                  <a:srgbClr val="FFFFFF">
+                    <a:alpha val="0"/>
+                  </a:srgbClr>
+                </a:clrTo>
+              </a:clrChange>
+              <a:extLst>
+                <a:ext uri="{28A0092B-C50C-407E-A947-70E740481C1C}">
+                  <a14:useLocalDpi xmlns:a14="http://schemas.microsoft.com/office/drawing/2010/main" val="0"/>
+                </a:ext>
+              </a:extLst>
+            </a:blip>
+            <a:srcRect t="22481" b="21480"/>
+            <a:stretch/>
+          </p:blipFill>
+          <p:spPr bwMode="auto">
+            <a:xfrm rot="20400000">
+              <a:off x="2692875" y="5208199"/>
+              <a:ext cx="1029582" cy="227881"/>
+            </a:xfrm>
+            <a:prstGeom prst="rect">
+              <a:avLst/>
+            </a:prstGeom>
+            <a:solidFill>
+              <a:schemeClr val="bg2">
+                <a:lumMod val="75000"/>
+              </a:schemeClr>
+            </a:solidFill>
+            <a:ln w="12700">
+              <a:solidFill>
+                <a:schemeClr val="tx1">
+                  <a:lumMod val="50000"/>
+                  <a:lumOff val="50000"/>
+                </a:schemeClr>
+              </a:solidFill>
+              <a:prstDash val="sysDash"/>
+            </a:ln>
+          </p:spPr>
+        </p:pic>
+        <p:pic>
+          <p:nvPicPr>
+            <p:cNvPr id="1034" name="Picture 6" descr="Chargebee: SaaS for Effective Revenue Growth Management">
+              <a:extLst>
+                <a:ext uri="{FF2B5EF4-FFF2-40B4-BE49-F238E27FC236}">
+                  <a16:creationId xmlns:a16="http://schemas.microsoft.com/office/drawing/2014/main" id="{EF89CB5B-6FEA-B06F-DE66-6A6B70EDAABA}"/>
+                </a:ext>
+              </a:extLst>
+            </p:cNvPr>
+            <p:cNvPicPr>
+              <a:picLocks noChangeAspect="1" noChangeArrowheads="1"/>
+            </p:cNvPicPr>
+            <p:nvPr/>
+          </p:nvPicPr>
+          <p:blipFill rotWithShape="1">
+            <a:blip r:embed="rId11">
+              <a:clrChange>
+                <a:clrFrom>
+                  <a:srgbClr val="FFFFFF"/>
+                </a:clrFrom>
+                <a:clrTo>
+                  <a:srgbClr val="FFFFFF">
+                    <a:alpha val="0"/>
+                  </a:srgbClr>
+                </a:clrTo>
+              </a:clrChange>
+              <a:extLst>
+                <a:ext uri="{28A0092B-C50C-407E-A947-70E740481C1C}">
+                  <a14:useLocalDpi xmlns:a14="http://schemas.microsoft.com/office/drawing/2010/main" val="0"/>
+                </a:ext>
+              </a:extLst>
+            </a:blip>
+            <a:srcRect l="9715" t="29331" r="8963" b="27615"/>
+            <a:stretch/>
+          </p:blipFill>
+          <p:spPr bwMode="auto">
+            <a:xfrm rot="20400000">
+              <a:off x="2707624" y="5792672"/>
+              <a:ext cx="1000084" cy="234633"/>
+            </a:xfrm>
+            <a:prstGeom prst="rect">
+              <a:avLst/>
+            </a:prstGeom>
+            <a:solidFill>
+              <a:schemeClr val="bg2">
+                <a:lumMod val="75000"/>
+              </a:schemeClr>
+            </a:solidFill>
+            <a:ln w="12700">
+              <a:solidFill>
+                <a:schemeClr val="tx1">
+                  <a:lumMod val="50000"/>
+                  <a:lumOff val="50000"/>
+                </a:schemeClr>
+              </a:solidFill>
+              <a:prstDash val="sysDash"/>
+            </a:ln>
+          </p:spPr>
+        </p:pic>
+        <p:pic>
+          <p:nvPicPr>
+            <p:cNvPr id="1035" name="Picture 12" descr="Analyze the impact of personalization in Google Analytics">
+              <a:extLst>
+                <a:ext uri="{FF2B5EF4-FFF2-40B4-BE49-F238E27FC236}">
+                  <a16:creationId xmlns:a16="http://schemas.microsoft.com/office/drawing/2014/main" id="{81516A95-1545-BC74-2960-34B93B6E8014}"/>
+                </a:ext>
+              </a:extLst>
+            </p:cNvPr>
+            <p:cNvPicPr>
+              <a:picLocks noChangeAspect="1" noChangeArrowheads="1"/>
+            </p:cNvPicPr>
+            <p:nvPr/>
+          </p:nvPicPr>
+          <p:blipFill rotWithShape="1">
+            <a:blip r:embed="rId12">
+              <a:clrChange>
+                <a:clrFrom>
+                  <a:srgbClr val="FFFFFF"/>
+                </a:clrFrom>
+                <a:clrTo>
+                  <a:srgbClr val="FFFFFF">
+                    <a:alpha val="0"/>
+                  </a:srgbClr>
+                </a:clrTo>
+              </a:clrChange>
+              <a:extLst>
+                <a:ext uri="{28A0092B-C50C-407E-A947-70E740481C1C}">
+                  <a14:useLocalDpi xmlns:a14="http://schemas.microsoft.com/office/drawing/2010/main" val="0"/>
+                </a:ext>
+              </a:extLst>
+            </a:blip>
+            <a:srcRect l="-3074" t="-1409" r="-5031" b="-4078"/>
+            <a:stretch/>
+          </p:blipFill>
+          <p:spPr bwMode="auto">
+            <a:xfrm rot="20400000">
+              <a:off x="3972053" y="5105614"/>
+              <a:ext cx="765959" cy="255640"/>
+            </a:xfrm>
+            <a:prstGeom prst="rect">
+              <a:avLst/>
+            </a:prstGeom>
+            <a:solidFill>
+              <a:schemeClr val="bg2">
+                <a:lumMod val="75000"/>
+              </a:schemeClr>
+            </a:solidFill>
+            <a:ln w="12700">
+              <a:solidFill>
+                <a:schemeClr val="tx1">
+                  <a:lumMod val="50000"/>
+                  <a:lumOff val="50000"/>
+                </a:schemeClr>
+              </a:solidFill>
+              <a:prstDash val="sysDash"/>
+            </a:ln>
+          </p:spPr>
+        </p:pic>
+        <p:pic>
+          <p:nvPicPr>
+            <p:cNvPr id="1037" name="Picture 14" descr="Amplitude Analytics Reviews, Ratings &amp; Features 2023 | Gartner Peer Insights">
+              <a:extLst>
+                <a:ext uri="{FF2B5EF4-FFF2-40B4-BE49-F238E27FC236}">
+                  <a16:creationId xmlns:a16="http://schemas.microsoft.com/office/drawing/2014/main" id="{0E306858-6798-8C4E-EEA2-62550D9F183E}"/>
+                </a:ext>
+              </a:extLst>
+            </p:cNvPr>
+            <p:cNvPicPr>
+              <a:picLocks noChangeAspect="1" noChangeArrowheads="1"/>
+            </p:cNvPicPr>
+            <p:nvPr/>
+          </p:nvPicPr>
+          <p:blipFill rotWithShape="1">
+            <a:blip r:embed="rId13">
+              <a:clrChange>
+                <a:clrFrom>
+                  <a:srgbClr val="FFFFFF"/>
+                </a:clrFrom>
+                <a:clrTo>
+                  <a:srgbClr val="FFFFFF">
+                    <a:alpha val="0"/>
+                  </a:srgbClr>
+                </a:clrTo>
+              </a:clrChange>
+              <a:extLst>
+                <a:ext uri="{28A0092B-C50C-407E-A947-70E740481C1C}">
+                  <a14:useLocalDpi xmlns:a14="http://schemas.microsoft.com/office/drawing/2010/main" val="0"/>
+                </a:ext>
+              </a:extLst>
+            </a:blip>
+            <a:srcRect t="22393" b="28622"/>
+            <a:stretch/>
+          </p:blipFill>
+          <p:spPr bwMode="auto">
+            <a:xfrm rot="20400000">
+              <a:off x="3892561" y="5779495"/>
+              <a:ext cx="924942" cy="251372"/>
+            </a:xfrm>
+            <a:prstGeom prst="rect">
+              <a:avLst/>
+            </a:prstGeom>
+            <a:solidFill>
+              <a:schemeClr val="bg2">
+                <a:lumMod val="75000"/>
+              </a:schemeClr>
+            </a:solidFill>
+            <a:ln w="12700">
+              <a:solidFill>
+                <a:schemeClr val="tx1">
+                  <a:lumMod val="50000"/>
+                  <a:lumOff val="50000"/>
+                </a:schemeClr>
+              </a:solidFill>
+              <a:prstDash val="sysDash"/>
+            </a:ln>
+          </p:spPr>
+        </p:pic>
+        <p:pic>
+          <p:nvPicPr>
+            <p:cNvPr id="1038" name="Picture 16" descr="LaunchDarkly allows customers to automate feature releases with Courier">
+              <a:extLst>
+                <a:ext uri="{FF2B5EF4-FFF2-40B4-BE49-F238E27FC236}">
+                  <a16:creationId xmlns:a16="http://schemas.microsoft.com/office/drawing/2014/main" id="{11AE5844-2BFE-B803-4C78-0ADC400D2720}"/>
+                </a:ext>
+              </a:extLst>
+            </p:cNvPr>
+            <p:cNvPicPr>
+              <a:picLocks noChangeAspect="1" noChangeArrowheads="1"/>
+            </p:cNvPicPr>
+            <p:nvPr/>
+          </p:nvPicPr>
+          <p:blipFill rotWithShape="1">
+            <a:blip r:embed="rId14">
+              <a:clrChange>
+                <a:clrFrom>
+                  <a:srgbClr val="FFFFFF"/>
+                </a:clrFrom>
+                <a:clrTo>
+                  <a:srgbClr val="FFFFFF">
+                    <a:alpha val="0"/>
+                  </a:srgbClr>
+                </a:clrTo>
+              </a:clrChange>
+              <a:extLst>
+                <a:ext uri="{28A0092B-C50C-407E-A947-70E740481C1C}">
+                  <a14:useLocalDpi xmlns:a14="http://schemas.microsoft.com/office/drawing/2010/main" val="0"/>
+                </a:ext>
+              </a:extLst>
+            </a:blip>
+            <a:srcRect t="29482" b="31324"/>
+            <a:stretch/>
+          </p:blipFill>
+          <p:spPr bwMode="auto">
+            <a:xfrm rot="20400000">
+              <a:off x="5046345" y="5496017"/>
+              <a:ext cx="944145" cy="207227"/>
+            </a:xfrm>
+            <a:prstGeom prst="rect">
+              <a:avLst/>
+            </a:prstGeom>
+            <a:solidFill>
+              <a:schemeClr val="bg2">
+                <a:lumMod val="75000"/>
+              </a:schemeClr>
+            </a:solidFill>
+            <a:ln w="12700">
+              <a:solidFill>
+                <a:schemeClr val="tx1">
+                  <a:lumMod val="50000"/>
+                  <a:lumOff val="50000"/>
+                </a:schemeClr>
+              </a:solidFill>
+              <a:prstDash val="sysDash"/>
+            </a:ln>
+          </p:spPr>
+        </p:pic>
+        <p:pic>
+          <p:nvPicPr>
+            <p:cNvPr id="1040" name="Picture 18" descr="Postmark - Our Preferred Transactional Email Provider for WordPress">
+              <a:extLst>
+                <a:ext uri="{FF2B5EF4-FFF2-40B4-BE49-F238E27FC236}">
+                  <a16:creationId xmlns:a16="http://schemas.microsoft.com/office/drawing/2014/main" id="{978D1617-2E42-6E95-923F-885B623E1B42}"/>
+                </a:ext>
+              </a:extLst>
+            </p:cNvPr>
+            <p:cNvPicPr>
+              <a:picLocks noChangeAspect="1" noChangeArrowheads="1"/>
+            </p:cNvPicPr>
+            <p:nvPr/>
+          </p:nvPicPr>
+          <p:blipFill rotWithShape="1">
+            <a:blip r:embed="rId15">
+              <a:clrChange>
+                <a:clrFrom>
+                  <a:srgbClr val="FFE002"/>
+                </a:clrFrom>
+                <a:clrTo>
+                  <a:srgbClr val="FFE002">
+                    <a:alpha val="0"/>
+                  </a:srgbClr>
+                </a:clrTo>
+              </a:clrChange>
+              <a:extLst>
+                <a:ext uri="{28A0092B-C50C-407E-A947-70E740481C1C}">
+                  <a14:useLocalDpi xmlns:a14="http://schemas.microsoft.com/office/drawing/2010/main" val="0"/>
+                </a:ext>
+              </a:extLst>
+            </a:blip>
+            <a:srcRect t="24105" b="28369"/>
+            <a:stretch/>
+          </p:blipFill>
+          <p:spPr bwMode="auto">
+            <a:xfrm rot="20400000">
+              <a:off x="6170163" y="5448651"/>
+              <a:ext cx="1016770" cy="270611"/>
+            </a:xfrm>
+            <a:prstGeom prst="rect">
+              <a:avLst/>
+            </a:prstGeom>
+            <a:solidFill>
+              <a:schemeClr val="bg2">
+                <a:lumMod val="75000"/>
+              </a:schemeClr>
+            </a:solidFill>
+            <a:ln w="12700">
+              <a:solidFill>
+                <a:schemeClr val="tx1">
+                  <a:lumMod val="50000"/>
+                  <a:lumOff val="50000"/>
+                </a:schemeClr>
+              </a:solidFill>
+              <a:prstDash val="sysDash"/>
+            </a:ln>
+          </p:spPr>
+        </p:pic>
+        <p:pic>
+          <p:nvPicPr>
+            <p:cNvPr id="1044" name="Picture 20" descr="How to setup Mailgun for WordPress - AcyMailing Blog">
+              <a:extLst>
+                <a:ext uri="{FF2B5EF4-FFF2-40B4-BE49-F238E27FC236}">
+                  <a16:creationId xmlns:a16="http://schemas.microsoft.com/office/drawing/2014/main" id="{95FBB62B-CCA6-561F-C4A1-32CEEA376FD6}"/>
+                </a:ext>
+              </a:extLst>
+            </p:cNvPr>
+            <p:cNvPicPr>
+              <a:picLocks noChangeAspect="1" noChangeArrowheads="1"/>
+            </p:cNvPicPr>
+            <p:nvPr/>
+          </p:nvPicPr>
+          <p:blipFill rotWithShape="1">
+            <a:blip r:embed="rId16">
+              <a:clrChange>
+                <a:clrFrom>
+                  <a:srgbClr val="FFFFFF"/>
+                </a:clrFrom>
+                <a:clrTo>
+                  <a:srgbClr val="FFFFFF">
+                    <a:alpha val="0"/>
+                  </a:srgbClr>
+                </a:clrTo>
+              </a:clrChange>
+              <a:extLst>
+                <a:ext uri="{28A0092B-C50C-407E-A947-70E740481C1C}">
+                  <a14:useLocalDpi xmlns:a14="http://schemas.microsoft.com/office/drawing/2010/main" val="0"/>
+                </a:ext>
+              </a:extLst>
+            </a:blip>
+            <a:srcRect l="19323" t="29275" r="19487" b="29494"/>
+            <a:stretch/>
+          </p:blipFill>
+          <p:spPr bwMode="auto">
+            <a:xfrm rot="20400000">
+              <a:off x="6253877" y="5175754"/>
+              <a:ext cx="849344" cy="213636"/>
+            </a:xfrm>
+            <a:prstGeom prst="rect">
+              <a:avLst/>
+            </a:prstGeom>
+            <a:solidFill>
+              <a:schemeClr val="bg2">
+                <a:lumMod val="75000"/>
+              </a:schemeClr>
+            </a:solidFill>
+            <a:ln w="12700">
+              <a:solidFill>
+                <a:schemeClr val="tx1">
+                  <a:lumMod val="50000"/>
+                  <a:lumOff val="50000"/>
+                </a:schemeClr>
+              </a:solidFill>
+              <a:prstDash val="sysDash"/>
+            </a:ln>
+          </p:spPr>
+        </p:pic>
+        <p:pic>
+          <p:nvPicPr>
+            <p:cNvPr id="1046" name="Picture 22" descr="Facebook - log in or sign up">
+              <a:extLst>
+                <a:ext uri="{FF2B5EF4-FFF2-40B4-BE49-F238E27FC236}">
+                  <a16:creationId xmlns:a16="http://schemas.microsoft.com/office/drawing/2014/main" id="{0651E690-DC7B-24DA-D624-BC2CD1D83AC5}"/>
+                </a:ext>
+              </a:extLst>
+            </p:cNvPr>
+            <p:cNvPicPr>
+              <a:picLocks noChangeAspect="1" noChangeArrowheads="1"/>
+            </p:cNvPicPr>
+            <p:nvPr/>
+          </p:nvPicPr>
+          <p:blipFill rotWithShape="1">
+            <a:blip r:embed="rId17">
+              <a:clrChange>
+                <a:clrFrom>
+                  <a:srgbClr val="FFFFFF"/>
+                </a:clrFrom>
+                <a:clrTo>
+                  <a:srgbClr val="FFFFFF">
+                    <a:alpha val="0"/>
+                  </a:srgbClr>
+                </a:clrTo>
+              </a:clrChange>
+              <a:extLst>
+                <a:ext uri="{28A0092B-C50C-407E-A947-70E740481C1C}">
+                  <a14:useLocalDpi xmlns:a14="http://schemas.microsoft.com/office/drawing/2010/main" val="0"/>
+                </a:ext>
+              </a:extLst>
+            </a:blip>
+            <a:srcRect t="20065" b="20642"/>
+            <a:stretch/>
+          </p:blipFill>
+          <p:spPr bwMode="auto">
+            <a:xfrm rot="20400000">
+              <a:off x="8490137" y="5242807"/>
+              <a:ext cx="1003534" cy="209358"/>
+            </a:xfrm>
+            <a:prstGeom prst="rect">
+              <a:avLst/>
+            </a:prstGeom>
+            <a:solidFill>
+              <a:schemeClr val="bg2">
+                <a:lumMod val="75000"/>
+              </a:schemeClr>
+            </a:solidFill>
+            <a:ln w="12700">
+              <a:solidFill>
+                <a:schemeClr val="tx1">
+                  <a:lumMod val="50000"/>
+                  <a:lumOff val="50000"/>
+                </a:schemeClr>
+              </a:solidFill>
+              <a:prstDash val="sysDash"/>
+            </a:ln>
+            <a:extLst>
+              <a:ext uri="{909E8E84-426E-40DD-AFC4-6F175D3DCCD1}">
+                <a14:hiddenFill xmlns:a14="http://schemas.microsoft.com/office/drawing/2010/main">
+                  <a:solidFill>
+                    <a:srgbClr val="FFFFFF"/>
+                  </a:solidFill>
+                </a14:hiddenFill>
+              </a:ext>
+            </a:extLst>
+          </p:spPr>
+        </p:pic>
+        <p:pic>
+          <p:nvPicPr>
+            <p:cNvPr id="1047" name="Picture 1046">
+              <a:extLst>
+                <a:ext uri="{FF2B5EF4-FFF2-40B4-BE49-F238E27FC236}">
+                  <a16:creationId xmlns:a16="http://schemas.microsoft.com/office/drawing/2014/main" id="{ABB6A542-0370-1DB4-0B92-ACFCB3B9CB8E}"/>
+                </a:ext>
+              </a:extLst>
+            </p:cNvPr>
+            <p:cNvPicPr>
+              <a:picLocks noChangeAspect="1"/>
+            </p:cNvPicPr>
+            <p:nvPr/>
+          </p:nvPicPr>
+          <p:blipFill>
+            <a:blip r:embed="rId18">
+              <a:clrChange>
+                <a:clrFrom>
+                  <a:srgbClr val="2F64D1"/>
+                </a:clrFrom>
+                <a:clrTo>
+                  <a:srgbClr val="2F64D1">
+                    <a:alpha val="0"/>
+                  </a:srgbClr>
+                </a:clrTo>
+              </a:clrChange>
+            </a:blip>
+            <a:stretch>
+              <a:fillRect/>
+            </a:stretch>
+          </p:blipFill>
+          <p:spPr>
+            <a:xfrm rot="20400000">
+              <a:off x="7371776" y="5498193"/>
+              <a:ext cx="881617" cy="202872"/>
+            </a:xfrm>
+            <a:prstGeom prst="rect">
+              <a:avLst/>
+            </a:prstGeom>
+            <a:solidFill>
+              <a:schemeClr val="bg2">
+                <a:lumMod val="75000"/>
+              </a:schemeClr>
+            </a:solidFill>
+            <a:ln w="12700">
+              <a:solidFill>
+                <a:schemeClr val="tx1">
+                  <a:lumMod val="50000"/>
+                  <a:lumOff val="50000"/>
+                </a:schemeClr>
+              </a:solidFill>
+              <a:prstDash val="sysDash"/>
+            </a:ln>
+          </p:spPr>
+        </p:pic>
+        <p:pic>
+          <p:nvPicPr>
+            <p:cNvPr id="1048" name="Picture 24">
+              <a:extLst>
+                <a:ext uri="{FF2B5EF4-FFF2-40B4-BE49-F238E27FC236}">
+                  <a16:creationId xmlns:a16="http://schemas.microsoft.com/office/drawing/2014/main" id="{E26504F8-F5D7-DEC6-91CC-1DC0280B6860}"/>
+                </a:ext>
+              </a:extLst>
+            </p:cNvPr>
+            <p:cNvPicPr>
+              <a:picLocks noChangeAspect="1" noChangeArrowheads="1"/>
+            </p:cNvPicPr>
+            <p:nvPr/>
+          </p:nvPicPr>
+          <p:blipFill rotWithShape="1">
+            <a:blip r:embed="rId19">
+              <a:clrChange>
+                <a:clrFrom>
+                  <a:srgbClr val="FFFFFF"/>
+                </a:clrFrom>
+                <a:clrTo>
+                  <a:srgbClr val="FFFFFF">
+                    <a:alpha val="0"/>
+                  </a:srgbClr>
+                </a:clrTo>
+              </a:clrChange>
+              <a:extLst>
+                <a:ext uri="{28A0092B-C50C-407E-A947-70E740481C1C}">
+                  <a14:useLocalDpi xmlns:a14="http://schemas.microsoft.com/office/drawing/2010/main" val="0"/>
+                </a:ext>
+              </a:extLst>
+            </a:blip>
+            <a:srcRect l="-9001" r="-13248"/>
+            <a:stretch/>
+          </p:blipFill>
+          <p:spPr bwMode="auto">
+            <a:xfrm rot="20400000">
+              <a:off x="5095780" y="5226933"/>
+              <a:ext cx="824004" cy="205863"/>
+            </a:xfrm>
+            <a:prstGeom prst="rect">
+              <a:avLst/>
+            </a:prstGeom>
+            <a:solidFill>
+              <a:schemeClr val="bg2">
+                <a:lumMod val="75000"/>
+              </a:schemeClr>
+            </a:solidFill>
+            <a:ln w="12700">
+              <a:solidFill>
+                <a:schemeClr val="tx1">
+                  <a:lumMod val="50000"/>
+                  <a:lumOff val="50000"/>
+                </a:schemeClr>
+              </a:solidFill>
+              <a:prstDash val="sysDash"/>
+            </a:ln>
+            <a:extLst>
+              <a:ext uri="{909E8E84-426E-40DD-AFC4-6F175D3DCCD1}">
+                <a14:hiddenFill xmlns:a14="http://schemas.microsoft.com/office/drawing/2010/main">
+                  <a:solidFill>
+                    <a:srgbClr val="FFFFFF"/>
+                  </a:solidFill>
+                </a14:hiddenFill>
+              </a:ext>
+            </a:extLst>
+          </p:spPr>
+        </p:pic>
+        <p:pic>
+          <p:nvPicPr>
+            <p:cNvPr id="1051" name="Picture 26" descr="Auth0 Single Sign On | Drupal.org">
+              <a:extLst>
+                <a:ext uri="{FF2B5EF4-FFF2-40B4-BE49-F238E27FC236}">
+                  <a16:creationId xmlns:a16="http://schemas.microsoft.com/office/drawing/2014/main" id="{A8C15814-C481-E34A-5160-70EED91CE52A}"/>
+                </a:ext>
+              </a:extLst>
+            </p:cNvPr>
+            <p:cNvPicPr>
+              <a:picLocks noChangeAspect="1" noChangeArrowheads="1"/>
+            </p:cNvPicPr>
+            <p:nvPr/>
+          </p:nvPicPr>
+          <p:blipFill rotWithShape="1">
+            <a:blip r:embed="rId20">
+              <a:clrChange>
+                <a:clrFrom>
+                  <a:srgbClr val="FFFFFF"/>
+                </a:clrFrom>
+                <a:clrTo>
+                  <a:srgbClr val="FFFFFF">
+                    <a:alpha val="0"/>
+                  </a:srgbClr>
+                </a:clrTo>
+              </a:clrChange>
+              <a:extLst>
+                <a:ext uri="{28A0092B-C50C-407E-A947-70E740481C1C}">
+                  <a14:useLocalDpi xmlns:a14="http://schemas.microsoft.com/office/drawing/2010/main" val="0"/>
+                </a:ext>
+              </a:extLst>
+            </a:blip>
+            <a:srcRect l="-8856" r="-9198"/>
+            <a:stretch/>
+          </p:blipFill>
+          <p:spPr bwMode="auto">
+            <a:xfrm rot="20400000">
+              <a:off x="9706018" y="5804365"/>
+              <a:ext cx="896769" cy="224391"/>
+            </a:xfrm>
+            <a:prstGeom prst="rect">
+              <a:avLst/>
+            </a:prstGeom>
+            <a:solidFill>
+              <a:schemeClr val="bg2">
+                <a:lumMod val="75000"/>
+              </a:schemeClr>
+            </a:solidFill>
+            <a:ln w="12700">
+              <a:solidFill>
+                <a:schemeClr val="tx1">
+                  <a:lumMod val="50000"/>
+                  <a:lumOff val="50000"/>
+                </a:schemeClr>
+              </a:solidFill>
+              <a:prstDash val="sysDash"/>
+            </a:ln>
+            <a:extLst>
+              <a:ext uri="{909E8E84-426E-40DD-AFC4-6F175D3DCCD1}">
+                <a14:hiddenFill xmlns:a14="http://schemas.microsoft.com/office/drawing/2010/main">
+                  <a:solidFill>
+                    <a:srgbClr val="FFFFFF"/>
+                  </a:solidFill>
+                </a14:hiddenFill>
+              </a:ext>
+            </a:extLst>
+          </p:spPr>
+        </p:pic>
+        <p:pic>
+          <p:nvPicPr>
+            <p:cNvPr id="1052" name="Picture 28" descr="Ping Identity - Tech Partners | Cloudflare">
+              <a:extLst>
+                <a:ext uri="{FF2B5EF4-FFF2-40B4-BE49-F238E27FC236}">
+                  <a16:creationId xmlns:a16="http://schemas.microsoft.com/office/drawing/2014/main" id="{17507EF9-E426-FCA4-239C-79F067F3DF2F}"/>
+                </a:ext>
+              </a:extLst>
+            </p:cNvPr>
+            <p:cNvPicPr>
+              <a:picLocks noChangeAspect="1" noChangeArrowheads="1"/>
+            </p:cNvPicPr>
+            <p:nvPr/>
+          </p:nvPicPr>
+          <p:blipFill rotWithShape="1">
+            <a:blip r:embed="rId21">
+              <a:clrChange>
+                <a:clrFrom>
+                  <a:srgbClr val="FFFFFF"/>
+                </a:clrFrom>
+                <a:clrTo>
+                  <a:srgbClr val="FFFFFF">
+                    <a:alpha val="0"/>
+                  </a:srgbClr>
+                </a:clrTo>
+              </a:clrChange>
+              <a:extLst>
+                <a:ext uri="{28A0092B-C50C-407E-A947-70E740481C1C}">
+                  <a14:useLocalDpi xmlns:a14="http://schemas.microsoft.com/office/drawing/2010/main" val="0"/>
+                </a:ext>
+              </a:extLst>
+            </a:blip>
+            <a:srcRect t="24073" b="21793"/>
+            <a:stretch/>
+          </p:blipFill>
+          <p:spPr bwMode="auto">
+            <a:xfrm rot="20400000">
+              <a:off x="9649415" y="5530412"/>
+              <a:ext cx="987543" cy="197030"/>
+            </a:xfrm>
+            <a:prstGeom prst="rect">
+              <a:avLst/>
+            </a:prstGeom>
+            <a:solidFill>
+              <a:schemeClr val="bg2">
+                <a:lumMod val="75000"/>
+              </a:schemeClr>
+            </a:solidFill>
+            <a:ln w="12700">
+              <a:solidFill>
+                <a:schemeClr val="tx1">
+                  <a:lumMod val="50000"/>
+                  <a:lumOff val="50000"/>
+                </a:schemeClr>
+              </a:solidFill>
+              <a:prstDash val="sysDash"/>
+            </a:ln>
+            <a:extLst>
+              <a:ext uri="{909E8E84-426E-40DD-AFC4-6F175D3DCCD1}">
+                <a14:hiddenFill xmlns:a14="http://schemas.microsoft.com/office/drawing/2010/main">
+                  <a:solidFill>
+                    <a:srgbClr val="FFFFFF"/>
+                  </a:solidFill>
+                </a14:hiddenFill>
+              </a:ext>
+            </a:extLst>
+          </p:spPr>
+        </p:pic>
+      </p:grpSp>
       <p:grpSp>
         <p:nvGrpSpPr>
           <p:cNvPr id="28" name="Group 27">
@@ -12751,7 +14618,7 @@
             <p:nvPr/>
           </p:nvPicPr>
           <p:blipFill>
-            <a:blip r:embed="rId10">
+            <a:blip r:embed="rId22">
               <a:clrChange>
                 <a:clrFrom>
                   <a:srgbClr val="FFFFFF"/>
@@ -13596,7 +15463,7 @@
             <p:nvPr/>
           </p:nvPicPr>
           <p:blipFill>
-            <a:blip r:embed="rId11">
+            <a:blip r:embed="rId23">
               <a:extLst>
                 <a:ext uri="{28A0092B-C50C-407E-A947-70E740481C1C}">
                   <a14:useLocalDpi xmlns:a14="http://schemas.microsoft.com/office/drawing/2010/main" val="0"/>
@@ -13694,14 +15561,14 @@
           <p:cNvCxnSpPr>
             <a:cxnSpLocks/>
             <a:stCxn id="126" idx="1"/>
-            <a:endCxn id="57" idx="0"/>
+            <a:endCxn id="98" idx="0"/>
           </p:cNvCxnSpPr>
           <p:nvPr/>
         </p:nvCxnSpPr>
         <p:spPr>
           <a:xfrm rot="10800000" flipV="1">
-            <a:off x="1994615" y="1009179"/>
-            <a:ext cx="1169676" cy="4553217"/>
+            <a:off x="2008519" y="1009180"/>
+            <a:ext cx="1155772" cy="4539826"/>
           </a:xfrm>
           <a:prstGeom prst="bentConnector2">
             <a:avLst/>
@@ -14506,7 +16373,7 @@
             <p:nvPr/>
           </p:nvPicPr>
           <p:blipFill>
-            <a:blip r:embed="rId12">
+            <a:blip r:embed="rId24">
               <a:extLst>
                 <a:ext uri="{28A0092B-C50C-407E-A947-70E740481C1C}">
                   <a14:useLocalDpi xmlns:a14="http://schemas.microsoft.com/office/drawing/2010/main" val="0"/>
@@ -15401,8 +17268,8 @@
             </p:nvSpPr>
             <p:spPr>
               <a:xfrm rot="16200000">
-                <a:off x="7762067" y="368513"/>
-                <a:ext cx="467847" cy="3058024"/>
+                <a:off x="7763947" y="370393"/>
+                <a:ext cx="467847" cy="3054263"/>
               </a:xfrm>
               <a:prstGeom prst="rect">
                 <a:avLst/>
@@ -15609,7 +17476,7 @@
             <p:nvPr/>
           </p:nvPicPr>
           <p:blipFill>
-            <a:blip r:embed="rId12">
+            <a:blip r:embed="rId24">
               <a:extLst>
                 <a:ext uri="{28A0092B-C50C-407E-A947-70E740481C1C}">
                   <a14:useLocalDpi xmlns:a14="http://schemas.microsoft.com/office/drawing/2010/main" val="0"/>
@@ -15762,19 +17629,18 @@
           <p:cNvCxnSpPr>
             <a:cxnSpLocks/>
             <a:stCxn id="13" idx="1"/>
-            <a:endCxn id="51" idx="1"/>
+            <a:endCxn id="106" idx="3"/>
           </p:cNvCxnSpPr>
           <p:nvPr/>
         </p:nvCxnSpPr>
         <p:spPr>
           <a:xfrm rot="16200000" flipH="1" flipV="1">
-            <a:off x="3006229" y="2572349"/>
-            <a:ext cx="3065757" cy="3509412"/>
+            <a:off x="3461787" y="2056634"/>
+            <a:ext cx="2094484" cy="3569570"/>
           </a:xfrm>
-          <a:prstGeom prst="bentConnector4">
+          <a:prstGeom prst="bentConnector3">
             <a:avLst>
-              <a:gd name="adj1" fmla="val -11245"/>
-              <a:gd name="adj2" fmla="val 101663"/>
+              <a:gd name="adj1" fmla="val -17254"/>
             </a:avLst>
           </a:prstGeom>
           <a:ln w="19050" cap="flat" cmpd="sng" algn="ctr">
@@ -16232,7 +18098,7 @@
             <p:nvPr/>
           </p:nvPicPr>
           <p:blipFill>
-            <a:blip r:embed="rId13">
+            <a:blip r:embed="rId25">
               <a:extLst>
                 <a:ext uri="{28A0092B-C50C-407E-A947-70E740481C1C}">
                   <a14:useLocalDpi xmlns:a14="http://schemas.microsoft.com/office/drawing/2010/main" val="0"/>
@@ -16557,7 +18423,7 @@
             <p:nvPr/>
           </p:nvPicPr>
           <p:blipFill>
-            <a:blip r:embed="rId14">
+            <a:blip r:embed="rId26">
               <a:extLst>
                 <a:ext uri="{28A0092B-C50C-407E-A947-70E740481C1C}">
                   <a14:useLocalDpi xmlns:a14="http://schemas.microsoft.com/office/drawing/2010/main" val="0"/>
@@ -17052,7 +18918,7 @@
             <p:nvPr/>
           </p:nvPicPr>
           <p:blipFill>
-            <a:blip r:embed="rId15">
+            <a:blip r:embed="rId27">
               <a:extLst>
                 <a:ext uri="{28A0092B-C50C-407E-A947-70E740481C1C}">
                   <a14:useLocalDpi xmlns:a14="http://schemas.microsoft.com/office/drawing/2010/main" val="0"/>
@@ -17190,7 +19056,7 @@
             <p:nvPr/>
           </p:nvPicPr>
           <p:blipFill>
-            <a:blip r:embed="rId12">
+            <a:blip r:embed="rId24">
               <a:extLst>
                 <a:ext uri="{28A0092B-C50C-407E-A947-70E740481C1C}">
                   <a14:useLocalDpi xmlns:a14="http://schemas.microsoft.com/office/drawing/2010/main" val="0"/>
@@ -17335,7 +19201,7 @@
             <p:nvPr/>
           </p:nvPicPr>
           <p:blipFill>
-            <a:blip r:embed="rId16">
+            <a:blip r:embed="rId28">
               <a:extLst>
                 <a:ext uri="{28A0092B-C50C-407E-A947-70E740481C1C}">
                   <a14:useLocalDpi xmlns:a14="http://schemas.microsoft.com/office/drawing/2010/main" val="0"/>
@@ -17469,7 +19335,7 @@
             <p:nvPr/>
           </p:nvPicPr>
           <p:blipFill>
-            <a:blip r:embed="rId17"/>
+            <a:blip r:embed="rId29"/>
             <a:stretch>
               <a:fillRect/>
             </a:stretch>
@@ -17620,7 +19486,7 @@
             <p:nvPr/>
           </p:nvPicPr>
           <p:blipFill>
-            <a:blip r:embed="rId18">
+            <a:blip r:embed="rId30">
               <a:extLst>
                 <a:ext uri="{28A0092B-C50C-407E-A947-70E740481C1C}">
                   <a14:useLocalDpi xmlns:a14="http://schemas.microsoft.com/office/drawing/2010/main" val="0"/>
@@ -17754,7 +19620,7 @@
             <p:nvPr/>
           </p:nvPicPr>
           <p:blipFill>
-            <a:blip r:embed="rId17"/>
+            <a:blip r:embed="rId29"/>
             <a:stretch>
               <a:fillRect/>
             </a:stretch>
@@ -17905,7 +19771,7 @@
             <p:nvPr/>
           </p:nvPicPr>
           <p:blipFill>
-            <a:blip r:embed="rId18">
+            <a:blip r:embed="rId30">
               <a:extLst>
                 <a:ext uri="{28A0092B-C50C-407E-A947-70E740481C1C}">
                   <a14:useLocalDpi xmlns:a14="http://schemas.microsoft.com/office/drawing/2010/main" val="0"/>
@@ -18042,7 +19908,7 @@
             <p:nvPr/>
           </p:nvPicPr>
           <p:blipFill>
-            <a:blip r:embed="rId19">
+            <a:blip r:embed="rId31">
               <a:extLst>
                 <a:ext uri="{28A0092B-C50C-407E-A947-70E740481C1C}">
                   <a14:useLocalDpi xmlns:a14="http://schemas.microsoft.com/office/drawing/2010/main" val="0"/>
@@ -18090,7 +19956,7 @@
           <p:nvPr/>
         </p:nvPicPr>
         <p:blipFill>
-          <a:blip r:embed="rId20">
+          <a:blip r:embed="rId32">
             <a:extLst>
               <a:ext uri="{28A0092B-C50C-407E-A947-70E740481C1C}">
                 <a14:useLocalDpi xmlns:a14="http://schemas.microsoft.com/office/drawing/2010/main" val="0"/>
@@ -18280,19 +20146,19 @@
           </p:cNvPr>
           <p:cNvCxnSpPr>
             <a:cxnSpLocks/>
-            <a:stCxn id="72" idx="0"/>
+            <a:stCxn id="1048" idx="0"/>
             <a:endCxn id="16" idx="3"/>
           </p:cNvCxnSpPr>
           <p:nvPr/>
         </p:nvCxnSpPr>
         <p:spPr>
           <a:xfrm rot="5400000" flipH="1" flipV="1">
-            <a:off x="5995432" y="3505117"/>
-            <a:ext cx="1540354" cy="2591530"/>
+            <a:off x="6165757" y="3337525"/>
+            <a:ext cx="1202436" cy="2588797"/>
           </a:xfrm>
           <a:prstGeom prst="bentConnector3">
             <a:avLst>
-              <a:gd name="adj1" fmla="val 23119"/>
+              <a:gd name="adj1" fmla="val 39966"/>
             </a:avLst>
           </a:prstGeom>
           <a:ln w="19050" cap="flat" cmpd="sng" algn="ctr">
@@ -18333,19 +20199,19 @@
           </p:cNvPr>
           <p:cNvCxnSpPr>
             <a:cxnSpLocks/>
-            <a:stCxn id="48" idx="0"/>
+            <a:stCxn id="1044" idx="0"/>
             <a:endCxn id="16" idx="3"/>
           </p:cNvCxnSpPr>
           <p:nvPr/>
         </p:nvCxnSpPr>
         <p:spPr>
           <a:xfrm rot="5400000" flipH="1" flipV="1">
-            <a:off x="6579031" y="4100551"/>
-            <a:ext cx="1552188" cy="1412497"/>
+            <a:off x="6775949" y="3896772"/>
+            <a:ext cx="1151491" cy="1419359"/>
           </a:xfrm>
           <a:prstGeom prst="bentConnector3">
             <a:avLst>
-              <a:gd name="adj1" fmla="val 28881"/>
+              <a:gd name="adj1" fmla="val 63235"/>
             </a:avLst>
           </a:prstGeom>
           <a:ln w="19050" cap="flat" cmpd="sng" algn="ctr">
@@ -18386,19 +20252,19 @@
           </p:cNvPr>
           <p:cNvCxnSpPr>
             <a:cxnSpLocks/>
-            <a:stCxn id="50" idx="0"/>
+            <a:stCxn id="1035" idx="0"/>
             <a:endCxn id="16" idx="3"/>
           </p:cNvCxnSpPr>
           <p:nvPr/>
         </p:nvCxnSpPr>
         <p:spPr>
           <a:xfrm rot="5400000" flipH="1" flipV="1">
-            <a:off x="5397977" y="2912097"/>
-            <a:ext cx="1544789" cy="3782006"/>
+            <a:off x="5645037" y="2696985"/>
+            <a:ext cx="1082617" cy="3750058"/>
           </a:xfrm>
           <a:prstGeom prst="bentConnector3">
             <a:avLst>
-              <a:gd name="adj1" fmla="val 15937"/>
+              <a:gd name="adj1" fmla="val 24779"/>
             </a:avLst>
           </a:prstGeom>
           <a:ln w="19050" cap="flat" cmpd="sng" algn="ctr">
@@ -18439,19 +20305,19 @@
           </p:cNvPr>
           <p:cNvCxnSpPr>
             <a:cxnSpLocks/>
-            <a:stCxn id="51" idx="0"/>
+            <a:stCxn id="1033" idx="0"/>
             <a:endCxn id="13" idx="3"/>
           </p:cNvCxnSpPr>
           <p:nvPr/>
         </p:nvCxnSpPr>
         <p:spPr>
           <a:xfrm rot="5400000" flipH="1" flipV="1">
-            <a:off x="3974385" y="3223143"/>
-            <a:ext cx="1510623" cy="3128236"/>
+            <a:off x="4139695" y="3060951"/>
+            <a:ext cx="1183121" cy="3125118"/>
           </a:xfrm>
           <a:prstGeom prst="bentConnector3">
             <a:avLst>
-              <a:gd name="adj1" fmla="val 28300"/>
+              <a:gd name="adj1" fmla="val 41949"/>
             </a:avLst>
           </a:prstGeom>
           <a:ln w="19050" cap="flat" cmpd="sng" algn="ctr">
@@ -18492,19 +20358,19 @@
           </p:cNvPr>
           <p:cNvCxnSpPr>
             <a:cxnSpLocks/>
-            <a:stCxn id="68" idx="0"/>
+            <a:stCxn id="1047" idx="0"/>
             <a:endCxn id="14" idx="3"/>
           </p:cNvCxnSpPr>
           <p:nvPr/>
         </p:nvCxnSpPr>
         <p:spPr>
           <a:xfrm rot="16200000" flipV="1">
-            <a:off x="6427643" y="4198688"/>
-            <a:ext cx="1540683" cy="1207205"/>
+            <a:off x="6449957" y="4176374"/>
+            <a:ext cx="1472361" cy="1183511"/>
           </a:xfrm>
           <a:prstGeom prst="bentConnector3">
             <a:avLst>
-              <a:gd name="adj1" fmla="val 33203"/>
+              <a:gd name="adj1" fmla="val 74583"/>
             </a:avLst>
           </a:prstGeom>
           <a:ln w="19050" cap="flat" cmpd="sng" algn="ctr">
@@ -18545,19 +20411,19 @@
           </p:cNvPr>
           <p:cNvCxnSpPr>
             <a:cxnSpLocks/>
-            <a:stCxn id="77" idx="0"/>
+            <a:stCxn id="1046" idx="0"/>
             <a:endCxn id="23" idx="3"/>
           </p:cNvCxnSpPr>
           <p:nvPr/>
         </p:nvCxnSpPr>
         <p:spPr>
           <a:xfrm rot="16200000" flipV="1">
-            <a:off x="6885364" y="3128444"/>
-            <a:ext cx="1177653" cy="2984477"/>
+            <a:off x="6860395" y="3153412"/>
+            <a:ext cx="1217264" cy="2974151"/>
           </a:xfrm>
           <a:prstGeom prst="bentConnector3">
             <a:avLst>
-              <a:gd name="adj1" fmla="val 17770"/>
+              <a:gd name="adj1" fmla="val 22351"/>
             </a:avLst>
           </a:prstGeom>
           <a:ln w="19050" cap="flat" cmpd="sng" algn="ctr">
